--- a/Pres.pptx
+++ b/Pres.pptx
@@ -5,7 +5,7 @@
     <p:sldMasterId id="2147483672" r:id="rId1"/>
   </p:sldMasterIdLst>
   <p:notesMasterIdLst>
-    <p:notesMasterId r:id="rId9"/>
+    <p:notesMasterId r:id="rId10"/>
   </p:notesMasterIdLst>
   <p:sldIdLst>
     <p:sldId id="256" r:id="rId2"/>
@@ -15,6 +15,7 @@
     <p:sldId id="261" r:id="rId6"/>
     <p:sldId id="262" r:id="rId7"/>
     <p:sldId id="263" r:id="rId8"/>
+    <p:sldId id="264" r:id="rId9"/>
   </p:sldIdLst>
   <p:sldSz cx="12192000" cy="6858000"/>
   <p:notesSz cx="6858000" cy="9144000"/>
@@ -113,6 +114,11 @@
       </a:defRPr>
     </a:lvl9pPr>
   </p:defaultTextStyle>
+  <p:extLst>
+    <p:ext uri="{EFAFB233-063F-42B5-8137-9DF3F51BA10A}">
+      <p15:sldGuideLst xmlns:p15="http://schemas.microsoft.com/office/powerpoint/2012/main"/>
+    </p:ext>
+  </p:extLst>
 </p:presentation>
 </file>
 
@@ -6052,6 +6058,221 @@
     <p:extLst>
       <p:ext uri="{BB962C8B-B14F-4D97-AF65-F5344CB8AC3E}">
         <p14:creationId xmlns:p14="http://schemas.microsoft.com/office/powerpoint/2010/main" val="1774128047"/>
+      </p:ext>
+    </p:extLst>
+  </p:cSld>
+  <p:clrMapOvr>
+    <a:masterClrMapping/>
+  </p:clrMapOvr>
+</p:sld>
+</file>
+
+<file path=ppt/slides/slide8.xml><?xml version="1.0" encoding="utf-8"?>
+<p:sld xmlns:a="http://schemas.openxmlformats.org/drawingml/2006/main" xmlns:r="http://schemas.openxmlformats.org/officeDocument/2006/relationships" xmlns:p="http://schemas.openxmlformats.org/presentationml/2006/main">
+  <p:cSld>
+    <p:spTree>
+      <p:nvGrpSpPr>
+        <p:cNvPr id="1" name=""/>
+        <p:cNvGrpSpPr/>
+        <p:nvPr/>
+      </p:nvGrpSpPr>
+      <p:grpSpPr>
+        <a:xfrm>
+          <a:off x="0" y="0"/>
+          <a:ext cx="0" cy="0"/>
+          <a:chOff x="0" y="0"/>
+          <a:chExt cx="0" cy="0"/>
+        </a:xfrm>
+      </p:grpSpPr>
+      <p:sp>
+        <p:nvSpPr>
+          <p:cNvPr id="2" name="Title 1">
+            <a:extLst>
+              <a:ext uri="{FF2B5EF4-FFF2-40B4-BE49-F238E27FC236}">
+                <a16:creationId xmlns:a16="http://schemas.microsoft.com/office/drawing/2014/main" id="{3FC87C2D-97F8-47B1-8588-22D2FADD9A61}"/>
+              </a:ext>
+            </a:extLst>
+          </p:cNvPr>
+          <p:cNvSpPr>
+            <a:spLocks noGrp="1"/>
+          </p:cNvSpPr>
+          <p:nvPr>
+            <p:ph type="title"/>
+          </p:nvPr>
+        </p:nvSpPr>
+        <p:spPr/>
+        <p:txBody>
+          <a:bodyPr/>
+          <a:lstStyle/>
+          <a:p>
+            <a:endParaRPr lang="en-GB"/>
+          </a:p>
+        </p:txBody>
+      </p:sp>
+      <p:sp>
+        <p:nvSpPr>
+          <p:cNvPr id="4" name="Footer Placeholder 3">
+            <a:extLst>
+              <a:ext uri="{FF2B5EF4-FFF2-40B4-BE49-F238E27FC236}">
+                <a16:creationId xmlns:a16="http://schemas.microsoft.com/office/drawing/2014/main" id="{1EA21F20-A9BF-4C2B-AB54-75662F5EFB87}"/>
+              </a:ext>
+            </a:extLst>
+          </p:cNvPr>
+          <p:cNvSpPr>
+            <a:spLocks noGrp="1"/>
+          </p:cNvSpPr>
+          <p:nvPr>
+            <p:ph type="ftr" sz="quarter" idx="11"/>
+          </p:nvPr>
+        </p:nvSpPr>
+        <p:spPr/>
+        <p:txBody>
+          <a:bodyPr/>
+          <a:lstStyle/>
+          <a:p>
+            <a:r>
+              <a:rPr lang="en-GB"/>
+              <a:t>Jake Bretherton 1800231</a:t>
+            </a:r>
+          </a:p>
+        </p:txBody>
+      </p:sp>
+      <p:sp>
+        <p:nvSpPr>
+          <p:cNvPr id="9" name="Rectangle 8">
+            <a:extLst>
+              <a:ext uri="{FF2B5EF4-FFF2-40B4-BE49-F238E27FC236}">
+                <a16:creationId xmlns:a16="http://schemas.microsoft.com/office/drawing/2014/main" id="{6807D814-28A8-4E21-9ED4-C76886779CE8}"/>
+              </a:ext>
+            </a:extLst>
+          </p:cNvPr>
+          <p:cNvSpPr/>
+          <p:nvPr/>
+        </p:nvSpPr>
+        <p:spPr>
+          <a:xfrm>
+            <a:off x="2894028" y="2856320"/>
+            <a:ext cx="2300140" cy="782425"/>
+          </a:xfrm>
+          <a:prstGeom prst="rect">
+            <a:avLst/>
+          </a:prstGeom>
+        </p:spPr>
+        <p:style>
+          <a:lnRef idx="1">
+            <a:schemeClr val="accent3"/>
+          </a:lnRef>
+          <a:fillRef idx="2">
+            <a:schemeClr val="accent3"/>
+          </a:fillRef>
+          <a:effectRef idx="1">
+            <a:schemeClr val="accent3"/>
+          </a:effectRef>
+          <a:fontRef idx="minor">
+            <a:schemeClr val="dk1"/>
+          </a:fontRef>
+        </p:style>
+        <p:txBody>
+          <a:bodyPr rtlCol="0" anchor="ctr"/>
+          <a:lstStyle/>
+          <a:p>
+            <a:pPr algn="ctr"/>
+            <a:endParaRPr lang="en-GB"/>
+          </a:p>
+        </p:txBody>
+      </p:sp>
+      <p:sp>
+        <p:nvSpPr>
+          <p:cNvPr id="10" name="Rectangle 9">
+            <a:extLst>
+              <a:ext uri="{FF2B5EF4-FFF2-40B4-BE49-F238E27FC236}">
+                <a16:creationId xmlns:a16="http://schemas.microsoft.com/office/drawing/2014/main" id="{4B178E13-85D6-45AA-A964-96879F11105B}"/>
+              </a:ext>
+            </a:extLst>
+          </p:cNvPr>
+          <p:cNvSpPr/>
+          <p:nvPr/>
+        </p:nvSpPr>
+        <p:spPr>
+          <a:xfrm>
+            <a:off x="6403942" y="2790333"/>
+            <a:ext cx="2300140" cy="782425"/>
+          </a:xfrm>
+          <a:prstGeom prst="rect">
+            <a:avLst/>
+          </a:prstGeom>
+        </p:spPr>
+        <p:style>
+          <a:lnRef idx="1">
+            <a:schemeClr val="accent3"/>
+          </a:lnRef>
+          <a:fillRef idx="2">
+            <a:schemeClr val="accent3"/>
+          </a:fillRef>
+          <a:effectRef idx="1">
+            <a:schemeClr val="accent3"/>
+          </a:effectRef>
+          <a:fontRef idx="minor">
+            <a:schemeClr val="dk1"/>
+          </a:fontRef>
+        </p:style>
+        <p:txBody>
+          <a:bodyPr rtlCol="0" anchor="ctr"/>
+          <a:lstStyle/>
+          <a:p>
+            <a:pPr algn="ctr"/>
+            <a:endParaRPr lang="en-GB"/>
+          </a:p>
+        </p:txBody>
+      </p:sp>
+      <p:sp>
+        <p:nvSpPr>
+          <p:cNvPr id="11" name="Rectangle: Rounded Corners 10">
+            <a:extLst>
+              <a:ext uri="{FF2B5EF4-FFF2-40B4-BE49-F238E27FC236}">
+                <a16:creationId xmlns:a16="http://schemas.microsoft.com/office/drawing/2014/main" id="{93C5EA07-6680-4EE2-B3DC-6583F8A0A983}"/>
+              </a:ext>
+            </a:extLst>
+          </p:cNvPr>
+          <p:cNvSpPr/>
+          <p:nvPr/>
+        </p:nvSpPr>
+        <p:spPr>
+          <a:xfrm>
+            <a:off x="1097280" y="2790333"/>
+            <a:ext cx="914400" cy="914400"/>
+          </a:xfrm>
+          <a:prstGeom prst="roundRect">
+            <a:avLst/>
+          </a:prstGeom>
+        </p:spPr>
+        <p:style>
+          <a:lnRef idx="1">
+            <a:schemeClr val="accent2"/>
+          </a:lnRef>
+          <a:fillRef idx="2">
+            <a:schemeClr val="accent2"/>
+          </a:fillRef>
+          <a:effectRef idx="1">
+            <a:schemeClr val="accent2"/>
+          </a:effectRef>
+          <a:fontRef idx="minor">
+            <a:schemeClr val="dk1"/>
+          </a:fontRef>
+        </p:style>
+        <p:txBody>
+          <a:bodyPr rtlCol="0" anchor="ctr"/>
+          <a:lstStyle/>
+          <a:p>
+            <a:pPr algn="ctr"/>
+            <a:endParaRPr lang="en-GB"/>
+          </a:p>
+        </p:txBody>
+      </p:sp>
+    </p:spTree>
+    <p:extLst>
+      <p:ext uri="{BB962C8B-B14F-4D97-AF65-F5344CB8AC3E}">
+        <p14:creationId xmlns:p14="http://schemas.microsoft.com/office/powerpoint/2010/main" val="3433974004"/>
       </p:ext>
     </p:extLst>
   </p:cSld>

--- a/Pres.pptx
+++ b/Pres.pptx
@@ -5,7 +5,7 @@
     <p:sldMasterId id="2147483672" r:id="rId1"/>
   </p:sldMasterIdLst>
   <p:notesMasterIdLst>
-    <p:notesMasterId r:id="rId10"/>
+    <p:notesMasterId r:id="rId20"/>
   </p:notesMasterIdLst>
   <p:sldIdLst>
     <p:sldId id="256" r:id="rId2"/>
@@ -16,6 +16,16 @@
     <p:sldId id="262" r:id="rId7"/>
     <p:sldId id="263" r:id="rId8"/>
     <p:sldId id="264" r:id="rId9"/>
+    <p:sldId id="265" r:id="rId10"/>
+    <p:sldId id="267" r:id="rId11"/>
+    <p:sldId id="266" r:id="rId12"/>
+    <p:sldId id="268" r:id="rId13"/>
+    <p:sldId id="269" r:id="rId14"/>
+    <p:sldId id="270" r:id="rId15"/>
+    <p:sldId id="271" r:id="rId16"/>
+    <p:sldId id="272" r:id="rId17"/>
+    <p:sldId id="273" r:id="rId18"/>
+    <p:sldId id="274" r:id="rId19"/>
   </p:sldIdLst>
   <p:sldSz cx="12192000" cy="6858000"/>
   <p:notesSz cx="6858000" cy="9144000"/>
@@ -134,6 +144,5398 @@
 </p:cmAuthorLst>
 </file>
 
+<file path=ppt/diagrams/colors1.xml><?xml version="1.0" encoding="utf-8"?>
+<dgm:colorsDef xmlns:dgm="http://schemas.openxmlformats.org/drawingml/2006/diagram" xmlns:a="http://schemas.openxmlformats.org/drawingml/2006/main" uniqueId="urn:microsoft.com/office/officeart/2005/8/colors/colorful1">
+  <dgm:title val=""/>
+  <dgm:desc val=""/>
+  <dgm:catLst>
+    <dgm:cat type="colorful" pri="10100"/>
+  </dgm:catLst>
+  <dgm:styleLbl name="node0">
+    <dgm:fillClrLst meth="repeat">
+      <a:schemeClr val="accent1"/>
+    </dgm:fillClrLst>
+    <dgm:linClrLst meth="repeat">
+      <a:schemeClr val="lt1"/>
+    </dgm:linClrLst>
+    <dgm:effectClrLst/>
+    <dgm:txLinClrLst/>
+    <dgm:txFillClrLst/>
+    <dgm:txEffectClrLst/>
+  </dgm:styleLbl>
+  <dgm:styleLbl name="node1">
+    <dgm:fillClrLst meth="repeat">
+      <a:schemeClr val="accent2"/>
+      <a:schemeClr val="accent3"/>
+      <a:schemeClr val="accent4"/>
+      <a:schemeClr val="accent5"/>
+      <a:schemeClr val="accent6"/>
+    </dgm:fillClrLst>
+    <dgm:linClrLst meth="repeat">
+      <a:schemeClr val="lt1"/>
+    </dgm:linClrLst>
+    <dgm:effectClrLst/>
+    <dgm:txLinClrLst/>
+    <dgm:txFillClrLst/>
+    <dgm:txEffectClrLst/>
+  </dgm:styleLbl>
+  <dgm:styleLbl name="alignNode1">
+    <dgm:fillClrLst meth="repeat">
+      <a:schemeClr val="accent2"/>
+      <a:schemeClr val="accent3"/>
+      <a:schemeClr val="accent4"/>
+      <a:schemeClr val="accent5"/>
+      <a:schemeClr val="accent6"/>
+    </dgm:fillClrLst>
+    <dgm:linClrLst meth="repeat">
+      <a:schemeClr val="accent2"/>
+      <a:schemeClr val="accent3"/>
+      <a:schemeClr val="accent4"/>
+      <a:schemeClr val="accent5"/>
+      <a:schemeClr val="accent6"/>
+    </dgm:linClrLst>
+    <dgm:effectClrLst/>
+    <dgm:txLinClrLst/>
+    <dgm:txFillClrLst/>
+    <dgm:txEffectClrLst/>
+  </dgm:styleLbl>
+  <dgm:styleLbl name="lnNode1">
+    <dgm:fillClrLst meth="repeat">
+      <a:schemeClr val="accent2"/>
+      <a:schemeClr val="accent3"/>
+      <a:schemeClr val="accent4"/>
+      <a:schemeClr val="accent5"/>
+      <a:schemeClr val="accent6"/>
+    </dgm:fillClrLst>
+    <dgm:linClrLst meth="repeat">
+      <a:schemeClr val="lt1"/>
+    </dgm:linClrLst>
+    <dgm:effectClrLst/>
+    <dgm:txLinClrLst/>
+    <dgm:txFillClrLst/>
+    <dgm:txEffectClrLst/>
+  </dgm:styleLbl>
+  <dgm:styleLbl name="vennNode1">
+    <dgm:fillClrLst meth="repeat">
+      <a:schemeClr val="accent2">
+        <a:alpha val="50000"/>
+      </a:schemeClr>
+      <a:schemeClr val="accent3">
+        <a:alpha val="50000"/>
+      </a:schemeClr>
+      <a:schemeClr val="accent4">
+        <a:alpha val="50000"/>
+      </a:schemeClr>
+      <a:schemeClr val="accent5">
+        <a:alpha val="50000"/>
+      </a:schemeClr>
+      <a:schemeClr val="accent6">
+        <a:alpha val="50000"/>
+      </a:schemeClr>
+    </dgm:fillClrLst>
+    <dgm:linClrLst meth="repeat">
+      <a:schemeClr val="lt1"/>
+    </dgm:linClrLst>
+    <dgm:effectClrLst/>
+    <dgm:txLinClrLst/>
+    <dgm:txFillClrLst/>
+    <dgm:txEffectClrLst/>
+  </dgm:styleLbl>
+  <dgm:styleLbl name="node2">
+    <dgm:fillClrLst>
+      <a:schemeClr val="accent2"/>
+    </dgm:fillClrLst>
+    <dgm:linClrLst meth="repeat">
+      <a:schemeClr val="lt1"/>
+    </dgm:linClrLst>
+    <dgm:effectClrLst/>
+    <dgm:txLinClrLst/>
+    <dgm:txFillClrLst/>
+    <dgm:txEffectClrLst/>
+  </dgm:styleLbl>
+  <dgm:styleLbl name="node3">
+    <dgm:fillClrLst>
+      <a:schemeClr val="accent3"/>
+    </dgm:fillClrLst>
+    <dgm:linClrLst meth="repeat">
+      <a:schemeClr val="lt1"/>
+    </dgm:linClrLst>
+    <dgm:effectClrLst/>
+    <dgm:txLinClrLst/>
+    <dgm:txFillClrLst/>
+    <dgm:txEffectClrLst/>
+  </dgm:styleLbl>
+  <dgm:styleLbl name="node4">
+    <dgm:fillClrLst>
+      <a:schemeClr val="accent4"/>
+    </dgm:fillClrLst>
+    <dgm:linClrLst meth="repeat">
+      <a:schemeClr val="lt1"/>
+    </dgm:linClrLst>
+    <dgm:effectClrLst/>
+    <dgm:txLinClrLst/>
+    <dgm:txFillClrLst/>
+    <dgm:txEffectClrLst/>
+  </dgm:styleLbl>
+  <dgm:styleLbl name="fgImgPlace1">
+    <dgm:fillClrLst meth="repeat">
+      <a:schemeClr val="accent2">
+        <a:tint val="50000"/>
+      </a:schemeClr>
+      <a:schemeClr val="accent3">
+        <a:tint val="50000"/>
+      </a:schemeClr>
+      <a:schemeClr val="accent4">
+        <a:tint val="50000"/>
+      </a:schemeClr>
+      <a:schemeClr val="accent5">
+        <a:tint val="50000"/>
+      </a:schemeClr>
+      <a:schemeClr val="accent6">
+        <a:tint val="50000"/>
+      </a:schemeClr>
+    </dgm:fillClrLst>
+    <dgm:linClrLst meth="repeat">
+      <a:schemeClr val="lt1"/>
+    </dgm:linClrLst>
+    <dgm:effectClrLst/>
+    <dgm:txLinClrLst/>
+    <dgm:txFillClrLst meth="repeat">
+      <a:schemeClr val="lt1"/>
+    </dgm:txFillClrLst>
+    <dgm:txEffectClrLst/>
+  </dgm:styleLbl>
+  <dgm:styleLbl name="alignImgPlace1">
+    <dgm:fillClrLst>
+      <a:schemeClr val="accent1">
+        <a:tint val="50000"/>
+      </a:schemeClr>
+      <a:schemeClr val="accent2">
+        <a:tint val="20000"/>
+      </a:schemeClr>
+    </dgm:fillClrLst>
+    <dgm:linClrLst meth="repeat">
+      <a:schemeClr val="lt1"/>
+    </dgm:linClrLst>
+    <dgm:effectClrLst/>
+    <dgm:txLinClrLst/>
+    <dgm:txFillClrLst meth="repeat">
+      <a:schemeClr val="lt1"/>
+    </dgm:txFillClrLst>
+    <dgm:txEffectClrLst/>
+  </dgm:styleLbl>
+  <dgm:styleLbl name="bgImgPlace1">
+    <dgm:fillClrLst>
+      <a:schemeClr val="accent1">
+        <a:tint val="50000"/>
+      </a:schemeClr>
+      <a:schemeClr val="accent2">
+        <a:tint val="20000"/>
+      </a:schemeClr>
+    </dgm:fillClrLst>
+    <dgm:linClrLst meth="repeat">
+      <a:schemeClr val="lt1"/>
+    </dgm:linClrLst>
+    <dgm:effectClrLst/>
+    <dgm:txLinClrLst/>
+    <dgm:txFillClrLst meth="repeat">
+      <a:schemeClr val="lt1"/>
+    </dgm:txFillClrLst>
+    <dgm:txEffectClrLst/>
+  </dgm:styleLbl>
+  <dgm:styleLbl name="sibTrans2D1">
+    <dgm:fillClrLst meth="repeat">
+      <a:schemeClr val="accent2"/>
+      <a:schemeClr val="accent3"/>
+      <a:schemeClr val="accent4"/>
+      <a:schemeClr val="accent5"/>
+      <a:schemeClr val="accent6"/>
+    </dgm:fillClrLst>
+    <dgm:linClrLst meth="cycle">
+      <a:schemeClr val="lt1"/>
+    </dgm:linClrLst>
+    <dgm:effectClrLst/>
+    <dgm:txLinClrLst/>
+    <dgm:txFillClrLst/>
+    <dgm:txEffectClrLst/>
+  </dgm:styleLbl>
+  <dgm:styleLbl name="fgSibTrans2D1">
+    <dgm:fillClrLst meth="repeat">
+      <a:schemeClr val="accent2"/>
+      <a:schemeClr val="accent3"/>
+      <a:schemeClr val="accent4"/>
+      <a:schemeClr val="accent5"/>
+      <a:schemeClr val="accent6"/>
+    </dgm:fillClrLst>
+    <dgm:linClrLst meth="cycle">
+      <a:schemeClr val="lt1"/>
+    </dgm:linClrLst>
+    <dgm:effectClrLst/>
+    <dgm:txLinClrLst/>
+    <dgm:txFillClrLst meth="repeat">
+      <a:schemeClr val="lt1"/>
+    </dgm:txFillClrLst>
+    <dgm:txEffectClrLst/>
+  </dgm:styleLbl>
+  <dgm:styleLbl name="bgSibTrans2D1">
+    <dgm:fillClrLst meth="repeat">
+      <a:schemeClr val="accent2"/>
+      <a:schemeClr val="accent3"/>
+      <a:schemeClr val="accent4"/>
+      <a:schemeClr val="accent5"/>
+      <a:schemeClr val="accent6"/>
+    </dgm:fillClrLst>
+    <dgm:linClrLst meth="cycle">
+      <a:schemeClr val="lt1"/>
+    </dgm:linClrLst>
+    <dgm:effectClrLst/>
+    <dgm:txLinClrLst/>
+    <dgm:txFillClrLst meth="repeat">
+      <a:schemeClr val="lt1"/>
+    </dgm:txFillClrLst>
+    <dgm:txEffectClrLst/>
+  </dgm:styleLbl>
+  <dgm:styleLbl name="sibTrans1D1">
+    <dgm:fillClrLst meth="repeat">
+      <a:schemeClr val="accent2"/>
+      <a:schemeClr val="accent3"/>
+      <a:schemeClr val="accent4"/>
+      <a:schemeClr val="accent5"/>
+      <a:schemeClr val="accent6"/>
+    </dgm:fillClrLst>
+    <dgm:linClrLst meth="repeat">
+      <a:schemeClr val="accent2"/>
+      <a:schemeClr val="accent3"/>
+      <a:schemeClr val="accent4"/>
+      <a:schemeClr val="accent5"/>
+      <a:schemeClr val="accent6"/>
+    </dgm:linClrLst>
+    <dgm:effectClrLst/>
+    <dgm:txLinClrLst/>
+    <dgm:txFillClrLst meth="repeat">
+      <a:schemeClr val="tx1"/>
+    </dgm:txFillClrLst>
+    <dgm:txEffectClrLst/>
+  </dgm:styleLbl>
+  <dgm:styleLbl name="callout">
+    <dgm:fillClrLst meth="repeat">
+      <a:schemeClr val="accent2"/>
+    </dgm:fillClrLst>
+    <dgm:linClrLst meth="repeat">
+      <a:schemeClr val="accent2">
+        <a:tint val="50000"/>
+      </a:schemeClr>
+    </dgm:linClrLst>
+    <dgm:effectClrLst/>
+    <dgm:txLinClrLst/>
+    <dgm:txFillClrLst meth="repeat">
+      <a:schemeClr val="tx1"/>
+    </dgm:txFillClrLst>
+    <dgm:txEffectClrLst/>
+  </dgm:styleLbl>
+  <dgm:styleLbl name="asst0">
+    <dgm:fillClrLst meth="repeat">
+      <a:schemeClr val="accent1"/>
+    </dgm:fillClrLst>
+    <dgm:linClrLst meth="repeat">
+      <a:schemeClr val="lt1"/>
+    </dgm:linClrLst>
+    <dgm:effectClrLst/>
+    <dgm:txLinClrLst/>
+    <dgm:txFillClrLst/>
+    <dgm:txEffectClrLst/>
+  </dgm:styleLbl>
+  <dgm:styleLbl name="asst1">
+    <dgm:fillClrLst meth="repeat">
+      <a:schemeClr val="accent2"/>
+    </dgm:fillClrLst>
+    <dgm:linClrLst meth="repeat">
+      <a:schemeClr val="lt1"/>
+    </dgm:linClrLst>
+    <dgm:effectClrLst/>
+    <dgm:txLinClrLst/>
+    <dgm:txFillClrLst/>
+    <dgm:txEffectClrLst/>
+  </dgm:styleLbl>
+  <dgm:styleLbl name="asst2">
+    <dgm:fillClrLst>
+      <a:schemeClr val="accent3"/>
+    </dgm:fillClrLst>
+    <dgm:linClrLst meth="repeat">
+      <a:schemeClr val="lt1"/>
+    </dgm:linClrLst>
+    <dgm:effectClrLst/>
+    <dgm:txLinClrLst/>
+    <dgm:txFillClrLst/>
+    <dgm:txEffectClrLst/>
+  </dgm:styleLbl>
+  <dgm:styleLbl name="asst3">
+    <dgm:fillClrLst>
+      <a:schemeClr val="accent4"/>
+    </dgm:fillClrLst>
+    <dgm:linClrLst meth="repeat">
+      <a:schemeClr val="lt1"/>
+    </dgm:linClrLst>
+    <dgm:effectClrLst/>
+    <dgm:txLinClrLst/>
+    <dgm:txFillClrLst/>
+    <dgm:txEffectClrLst/>
+  </dgm:styleLbl>
+  <dgm:styleLbl name="asst4">
+    <dgm:fillClrLst>
+      <a:schemeClr val="accent5"/>
+    </dgm:fillClrLst>
+    <dgm:linClrLst meth="repeat">
+      <a:schemeClr val="lt1"/>
+    </dgm:linClrLst>
+    <dgm:effectClrLst/>
+    <dgm:txLinClrLst/>
+    <dgm:txFillClrLst/>
+    <dgm:txEffectClrLst/>
+  </dgm:styleLbl>
+  <dgm:styleLbl name="parChTrans2D1">
+    <dgm:fillClrLst meth="repeat">
+      <a:schemeClr val="accent2"/>
+    </dgm:fillClrLst>
+    <dgm:linClrLst meth="repeat">
+      <a:schemeClr val="lt1"/>
+    </dgm:linClrLst>
+    <dgm:effectClrLst/>
+    <dgm:txLinClrLst/>
+    <dgm:txFillClrLst meth="repeat">
+      <a:schemeClr val="lt1"/>
+    </dgm:txFillClrLst>
+    <dgm:txEffectClrLst/>
+  </dgm:styleLbl>
+  <dgm:styleLbl name="parChTrans2D2">
+    <dgm:fillClrLst meth="repeat">
+      <a:schemeClr val="accent3"/>
+    </dgm:fillClrLst>
+    <dgm:linClrLst meth="repeat">
+      <a:schemeClr val="lt1"/>
+    </dgm:linClrLst>
+    <dgm:effectClrLst/>
+    <dgm:txLinClrLst/>
+    <dgm:txFillClrLst/>
+    <dgm:txEffectClrLst/>
+  </dgm:styleLbl>
+  <dgm:styleLbl name="parChTrans2D3">
+    <dgm:fillClrLst meth="repeat">
+      <a:schemeClr val="accent4"/>
+    </dgm:fillClrLst>
+    <dgm:linClrLst meth="repeat">
+      <a:schemeClr val="lt1"/>
+    </dgm:linClrLst>
+    <dgm:effectClrLst/>
+    <dgm:txLinClrLst/>
+    <dgm:txFillClrLst/>
+    <dgm:txEffectClrLst/>
+  </dgm:styleLbl>
+  <dgm:styleLbl name="parChTrans2D4">
+    <dgm:fillClrLst meth="repeat">
+      <a:schemeClr val="accent5"/>
+    </dgm:fillClrLst>
+    <dgm:linClrLst meth="repeat">
+      <a:schemeClr val="lt1"/>
+    </dgm:linClrLst>
+    <dgm:effectClrLst/>
+    <dgm:txLinClrLst/>
+    <dgm:txFillClrLst meth="repeat">
+      <a:schemeClr val="lt1"/>
+    </dgm:txFillClrLst>
+    <dgm:txEffectClrLst/>
+  </dgm:styleLbl>
+  <dgm:styleLbl name="parChTrans1D1">
+    <dgm:fillClrLst meth="repeat">
+      <a:schemeClr val="accent2"/>
+    </dgm:fillClrLst>
+    <dgm:linClrLst meth="repeat">
+      <a:schemeClr val="accent1"/>
+    </dgm:linClrLst>
+    <dgm:effectClrLst/>
+    <dgm:txLinClrLst/>
+    <dgm:txFillClrLst meth="repeat">
+      <a:schemeClr val="tx1"/>
+    </dgm:txFillClrLst>
+    <dgm:txEffectClrLst/>
+  </dgm:styleLbl>
+  <dgm:styleLbl name="parChTrans1D2">
+    <dgm:fillClrLst meth="repeat">
+      <a:schemeClr val="accent3">
+        <a:tint val="90000"/>
+      </a:schemeClr>
+    </dgm:fillClrLst>
+    <dgm:linClrLst meth="repeat">
+      <a:schemeClr val="accent2"/>
+    </dgm:linClrLst>
+    <dgm:effectClrLst/>
+    <dgm:txLinClrLst/>
+    <dgm:txFillClrLst meth="repeat">
+      <a:schemeClr val="tx1"/>
+    </dgm:txFillClrLst>
+    <dgm:txEffectClrLst/>
+  </dgm:styleLbl>
+  <dgm:styleLbl name="parChTrans1D3">
+    <dgm:fillClrLst meth="repeat">
+      <a:schemeClr val="accent4">
+        <a:tint val="70000"/>
+      </a:schemeClr>
+    </dgm:fillClrLst>
+    <dgm:linClrLst meth="repeat">
+      <a:schemeClr val="accent3"/>
+    </dgm:linClrLst>
+    <dgm:effectClrLst/>
+    <dgm:txLinClrLst/>
+    <dgm:txFillClrLst meth="repeat">
+      <a:schemeClr val="tx1"/>
+    </dgm:txFillClrLst>
+    <dgm:txEffectClrLst/>
+  </dgm:styleLbl>
+  <dgm:styleLbl name="parChTrans1D4">
+    <dgm:fillClrLst meth="repeat">
+      <a:schemeClr val="accent5">
+        <a:tint val="50000"/>
+      </a:schemeClr>
+    </dgm:fillClrLst>
+    <dgm:linClrLst meth="repeat">
+      <a:schemeClr val="accent4"/>
+    </dgm:linClrLst>
+    <dgm:effectClrLst/>
+    <dgm:txLinClrLst/>
+    <dgm:txFillClrLst meth="repeat">
+      <a:schemeClr val="tx1"/>
+    </dgm:txFillClrLst>
+    <dgm:txEffectClrLst/>
+  </dgm:styleLbl>
+  <dgm:styleLbl name="fgAcc1">
+    <dgm:fillClrLst meth="repeat">
+      <a:schemeClr val="lt1">
+        <a:alpha val="90000"/>
+      </a:schemeClr>
+    </dgm:fillClrLst>
+    <dgm:linClrLst meth="repeat">
+      <a:schemeClr val="accent2"/>
+      <a:schemeClr val="accent3"/>
+      <a:schemeClr val="accent4"/>
+      <a:schemeClr val="accent5"/>
+      <a:schemeClr val="accent6"/>
+    </dgm:linClrLst>
+    <dgm:effectClrLst/>
+    <dgm:txLinClrLst/>
+    <dgm:txFillClrLst meth="repeat">
+      <a:schemeClr val="dk1"/>
+    </dgm:txFillClrLst>
+    <dgm:txEffectClrLst/>
+  </dgm:styleLbl>
+  <dgm:styleLbl name="conFgAcc1">
+    <dgm:fillClrLst meth="repeat">
+      <a:schemeClr val="lt1">
+        <a:alpha val="90000"/>
+      </a:schemeClr>
+    </dgm:fillClrLst>
+    <dgm:linClrLst meth="repeat">
+      <a:schemeClr val="accent2"/>
+      <a:schemeClr val="accent3"/>
+      <a:schemeClr val="accent4"/>
+      <a:schemeClr val="accent5"/>
+      <a:schemeClr val="accent6"/>
+    </dgm:linClrLst>
+    <dgm:effectClrLst/>
+    <dgm:txLinClrLst/>
+    <dgm:txFillClrLst meth="repeat">
+      <a:schemeClr val="dk1"/>
+    </dgm:txFillClrLst>
+    <dgm:txEffectClrLst/>
+  </dgm:styleLbl>
+  <dgm:styleLbl name="alignAcc1">
+    <dgm:fillClrLst meth="repeat">
+      <a:schemeClr val="lt1">
+        <a:alpha val="90000"/>
+      </a:schemeClr>
+    </dgm:fillClrLst>
+    <dgm:linClrLst meth="repeat">
+      <a:schemeClr val="accent2"/>
+      <a:schemeClr val="accent3"/>
+      <a:schemeClr val="accent4"/>
+      <a:schemeClr val="accent5"/>
+      <a:schemeClr val="accent6"/>
+    </dgm:linClrLst>
+    <dgm:effectClrLst/>
+    <dgm:txLinClrLst/>
+    <dgm:txFillClrLst meth="repeat">
+      <a:schemeClr val="dk1"/>
+    </dgm:txFillClrLst>
+    <dgm:txEffectClrLst/>
+  </dgm:styleLbl>
+  <dgm:styleLbl name="trAlignAcc1">
+    <dgm:fillClrLst meth="repeat">
+      <a:schemeClr val="lt1">
+        <a:alpha val="40000"/>
+      </a:schemeClr>
+    </dgm:fillClrLst>
+    <dgm:linClrLst meth="repeat">
+      <a:schemeClr val="accent1"/>
+    </dgm:linClrLst>
+    <dgm:effectClrLst/>
+    <dgm:txLinClrLst/>
+    <dgm:txFillClrLst meth="repeat">
+      <a:schemeClr val="dk1"/>
+    </dgm:txFillClrLst>
+    <dgm:txEffectClrLst/>
+  </dgm:styleLbl>
+  <dgm:styleLbl name="bgAcc1">
+    <dgm:fillClrLst meth="repeat">
+      <a:schemeClr val="lt1">
+        <a:alpha val="90000"/>
+      </a:schemeClr>
+    </dgm:fillClrLst>
+    <dgm:linClrLst meth="repeat">
+      <a:schemeClr val="accent2"/>
+      <a:schemeClr val="accent3"/>
+      <a:schemeClr val="accent4"/>
+      <a:schemeClr val="accent5"/>
+      <a:schemeClr val="accent6"/>
+    </dgm:linClrLst>
+    <dgm:effectClrLst/>
+    <dgm:txLinClrLst/>
+    <dgm:txFillClrLst meth="repeat">
+      <a:schemeClr val="dk1"/>
+    </dgm:txFillClrLst>
+    <dgm:txEffectClrLst/>
+  </dgm:styleLbl>
+  <dgm:styleLbl name="solidFgAcc1">
+    <dgm:fillClrLst meth="repeat">
+      <a:schemeClr val="lt1"/>
+    </dgm:fillClrLst>
+    <dgm:linClrLst meth="repeat">
+      <a:schemeClr val="accent2"/>
+      <a:schemeClr val="accent3"/>
+      <a:schemeClr val="accent4"/>
+      <a:schemeClr val="accent5"/>
+      <a:schemeClr val="accent6"/>
+    </dgm:linClrLst>
+    <dgm:effectClrLst/>
+    <dgm:txLinClrLst/>
+    <dgm:txFillClrLst meth="repeat">
+      <a:schemeClr val="dk1"/>
+    </dgm:txFillClrLst>
+    <dgm:txEffectClrLst/>
+  </dgm:styleLbl>
+  <dgm:styleLbl name="solidAlignAcc1">
+    <dgm:fillClrLst meth="repeat">
+      <a:schemeClr val="lt1"/>
+    </dgm:fillClrLst>
+    <dgm:linClrLst meth="repeat">
+      <a:schemeClr val="accent2"/>
+      <a:schemeClr val="accent3"/>
+      <a:schemeClr val="accent4"/>
+      <a:schemeClr val="accent5"/>
+      <a:schemeClr val="accent6"/>
+    </dgm:linClrLst>
+    <dgm:effectClrLst/>
+    <dgm:txLinClrLst/>
+    <dgm:txFillClrLst meth="repeat">
+      <a:schemeClr val="dk1"/>
+    </dgm:txFillClrLst>
+    <dgm:txEffectClrLst/>
+  </dgm:styleLbl>
+  <dgm:styleLbl name="solidBgAcc1">
+    <dgm:fillClrLst meth="repeat">
+      <a:schemeClr val="lt1"/>
+    </dgm:fillClrLst>
+    <dgm:linClrLst meth="repeat">
+      <a:schemeClr val="accent2"/>
+      <a:schemeClr val="accent3"/>
+      <a:schemeClr val="accent4"/>
+      <a:schemeClr val="accent5"/>
+      <a:schemeClr val="accent6"/>
+    </dgm:linClrLst>
+    <dgm:effectClrLst/>
+    <dgm:txLinClrLst/>
+    <dgm:txFillClrLst meth="repeat">
+      <a:schemeClr val="dk1"/>
+    </dgm:txFillClrLst>
+    <dgm:txEffectClrLst/>
+  </dgm:styleLbl>
+  <dgm:styleLbl name="fgAccFollowNode1">
+    <dgm:fillClrLst meth="repeat">
+      <a:schemeClr val="accent2">
+        <a:tint val="40000"/>
+        <a:alpha val="90000"/>
+      </a:schemeClr>
+      <a:schemeClr val="accent3">
+        <a:tint val="40000"/>
+        <a:alpha val="90000"/>
+      </a:schemeClr>
+      <a:schemeClr val="accent4">
+        <a:tint val="40000"/>
+        <a:alpha val="90000"/>
+      </a:schemeClr>
+      <a:schemeClr val="accent5">
+        <a:tint val="40000"/>
+        <a:alpha val="90000"/>
+      </a:schemeClr>
+      <a:schemeClr val="accent6">
+        <a:tint val="40000"/>
+        <a:alpha val="90000"/>
+      </a:schemeClr>
+    </dgm:fillClrLst>
+    <dgm:linClrLst meth="repeat">
+      <a:schemeClr val="accent2">
+        <a:tint val="40000"/>
+        <a:alpha val="90000"/>
+      </a:schemeClr>
+      <a:schemeClr val="accent3">
+        <a:tint val="40000"/>
+        <a:alpha val="90000"/>
+      </a:schemeClr>
+      <a:schemeClr val="accent4">
+        <a:tint val="40000"/>
+        <a:alpha val="90000"/>
+      </a:schemeClr>
+      <a:schemeClr val="accent5">
+        <a:tint val="40000"/>
+        <a:alpha val="90000"/>
+      </a:schemeClr>
+      <a:schemeClr val="accent6">
+        <a:tint val="40000"/>
+        <a:alpha val="90000"/>
+      </a:schemeClr>
+    </dgm:linClrLst>
+    <dgm:effectClrLst/>
+    <dgm:txLinClrLst/>
+    <dgm:txFillClrLst meth="repeat">
+      <a:schemeClr val="dk1"/>
+    </dgm:txFillClrLst>
+    <dgm:txEffectClrLst/>
+  </dgm:styleLbl>
+  <dgm:styleLbl name="alignAccFollowNode1">
+    <dgm:fillClrLst meth="repeat">
+      <a:schemeClr val="accent2">
+        <a:tint val="40000"/>
+        <a:alpha val="90000"/>
+      </a:schemeClr>
+      <a:schemeClr val="accent3">
+        <a:tint val="40000"/>
+        <a:alpha val="90000"/>
+      </a:schemeClr>
+      <a:schemeClr val="accent4">
+        <a:tint val="40000"/>
+        <a:alpha val="90000"/>
+      </a:schemeClr>
+      <a:schemeClr val="accent5">
+        <a:tint val="40000"/>
+        <a:alpha val="90000"/>
+      </a:schemeClr>
+      <a:schemeClr val="accent6">
+        <a:tint val="40000"/>
+        <a:alpha val="90000"/>
+      </a:schemeClr>
+    </dgm:fillClrLst>
+    <dgm:linClrLst meth="repeat">
+      <a:schemeClr val="accent2">
+        <a:tint val="40000"/>
+        <a:alpha val="90000"/>
+      </a:schemeClr>
+      <a:schemeClr val="accent3">
+        <a:tint val="40000"/>
+        <a:alpha val="90000"/>
+      </a:schemeClr>
+      <a:schemeClr val="accent4">
+        <a:tint val="40000"/>
+        <a:alpha val="90000"/>
+      </a:schemeClr>
+      <a:schemeClr val="accent5">
+        <a:tint val="40000"/>
+        <a:alpha val="90000"/>
+      </a:schemeClr>
+      <a:schemeClr val="accent6">
+        <a:tint val="40000"/>
+        <a:alpha val="90000"/>
+      </a:schemeClr>
+    </dgm:linClrLst>
+    <dgm:effectClrLst/>
+    <dgm:txLinClrLst/>
+    <dgm:txFillClrLst meth="repeat">
+      <a:schemeClr val="dk1"/>
+    </dgm:txFillClrLst>
+    <dgm:txEffectClrLst/>
+  </dgm:styleLbl>
+  <dgm:styleLbl name="bgAccFollowNode1">
+    <dgm:fillClrLst meth="repeat">
+      <a:schemeClr val="accent2">
+        <a:tint val="40000"/>
+        <a:alpha val="90000"/>
+      </a:schemeClr>
+      <a:schemeClr val="accent3">
+        <a:tint val="40000"/>
+        <a:alpha val="90000"/>
+      </a:schemeClr>
+      <a:schemeClr val="accent4">
+        <a:tint val="40000"/>
+        <a:alpha val="90000"/>
+      </a:schemeClr>
+      <a:schemeClr val="accent5">
+        <a:tint val="40000"/>
+        <a:alpha val="90000"/>
+      </a:schemeClr>
+      <a:schemeClr val="accent6">
+        <a:tint val="40000"/>
+        <a:alpha val="90000"/>
+      </a:schemeClr>
+    </dgm:fillClrLst>
+    <dgm:linClrLst meth="repeat">
+      <a:schemeClr val="accent2">
+        <a:tint val="40000"/>
+        <a:alpha val="90000"/>
+      </a:schemeClr>
+      <a:schemeClr val="accent3">
+        <a:tint val="40000"/>
+        <a:alpha val="90000"/>
+      </a:schemeClr>
+      <a:schemeClr val="accent4">
+        <a:tint val="40000"/>
+        <a:alpha val="90000"/>
+      </a:schemeClr>
+      <a:schemeClr val="accent5">
+        <a:tint val="40000"/>
+        <a:alpha val="90000"/>
+      </a:schemeClr>
+      <a:schemeClr val="accent6">
+        <a:tint val="40000"/>
+        <a:alpha val="90000"/>
+      </a:schemeClr>
+    </dgm:linClrLst>
+    <dgm:effectClrLst/>
+    <dgm:txLinClrLst/>
+    <dgm:txFillClrLst meth="repeat">
+      <a:schemeClr val="dk1"/>
+    </dgm:txFillClrLst>
+    <dgm:txEffectClrLst/>
+  </dgm:styleLbl>
+  <dgm:styleLbl name="fgAcc0">
+    <dgm:fillClrLst meth="repeat">
+      <a:schemeClr val="lt1">
+        <a:alpha val="90000"/>
+      </a:schemeClr>
+    </dgm:fillClrLst>
+    <dgm:linClrLst>
+      <a:schemeClr val="accent1"/>
+    </dgm:linClrLst>
+    <dgm:effectClrLst/>
+    <dgm:txLinClrLst/>
+    <dgm:txFillClrLst meth="repeat">
+      <a:schemeClr val="dk1"/>
+    </dgm:txFillClrLst>
+    <dgm:txEffectClrLst/>
+  </dgm:styleLbl>
+  <dgm:styleLbl name="fgAcc2">
+    <dgm:fillClrLst meth="repeat">
+      <a:schemeClr val="lt1">
+        <a:alpha val="90000"/>
+      </a:schemeClr>
+    </dgm:fillClrLst>
+    <dgm:linClrLst>
+      <a:schemeClr val="accent2"/>
+    </dgm:linClrLst>
+    <dgm:effectClrLst/>
+    <dgm:txLinClrLst/>
+    <dgm:txFillClrLst meth="repeat">
+      <a:schemeClr val="dk1"/>
+    </dgm:txFillClrLst>
+    <dgm:txEffectClrLst/>
+  </dgm:styleLbl>
+  <dgm:styleLbl name="fgAcc3">
+    <dgm:fillClrLst meth="repeat">
+      <a:schemeClr val="lt1">
+        <a:alpha val="90000"/>
+      </a:schemeClr>
+    </dgm:fillClrLst>
+    <dgm:linClrLst>
+      <a:schemeClr val="accent3"/>
+    </dgm:linClrLst>
+    <dgm:effectClrLst/>
+    <dgm:txLinClrLst/>
+    <dgm:txFillClrLst meth="repeat">
+      <a:schemeClr val="dk1"/>
+    </dgm:txFillClrLst>
+    <dgm:txEffectClrLst/>
+  </dgm:styleLbl>
+  <dgm:styleLbl name="fgAcc4">
+    <dgm:fillClrLst meth="repeat">
+      <a:schemeClr val="lt1">
+        <a:alpha val="90000"/>
+      </a:schemeClr>
+    </dgm:fillClrLst>
+    <dgm:linClrLst>
+      <a:schemeClr val="accent4"/>
+    </dgm:linClrLst>
+    <dgm:effectClrLst/>
+    <dgm:txLinClrLst/>
+    <dgm:txFillClrLst meth="repeat">
+      <a:schemeClr val="dk1"/>
+    </dgm:txFillClrLst>
+    <dgm:txEffectClrLst/>
+  </dgm:styleLbl>
+  <dgm:styleLbl name="bgShp">
+    <dgm:fillClrLst meth="repeat">
+      <a:schemeClr val="accent2">
+        <a:tint val="40000"/>
+      </a:schemeClr>
+    </dgm:fillClrLst>
+    <dgm:linClrLst meth="repeat">
+      <a:schemeClr val="dk1"/>
+    </dgm:linClrLst>
+    <dgm:effectClrLst/>
+    <dgm:txLinClrLst/>
+    <dgm:txFillClrLst meth="repeat">
+      <a:schemeClr val="dk1"/>
+    </dgm:txFillClrLst>
+    <dgm:txEffectClrLst/>
+  </dgm:styleLbl>
+  <dgm:styleLbl name="dkBgShp">
+    <dgm:fillClrLst meth="repeat">
+      <a:schemeClr val="accent2">
+        <a:shade val="90000"/>
+      </a:schemeClr>
+    </dgm:fillClrLst>
+    <dgm:linClrLst meth="repeat">
+      <a:schemeClr val="dk1"/>
+    </dgm:linClrLst>
+    <dgm:effectClrLst/>
+    <dgm:txLinClrLst/>
+    <dgm:txFillClrLst meth="repeat">
+      <a:schemeClr val="lt1"/>
+    </dgm:txFillClrLst>
+    <dgm:txEffectClrLst/>
+  </dgm:styleLbl>
+  <dgm:styleLbl name="trBgShp">
+    <dgm:fillClrLst meth="repeat">
+      <a:schemeClr val="accent1">
+        <a:tint val="50000"/>
+        <a:alpha val="40000"/>
+      </a:schemeClr>
+    </dgm:fillClrLst>
+    <dgm:linClrLst meth="repeat">
+      <a:schemeClr val="accent2"/>
+    </dgm:linClrLst>
+    <dgm:effectClrLst/>
+    <dgm:txLinClrLst/>
+    <dgm:txFillClrLst meth="repeat">
+      <a:schemeClr val="lt1"/>
+    </dgm:txFillClrLst>
+    <dgm:txEffectClrLst/>
+  </dgm:styleLbl>
+  <dgm:styleLbl name="fgShp">
+    <dgm:fillClrLst meth="repeat">
+      <a:schemeClr val="accent2">
+        <a:tint val="40000"/>
+      </a:schemeClr>
+    </dgm:fillClrLst>
+    <dgm:linClrLst meth="repeat">
+      <a:schemeClr val="lt1"/>
+    </dgm:linClrLst>
+    <dgm:effectClrLst/>
+    <dgm:txLinClrLst/>
+    <dgm:txFillClrLst meth="repeat">
+      <a:schemeClr val="dk1"/>
+    </dgm:txFillClrLst>
+    <dgm:txEffectClrLst/>
+  </dgm:styleLbl>
+  <dgm:styleLbl name="revTx">
+    <dgm:fillClrLst meth="repeat">
+      <a:schemeClr val="lt1">
+        <a:alpha val="0"/>
+      </a:schemeClr>
+    </dgm:fillClrLst>
+    <dgm:linClrLst meth="repeat">
+      <a:schemeClr val="dk1">
+        <a:alpha val="0"/>
+      </a:schemeClr>
+    </dgm:linClrLst>
+    <dgm:effectClrLst/>
+    <dgm:txLinClrLst/>
+    <dgm:txFillClrLst meth="repeat">
+      <a:schemeClr val="tx1"/>
+    </dgm:txFillClrLst>
+    <dgm:txEffectClrLst/>
+  </dgm:styleLbl>
+</dgm:colorsDef>
+</file>
+
+<file path=ppt/diagrams/colors2.xml><?xml version="1.0" encoding="utf-8"?>
+<dgm:colorsDef xmlns:dgm="http://schemas.openxmlformats.org/drawingml/2006/diagram" xmlns:a="http://schemas.openxmlformats.org/drawingml/2006/main" uniqueId="urn:microsoft.com/office/officeart/2005/8/colors/colorful1">
+  <dgm:title val=""/>
+  <dgm:desc val=""/>
+  <dgm:catLst>
+    <dgm:cat type="colorful" pri="10100"/>
+  </dgm:catLst>
+  <dgm:styleLbl name="node0">
+    <dgm:fillClrLst meth="repeat">
+      <a:schemeClr val="accent1"/>
+    </dgm:fillClrLst>
+    <dgm:linClrLst meth="repeat">
+      <a:schemeClr val="lt1"/>
+    </dgm:linClrLst>
+    <dgm:effectClrLst/>
+    <dgm:txLinClrLst/>
+    <dgm:txFillClrLst/>
+    <dgm:txEffectClrLst/>
+  </dgm:styleLbl>
+  <dgm:styleLbl name="node1">
+    <dgm:fillClrLst meth="repeat">
+      <a:schemeClr val="accent2"/>
+      <a:schemeClr val="accent3"/>
+      <a:schemeClr val="accent4"/>
+      <a:schemeClr val="accent5"/>
+      <a:schemeClr val="accent6"/>
+    </dgm:fillClrLst>
+    <dgm:linClrLst meth="repeat">
+      <a:schemeClr val="lt1"/>
+    </dgm:linClrLst>
+    <dgm:effectClrLst/>
+    <dgm:txLinClrLst/>
+    <dgm:txFillClrLst/>
+    <dgm:txEffectClrLst/>
+  </dgm:styleLbl>
+  <dgm:styleLbl name="alignNode1">
+    <dgm:fillClrLst meth="repeat">
+      <a:schemeClr val="accent2"/>
+      <a:schemeClr val="accent3"/>
+      <a:schemeClr val="accent4"/>
+      <a:schemeClr val="accent5"/>
+      <a:schemeClr val="accent6"/>
+    </dgm:fillClrLst>
+    <dgm:linClrLst meth="repeat">
+      <a:schemeClr val="accent2"/>
+      <a:schemeClr val="accent3"/>
+      <a:schemeClr val="accent4"/>
+      <a:schemeClr val="accent5"/>
+      <a:schemeClr val="accent6"/>
+    </dgm:linClrLst>
+    <dgm:effectClrLst/>
+    <dgm:txLinClrLst/>
+    <dgm:txFillClrLst/>
+    <dgm:txEffectClrLst/>
+  </dgm:styleLbl>
+  <dgm:styleLbl name="lnNode1">
+    <dgm:fillClrLst meth="repeat">
+      <a:schemeClr val="accent2"/>
+      <a:schemeClr val="accent3"/>
+      <a:schemeClr val="accent4"/>
+      <a:schemeClr val="accent5"/>
+      <a:schemeClr val="accent6"/>
+    </dgm:fillClrLst>
+    <dgm:linClrLst meth="repeat">
+      <a:schemeClr val="lt1"/>
+    </dgm:linClrLst>
+    <dgm:effectClrLst/>
+    <dgm:txLinClrLst/>
+    <dgm:txFillClrLst/>
+    <dgm:txEffectClrLst/>
+  </dgm:styleLbl>
+  <dgm:styleLbl name="vennNode1">
+    <dgm:fillClrLst meth="repeat">
+      <a:schemeClr val="accent2">
+        <a:alpha val="50000"/>
+      </a:schemeClr>
+      <a:schemeClr val="accent3">
+        <a:alpha val="50000"/>
+      </a:schemeClr>
+      <a:schemeClr val="accent4">
+        <a:alpha val="50000"/>
+      </a:schemeClr>
+      <a:schemeClr val="accent5">
+        <a:alpha val="50000"/>
+      </a:schemeClr>
+      <a:schemeClr val="accent6">
+        <a:alpha val="50000"/>
+      </a:schemeClr>
+    </dgm:fillClrLst>
+    <dgm:linClrLst meth="repeat">
+      <a:schemeClr val="lt1"/>
+    </dgm:linClrLst>
+    <dgm:effectClrLst/>
+    <dgm:txLinClrLst/>
+    <dgm:txFillClrLst/>
+    <dgm:txEffectClrLst/>
+  </dgm:styleLbl>
+  <dgm:styleLbl name="node2">
+    <dgm:fillClrLst>
+      <a:schemeClr val="accent2"/>
+    </dgm:fillClrLst>
+    <dgm:linClrLst meth="repeat">
+      <a:schemeClr val="lt1"/>
+    </dgm:linClrLst>
+    <dgm:effectClrLst/>
+    <dgm:txLinClrLst/>
+    <dgm:txFillClrLst/>
+    <dgm:txEffectClrLst/>
+  </dgm:styleLbl>
+  <dgm:styleLbl name="node3">
+    <dgm:fillClrLst>
+      <a:schemeClr val="accent3"/>
+    </dgm:fillClrLst>
+    <dgm:linClrLst meth="repeat">
+      <a:schemeClr val="lt1"/>
+    </dgm:linClrLst>
+    <dgm:effectClrLst/>
+    <dgm:txLinClrLst/>
+    <dgm:txFillClrLst/>
+    <dgm:txEffectClrLst/>
+  </dgm:styleLbl>
+  <dgm:styleLbl name="node4">
+    <dgm:fillClrLst>
+      <a:schemeClr val="accent4"/>
+    </dgm:fillClrLst>
+    <dgm:linClrLst meth="repeat">
+      <a:schemeClr val="lt1"/>
+    </dgm:linClrLst>
+    <dgm:effectClrLst/>
+    <dgm:txLinClrLst/>
+    <dgm:txFillClrLst/>
+    <dgm:txEffectClrLst/>
+  </dgm:styleLbl>
+  <dgm:styleLbl name="fgImgPlace1">
+    <dgm:fillClrLst meth="repeat">
+      <a:schemeClr val="accent2">
+        <a:tint val="50000"/>
+      </a:schemeClr>
+      <a:schemeClr val="accent3">
+        <a:tint val="50000"/>
+      </a:schemeClr>
+      <a:schemeClr val="accent4">
+        <a:tint val="50000"/>
+      </a:schemeClr>
+      <a:schemeClr val="accent5">
+        <a:tint val="50000"/>
+      </a:schemeClr>
+      <a:schemeClr val="accent6">
+        <a:tint val="50000"/>
+      </a:schemeClr>
+    </dgm:fillClrLst>
+    <dgm:linClrLst meth="repeat">
+      <a:schemeClr val="lt1"/>
+    </dgm:linClrLst>
+    <dgm:effectClrLst/>
+    <dgm:txLinClrLst/>
+    <dgm:txFillClrLst meth="repeat">
+      <a:schemeClr val="lt1"/>
+    </dgm:txFillClrLst>
+    <dgm:txEffectClrLst/>
+  </dgm:styleLbl>
+  <dgm:styleLbl name="alignImgPlace1">
+    <dgm:fillClrLst>
+      <a:schemeClr val="accent1">
+        <a:tint val="50000"/>
+      </a:schemeClr>
+      <a:schemeClr val="accent2">
+        <a:tint val="20000"/>
+      </a:schemeClr>
+    </dgm:fillClrLst>
+    <dgm:linClrLst meth="repeat">
+      <a:schemeClr val="lt1"/>
+    </dgm:linClrLst>
+    <dgm:effectClrLst/>
+    <dgm:txLinClrLst/>
+    <dgm:txFillClrLst meth="repeat">
+      <a:schemeClr val="lt1"/>
+    </dgm:txFillClrLst>
+    <dgm:txEffectClrLst/>
+  </dgm:styleLbl>
+  <dgm:styleLbl name="bgImgPlace1">
+    <dgm:fillClrLst>
+      <a:schemeClr val="accent1">
+        <a:tint val="50000"/>
+      </a:schemeClr>
+      <a:schemeClr val="accent2">
+        <a:tint val="20000"/>
+      </a:schemeClr>
+    </dgm:fillClrLst>
+    <dgm:linClrLst meth="repeat">
+      <a:schemeClr val="lt1"/>
+    </dgm:linClrLst>
+    <dgm:effectClrLst/>
+    <dgm:txLinClrLst/>
+    <dgm:txFillClrLst meth="repeat">
+      <a:schemeClr val="lt1"/>
+    </dgm:txFillClrLst>
+    <dgm:txEffectClrLst/>
+  </dgm:styleLbl>
+  <dgm:styleLbl name="sibTrans2D1">
+    <dgm:fillClrLst meth="repeat">
+      <a:schemeClr val="accent2"/>
+      <a:schemeClr val="accent3"/>
+      <a:schemeClr val="accent4"/>
+      <a:schemeClr val="accent5"/>
+      <a:schemeClr val="accent6"/>
+    </dgm:fillClrLst>
+    <dgm:linClrLst meth="cycle">
+      <a:schemeClr val="lt1"/>
+    </dgm:linClrLst>
+    <dgm:effectClrLst/>
+    <dgm:txLinClrLst/>
+    <dgm:txFillClrLst/>
+    <dgm:txEffectClrLst/>
+  </dgm:styleLbl>
+  <dgm:styleLbl name="fgSibTrans2D1">
+    <dgm:fillClrLst meth="repeat">
+      <a:schemeClr val="accent2"/>
+      <a:schemeClr val="accent3"/>
+      <a:schemeClr val="accent4"/>
+      <a:schemeClr val="accent5"/>
+      <a:schemeClr val="accent6"/>
+    </dgm:fillClrLst>
+    <dgm:linClrLst meth="cycle">
+      <a:schemeClr val="lt1"/>
+    </dgm:linClrLst>
+    <dgm:effectClrLst/>
+    <dgm:txLinClrLst/>
+    <dgm:txFillClrLst meth="repeat">
+      <a:schemeClr val="lt1"/>
+    </dgm:txFillClrLst>
+    <dgm:txEffectClrLst/>
+  </dgm:styleLbl>
+  <dgm:styleLbl name="bgSibTrans2D1">
+    <dgm:fillClrLst meth="repeat">
+      <a:schemeClr val="accent2"/>
+      <a:schemeClr val="accent3"/>
+      <a:schemeClr val="accent4"/>
+      <a:schemeClr val="accent5"/>
+      <a:schemeClr val="accent6"/>
+    </dgm:fillClrLst>
+    <dgm:linClrLst meth="cycle">
+      <a:schemeClr val="lt1"/>
+    </dgm:linClrLst>
+    <dgm:effectClrLst/>
+    <dgm:txLinClrLst/>
+    <dgm:txFillClrLst meth="repeat">
+      <a:schemeClr val="lt1"/>
+    </dgm:txFillClrLst>
+    <dgm:txEffectClrLst/>
+  </dgm:styleLbl>
+  <dgm:styleLbl name="sibTrans1D1">
+    <dgm:fillClrLst meth="repeat">
+      <a:schemeClr val="accent2"/>
+      <a:schemeClr val="accent3"/>
+      <a:schemeClr val="accent4"/>
+      <a:schemeClr val="accent5"/>
+      <a:schemeClr val="accent6"/>
+    </dgm:fillClrLst>
+    <dgm:linClrLst meth="repeat">
+      <a:schemeClr val="accent2"/>
+      <a:schemeClr val="accent3"/>
+      <a:schemeClr val="accent4"/>
+      <a:schemeClr val="accent5"/>
+      <a:schemeClr val="accent6"/>
+    </dgm:linClrLst>
+    <dgm:effectClrLst/>
+    <dgm:txLinClrLst/>
+    <dgm:txFillClrLst meth="repeat">
+      <a:schemeClr val="tx1"/>
+    </dgm:txFillClrLst>
+    <dgm:txEffectClrLst/>
+  </dgm:styleLbl>
+  <dgm:styleLbl name="callout">
+    <dgm:fillClrLst meth="repeat">
+      <a:schemeClr val="accent2"/>
+    </dgm:fillClrLst>
+    <dgm:linClrLst meth="repeat">
+      <a:schemeClr val="accent2">
+        <a:tint val="50000"/>
+      </a:schemeClr>
+    </dgm:linClrLst>
+    <dgm:effectClrLst/>
+    <dgm:txLinClrLst/>
+    <dgm:txFillClrLst meth="repeat">
+      <a:schemeClr val="tx1"/>
+    </dgm:txFillClrLst>
+    <dgm:txEffectClrLst/>
+  </dgm:styleLbl>
+  <dgm:styleLbl name="asst0">
+    <dgm:fillClrLst meth="repeat">
+      <a:schemeClr val="accent1"/>
+    </dgm:fillClrLst>
+    <dgm:linClrLst meth="repeat">
+      <a:schemeClr val="lt1"/>
+    </dgm:linClrLst>
+    <dgm:effectClrLst/>
+    <dgm:txLinClrLst/>
+    <dgm:txFillClrLst/>
+    <dgm:txEffectClrLst/>
+  </dgm:styleLbl>
+  <dgm:styleLbl name="asst1">
+    <dgm:fillClrLst meth="repeat">
+      <a:schemeClr val="accent2"/>
+    </dgm:fillClrLst>
+    <dgm:linClrLst meth="repeat">
+      <a:schemeClr val="lt1"/>
+    </dgm:linClrLst>
+    <dgm:effectClrLst/>
+    <dgm:txLinClrLst/>
+    <dgm:txFillClrLst/>
+    <dgm:txEffectClrLst/>
+  </dgm:styleLbl>
+  <dgm:styleLbl name="asst2">
+    <dgm:fillClrLst>
+      <a:schemeClr val="accent3"/>
+    </dgm:fillClrLst>
+    <dgm:linClrLst meth="repeat">
+      <a:schemeClr val="lt1"/>
+    </dgm:linClrLst>
+    <dgm:effectClrLst/>
+    <dgm:txLinClrLst/>
+    <dgm:txFillClrLst/>
+    <dgm:txEffectClrLst/>
+  </dgm:styleLbl>
+  <dgm:styleLbl name="asst3">
+    <dgm:fillClrLst>
+      <a:schemeClr val="accent4"/>
+    </dgm:fillClrLst>
+    <dgm:linClrLst meth="repeat">
+      <a:schemeClr val="lt1"/>
+    </dgm:linClrLst>
+    <dgm:effectClrLst/>
+    <dgm:txLinClrLst/>
+    <dgm:txFillClrLst/>
+    <dgm:txEffectClrLst/>
+  </dgm:styleLbl>
+  <dgm:styleLbl name="asst4">
+    <dgm:fillClrLst>
+      <a:schemeClr val="accent5"/>
+    </dgm:fillClrLst>
+    <dgm:linClrLst meth="repeat">
+      <a:schemeClr val="lt1"/>
+    </dgm:linClrLst>
+    <dgm:effectClrLst/>
+    <dgm:txLinClrLst/>
+    <dgm:txFillClrLst/>
+    <dgm:txEffectClrLst/>
+  </dgm:styleLbl>
+  <dgm:styleLbl name="parChTrans2D1">
+    <dgm:fillClrLst meth="repeat">
+      <a:schemeClr val="accent2"/>
+    </dgm:fillClrLst>
+    <dgm:linClrLst meth="repeat">
+      <a:schemeClr val="lt1"/>
+    </dgm:linClrLst>
+    <dgm:effectClrLst/>
+    <dgm:txLinClrLst/>
+    <dgm:txFillClrLst meth="repeat">
+      <a:schemeClr val="lt1"/>
+    </dgm:txFillClrLst>
+    <dgm:txEffectClrLst/>
+  </dgm:styleLbl>
+  <dgm:styleLbl name="parChTrans2D2">
+    <dgm:fillClrLst meth="repeat">
+      <a:schemeClr val="accent3"/>
+    </dgm:fillClrLst>
+    <dgm:linClrLst meth="repeat">
+      <a:schemeClr val="lt1"/>
+    </dgm:linClrLst>
+    <dgm:effectClrLst/>
+    <dgm:txLinClrLst/>
+    <dgm:txFillClrLst/>
+    <dgm:txEffectClrLst/>
+  </dgm:styleLbl>
+  <dgm:styleLbl name="parChTrans2D3">
+    <dgm:fillClrLst meth="repeat">
+      <a:schemeClr val="accent4"/>
+    </dgm:fillClrLst>
+    <dgm:linClrLst meth="repeat">
+      <a:schemeClr val="lt1"/>
+    </dgm:linClrLst>
+    <dgm:effectClrLst/>
+    <dgm:txLinClrLst/>
+    <dgm:txFillClrLst/>
+    <dgm:txEffectClrLst/>
+  </dgm:styleLbl>
+  <dgm:styleLbl name="parChTrans2D4">
+    <dgm:fillClrLst meth="repeat">
+      <a:schemeClr val="accent5"/>
+    </dgm:fillClrLst>
+    <dgm:linClrLst meth="repeat">
+      <a:schemeClr val="lt1"/>
+    </dgm:linClrLst>
+    <dgm:effectClrLst/>
+    <dgm:txLinClrLst/>
+    <dgm:txFillClrLst meth="repeat">
+      <a:schemeClr val="lt1"/>
+    </dgm:txFillClrLst>
+    <dgm:txEffectClrLst/>
+  </dgm:styleLbl>
+  <dgm:styleLbl name="parChTrans1D1">
+    <dgm:fillClrLst meth="repeat">
+      <a:schemeClr val="accent2"/>
+    </dgm:fillClrLst>
+    <dgm:linClrLst meth="repeat">
+      <a:schemeClr val="accent1"/>
+    </dgm:linClrLst>
+    <dgm:effectClrLst/>
+    <dgm:txLinClrLst/>
+    <dgm:txFillClrLst meth="repeat">
+      <a:schemeClr val="tx1"/>
+    </dgm:txFillClrLst>
+    <dgm:txEffectClrLst/>
+  </dgm:styleLbl>
+  <dgm:styleLbl name="parChTrans1D2">
+    <dgm:fillClrLst meth="repeat">
+      <a:schemeClr val="accent3">
+        <a:tint val="90000"/>
+      </a:schemeClr>
+    </dgm:fillClrLst>
+    <dgm:linClrLst meth="repeat">
+      <a:schemeClr val="accent2"/>
+    </dgm:linClrLst>
+    <dgm:effectClrLst/>
+    <dgm:txLinClrLst/>
+    <dgm:txFillClrLst meth="repeat">
+      <a:schemeClr val="tx1"/>
+    </dgm:txFillClrLst>
+    <dgm:txEffectClrLst/>
+  </dgm:styleLbl>
+  <dgm:styleLbl name="parChTrans1D3">
+    <dgm:fillClrLst meth="repeat">
+      <a:schemeClr val="accent4">
+        <a:tint val="70000"/>
+      </a:schemeClr>
+    </dgm:fillClrLst>
+    <dgm:linClrLst meth="repeat">
+      <a:schemeClr val="accent3"/>
+    </dgm:linClrLst>
+    <dgm:effectClrLst/>
+    <dgm:txLinClrLst/>
+    <dgm:txFillClrLst meth="repeat">
+      <a:schemeClr val="tx1"/>
+    </dgm:txFillClrLst>
+    <dgm:txEffectClrLst/>
+  </dgm:styleLbl>
+  <dgm:styleLbl name="parChTrans1D4">
+    <dgm:fillClrLst meth="repeat">
+      <a:schemeClr val="accent5">
+        <a:tint val="50000"/>
+      </a:schemeClr>
+    </dgm:fillClrLst>
+    <dgm:linClrLst meth="repeat">
+      <a:schemeClr val="accent4"/>
+    </dgm:linClrLst>
+    <dgm:effectClrLst/>
+    <dgm:txLinClrLst/>
+    <dgm:txFillClrLst meth="repeat">
+      <a:schemeClr val="tx1"/>
+    </dgm:txFillClrLst>
+    <dgm:txEffectClrLst/>
+  </dgm:styleLbl>
+  <dgm:styleLbl name="fgAcc1">
+    <dgm:fillClrLst meth="repeat">
+      <a:schemeClr val="lt1">
+        <a:alpha val="90000"/>
+      </a:schemeClr>
+    </dgm:fillClrLst>
+    <dgm:linClrLst meth="repeat">
+      <a:schemeClr val="accent2"/>
+      <a:schemeClr val="accent3"/>
+      <a:schemeClr val="accent4"/>
+      <a:schemeClr val="accent5"/>
+      <a:schemeClr val="accent6"/>
+    </dgm:linClrLst>
+    <dgm:effectClrLst/>
+    <dgm:txLinClrLst/>
+    <dgm:txFillClrLst meth="repeat">
+      <a:schemeClr val="dk1"/>
+    </dgm:txFillClrLst>
+    <dgm:txEffectClrLst/>
+  </dgm:styleLbl>
+  <dgm:styleLbl name="conFgAcc1">
+    <dgm:fillClrLst meth="repeat">
+      <a:schemeClr val="lt1">
+        <a:alpha val="90000"/>
+      </a:schemeClr>
+    </dgm:fillClrLst>
+    <dgm:linClrLst meth="repeat">
+      <a:schemeClr val="accent2"/>
+      <a:schemeClr val="accent3"/>
+      <a:schemeClr val="accent4"/>
+      <a:schemeClr val="accent5"/>
+      <a:schemeClr val="accent6"/>
+    </dgm:linClrLst>
+    <dgm:effectClrLst/>
+    <dgm:txLinClrLst/>
+    <dgm:txFillClrLst meth="repeat">
+      <a:schemeClr val="dk1"/>
+    </dgm:txFillClrLst>
+    <dgm:txEffectClrLst/>
+  </dgm:styleLbl>
+  <dgm:styleLbl name="alignAcc1">
+    <dgm:fillClrLst meth="repeat">
+      <a:schemeClr val="lt1">
+        <a:alpha val="90000"/>
+      </a:schemeClr>
+    </dgm:fillClrLst>
+    <dgm:linClrLst meth="repeat">
+      <a:schemeClr val="accent2"/>
+      <a:schemeClr val="accent3"/>
+      <a:schemeClr val="accent4"/>
+      <a:schemeClr val="accent5"/>
+      <a:schemeClr val="accent6"/>
+    </dgm:linClrLst>
+    <dgm:effectClrLst/>
+    <dgm:txLinClrLst/>
+    <dgm:txFillClrLst meth="repeat">
+      <a:schemeClr val="dk1"/>
+    </dgm:txFillClrLst>
+    <dgm:txEffectClrLst/>
+  </dgm:styleLbl>
+  <dgm:styleLbl name="trAlignAcc1">
+    <dgm:fillClrLst meth="repeat">
+      <a:schemeClr val="lt1">
+        <a:alpha val="40000"/>
+      </a:schemeClr>
+    </dgm:fillClrLst>
+    <dgm:linClrLst meth="repeat">
+      <a:schemeClr val="accent1"/>
+    </dgm:linClrLst>
+    <dgm:effectClrLst/>
+    <dgm:txLinClrLst/>
+    <dgm:txFillClrLst meth="repeat">
+      <a:schemeClr val="dk1"/>
+    </dgm:txFillClrLst>
+    <dgm:txEffectClrLst/>
+  </dgm:styleLbl>
+  <dgm:styleLbl name="bgAcc1">
+    <dgm:fillClrLst meth="repeat">
+      <a:schemeClr val="lt1">
+        <a:alpha val="90000"/>
+      </a:schemeClr>
+    </dgm:fillClrLst>
+    <dgm:linClrLst meth="repeat">
+      <a:schemeClr val="accent2"/>
+      <a:schemeClr val="accent3"/>
+      <a:schemeClr val="accent4"/>
+      <a:schemeClr val="accent5"/>
+      <a:schemeClr val="accent6"/>
+    </dgm:linClrLst>
+    <dgm:effectClrLst/>
+    <dgm:txLinClrLst/>
+    <dgm:txFillClrLst meth="repeat">
+      <a:schemeClr val="dk1"/>
+    </dgm:txFillClrLst>
+    <dgm:txEffectClrLst/>
+  </dgm:styleLbl>
+  <dgm:styleLbl name="solidFgAcc1">
+    <dgm:fillClrLst meth="repeat">
+      <a:schemeClr val="lt1"/>
+    </dgm:fillClrLst>
+    <dgm:linClrLst meth="repeat">
+      <a:schemeClr val="accent2"/>
+      <a:schemeClr val="accent3"/>
+      <a:schemeClr val="accent4"/>
+      <a:schemeClr val="accent5"/>
+      <a:schemeClr val="accent6"/>
+    </dgm:linClrLst>
+    <dgm:effectClrLst/>
+    <dgm:txLinClrLst/>
+    <dgm:txFillClrLst meth="repeat">
+      <a:schemeClr val="dk1"/>
+    </dgm:txFillClrLst>
+    <dgm:txEffectClrLst/>
+  </dgm:styleLbl>
+  <dgm:styleLbl name="solidAlignAcc1">
+    <dgm:fillClrLst meth="repeat">
+      <a:schemeClr val="lt1"/>
+    </dgm:fillClrLst>
+    <dgm:linClrLst meth="repeat">
+      <a:schemeClr val="accent2"/>
+      <a:schemeClr val="accent3"/>
+      <a:schemeClr val="accent4"/>
+      <a:schemeClr val="accent5"/>
+      <a:schemeClr val="accent6"/>
+    </dgm:linClrLst>
+    <dgm:effectClrLst/>
+    <dgm:txLinClrLst/>
+    <dgm:txFillClrLst meth="repeat">
+      <a:schemeClr val="dk1"/>
+    </dgm:txFillClrLst>
+    <dgm:txEffectClrLst/>
+  </dgm:styleLbl>
+  <dgm:styleLbl name="solidBgAcc1">
+    <dgm:fillClrLst meth="repeat">
+      <a:schemeClr val="lt1"/>
+    </dgm:fillClrLst>
+    <dgm:linClrLst meth="repeat">
+      <a:schemeClr val="accent2"/>
+      <a:schemeClr val="accent3"/>
+      <a:schemeClr val="accent4"/>
+      <a:schemeClr val="accent5"/>
+      <a:schemeClr val="accent6"/>
+    </dgm:linClrLst>
+    <dgm:effectClrLst/>
+    <dgm:txLinClrLst/>
+    <dgm:txFillClrLst meth="repeat">
+      <a:schemeClr val="dk1"/>
+    </dgm:txFillClrLst>
+    <dgm:txEffectClrLst/>
+  </dgm:styleLbl>
+  <dgm:styleLbl name="fgAccFollowNode1">
+    <dgm:fillClrLst meth="repeat">
+      <a:schemeClr val="accent2">
+        <a:tint val="40000"/>
+        <a:alpha val="90000"/>
+      </a:schemeClr>
+      <a:schemeClr val="accent3">
+        <a:tint val="40000"/>
+        <a:alpha val="90000"/>
+      </a:schemeClr>
+      <a:schemeClr val="accent4">
+        <a:tint val="40000"/>
+        <a:alpha val="90000"/>
+      </a:schemeClr>
+      <a:schemeClr val="accent5">
+        <a:tint val="40000"/>
+        <a:alpha val="90000"/>
+      </a:schemeClr>
+      <a:schemeClr val="accent6">
+        <a:tint val="40000"/>
+        <a:alpha val="90000"/>
+      </a:schemeClr>
+    </dgm:fillClrLst>
+    <dgm:linClrLst meth="repeat">
+      <a:schemeClr val="accent2">
+        <a:tint val="40000"/>
+        <a:alpha val="90000"/>
+      </a:schemeClr>
+      <a:schemeClr val="accent3">
+        <a:tint val="40000"/>
+        <a:alpha val="90000"/>
+      </a:schemeClr>
+      <a:schemeClr val="accent4">
+        <a:tint val="40000"/>
+        <a:alpha val="90000"/>
+      </a:schemeClr>
+      <a:schemeClr val="accent5">
+        <a:tint val="40000"/>
+        <a:alpha val="90000"/>
+      </a:schemeClr>
+      <a:schemeClr val="accent6">
+        <a:tint val="40000"/>
+        <a:alpha val="90000"/>
+      </a:schemeClr>
+    </dgm:linClrLst>
+    <dgm:effectClrLst/>
+    <dgm:txLinClrLst/>
+    <dgm:txFillClrLst meth="repeat">
+      <a:schemeClr val="dk1"/>
+    </dgm:txFillClrLst>
+    <dgm:txEffectClrLst/>
+  </dgm:styleLbl>
+  <dgm:styleLbl name="alignAccFollowNode1">
+    <dgm:fillClrLst meth="repeat">
+      <a:schemeClr val="accent2">
+        <a:tint val="40000"/>
+        <a:alpha val="90000"/>
+      </a:schemeClr>
+      <a:schemeClr val="accent3">
+        <a:tint val="40000"/>
+        <a:alpha val="90000"/>
+      </a:schemeClr>
+      <a:schemeClr val="accent4">
+        <a:tint val="40000"/>
+        <a:alpha val="90000"/>
+      </a:schemeClr>
+      <a:schemeClr val="accent5">
+        <a:tint val="40000"/>
+        <a:alpha val="90000"/>
+      </a:schemeClr>
+      <a:schemeClr val="accent6">
+        <a:tint val="40000"/>
+        <a:alpha val="90000"/>
+      </a:schemeClr>
+    </dgm:fillClrLst>
+    <dgm:linClrLst meth="repeat">
+      <a:schemeClr val="accent2">
+        <a:tint val="40000"/>
+        <a:alpha val="90000"/>
+      </a:schemeClr>
+      <a:schemeClr val="accent3">
+        <a:tint val="40000"/>
+        <a:alpha val="90000"/>
+      </a:schemeClr>
+      <a:schemeClr val="accent4">
+        <a:tint val="40000"/>
+        <a:alpha val="90000"/>
+      </a:schemeClr>
+      <a:schemeClr val="accent5">
+        <a:tint val="40000"/>
+        <a:alpha val="90000"/>
+      </a:schemeClr>
+      <a:schemeClr val="accent6">
+        <a:tint val="40000"/>
+        <a:alpha val="90000"/>
+      </a:schemeClr>
+    </dgm:linClrLst>
+    <dgm:effectClrLst/>
+    <dgm:txLinClrLst/>
+    <dgm:txFillClrLst meth="repeat">
+      <a:schemeClr val="dk1"/>
+    </dgm:txFillClrLst>
+    <dgm:txEffectClrLst/>
+  </dgm:styleLbl>
+  <dgm:styleLbl name="bgAccFollowNode1">
+    <dgm:fillClrLst meth="repeat">
+      <a:schemeClr val="accent2">
+        <a:tint val="40000"/>
+        <a:alpha val="90000"/>
+      </a:schemeClr>
+      <a:schemeClr val="accent3">
+        <a:tint val="40000"/>
+        <a:alpha val="90000"/>
+      </a:schemeClr>
+      <a:schemeClr val="accent4">
+        <a:tint val="40000"/>
+        <a:alpha val="90000"/>
+      </a:schemeClr>
+      <a:schemeClr val="accent5">
+        <a:tint val="40000"/>
+        <a:alpha val="90000"/>
+      </a:schemeClr>
+      <a:schemeClr val="accent6">
+        <a:tint val="40000"/>
+        <a:alpha val="90000"/>
+      </a:schemeClr>
+    </dgm:fillClrLst>
+    <dgm:linClrLst meth="repeat">
+      <a:schemeClr val="accent2">
+        <a:tint val="40000"/>
+        <a:alpha val="90000"/>
+      </a:schemeClr>
+      <a:schemeClr val="accent3">
+        <a:tint val="40000"/>
+        <a:alpha val="90000"/>
+      </a:schemeClr>
+      <a:schemeClr val="accent4">
+        <a:tint val="40000"/>
+        <a:alpha val="90000"/>
+      </a:schemeClr>
+      <a:schemeClr val="accent5">
+        <a:tint val="40000"/>
+        <a:alpha val="90000"/>
+      </a:schemeClr>
+      <a:schemeClr val="accent6">
+        <a:tint val="40000"/>
+        <a:alpha val="90000"/>
+      </a:schemeClr>
+    </dgm:linClrLst>
+    <dgm:effectClrLst/>
+    <dgm:txLinClrLst/>
+    <dgm:txFillClrLst meth="repeat">
+      <a:schemeClr val="dk1"/>
+    </dgm:txFillClrLst>
+    <dgm:txEffectClrLst/>
+  </dgm:styleLbl>
+  <dgm:styleLbl name="fgAcc0">
+    <dgm:fillClrLst meth="repeat">
+      <a:schemeClr val="lt1">
+        <a:alpha val="90000"/>
+      </a:schemeClr>
+    </dgm:fillClrLst>
+    <dgm:linClrLst>
+      <a:schemeClr val="accent1"/>
+    </dgm:linClrLst>
+    <dgm:effectClrLst/>
+    <dgm:txLinClrLst/>
+    <dgm:txFillClrLst meth="repeat">
+      <a:schemeClr val="dk1"/>
+    </dgm:txFillClrLst>
+    <dgm:txEffectClrLst/>
+  </dgm:styleLbl>
+  <dgm:styleLbl name="fgAcc2">
+    <dgm:fillClrLst meth="repeat">
+      <a:schemeClr val="lt1">
+        <a:alpha val="90000"/>
+      </a:schemeClr>
+    </dgm:fillClrLst>
+    <dgm:linClrLst>
+      <a:schemeClr val="accent2"/>
+    </dgm:linClrLst>
+    <dgm:effectClrLst/>
+    <dgm:txLinClrLst/>
+    <dgm:txFillClrLst meth="repeat">
+      <a:schemeClr val="dk1"/>
+    </dgm:txFillClrLst>
+    <dgm:txEffectClrLst/>
+  </dgm:styleLbl>
+  <dgm:styleLbl name="fgAcc3">
+    <dgm:fillClrLst meth="repeat">
+      <a:schemeClr val="lt1">
+        <a:alpha val="90000"/>
+      </a:schemeClr>
+    </dgm:fillClrLst>
+    <dgm:linClrLst>
+      <a:schemeClr val="accent3"/>
+    </dgm:linClrLst>
+    <dgm:effectClrLst/>
+    <dgm:txLinClrLst/>
+    <dgm:txFillClrLst meth="repeat">
+      <a:schemeClr val="dk1"/>
+    </dgm:txFillClrLst>
+    <dgm:txEffectClrLst/>
+  </dgm:styleLbl>
+  <dgm:styleLbl name="fgAcc4">
+    <dgm:fillClrLst meth="repeat">
+      <a:schemeClr val="lt1">
+        <a:alpha val="90000"/>
+      </a:schemeClr>
+    </dgm:fillClrLst>
+    <dgm:linClrLst>
+      <a:schemeClr val="accent4"/>
+    </dgm:linClrLst>
+    <dgm:effectClrLst/>
+    <dgm:txLinClrLst/>
+    <dgm:txFillClrLst meth="repeat">
+      <a:schemeClr val="dk1"/>
+    </dgm:txFillClrLst>
+    <dgm:txEffectClrLst/>
+  </dgm:styleLbl>
+  <dgm:styleLbl name="bgShp">
+    <dgm:fillClrLst meth="repeat">
+      <a:schemeClr val="accent2">
+        <a:tint val="40000"/>
+      </a:schemeClr>
+    </dgm:fillClrLst>
+    <dgm:linClrLst meth="repeat">
+      <a:schemeClr val="dk1"/>
+    </dgm:linClrLst>
+    <dgm:effectClrLst/>
+    <dgm:txLinClrLst/>
+    <dgm:txFillClrLst meth="repeat">
+      <a:schemeClr val="dk1"/>
+    </dgm:txFillClrLst>
+    <dgm:txEffectClrLst/>
+  </dgm:styleLbl>
+  <dgm:styleLbl name="dkBgShp">
+    <dgm:fillClrLst meth="repeat">
+      <a:schemeClr val="accent2">
+        <a:shade val="90000"/>
+      </a:schemeClr>
+    </dgm:fillClrLst>
+    <dgm:linClrLst meth="repeat">
+      <a:schemeClr val="dk1"/>
+    </dgm:linClrLst>
+    <dgm:effectClrLst/>
+    <dgm:txLinClrLst/>
+    <dgm:txFillClrLst meth="repeat">
+      <a:schemeClr val="lt1"/>
+    </dgm:txFillClrLst>
+    <dgm:txEffectClrLst/>
+  </dgm:styleLbl>
+  <dgm:styleLbl name="trBgShp">
+    <dgm:fillClrLst meth="repeat">
+      <a:schemeClr val="accent1">
+        <a:tint val="50000"/>
+        <a:alpha val="40000"/>
+      </a:schemeClr>
+    </dgm:fillClrLst>
+    <dgm:linClrLst meth="repeat">
+      <a:schemeClr val="accent2"/>
+    </dgm:linClrLst>
+    <dgm:effectClrLst/>
+    <dgm:txLinClrLst/>
+    <dgm:txFillClrLst meth="repeat">
+      <a:schemeClr val="lt1"/>
+    </dgm:txFillClrLst>
+    <dgm:txEffectClrLst/>
+  </dgm:styleLbl>
+  <dgm:styleLbl name="fgShp">
+    <dgm:fillClrLst meth="repeat">
+      <a:schemeClr val="accent2">
+        <a:tint val="40000"/>
+      </a:schemeClr>
+    </dgm:fillClrLst>
+    <dgm:linClrLst meth="repeat">
+      <a:schemeClr val="lt1"/>
+    </dgm:linClrLst>
+    <dgm:effectClrLst/>
+    <dgm:txLinClrLst/>
+    <dgm:txFillClrLst meth="repeat">
+      <a:schemeClr val="dk1"/>
+    </dgm:txFillClrLst>
+    <dgm:txEffectClrLst/>
+  </dgm:styleLbl>
+  <dgm:styleLbl name="revTx">
+    <dgm:fillClrLst meth="repeat">
+      <a:schemeClr val="lt1">
+        <a:alpha val="0"/>
+      </a:schemeClr>
+    </dgm:fillClrLst>
+    <dgm:linClrLst meth="repeat">
+      <a:schemeClr val="dk1">
+        <a:alpha val="0"/>
+      </a:schemeClr>
+    </dgm:linClrLst>
+    <dgm:effectClrLst/>
+    <dgm:txLinClrLst/>
+    <dgm:txFillClrLst meth="repeat">
+      <a:schemeClr val="tx1"/>
+    </dgm:txFillClrLst>
+    <dgm:txEffectClrLst/>
+  </dgm:styleLbl>
+</dgm:colorsDef>
+</file>
+
+<file path=ppt/diagrams/data1.xml><?xml version="1.0" encoding="utf-8"?>
+<dgm:dataModel xmlns:dgm="http://schemas.openxmlformats.org/drawingml/2006/diagram" xmlns:a="http://schemas.openxmlformats.org/drawingml/2006/main">
+  <dgm:ptLst>
+    <dgm:pt modelId="{FFF2CD8F-0A08-452B-ACCB-21FBD4A4B8CE}" type="doc">
+      <dgm:prSet loTypeId="urn:microsoft.com/office/officeart/2005/8/layout/cycle5" loCatId="cycle" qsTypeId="urn:microsoft.com/office/officeart/2005/8/quickstyle/simple3" qsCatId="simple" csTypeId="urn:microsoft.com/office/officeart/2005/8/colors/colorful1" csCatId="colorful" phldr="1"/>
+      <dgm:spPr/>
+      <dgm:t>
+        <a:bodyPr/>
+        <a:lstStyle/>
+        <a:p>
+          <a:endParaRPr lang="en-GB"/>
+        </a:p>
+      </dgm:t>
+    </dgm:pt>
+    <dgm:pt modelId="{9F5F16C7-11F1-4E9A-9435-E4B5C643BFAF}">
+      <dgm:prSet phldrT="[Text]"/>
+      <dgm:spPr/>
+      <dgm:t>
+        <a:bodyPr/>
+        <a:lstStyle/>
+        <a:p>
+          <a:r>
+            <a:rPr lang="en-GB" dirty="0"/>
+            <a:t>Take root and add character to it, write this to channel and increment character</a:t>
+          </a:r>
+        </a:p>
+        <a:p>
+          <a:r>
+            <a:rPr lang="en-GB" dirty="0"/>
+            <a:t>When exhausted characters, arrive and wait to signal the root should be updated</a:t>
+          </a:r>
+        </a:p>
+      </dgm:t>
+    </dgm:pt>
+    <dgm:pt modelId="{7B6EBF4E-EEAB-4A85-8819-8DD7FE50E23A}" type="parTrans" cxnId="{79443562-E1B9-42AF-8A17-6B2737C85FD3}">
+      <dgm:prSet/>
+      <dgm:spPr/>
+      <dgm:t>
+        <a:bodyPr/>
+        <a:lstStyle/>
+        <a:p>
+          <a:endParaRPr lang="en-GB"/>
+        </a:p>
+      </dgm:t>
+    </dgm:pt>
+    <dgm:pt modelId="{47B6863D-98A7-4185-9DAE-10F46DCF97A6}" type="sibTrans" cxnId="{79443562-E1B9-42AF-8A17-6B2737C85FD3}">
+      <dgm:prSet/>
+      <dgm:spPr/>
+      <dgm:t>
+        <a:bodyPr/>
+        <a:lstStyle/>
+        <a:p>
+          <a:endParaRPr lang="en-GB"/>
+        </a:p>
+      </dgm:t>
+    </dgm:pt>
+    <dgm:pt modelId="{DD4D16CF-50A4-43CA-B747-C156E5A1F59D}">
+      <dgm:prSet phldrT="[Text]"/>
+      <dgm:spPr/>
+      <dgm:t>
+        <a:bodyPr/>
+        <a:lstStyle/>
+        <a:p>
+          <a:r>
+            <a:rPr lang="en-GB" dirty="0"/>
+            <a:t>Arrive and wait for root password to be updated</a:t>
+          </a:r>
+        </a:p>
+      </dgm:t>
+    </dgm:pt>
+    <dgm:pt modelId="{08260F48-8CBE-4EC0-A8CA-1964CE750FC5}" type="parTrans" cxnId="{8228F32D-ED00-49F6-8C28-73F7B3F28F4E}">
+      <dgm:prSet/>
+      <dgm:spPr/>
+      <dgm:t>
+        <a:bodyPr/>
+        <a:lstStyle/>
+        <a:p>
+          <a:endParaRPr lang="en-GB"/>
+        </a:p>
+      </dgm:t>
+    </dgm:pt>
+    <dgm:pt modelId="{9D068119-22ED-40CE-A342-C9609A300F88}" type="sibTrans" cxnId="{8228F32D-ED00-49F6-8C28-73F7B3F28F4E}">
+      <dgm:prSet/>
+      <dgm:spPr/>
+      <dgm:t>
+        <a:bodyPr/>
+        <a:lstStyle/>
+        <a:p>
+          <a:endParaRPr lang="en-GB"/>
+        </a:p>
+      </dgm:t>
+    </dgm:pt>
+    <dgm:pt modelId="{EF8AE113-4C99-4DEE-A8FC-45EF4B53091A}" type="pres">
+      <dgm:prSet presAssocID="{FFF2CD8F-0A08-452B-ACCB-21FBD4A4B8CE}" presName="cycle" presStyleCnt="0">
+        <dgm:presLayoutVars>
+          <dgm:dir/>
+          <dgm:resizeHandles val="exact"/>
+        </dgm:presLayoutVars>
+      </dgm:prSet>
+      <dgm:spPr/>
+    </dgm:pt>
+    <dgm:pt modelId="{1631E438-A454-4B0B-B257-A70437086284}" type="pres">
+      <dgm:prSet presAssocID="{9F5F16C7-11F1-4E9A-9435-E4B5C643BFAF}" presName="node" presStyleLbl="node1" presStyleIdx="0" presStyleCnt="2">
+        <dgm:presLayoutVars>
+          <dgm:bulletEnabled val="1"/>
+        </dgm:presLayoutVars>
+      </dgm:prSet>
+      <dgm:spPr/>
+    </dgm:pt>
+    <dgm:pt modelId="{A148E707-7D11-4127-9CB9-53246C8CD5D5}" type="pres">
+      <dgm:prSet presAssocID="{9F5F16C7-11F1-4E9A-9435-E4B5C643BFAF}" presName="spNode" presStyleCnt="0"/>
+      <dgm:spPr/>
+    </dgm:pt>
+    <dgm:pt modelId="{B6EEDCC7-3F7E-46FC-AF22-19251FED0F06}" type="pres">
+      <dgm:prSet presAssocID="{47B6863D-98A7-4185-9DAE-10F46DCF97A6}" presName="sibTrans" presStyleLbl="sibTrans1D1" presStyleIdx="0" presStyleCnt="2"/>
+      <dgm:spPr/>
+    </dgm:pt>
+    <dgm:pt modelId="{90CFFAF1-3B61-4876-B3DF-0225DF01CFAE}" type="pres">
+      <dgm:prSet presAssocID="{DD4D16CF-50A4-43CA-B747-C156E5A1F59D}" presName="node" presStyleLbl="node1" presStyleIdx="1" presStyleCnt="2">
+        <dgm:presLayoutVars>
+          <dgm:bulletEnabled val="1"/>
+        </dgm:presLayoutVars>
+      </dgm:prSet>
+      <dgm:spPr/>
+    </dgm:pt>
+    <dgm:pt modelId="{E2B2F6FB-070A-4FBB-9C7B-2692897F4524}" type="pres">
+      <dgm:prSet presAssocID="{DD4D16CF-50A4-43CA-B747-C156E5A1F59D}" presName="spNode" presStyleCnt="0"/>
+      <dgm:spPr/>
+    </dgm:pt>
+    <dgm:pt modelId="{58649FAD-3F86-456D-8242-368CA7FDBE55}" type="pres">
+      <dgm:prSet presAssocID="{9D068119-22ED-40CE-A342-C9609A300F88}" presName="sibTrans" presStyleLbl="sibTrans1D1" presStyleIdx="1" presStyleCnt="2"/>
+      <dgm:spPr/>
+    </dgm:pt>
+  </dgm:ptLst>
+  <dgm:cxnLst>
+    <dgm:cxn modelId="{0E8A2314-4BB6-4AF0-8E09-2262E4ECEFB5}" type="presOf" srcId="{DD4D16CF-50A4-43CA-B747-C156E5A1F59D}" destId="{90CFFAF1-3B61-4876-B3DF-0225DF01CFAE}" srcOrd="0" destOrd="0" presId="urn:microsoft.com/office/officeart/2005/8/layout/cycle5"/>
+    <dgm:cxn modelId="{8228F32D-ED00-49F6-8C28-73F7B3F28F4E}" srcId="{FFF2CD8F-0A08-452B-ACCB-21FBD4A4B8CE}" destId="{DD4D16CF-50A4-43CA-B747-C156E5A1F59D}" srcOrd="1" destOrd="0" parTransId="{08260F48-8CBE-4EC0-A8CA-1964CE750FC5}" sibTransId="{9D068119-22ED-40CE-A342-C9609A300F88}"/>
+    <dgm:cxn modelId="{79443562-E1B9-42AF-8A17-6B2737C85FD3}" srcId="{FFF2CD8F-0A08-452B-ACCB-21FBD4A4B8CE}" destId="{9F5F16C7-11F1-4E9A-9435-E4B5C643BFAF}" srcOrd="0" destOrd="0" parTransId="{7B6EBF4E-EEAB-4A85-8819-8DD7FE50E23A}" sibTransId="{47B6863D-98A7-4185-9DAE-10F46DCF97A6}"/>
+    <dgm:cxn modelId="{A15AB455-CC06-4701-AE8D-313F9D051EA8}" type="presOf" srcId="{9D068119-22ED-40CE-A342-C9609A300F88}" destId="{58649FAD-3F86-456D-8242-368CA7FDBE55}" srcOrd="0" destOrd="0" presId="urn:microsoft.com/office/officeart/2005/8/layout/cycle5"/>
+    <dgm:cxn modelId="{5CF49A95-34A5-4580-87AA-5B10C65C4547}" type="presOf" srcId="{9F5F16C7-11F1-4E9A-9435-E4B5C643BFAF}" destId="{1631E438-A454-4B0B-B257-A70437086284}" srcOrd="0" destOrd="0" presId="urn:microsoft.com/office/officeart/2005/8/layout/cycle5"/>
+    <dgm:cxn modelId="{4DD8C7A6-E7A1-4FC4-B79A-D3AC35EA37D4}" type="presOf" srcId="{FFF2CD8F-0A08-452B-ACCB-21FBD4A4B8CE}" destId="{EF8AE113-4C99-4DEE-A8FC-45EF4B53091A}" srcOrd="0" destOrd="0" presId="urn:microsoft.com/office/officeart/2005/8/layout/cycle5"/>
+    <dgm:cxn modelId="{196C7CF9-C270-4B00-B6EA-0646D5D56027}" type="presOf" srcId="{47B6863D-98A7-4185-9DAE-10F46DCF97A6}" destId="{B6EEDCC7-3F7E-46FC-AF22-19251FED0F06}" srcOrd="0" destOrd="0" presId="urn:microsoft.com/office/officeart/2005/8/layout/cycle5"/>
+    <dgm:cxn modelId="{D24DF5F3-1BFA-4CC5-8177-A4761EF30D4D}" type="presParOf" srcId="{EF8AE113-4C99-4DEE-A8FC-45EF4B53091A}" destId="{1631E438-A454-4B0B-B257-A70437086284}" srcOrd="0" destOrd="0" presId="urn:microsoft.com/office/officeart/2005/8/layout/cycle5"/>
+    <dgm:cxn modelId="{75847E72-EBED-4138-A4CE-5B458C808113}" type="presParOf" srcId="{EF8AE113-4C99-4DEE-A8FC-45EF4B53091A}" destId="{A148E707-7D11-4127-9CB9-53246C8CD5D5}" srcOrd="1" destOrd="0" presId="urn:microsoft.com/office/officeart/2005/8/layout/cycle5"/>
+    <dgm:cxn modelId="{4494B88F-DF9A-4C6C-BC43-03474693E291}" type="presParOf" srcId="{EF8AE113-4C99-4DEE-A8FC-45EF4B53091A}" destId="{B6EEDCC7-3F7E-46FC-AF22-19251FED0F06}" srcOrd="2" destOrd="0" presId="urn:microsoft.com/office/officeart/2005/8/layout/cycle5"/>
+    <dgm:cxn modelId="{03CD4199-AD51-4AED-BB00-69C368F2C10C}" type="presParOf" srcId="{EF8AE113-4C99-4DEE-A8FC-45EF4B53091A}" destId="{90CFFAF1-3B61-4876-B3DF-0225DF01CFAE}" srcOrd="3" destOrd="0" presId="urn:microsoft.com/office/officeart/2005/8/layout/cycle5"/>
+    <dgm:cxn modelId="{3F12369E-919D-4545-B288-5BB448034F34}" type="presParOf" srcId="{EF8AE113-4C99-4DEE-A8FC-45EF4B53091A}" destId="{E2B2F6FB-070A-4FBB-9C7B-2692897F4524}" srcOrd="4" destOrd="0" presId="urn:microsoft.com/office/officeart/2005/8/layout/cycle5"/>
+    <dgm:cxn modelId="{63023B75-179E-4BBA-A0A6-17E5C83A2FD6}" type="presParOf" srcId="{EF8AE113-4C99-4DEE-A8FC-45EF4B53091A}" destId="{58649FAD-3F86-456D-8242-368CA7FDBE55}" srcOrd="5" destOrd="0" presId="urn:microsoft.com/office/officeart/2005/8/layout/cycle5"/>
+  </dgm:cxnLst>
+  <dgm:bg/>
+  <dgm:whole/>
+  <dgm:extLst>
+    <a:ext uri="http://schemas.microsoft.com/office/drawing/2008/diagram">
+      <dsp:dataModelExt xmlns:dsp="http://schemas.microsoft.com/office/drawing/2008/diagram" relId="rId6" minVer="http://schemas.openxmlformats.org/drawingml/2006/diagram"/>
+    </a:ext>
+  </dgm:extLst>
+</dgm:dataModel>
+</file>
+
+<file path=ppt/diagrams/data2.xml><?xml version="1.0" encoding="utf-8"?>
+<dgm:dataModel xmlns:dgm="http://schemas.openxmlformats.org/drawingml/2006/diagram" xmlns:a="http://schemas.openxmlformats.org/drawingml/2006/main">
+  <dgm:ptLst>
+    <dgm:pt modelId="{FFF2CD8F-0A08-452B-ACCB-21FBD4A4B8CE}" type="doc">
+      <dgm:prSet loTypeId="urn:microsoft.com/office/officeart/2005/8/layout/cycle5" loCatId="cycle" qsTypeId="urn:microsoft.com/office/officeart/2005/8/quickstyle/simple3" qsCatId="simple" csTypeId="urn:microsoft.com/office/officeart/2005/8/colors/colorful1" csCatId="colorful" phldr="1"/>
+      <dgm:spPr/>
+      <dgm:t>
+        <a:bodyPr/>
+        <a:lstStyle/>
+        <a:p>
+          <a:endParaRPr lang="en-GB"/>
+        </a:p>
+      </dgm:t>
+    </dgm:pt>
+    <dgm:pt modelId="{9F5F16C7-11F1-4E9A-9435-E4B5C643BFAF}">
+      <dgm:prSet phldrT="[Text]"/>
+      <dgm:spPr/>
+      <dgm:t>
+        <a:bodyPr/>
+        <a:lstStyle/>
+        <a:p>
+          <a:r>
+            <a:rPr lang="en-GB" dirty="0"/>
+            <a:t>Arrive and wait for generation to finish</a:t>
+          </a:r>
+        </a:p>
+      </dgm:t>
+    </dgm:pt>
+    <dgm:pt modelId="{7B6EBF4E-EEAB-4A85-8819-8DD7FE50E23A}" type="parTrans" cxnId="{79443562-E1B9-42AF-8A17-6B2737C85FD3}">
+      <dgm:prSet/>
+      <dgm:spPr/>
+      <dgm:t>
+        <a:bodyPr/>
+        <a:lstStyle/>
+        <a:p>
+          <a:endParaRPr lang="en-GB"/>
+        </a:p>
+      </dgm:t>
+    </dgm:pt>
+    <dgm:pt modelId="{47B6863D-98A7-4185-9DAE-10F46DCF97A6}" type="sibTrans" cxnId="{79443562-E1B9-42AF-8A17-6B2737C85FD3}">
+      <dgm:prSet/>
+      <dgm:spPr/>
+      <dgm:t>
+        <a:bodyPr/>
+        <a:lstStyle/>
+        <a:p>
+          <a:endParaRPr lang="en-GB"/>
+        </a:p>
+      </dgm:t>
+    </dgm:pt>
+    <dgm:pt modelId="{DD4D16CF-50A4-43CA-B747-C156E5A1F59D}">
+      <dgm:prSet phldrT="[Text]"/>
+      <dgm:spPr/>
+      <dgm:t>
+        <a:bodyPr/>
+        <a:lstStyle/>
+        <a:p>
+          <a:r>
+            <a:rPr lang="en-GB" dirty="0"/>
+            <a:t>Update the root password </a:t>
+          </a:r>
+        </a:p>
+        <a:p>
+          <a:r>
+            <a:rPr lang="en-GB" dirty="0"/>
+            <a:t>Once finished arrive and wait to signal generation may begin again</a:t>
+          </a:r>
+        </a:p>
+      </dgm:t>
+    </dgm:pt>
+    <dgm:pt modelId="{08260F48-8CBE-4EC0-A8CA-1964CE750FC5}" type="parTrans" cxnId="{8228F32D-ED00-49F6-8C28-73F7B3F28F4E}">
+      <dgm:prSet/>
+      <dgm:spPr/>
+      <dgm:t>
+        <a:bodyPr/>
+        <a:lstStyle/>
+        <a:p>
+          <a:endParaRPr lang="en-GB"/>
+        </a:p>
+      </dgm:t>
+    </dgm:pt>
+    <dgm:pt modelId="{9D068119-22ED-40CE-A342-C9609A300F88}" type="sibTrans" cxnId="{8228F32D-ED00-49F6-8C28-73F7B3F28F4E}">
+      <dgm:prSet/>
+      <dgm:spPr/>
+      <dgm:t>
+        <a:bodyPr/>
+        <a:lstStyle/>
+        <a:p>
+          <a:endParaRPr lang="en-GB"/>
+        </a:p>
+      </dgm:t>
+    </dgm:pt>
+    <dgm:pt modelId="{EF8AE113-4C99-4DEE-A8FC-45EF4B53091A}" type="pres">
+      <dgm:prSet presAssocID="{FFF2CD8F-0A08-452B-ACCB-21FBD4A4B8CE}" presName="cycle" presStyleCnt="0">
+        <dgm:presLayoutVars>
+          <dgm:dir/>
+          <dgm:resizeHandles val="exact"/>
+        </dgm:presLayoutVars>
+      </dgm:prSet>
+      <dgm:spPr/>
+    </dgm:pt>
+    <dgm:pt modelId="{1631E438-A454-4B0B-B257-A70437086284}" type="pres">
+      <dgm:prSet presAssocID="{9F5F16C7-11F1-4E9A-9435-E4B5C643BFAF}" presName="node" presStyleLbl="node1" presStyleIdx="0" presStyleCnt="2">
+        <dgm:presLayoutVars>
+          <dgm:bulletEnabled val="1"/>
+        </dgm:presLayoutVars>
+      </dgm:prSet>
+      <dgm:spPr/>
+    </dgm:pt>
+    <dgm:pt modelId="{A148E707-7D11-4127-9CB9-53246C8CD5D5}" type="pres">
+      <dgm:prSet presAssocID="{9F5F16C7-11F1-4E9A-9435-E4B5C643BFAF}" presName="spNode" presStyleCnt="0"/>
+      <dgm:spPr/>
+    </dgm:pt>
+    <dgm:pt modelId="{B6EEDCC7-3F7E-46FC-AF22-19251FED0F06}" type="pres">
+      <dgm:prSet presAssocID="{47B6863D-98A7-4185-9DAE-10F46DCF97A6}" presName="sibTrans" presStyleLbl="sibTrans1D1" presStyleIdx="0" presStyleCnt="2"/>
+      <dgm:spPr/>
+    </dgm:pt>
+    <dgm:pt modelId="{90CFFAF1-3B61-4876-B3DF-0225DF01CFAE}" type="pres">
+      <dgm:prSet presAssocID="{DD4D16CF-50A4-43CA-B747-C156E5A1F59D}" presName="node" presStyleLbl="node1" presStyleIdx="1" presStyleCnt="2">
+        <dgm:presLayoutVars>
+          <dgm:bulletEnabled val="1"/>
+        </dgm:presLayoutVars>
+      </dgm:prSet>
+      <dgm:spPr/>
+    </dgm:pt>
+    <dgm:pt modelId="{E2B2F6FB-070A-4FBB-9C7B-2692897F4524}" type="pres">
+      <dgm:prSet presAssocID="{DD4D16CF-50A4-43CA-B747-C156E5A1F59D}" presName="spNode" presStyleCnt="0"/>
+      <dgm:spPr/>
+    </dgm:pt>
+    <dgm:pt modelId="{58649FAD-3F86-456D-8242-368CA7FDBE55}" type="pres">
+      <dgm:prSet presAssocID="{9D068119-22ED-40CE-A342-C9609A300F88}" presName="sibTrans" presStyleLbl="sibTrans1D1" presStyleIdx="1" presStyleCnt="2"/>
+      <dgm:spPr/>
+    </dgm:pt>
+  </dgm:ptLst>
+  <dgm:cxnLst>
+    <dgm:cxn modelId="{0E8A2314-4BB6-4AF0-8E09-2262E4ECEFB5}" type="presOf" srcId="{DD4D16CF-50A4-43CA-B747-C156E5A1F59D}" destId="{90CFFAF1-3B61-4876-B3DF-0225DF01CFAE}" srcOrd="0" destOrd="0" presId="urn:microsoft.com/office/officeart/2005/8/layout/cycle5"/>
+    <dgm:cxn modelId="{8228F32D-ED00-49F6-8C28-73F7B3F28F4E}" srcId="{FFF2CD8F-0A08-452B-ACCB-21FBD4A4B8CE}" destId="{DD4D16CF-50A4-43CA-B747-C156E5A1F59D}" srcOrd="1" destOrd="0" parTransId="{08260F48-8CBE-4EC0-A8CA-1964CE750FC5}" sibTransId="{9D068119-22ED-40CE-A342-C9609A300F88}"/>
+    <dgm:cxn modelId="{79443562-E1B9-42AF-8A17-6B2737C85FD3}" srcId="{FFF2CD8F-0A08-452B-ACCB-21FBD4A4B8CE}" destId="{9F5F16C7-11F1-4E9A-9435-E4B5C643BFAF}" srcOrd="0" destOrd="0" parTransId="{7B6EBF4E-EEAB-4A85-8819-8DD7FE50E23A}" sibTransId="{47B6863D-98A7-4185-9DAE-10F46DCF97A6}"/>
+    <dgm:cxn modelId="{A15AB455-CC06-4701-AE8D-313F9D051EA8}" type="presOf" srcId="{9D068119-22ED-40CE-A342-C9609A300F88}" destId="{58649FAD-3F86-456D-8242-368CA7FDBE55}" srcOrd="0" destOrd="0" presId="urn:microsoft.com/office/officeart/2005/8/layout/cycle5"/>
+    <dgm:cxn modelId="{5CF49A95-34A5-4580-87AA-5B10C65C4547}" type="presOf" srcId="{9F5F16C7-11F1-4E9A-9435-E4B5C643BFAF}" destId="{1631E438-A454-4B0B-B257-A70437086284}" srcOrd="0" destOrd="0" presId="urn:microsoft.com/office/officeart/2005/8/layout/cycle5"/>
+    <dgm:cxn modelId="{4DD8C7A6-E7A1-4FC4-B79A-D3AC35EA37D4}" type="presOf" srcId="{FFF2CD8F-0A08-452B-ACCB-21FBD4A4B8CE}" destId="{EF8AE113-4C99-4DEE-A8FC-45EF4B53091A}" srcOrd="0" destOrd="0" presId="urn:microsoft.com/office/officeart/2005/8/layout/cycle5"/>
+    <dgm:cxn modelId="{196C7CF9-C270-4B00-B6EA-0646D5D56027}" type="presOf" srcId="{47B6863D-98A7-4185-9DAE-10F46DCF97A6}" destId="{B6EEDCC7-3F7E-46FC-AF22-19251FED0F06}" srcOrd="0" destOrd="0" presId="urn:microsoft.com/office/officeart/2005/8/layout/cycle5"/>
+    <dgm:cxn modelId="{D24DF5F3-1BFA-4CC5-8177-A4761EF30D4D}" type="presParOf" srcId="{EF8AE113-4C99-4DEE-A8FC-45EF4B53091A}" destId="{1631E438-A454-4B0B-B257-A70437086284}" srcOrd="0" destOrd="0" presId="urn:microsoft.com/office/officeart/2005/8/layout/cycle5"/>
+    <dgm:cxn modelId="{75847E72-EBED-4138-A4CE-5B458C808113}" type="presParOf" srcId="{EF8AE113-4C99-4DEE-A8FC-45EF4B53091A}" destId="{A148E707-7D11-4127-9CB9-53246C8CD5D5}" srcOrd="1" destOrd="0" presId="urn:microsoft.com/office/officeart/2005/8/layout/cycle5"/>
+    <dgm:cxn modelId="{4494B88F-DF9A-4C6C-BC43-03474693E291}" type="presParOf" srcId="{EF8AE113-4C99-4DEE-A8FC-45EF4B53091A}" destId="{B6EEDCC7-3F7E-46FC-AF22-19251FED0F06}" srcOrd="2" destOrd="0" presId="urn:microsoft.com/office/officeart/2005/8/layout/cycle5"/>
+    <dgm:cxn modelId="{03CD4199-AD51-4AED-BB00-69C368F2C10C}" type="presParOf" srcId="{EF8AE113-4C99-4DEE-A8FC-45EF4B53091A}" destId="{90CFFAF1-3B61-4876-B3DF-0225DF01CFAE}" srcOrd="3" destOrd="0" presId="urn:microsoft.com/office/officeart/2005/8/layout/cycle5"/>
+    <dgm:cxn modelId="{3F12369E-919D-4545-B288-5BB448034F34}" type="presParOf" srcId="{EF8AE113-4C99-4DEE-A8FC-45EF4B53091A}" destId="{E2B2F6FB-070A-4FBB-9C7B-2692897F4524}" srcOrd="4" destOrd="0" presId="urn:microsoft.com/office/officeart/2005/8/layout/cycle5"/>
+    <dgm:cxn modelId="{63023B75-179E-4BBA-A0A6-17E5C83A2FD6}" type="presParOf" srcId="{EF8AE113-4C99-4DEE-A8FC-45EF4B53091A}" destId="{58649FAD-3F86-456D-8242-368CA7FDBE55}" srcOrd="5" destOrd="0" presId="urn:microsoft.com/office/officeart/2005/8/layout/cycle5"/>
+  </dgm:cxnLst>
+  <dgm:bg/>
+  <dgm:whole/>
+  <dgm:extLst>
+    <a:ext uri="http://schemas.microsoft.com/office/drawing/2008/diagram">
+      <dsp:dataModelExt xmlns:dsp="http://schemas.microsoft.com/office/drawing/2008/diagram" relId="rId11" minVer="http://schemas.openxmlformats.org/drawingml/2006/diagram"/>
+    </a:ext>
+  </dgm:extLst>
+</dgm:dataModel>
+</file>
+
+<file path=ppt/diagrams/drawing1.xml><?xml version="1.0" encoding="utf-8"?>
+<dsp:drawing xmlns:dgm="http://schemas.openxmlformats.org/drawingml/2006/diagram" xmlns:dsp="http://schemas.microsoft.com/office/drawing/2008/diagram" xmlns:a="http://schemas.openxmlformats.org/drawingml/2006/main">
+  <dsp:spTree>
+    <dsp:nvGrpSpPr>
+      <dsp:cNvPr id="0" name=""/>
+      <dsp:cNvGrpSpPr/>
+    </dsp:nvGrpSpPr>
+    <dsp:grpSpPr/>
+    <dsp:sp modelId="{1631E438-A454-4B0B-B257-A70437086284}">
+      <dsp:nvSpPr>
+        <dsp:cNvPr id="0" name=""/>
+        <dsp:cNvSpPr/>
+      </dsp:nvSpPr>
+      <dsp:spPr>
+        <a:xfrm>
+          <a:off x="1091" y="939270"/>
+          <a:ext cx="2654845" cy="1725649"/>
+        </a:xfrm>
+        <a:prstGeom prst="roundRect">
+          <a:avLst/>
+        </a:prstGeom>
+        <a:gradFill rotWithShape="0">
+          <a:gsLst>
+            <a:gs pos="0">
+              <a:schemeClr val="accent2">
+                <a:hueOff val="0"/>
+                <a:satOff val="0"/>
+                <a:lumOff val="0"/>
+                <a:alphaOff val="0"/>
+                <a:tint val="65000"/>
+                <a:shade val="92000"/>
+                <a:satMod val="130000"/>
+              </a:schemeClr>
+            </a:gs>
+            <a:gs pos="45000">
+              <a:schemeClr val="accent2">
+                <a:hueOff val="0"/>
+                <a:satOff val="0"/>
+                <a:lumOff val="0"/>
+                <a:alphaOff val="0"/>
+                <a:tint val="60000"/>
+                <a:shade val="99000"/>
+                <a:satMod val="120000"/>
+              </a:schemeClr>
+            </a:gs>
+            <a:gs pos="100000">
+              <a:schemeClr val="accent2">
+                <a:hueOff val="0"/>
+                <a:satOff val="0"/>
+                <a:lumOff val="0"/>
+                <a:alphaOff val="0"/>
+                <a:tint val="55000"/>
+                <a:satMod val="140000"/>
+              </a:schemeClr>
+            </a:gs>
+          </a:gsLst>
+          <a:path path="circle">
+            <a:fillToRect l="100000" t="100000" r="100000" b="100000"/>
+          </a:path>
+        </a:gradFill>
+        <a:ln>
+          <a:noFill/>
+        </a:ln>
+        <a:effectLst/>
+        <a:scene3d>
+          <a:camera prst="orthographicFront"/>
+          <a:lightRig rig="flat" dir="t"/>
+        </a:scene3d>
+        <a:sp3d prstMaterial="dkEdge">
+          <a:bevelT w="8200" h="38100"/>
+        </a:sp3d>
+      </dsp:spPr>
+      <dsp:style>
+        <a:lnRef idx="0">
+          <a:scrgbClr r="0" g="0" b="0"/>
+        </a:lnRef>
+        <a:fillRef idx="2">
+          <a:scrgbClr r="0" g="0" b="0"/>
+        </a:fillRef>
+        <a:effectRef idx="1">
+          <a:scrgbClr r="0" g="0" b="0"/>
+        </a:effectRef>
+        <a:fontRef idx="minor">
+          <a:schemeClr val="dk1"/>
+        </a:fontRef>
+      </dsp:style>
+      <dsp:txBody>
+        <a:bodyPr spcFirstLastPara="0" vert="horz" wrap="square" lIns="60960" tIns="60960" rIns="60960" bIns="60960" numCol="1" spcCol="1270" anchor="ctr" anchorCtr="0">
+          <a:noAutofit/>
+        </a:bodyPr>
+        <a:lstStyle/>
+        <a:p>
+          <a:pPr marL="0" lvl="0" indent="0" algn="ctr" defTabSz="711200">
+            <a:lnSpc>
+              <a:spcPct val="90000"/>
+            </a:lnSpc>
+            <a:spcBef>
+              <a:spcPct val="0"/>
+            </a:spcBef>
+            <a:spcAft>
+              <a:spcPct val="35000"/>
+            </a:spcAft>
+            <a:buNone/>
+          </a:pPr>
+          <a:r>
+            <a:rPr lang="en-GB" sz="1600" kern="1200" dirty="0"/>
+            <a:t>Take root and add character to it, write this to channel and increment character</a:t>
+          </a:r>
+        </a:p>
+        <a:p>
+          <a:pPr marL="0" lvl="0" indent="0" algn="ctr" defTabSz="711200">
+            <a:lnSpc>
+              <a:spcPct val="90000"/>
+            </a:lnSpc>
+            <a:spcBef>
+              <a:spcPct val="0"/>
+            </a:spcBef>
+            <a:spcAft>
+              <a:spcPct val="35000"/>
+            </a:spcAft>
+            <a:buNone/>
+          </a:pPr>
+          <a:r>
+            <a:rPr lang="en-GB" sz="1600" kern="1200" dirty="0"/>
+            <a:t>When exhausted characters, arrive and wait to signal the root should be updated</a:t>
+          </a:r>
+        </a:p>
+      </dsp:txBody>
+      <dsp:txXfrm>
+        <a:off x="85330" y="1023509"/>
+        <a:ext cx="2486367" cy="1557171"/>
+      </dsp:txXfrm>
+    </dsp:sp>
+    <dsp:sp modelId="{B6EEDCC7-3F7E-46FC-AF22-19251FED0F06}">
+      <dsp:nvSpPr>
+        <dsp:cNvPr id="0" name=""/>
+        <dsp:cNvSpPr/>
+      </dsp:nvSpPr>
+      <dsp:spPr>
+        <a:xfrm>
+          <a:off x="1328514" y="336609"/>
+          <a:ext cx="2930971" cy="2930971"/>
+        </a:xfrm>
+        <a:custGeom>
+          <a:avLst/>
+          <a:gdLst/>
+          <a:ahLst/>
+          <a:cxnLst/>
+          <a:rect l="0" t="0" r="0" b="0"/>
+          <a:pathLst>
+            <a:path>
+              <a:moveTo>
+                <a:pt x="616438" y="271011"/>
+              </a:moveTo>
+              <a:arcTo wR="1465485" hR="1465485" stAng="14075659" swAng="4248682"/>
+            </a:path>
+          </a:pathLst>
+        </a:custGeom>
+        <a:noFill/>
+        <a:ln w="12700" cap="flat" cmpd="sng" algn="ctr">
+          <a:solidFill>
+            <a:schemeClr val="accent2">
+              <a:hueOff val="0"/>
+              <a:satOff val="0"/>
+              <a:lumOff val="0"/>
+              <a:alphaOff val="0"/>
+            </a:schemeClr>
+          </a:solidFill>
+          <a:prstDash val="solid"/>
+          <a:tailEnd type="arrow"/>
+        </a:ln>
+        <a:effectLst/>
+      </dsp:spPr>
+      <dsp:style>
+        <a:lnRef idx="1">
+          <a:scrgbClr r="0" g="0" b="0"/>
+        </a:lnRef>
+        <a:fillRef idx="0">
+          <a:scrgbClr r="0" g="0" b="0"/>
+        </a:fillRef>
+        <a:effectRef idx="0">
+          <a:scrgbClr r="0" g="0" b="0"/>
+        </a:effectRef>
+        <a:fontRef idx="minor"/>
+      </dsp:style>
+    </dsp:sp>
+    <dsp:sp modelId="{90CFFAF1-3B61-4876-B3DF-0225DF01CFAE}">
+      <dsp:nvSpPr>
+        <dsp:cNvPr id="0" name=""/>
+        <dsp:cNvSpPr/>
+      </dsp:nvSpPr>
+      <dsp:spPr>
+        <a:xfrm>
+          <a:off x="2932062" y="939270"/>
+          <a:ext cx="2654845" cy="1725649"/>
+        </a:xfrm>
+        <a:prstGeom prst="roundRect">
+          <a:avLst/>
+        </a:prstGeom>
+        <a:gradFill rotWithShape="0">
+          <a:gsLst>
+            <a:gs pos="0">
+              <a:schemeClr val="accent3">
+                <a:hueOff val="0"/>
+                <a:satOff val="0"/>
+                <a:lumOff val="0"/>
+                <a:alphaOff val="0"/>
+                <a:tint val="65000"/>
+                <a:shade val="92000"/>
+                <a:satMod val="130000"/>
+              </a:schemeClr>
+            </a:gs>
+            <a:gs pos="45000">
+              <a:schemeClr val="accent3">
+                <a:hueOff val="0"/>
+                <a:satOff val="0"/>
+                <a:lumOff val="0"/>
+                <a:alphaOff val="0"/>
+                <a:tint val="60000"/>
+                <a:shade val="99000"/>
+                <a:satMod val="120000"/>
+              </a:schemeClr>
+            </a:gs>
+            <a:gs pos="100000">
+              <a:schemeClr val="accent3">
+                <a:hueOff val="0"/>
+                <a:satOff val="0"/>
+                <a:lumOff val="0"/>
+                <a:alphaOff val="0"/>
+                <a:tint val="55000"/>
+                <a:satMod val="140000"/>
+              </a:schemeClr>
+            </a:gs>
+          </a:gsLst>
+          <a:path path="circle">
+            <a:fillToRect l="100000" t="100000" r="100000" b="100000"/>
+          </a:path>
+        </a:gradFill>
+        <a:ln>
+          <a:noFill/>
+        </a:ln>
+        <a:effectLst/>
+        <a:scene3d>
+          <a:camera prst="orthographicFront"/>
+          <a:lightRig rig="flat" dir="t"/>
+        </a:scene3d>
+        <a:sp3d prstMaterial="dkEdge">
+          <a:bevelT w="8200" h="38100"/>
+        </a:sp3d>
+      </dsp:spPr>
+      <dsp:style>
+        <a:lnRef idx="0">
+          <a:scrgbClr r="0" g="0" b="0"/>
+        </a:lnRef>
+        <a:fillRef idx="2">
+          <a:scrgbClr r="0" g="0" b="0"/>
+        </a:fillRef>
+        <a:effectRef idx="1">
+          <a:scrgbClr r="0" g="0" b="0"/>
+        </a:effectRef>
+        <a:fontRef idx="minor">
+          <a:schemeClr val="dk1"/>
+        </a:fontRef>
+      </dsp:style>
+      <dsp:txBody>
+        <a:bodyPr spcFirstLastPara="0" vert="horz" wrap="square" lIns="60960" tIns="60960" rIns="60960" bIns="60960" numCol="1" spcCol="1270" anchor="ctr" anchorCtr="0">
+          <a:noAutofit/>
+        </a:bodyPr>
+        <a:lstStyle/>
+        <a:p>
+          <a:pPr marL="0" lvl="0" indent="0" algn="ctr" defTabSz="711200">
+            <a:lnSpc>
+              <a:spcPct val="90000"/>
+            </a:lnSpc>
+            <a:spcBef>
+              <a:spcPct val="0"/>
+            </a:spcBef>
+            <a:spcAft>
+              <a:spcPct val="35000"/>
+            </a:spcAft>
+            <a:buNone/>
+          </a:pPr>
+          <a:r>
+            <a:rPr lang="en-GB" sz="1600" kern="1200" dirty="0"/>
+            <a:t>Arrive and wait for root password to be updated</a:t>
+          </a:r>
+        </a:p>
+      </dsp:txBody>
+      <dsp:txXfrm>
+        <a:off x="3016301" y="1023509"/>
+        <a:ext cx="2486367" cy="1557171"/>
+      </dsp:txXfrm>
+    </dsp:sp>
+    <dsp:sp modelId="{58649FAD-3F86-456D-8242-368CA7FDBE55}">
+      <dsp:nvSpPr>
+        <dsp:cNvPr id="0" name=""/>
+        <dsp:cNvSpPr/>
+      </dsp:nvSpPr>
+      <dsp:spPr>
+        <a:xfrm>
+          <a:off x="1328514" y="336609"/>
+          <a:ext cx="2930971" cy="2930971"/>
+        </a:xfrm>
+        <a:custGeom>
+          <a:avLst/>
+          <a:gdLst/>
+          <a:ahLst/>
+          <a:cxnLst/>
+          <a:rect l="0" t="0" r="0" b="0"/>
+          <a:pathLst>
+            <a:path>
+              <a:moveTo>
+                <a:pt x="2314532" y="2659959"/>
+              </a:moveTo>
+              <a:arcTo wR="1465485" hR="1465485" stAng="3275659" swAng="4248682"/>
+            </a:path>
+          </a:pathLst>
+        </a:custGeom>
+        <a:noFill/>
+        <a:ln w="12700" cap="flat" cmpd="sng" algn="ctr">
+          <a:solidFill>
+            <a:schemeClr val="accent3">
+              <a:hueOff val="0"/>
+              <a:satOff val="0"/>
+              <a:lumOff val="0"/>
+              <a:alphaOff val="0"/>
+            </a:schemeClr>
+          </a:solidFill>
+          <a:prstDash val="solid"/>
+          <a:tailEnd type="arrow"/>
+        </a:ln>
+        <a:effectLst/>
+      </dsp:spPr>
+      <dsp:style>
+        <a:lnRef idx="1">
+          <a:scrgbClr r="0" g="0" b="0"/>
+        </a:lnRef>
+        <a:fillRef idx="0">
+          <a:scrgbClr r="0" g="0" b="0"/>
+        </a:fillRef>
+        <a:effectRef idx="0">
+          <a:scrgbClr r="0" g="0" b="0"/>
+        </a:effectRef>
+        <a:fontRef idx="minor"/>
+      </dsp:style>
+    </dsp:sp>
+  </dsp:spTree>
+</dsp:drawing>
+</file>
+
+<file path=ppt/diagrams/drawing2.xml><?xml version="1.0" encoding="utf-8"?>
+<dsp:drawing xmlns:dgm="http://schemas.openxmlformats.org/drawingml/2006/diagram" xmlns:dsp="http://schemas.microsoft.com/office/drawing/2008/diagram" xmlns:a="http://schemas.openxmlformats.org/drawingml/2006/main">
+  <dsp:spTree>
+    <dsp:nvGrpSpPr>
+      <dsp:cNvPr id="0" name=""/>
+      <dsp:cNvGrpSpPr/>
+    </dsp:nvGrpSpPr>
+    <dsp:grpSpPr/>
+    <dsp:sp modelId="{1631E438-A454-4B0B-B257-A70437086284}">
+      <dsp:nvSpPr>
+        <dsp:cNvPr id="0" name=""/>
+        <dsp:cNvSpPr/>
+      </dsp:nvSpPr>
+      <dsp:spPr>
+        <a:xfrm>
+          <a:off x="1091" y="939270"/>
+          <a:ext cx="2654845" cy="1725649"/>
+        </a:xfrm>
+        <a:prstGeom prst="roundRect">
+          <a:avLst/>
+        </a:prstGeom>
+        <a:gradFill rotWithShape="0">
+          <a:gsLst>
+            <a:gs pos="0">
+              <a:schemeClr val="accent2">
+                <a:hueOff val="0"/>
+                <a:satOff val="0"/>
+                <a:lumOff val="0"/>
+                <a:alphaOff val="0"/>
+                <a:tint val="65000"/>
+                <a:shade val="92000"/>
+                <a:satMod val="130000"/>
+              </a:schemeClr>
+            </a:gs>
+            <a:gs pos="45000">
+              <a:schemeClr val="accent2">
+                <a:hueOff val="0"/>
+                <a:satOff val="0"/>
+                <a:lumOff val="0"/>
+                <a:alphaOff val="0"/>
+                <a:tint val="60000"/>
+                <a:shade val="99000"/>
+                <a:satMod val="120000"/>
+              </a:schemeClr>
+            </a:gs>
+            <a:gs pos="100000">
+              <a:schemeClr val="accent2">
+                <a:hueOff val="0"/>
+                <a:satOff val="0"/>
+                <a:lumOff val="0"/>
+                <a:alphaOff val="0"/>
+                <a:tint val="55000"/>
+                <a:satMod val="140000"/>
+              </a:schemeClr>
+            </a:gs>
+          </a:gsLst>
+          <a:path path="circle">
+            <a:fillToRect l="100000" t="100000" r="100000" b="100000"/>
+          </a:path>
+        </a:gradFill>
+        <a:ln>
+          <a:noFill/>
+        </a:ln>
+        <a:effectLst/>
+        <a:scene3d>
+          <a:camera prst="orthographicFront"/>
+          <a:lightRig rig="flat" dir="t"/>
+        </a:scene3d>
+        <a:sp3d prstMaterial="dkEdge">
+          <a:bevelT w="8200" h="38100"/>
+        </a:sp3d>
+      </dsp:spPr>
+      <dsp:style>
+        <a:lnRef idx="0">
+          <a:scrgbClr r="0" g="0" b="0"/>
+        </a:lnRef>
+        <a:fillRef idx="2">
+          <a:scrgbClr r="0" g="0" b="0"/>
+        </a:fillRef>
+        <a:effectRef idx="1">
+          <a:scrgbClr r="0" g="0" b="0"/>
+        </a:effectRef>
+        <a:fontRef idx="minor">
+          <a:schemeClr val="dk1"/>
+        </a:fontRef>
+      </dsp:style>
+      <dsp:txBody>
+        <a:bodyPr spcFirstLastPara="0" vert="horz" wrap="square" lIns="68580" tIns="68580" rIns="68580" bIns="68580" numCol="1" spcCol="1270" anchor="ctr" anchorCtr="0">
+          <a:noAutofit/>
+        </a:bodyPr>
+        <a:lstStyle/>
+        <a:p>
+          <a:pPr marL="0" lvl="0" indent="0" algn="ctr" defTabSz="800100">
+            <a:lnSpc>
+              <a:spcPct val="90000"/>
+            </a:lnSpc>
+            <a:spcBef>
+              <a:spcPct val="0"/>
+            </a:spcBef>
+            <a:spcAft>
+              <a:spcPct val="35000"/>
+            </a:spcAft>
+            <a:buNone/>
+          </a:pPr>
+          <a:r>
+            <a:rPr lang="en-GB" sz="1800" kern="1200" dirty="0"/>
+            <a:t>Arrive and wait for generation to finish</a:t>
+          </a:r>
+        </a:p>
+      </dsp:txBody>
+      <dsp:txXfrm>
+        <a:off x="85330" y="1023509"/>
+        <a:ext cx="2486367" cy="1557171"/>
+      </dsp:txXfrm>
+    </dsp:sp>
+    <dsp:sp modelId="{B6EEDCC7-3F7E-46FC-AF22-19251FED0F06}">
+      <dsp:nvSpPr>
+        <dsp:cNvPr id="0" name=""/>
+        <dsp:cNvSpPr/>
+      </dsp:nvSpPr>
+      <dsp:spPr>
+        <a:xfrm>
+          <a:off x="1328514" y="336609"/>
+          <a:ext cx="2930971" cy="2930971"/>
+        </a:xfrm>
+        <a:custGeom>
+          <a:avLst/>
+          <a:gdLst/>
+          <a:ahLst/>
+          <a:cxnLst/>
+          <a:rect l="0" t="0" r="0" b="0"/>
+          <a:pathLst>
+            <a:path>
+              <a:moveTo>
+                <a:pt x="616438" y="271011"/>
+              </a:moveTo>
+              <a:arcTo wR="1465485" hR="1465485" stAng="14075659" swAng="4248682"/>
+            </a:path>
+          </a:pathLst>
+        </a:custGeom>
+        <a:noFill/>
+        <a:ln w="12700" cap="flat" cmpd="sng" algn="ctr">
+          <a:solidFill>
+            <a:schemeClr val="accent2">
+              <a:hueOff val="0"/>
+              <a:satOff val="0"/>
+              <a:lumOff val="0"/>
+              <a:alphaOff val="0"/>
+            </a:schemeClr>
+          </a:solidFill>
+          <a:prstDash val="solid"/>
+          <a:tailEnd type="arrow"/>
+        </a:ln>
+        <a:effectLst/>
+      </dsp:spPr>
+      <dsp:style>
+        <a:lnRef idx="1">
+          <a:scrgbClr r="0" g="0" b="0"/>
+        </a:lnRef>
+        <a:fillRef idx="0">
+          <a:scrgbClr r="0" g="0" b="0"/>
+        </a:fillRef>
+        <a:effectRef idx="0">
+          <a:scrgbClr r="0" g="0" b="0"/>
+        </a:effectRef>
+        <a:fontRef idx="minor"/>
+      </dsp:style>
+    </dsp:sp>
+    <dsp:sp modelId="{90CFFAF1-3B61-4876-B3DF-0225DF01CFAE}">
+      <dsp:nvSpPr>
+        <dsp:cNvPr id="0" name=""/>
+        <dsp:cNvSpPr/>
+      </dsp:nvSpPr>
+      <dsp:spPr>
+        <a:xfrm>
+          <a:off x="2932062" y="939270"/>
+          <a:ext cx="2654845" cy="1725649"/>
+        </a:xfrm>
+        <a:prstGeom prst="roundRect">
+          <a:avLst/>
+        </a:prstGeom>
+        <a:gradFill rotWithShape="0">
+          <a:gsLst>
+            <a:gs pos="0">
+              <a:schemeClr val="accent3">
+                <a:hueOff val="0"/>
+                <a:satOff val="0"/>
+                <a:lumOff val="0"/>
+                <a:alphaOff val="0"/>
+                <a:tint val="65000"/>
+                <a:shade val="92000"/>
+                <a:satMod val="130000"/>
+              </a:schemeClr>
+            </a:gs>
+            <a:gs pos="45000">
+              <a:schemeClr val="accent3">
+                <a:hueOff val="0"/>
+                <a:satOff val="0"/>
+                <a:lumOff val="0"/>
+                <a:alphaOff val="0"/>
+                <a:tint val="60000"/>
+                <a:shade val="99000"/>
+                <a:satMod val="120000"/>
+              </a:schemeClr>
+            </a:gs>
+            <a:gs pos="100000">
+              <a:schemeClr val="accent3">
+                <a:hueOff val="0"/>
+                <a:satOff val="0"/>
+                <a:lumOff val="0"/>
+                <a:alphaOff val="0"/>
+                <a:tint val="55000"/>
+                <a:satMod val="140000"/>
+              </a:schemeClr>
+            </a:gs>
+          </a:gsLst>
+          <a:path path="circle">
+            <a:fillToRect l="100000" t="100000" r="100000" b="100000"/>
+          </a:path>
+        </a:gradFill>
+        <a:ln>
+          <a:noFill/>
+        </a:ln>
+        <a:effectLst/>
+        <a:scene3d>
+          <a:camera prst="orthographicFront"/>
+          <a:lightRig rig="flat" dir="t"/>
+        </a:scene3d>
+        <a:sp3d prstMaterial="dkEdge">
+          <a:bevelT w="8200" h="38100"/>
+        </a:sp3d>
+      </dsp:spPr>
+      <dsp:style>
+        <a:lnRef idx="0">
+          <a:scrgbClr r="0" g="0" b="0"/>
+        </a:lnRef>
+        <a:fillRef idx="2">
+          <a:scrgbClr r="0" g="0" b="0"/>
+        </a:fillRef>
+        <a:effectRef idx="1">
+          <a:scrgbClr r="0" g="0" b="0"/>
+        </a:effectRef>
+        <a:fontRef idx="minor">
+          <a:schemeClr val="dk1"/>
+        </a:fontRef>
+      </dsp:style>
+      <dsp:txBody>
+        <a:bodyPr spcFirstLastPara="0" vert="horz" wrap="square" lIns="68580" tIns="68580" rIns="68580" bIns="68580" numCol="1" spcCol="1270" anchor="ctr" anchorCtr="0">
+          <a:noAutofit/>
+        </a:bodyPr>
+        <a:lstStyle/>
+        <a:p>
+          <a:pPr marL="0" lvl="0" indent="0" algn="ctr" defTabSz="800100">
+            <a:lnSpc>
+              <a:spcPct val="90000"/>
+            </a:lnSpc>
+            <a:spcBef>
+              <a:spcPct val="0"/>
+            </a:spcBef>
+            <a:spcAft>
+              <a:spcPct val="35000"/>
+            </a:spcAft>
+            <a:buNone/>
+          </a:pPr>
+          <a:r>
+            <a:rPr lang="en-GB" sz="1800" kern="1200" dirty="0"/>
+            <a:t>Update the root password </a:t>
+          </a:r>
+        </a:p>
+        <a:p>
+          <a:pPr marL="0" lvl="0" indent="0" algn="ctr" defTabSz="800100">
+            <a:lnSpc>
+              <a:spcPct val="90000"/>
+            </a:lnSpc>
+            <a:spcBef>
+              <a:spcPct val="0"/>
+            </a:spcBef>
+            <a:spcAft>
+              <a:spcPct val="35000"/>
+            </a:spcAft>
+            <a:buNone/>
+          </a:pPr>
+          <a:r>
+            <a:rPr lang="en-GB" sz="1800" kern="1200" dirty="0"/>
+            <a:t>Once finished arrive and wait to signal generation may begin again</a:t>
+          </a:r>
+        </a:p>
+      </dsp:txBody>
+      <dsp:txXfrm>
+        <a:off x="3016301" y="1023509"/>
+        <a:ext cx="2486367" cy="1557171"/>
+      </dsp:txXfrm>
+    </dsp:sp>
+    <dsp:sp modelId="{58649FAD-3F86-456D-8242-368CA7FDBE55}">
+      <dsp:nvSpPr>
+        <dsp:cNvPr id="0" name=""/>
+        <dsp:cNvSpPr/>
+      </dsp:nvSpPr>
+      <dsp:spPr>
+        <a:xfrm>
+          <a:off x="1328514" y="336609"/>
+          <a:ext cx="2930971" cy="2930971"/>
+        </a:xfrm>
+        <a:custGeom>
+          <a:avLst/>
+          <a:gdLst/>
+          <a:ahLst/>
+          <a:cxnLst/>
+          <a:rect l="0" t="0" r="0" b="0"/>
+          <a:pathLst>
+            <a:path>
+              <a:moveTo>
+                <a:pt x="2314532" y="2659959"/>
+              </a:moveTo>
+              <a:arcTo wR="1465485" hR="1465485" stAng="3275659" swAng="4248682"/>
+            </a:path>
+          </a:pathLst>
+        </a:custGeom>
+        <a:noFill/>
+        <a:ln w="12700" cap="flat" cmpd="sng" algn="ctr">
+          <a:solidFill>
+            <a:schemeClr val="accent3">
+              <a:hueOff val="0"/>
+              <a:satOff val="0"/>
+              <a:lumOff val="0"/>
+              <a:alphaOff val="0"/>
+            </a:schemeClr>
+          </a:solidFill>
+          <a:prstDash val="solid"/>
+          <a:tailEnd type="arrow"/>
+        </a:ln>
+        <a:effectLst/>
+      </dsp:spPr>
+      <dsp:style>
+        <a:lnRef idx="1">
+          <a:scrgbClr r="0" g="0" b="0"/>
+        </a:lnRef>
+        <a:fillRef idx="0">
+          <a:scrgbClr r="0" g="0" b="0"/>
+        </a:fillRef>
+        <a:effectRef idx="0">
+          <a:scrgbClr r="0" g="0" b="0"/>
+        </a:effectRef>
+        <a:fontRef idx="minor"/>
+      </dsp:style>
+    </dsp:sp>
+  </dsp:spTree>
+</dsp:drawing>
+</file>
+
+<file path=ppt/diagrams/layout1.xml><?xml version="1.0" encoding="utf-8"?>
+<dgm:layoutDef xmlns:dgm="http://schemas.openxmlformats.org/drawingml/2006/diagram" xmlns:a="http://schemas.openxmlformats.org/drawingml/2006/main" uniqueId="urn:microsoft.com/office/officeart/2005/8/layout/cycle5">
+  <dgm:title val=""/>
+  <dgm:desc val=""/>
+  <dgm:catLst>
+    <dgm:cat type="cycle" pri="3000"/>
+  </dgm:catLst>
+  <dgm:sampData>
+    <dgm:dataModel>
+      <dgm:ptLst>
+        <dgm:pt modelId="0" type="doc"/>
+        <dgm:pt modelId="1">
+          <dgm:prSet phldr="1"/>
+        </dgm:pt>
+        <dgm:pt modelId="2">
+          <dgm:prSet phldr="1"/>
+        </dgm:pt>
+        <dgm:pt modelId="3">
+          <dgm:prSet phldr="1"/>
+        </dgm:pt>
+        <dgm:pt modelId="4">
+          <dgm:prSet phldr="1"/>
+        </dgm:pt>
+        <dgm:pt modelId="5">
+          <dgm:prSet phldr="1"/>
+        </dgm:pt>
+      </dgm:ptLst>
+      <dgm:cxnLst>
+        <dgm:cxn modelId="6" srcId="0" destId="1" srcOrd="0" destOrd="0"/>
+        <dgm:cxn modelId="7" srcId="0" destId="2" srcOrd="1" destOrd="0"/>
+        <dgm:cxn modelId="8" srcId="0" destId="3" srcOrd="2" destOrd="0"/>
+        <dgm:cxn modelId="9" srcId="0" destId="4" srcOrd="3" destOrd="0"/>
+        <dgm:cxn modelId="10" srcId="0" destId="5" srcOrd="4" destOrd="0"/>
+      </dgm:cxnLst>
+      <dgm:bg/>
+      <dgm:whole/>
+    </dgm:dataModel>
+  </dgm:sampData>
+  <dgm:styleData>
+    <dgm:dataModel>
+      <dgm:ptLst>
+        <dgm:pt modelId="0" type="doc"/>
+        <dgm:pt modelId="1"/>
+        <dgm:pt modelId="2"/>
+        <dgm:pt modelId="3"/>
+      </dgm:ptLst>
+      <dgm:cxnLst>
+        <dgm:cxn modelId="4" srcId="0" destId="1" srcOrd="0" destOrd="0"/>
+        <dgm:cxn modelId="5" srcId="0" destId="2" srcOrd="1" destOrd="0"/>
+        <dgm:cxn modelId="6" srcId="0" destId="3" srcOrd="2" destOrd="0"/>
+      </dgm:cxnLst>
+      <dgm:bg/>
+      <dgm:whole/>
+    </dgm:dataModel>
+  </dgm:styleData>
+  <dgm:clrData>
+    <dgm:dataModel>
+      <dgm:ptLst>
+        <dgm:pt modelId="0" type="doc"/>
+        <dgm:pt modelId="1"/>
+        <dgm:pt modelId="2"/>
+        <dgm:pt modelId="3"/>
+        <dgm:pt modelId="4"/>
+        <dgm:pt modelId="5"/>
+        <dgm:pt modelId="6"/>
+      </dgm:ptLst>
+      <dgm:cxnLst>
+        <dgm:cxn modelId="7" srcId="0" destId="1" srcOrd="0" destOrd="0"/>
+        <dgm:cxn modelId="8" srcId="0" destId="2" srcOrd="1" destOrd="0"/>
+        <dgm:cxn modelId="9" srcId="0" destId="3" srcOrd="2" destOrd="0"/>
+        <dgm:cxn modelId="10" srcId="0" destId="4" srcOrd="3" destOrd="0"/>
+        <dgm:cxn modelId="11" srcId="0" destId="5" srcOrd="4" destOrd="0"/>
+        <dgm:cxn modelId="12" srcId="0" destId="6" srcOrd="5" destOrd="0"/>
+      </dgm:cxnLst>
+      <dgm:bg/>
+      <dgm:whole/>
+    </dgm:dataModel>
+  </dgm:clrData>
+  <dgm:layoutNode name="cycle">
+    <dgm:varLst>
+      <dgm:dir/>
+      <dgm:resizeHandles val="exact"/>
+    </dgm:varLst>
+    <dgm:choose name="Name0">
+      <dgm:if name="Name1" func="var" arg="dir" op="equ" val="norm">
+        <dgm:choose name="Name2">
+          <dgm:if name="Name3" axis="ch" ptType="node" func="cnt" op="gt" val="2">
+            <dgm:alg type="cycle">
+              <dgm:param type="stAng" val="0"/>
+              <dgm:param type="spanAng" val="360"/>
+            </dgm:alg>
+          </dgm:if>
+          <dgm:else name="Name4">
+            <dgm:alg type="cycle">
+              <dgm:param type="stAng" val="-90"/>
+              <dgm:param type="spanAng" val="360"/>
+            </dgm:alg>
+          </dgm:else>
+        </dgm:choose>
+      </dgm:if>
+      <dgm:else name="Name5">
+        <dgm:choose name="Name6">
+          <dgm:if name="Name7" axis="ch" ptType="node" func="cnt" op="gt" val="2">
+            <dgm:alg type="cycle">
+              <dgm:param type="stAng" val="0"/>
+              <dgm:param type="spanAng" val="-360"/>
+            </dgm:alg>
+          </dgm:if>
+          <dgm:else name="Name8">
+            <dgm:alg type="cycle">
+              <dgm:param type="stAng" val="90"/>
+              <dgm:param type="spanAng" val="-360"/>
+            </dgm:alg>
+          </dgm:else>
+        </dgm:choose>
+      </dgm:else>
+    </dgm:choose>
+    <dgm:shape xmlns:r="http://schemas.openxmlformats.org/officeDocument/2006/relationships" r:blip="">
+      <dgm:adjLst/>
+    </dgm:shape>
+    <dgm:presOf/>
+    <dgm:choose name="Name9">
+      <dgm:if name="Name10" func="var" arg="dir" op="equ" val="norm">
+        <dgm:constrLst>
+          <dgm:constr type="w" for="ch" forName="node" refType="w"/>
+          <dgm:constr type="w" for="ch" ptType="sibTrans" refType="w" refFor="ch" refForName="node" op="equ" fact="0.3"/>
+          <dgm:constr type="diam" for="ch" ptType="sibTrans" refType="diam" op="equ"/>
+          <dgm:constr type="sibSp" refType="w" refFor="ch" refForName="node" op="equ" fact="0.15"/>
+          <dgm:constr type="w" for="ch" forName="spNode" refType="sibSp" fact="1.6"/>
+          <dgm:constr type="primFontSz" for="ch" forName="node" op="equ" val="65"/>
+        </dgm:constrLst>
+      </dgm:if>
+      <dgm:else name="Name11">
+        <dgm:constrLst>
+          <dgm:constr type="w" for="ch" forName="node" refType="w"/>
+          <dgm:constr type="w" for="ch" ptType="sibTrans" refType="w" refFor="ch" refForName="node" op="equ" fact="0.3"/>
+          <dgm:constr type="diam" for="ch" ptType="sibTrans" refType="diam" fact="-1"/>
+          <dgm:constr type="diam" for="ch" refType="diam" op="equ" fact="-1"/>
+          <dgm:constr type="sibSp" refType="w" refFor="ch" refForName="node" op="equ" fact="0.15"/>
+          <dgm:constr type="w" for="ch" forName="spNode" refType="sibSp" fact="1.6"/>
+          <dgm:constr type="primFontSz" for="ch" forName="node" op="equ" val="65"/>
+        </dgm:constrLst>
+      </dgm:else>
+    </dgm:choose>
+    <dgm:ruleLst/>
+    <dgm:forEach name="Name12" axis="ch" ptType="node">
+      <dgm:layoutNode name="node">
+        <dgm:varLst>
+          <dgm:bulletEnabled val="1"/>
+        </dgm:varLst>
+        <dgm:alg type="tx"/>
+        <dgm:shape xmlns:r="http://schemas.openxmlformats.org/officeDocument/2006/relationships" type="roundRect" r:blip="">
+          <dgm:adjLst/>
+        </dgm:shape>
+        <dgm:presOf axis="desOrSelf" ptType="node"/>
+        <dgm:constrLst>
+          <dgm:constr type="h" refType="w" fact="0.65"/>
+          <dgm:constr type="tMarg" refType="primFontSz" fact="0.3"/>
+          <dgm:constr type="bMarg" refType="primFontSz" fact="0.3"/>
+          <dgm:constr type="lMarg" refType="primFontSz" fact="0.3"/>
+          <dgm:constr type="rMarg" refType="primFontSz" fact="0.3"/>
+        </dgm:constrLst>
+        <dgm:ruleLst>
+          <dgm:rule type="primFontSz" val="5" fact="NaN" max="NaN"/>
+        </dgm:ruleLst>
+      </dgm:layoutNode>
+      <dgm:choose name="Name13">
+        <dgm:if name="Name14" axis="par ch" ptType="doc node" func="cnt" op="gt" val="1">
+          <dgm:layoutNode name="spNode">
+            <dgm:alg type="sp"/>
+            <dgm:shape xmlns:r="http://schemas.openxmlformats.org/officeDocument/2006/relationships" r:blip="">
+              <dgm:adjLst/>
+            </dgm:shape>
+            <dgm:presOf/>
+            <dgm:constrLst>
+              <dgm:constr type="h" refType="w"/>
+            </dgm:constrLst>
+            <dgm:ruleLst/>
+          </dgm:layoutNode>
+          <dgm:forEach name="Name15" axis="followSib" ptType="sibTrans" hideLastTrans="0" cnt="1">
+            <dgm:layoutNode name="sibTrans">
+              <dgm:alg type="conn">
+                <dgm:param type="dim" val="1D"/>
+                <dgm:param type="connRout" val="curve"/>
+                <dgm:param type="begPts" val="radial"/>
+                <dgm:param type="endPts" val="radial"/>
+              </dgm:alg>
+              <dgm:shape xmlns:r="http://schemas.openxmlformats.org/officeDocument/2006/relationships" type="conn" r:blip="">
+                <dgm:adjLst/>
+              </dgm:shape>
+              <dgm:presOf axis="self"/>
+              <dgm:constrLst>
+                <dgm:constr type="h" refType="w" fact="0.65"/>
+                <dgm:constr type="connDist"/>
+                <dgm:constr type="begPad" refType="connDist" fact="0.2"/>
+                <dgm:constr type="endPad" refType="connDist" fact="0.2"/>
+              </dgm:constrLst>
+              <dgm:ruleLst/>
+            </dgm:layoutNode>
+          </dgm:forEach>
+        </dgm:if>
+        <dgm:else name="Name16"/>
+      </dgm:choose>
+    </dgm:forEach>
+  </dgm:layoutNode>
+</dgm:layoutDef>
+</file>
+
+<file path=ppt/diagrams/layout2.xml><?xml version="1.0" encoding="utf-8"?>
+<dgm:layoutDef xmlns:dgm="http://schemas.openxmlformats.org/drawingml/2006/diagram" xmlns:a="http://schemas.openxmlformats.org/drawingml/2006/main" uniqueId="urn:microsoft.com/office/officeart/2005/8/layout/cycle5">
+  <dgm:title val=""/>
+  <dgm:desc val=""/>
+  <dgm:catLst>
+    <dgm:cat type="cycle" pri="3000"/>
+  </dgm:catLst>
+  <dgm:sampData>
+    <dgm:dataModel>
+      <dgm:ptLst>
+        <dgm:pt modelId="0" type="doc"/>
+        <dgm:pt modelId="1">
+          <dgm:prSet phldr="1"/>
+        </dgm:pt>
+        <dgm:pt modelId="2">
+          <dgm:prSet phldr="1"/>
+        </dgm:pt>
+        <dgm:pt modelId="3">
+          <dgm:prSet phldr="1"/>
+        </dgm:pt>
+        <dgm:pt modelId="4">
+          <dgm:prSet phldr="1"/>
+        </dgm:pt>
+        <dgm:pt modelId="5">
+          <dgm:prSet phldr="1"/>
+        </dgm:pt>
+      </dgm:ptLst>
+      <dgm:cxnLst>
+        <dgm:cxn modelId="6" srcId="0" destId="1" srcOrd="0" destOrd="0"/>
+        <dgm:cxn modelId="7" srcId="0" destId="2" srcOrd="1" destOrd="0"/>
+        <dgm:cxn modelId="8" srcId="0" destId="3" srcOrd="2" destOrd="0"/>
+        <dgm:cxn modelId="9" srcId="0" destId="4" srcOrd="3" destOrd="0"/>
+        <dgm:cxn modelId="10" srcId="0" destId="5" srcOrd="4" destOrd="0"/>
+      </dgm:cxnLst>
+      <dgm:bg/>
+      <dgm:whole/>
+    </dgm:dataModel>
+  </dgm:sampData>
+  <dgm:styleData>
+    <dgm:dataModel>
+      <dgm:ptLst>
+        <dgm:pt modelId="0" type="doc"/>
+        <dgm:pt modelId="1"/>
+        <dgm:pt modelId="2"/>
+        <dgm:pt modelId="3"/>
+      </dgm:ptLst>
+      <dgm:cxnLst>
+        <dgm:cxn modelId="4" srcId="0" destId="1" srcOrd="0" destOrd="0"/>
+        <dgm:cxn modelId="5" srcId="0" destId="2" srcOrd="1" destOrd="0"/>
+        <dgm:cxn modelId="6" srcId="0" destId="3" srcOrd="2" destOrd="0"/>
+      </dgm:cxnLst>
+      <dgm:bg/>
+      <dgm:whole/>
+    </dgm:dataModel>
+  </dgm:styleData>
+  <dgm:clrData>
+    <dgm:dataModel>
+      <dgm:ptLst>
+        <dgm:pt modelId="0" type="doc"/>
+        <dgm:pt modelId="1"/>
+        <dgm:pt modelId="2"/>
+        <dgm:pt modelId="3"/>
+        <dgm:pt modelId="4"/>
+        <dgm:pt modelId="5"/>
+        <dgm:pt modelId="6"/>
+      </dgm:ptLst>
+      <dgm:cxnLst>
+        <dgm:cxn modelId="7" srcId="0" destId="1" srcOrd="0" destOrd="0"/>
+        <dgm:cxn modelId="8" srcId="0" destId="2" srcOrd="1" destOrd="0"/>
+        <dgm:cxn modelId="9" srcId="0" destId="3" srcOrd="2" destOrd="0"/>
+        <dgm:cxn modelId="10" srcId="0" destId="4" srcOrd="3" destOrd="0"/>
+        <dgm:cxn modelId="11" srcId="0" destId="5" srcOrd="4" destOrd="0"/>
+        <dgm:cxn modelId="12" srcId="0" destId="6" srcOrd="5" destOrd="0"/>
+      </dgm:cxnLst>
+      <dgm:bg/>
+      <dgm:whole/>
+    </dgm:dataModel>
+  </dgm:clrData>
+  <dgm:layoutNode name="cycle">
+    <dgm:varLst>
+      <dgm:dir/>
+      <dgm:resizeHandles val="exact"/>
+    </dgm:varLst>
+    <dgm:choose name="Name0">
+      <dgm:if name="Name1" func="var" arg="dir" op="equ" val="norm">
+        <dgm:choose name="Name2">
+          <dgm:if name="Name3" axis="ch" ptType="node" func="cnt" op="gt" val="2">
+            <dgm:alg type="cycle">
+              <dgm:param type="stAng" val="0"/>
+              <dgm:param type="spanAng" val="360"/>
+            </dgm:alg>
+          </dgm:if>
+          <dgm:else name="Name4">
+            <dgm:alg type="cycle">
+              <dgm:param type="stAng" val="-90"/>
+              <dgm:param type="spanAng" val="360"/>
+            </dgm:alg>
+          </dgm:else>
+        </dgm:choose>
+      </dgm:if>
+      <dgm:else name="Name5">
+        <dgm:choose name="Name6">
+          <dgm:if name="Name7" axis="ch" ptType="node" func="cnt" op="gt" val="2">
+            <dgm:alg type="cycle">
+              <dgm:param type="stAng" val="0"/>
+              <dgm:param type="spanAng" val="-360"/>
+            </dgm:alg>
+          </dgm:if>
+          <dgm:else name="Name8">
+            <dgm:alg type="cycle">
+              <dgm:param type="stAng" val="90"/>
+              <dgm:param type="spanAng" val="-360"/>
+            </dgm:alg>
+          </dgm:else>
+        </dgm:choose>
+      </dgm:else>
+    </dgm:choose>
+    <dgm:shape xmlns:r="http://schemas.openxmlformats.org/officeDocument/2006/relationships" r:blip="">
+      <dgm:adjLst/>
+    </dgm:shape>
+    <dgm:presOf/>
+    <dgm:choose name="Name9">
+      <dgm:if name="Name10" func="var" arg="dir" op="equ" val="norm">
+        <dgm:constrLst>
+          <dgm:constr type="w" for="ch" forName="node" refType="w"/>
+          <dgm:constr type="w" for="ch" ptType="sibTrans" refType="w" refFor="ch" refForName="node" op="equ" fact="0.3"/>
+          <dgm:constr type="diam" for="ch" ptType="sibTrans" refType="diam" op="equ"/>
+          <dgm:constr type="sibSp" refType="w" refFor="ch" refForName="node" op="equ" fact="0.15"/>
+          <dgm:constr type="w" for="ch" forName="spNode" refType="sibSp" fact="1.6"/>
+          <dgm:constr type="primFontSz" for="ch" forName="node" op="equ" val="65"/>
+        </dgm:constrLst>
+      </dgm:if>
+      <dgm:else name="Name11">
+        <dgm:constrLst>
+          <dgm:constr type="w" for="ch" forName="node" refType="w"/>
+          <dgm:constr type="w" for="ch" ptType="sibTrans" refType="w" refFor="ch" refForName="node" op="equ" fact="0.3"/>
+          <dgm:constr type="diam" for="ch" ptType="sibTrans" refType="diam" fact="-1"/>
+          <dgm:constr type="diam" for="ch" refType="diam" op="equ" fact="-1"/>
+          <dgm:constr type="sibSp" refType="w" refFor="ch" refForName="node" op="equ" fact="0.15"/>
+          <dgm:constr type="w" for="ch" forName="spNode" refType="sibSp" fact="1.6"/>
+          <dgm:constr type="primFontSz" for="ch" forName="node" op="equ" val="65"/>
+        </dgm:constrLst>
+      </dgm:else>
+    </dgm:choose>
+    <dgm:ruleLst/>
+    <dgm:forEach name="Name12" axis="ch" ptType="node">
+      <dgm:layoutNode name="node">
+        <dgm:varLst>
+          <dgm:bulletEnabled val="1"/>
+        </dgm:varLst>
+        <dgm:alg type="tx"/>
+        <dgm:shape xmlns:r="http://schemas.openxmlformats.org/officeDocument/2006/relationships" type="roundRect" r:blip="">
+          <dgm:adjLst/>
+        </dgm:shape>
+        <dgm:presOf axis="desOrSelf" ptType="node"/>
+        <dgm:constrLst>
+          <dgm:constr type="h" refType="w" fact="0.65"/>
+          <dgm:constr type="tMarg" refType="primFontSz" fact="0.3"/>
+          <dgm:constr type="bMarg" refType="primFontSz" fact="0.3"/>
+          <dgm:constr type="lMarg" refType="primFontSz" fact="0.3"/>
+          <dgm:constr type="rMarg" refType="primFontSz" fact="0.3"/>
+        </dgm:constrLst>
+        <dgm:ruleLst>
+          <dgm:rule type="primFontSz" val="5" fact="NaN" max="NaN"/>
+        </dgm:ruleLst>
+      </dgm:layoutNode>
+      <dgm:choose name="Name13">
+        <dgm:if name="Name14" axis="par ch" ptType="doc node" func="cnt" op="gt" val="1">
+          <dgm:layoutNode name="spNode">
+            <dgm:alg type="sp"/>
+            <dgm:shape xmlns:r="http://schemas.openxmlformats.org/officeDocument/2006/relationships" r:blip="">
+              <dgm:adjLst/>
+            </dgm:shape>
+            <dgm:presOf/>
+            <dgm:constrLst>
+              <dgm:constr type="h" refType="w"/>
+            </dgm:constrLst>
+            <dgm:ruleLst/>
+          </dgm:layoutNode>
+          <dgm:forEach name="Name15" axis="followSib" ptType="sibTrans" hideLastTrans="0" cnt="1">
+            <dgm:layoutNode name="sibTrans">
+              <dgm:alg type="conn">
+                <dgm:param type="dim" val="1D"/>
+                <dgm:param type="connRout" val="curve"/>
+                <dgm:param type="begPts" val="radial"/>
+                <dgm:param type="endPts" val="radial"/>
+              </dgm:alg>
+              <dgm:shape xmlns:r="http://schemas.openxmlformats.org/officeDocument/2006/relationships" type="conn" r:blip="">
+                <dgm:adjLst/>
+              </dgm:shape>
+              <dgm:presOf axis="self"/>
+              <dgm:constrLst>
+                <dgm:constr type="h" refType="w" fact="0.65"/>
+                <dgm:constr type="connDist"/>
+                <dgm:constr type="begPad" refType="connDist" fact="0.2"/>
+                <dgm:constr type="endPad" refType="connDist" fact="0.2"/>
+              </dgm:constrLst>
+              <dgm:ruleLst/>
+            </dgm:layoutNode>
+          </dgm:forEach>
+        </dgm:if>
+        <dgm:else name="Name16"/>
+      </dgm:choose>
+    </dgm:forEach>
+  </dgm:layoutNode>
+</dgm:layoutDef>
+</file>
+
+<file path=ppt/diagrams/quickStyle1.xml><?xml version="1.0" encoding="utf-8"?>
+<dgm:styleDef xmlns:dgm="http://schemas.openxmlformats.org/drawingml/2006/diagram" xmlns:a="http://schemas.openxmlformats.org/drawingml/2006/main" uniqueId="urn:microsoft.com/office/officeart/2005/8/quickstyle/simple3">
+  <dgm:title val=""/>
+  <dgm:desc val=""/>
+  <dgm:catLst>
+    <dgm:cat type="simple" pri="10300"/>
+  </dgm:catLst>
+  <dgm:scene3d>
+    <a:camera prst="orthographicFront"/>
+    <a:lightRig rig="threePt" dir="t"/>
+  </dgm:scene3d>
+  <dgm:styleLbl name="node0">
+    <dgm:scene3d>
+      <a:camera prst="orthographicFront"/>
+      <a:lightRig rig="flat" dir="t"/>
+    </dgm:scene3d>
+    <dgm:sp3d prstMaterial="dkEdge">
+      <a:bevelT w="8200" h="38100"/>
+    </dgm:sp3d>
+    <dgm:txPr/>
+    <dgm:style>
+      <a:lnRef idx="0">
+        <a:scrgbClr r="0" g="0" b="0"/>
+      </a:lnRef>
+      <a:fillRef idx="2">
+        <a:scrgbClr r="0" g="0" b="0"/>
+      </a:fillRef>
+      <a:effectRef idx="1">
+        <a:scrgbClr r="0" g="0" b="0"/>
+      </a:effectRef>
+      <a:fontRef idx="minor">
+        <a:schemeClr val="dk1"/>
+      </a:fontRef>
+    </dgm:style>
+  </dgm:styleLbl>
+  <dgm:styleLbl name="lnNode1">
+    <dgm:scene3d>
+      <a:camera prst="orthographicFront"/>
+      <a:lightRig rig="flat" dir="t"/>
+    </dgm:scene3d>
+    <dgm:sp3d prstMaterial="dkEdge">
+      <a:bevelT w="8200" h="38100"/>
+    </dgm:sp3d>
+    <dgm:txPr/>
+    <dgm:style>
+      <a:lnRef idx="1">
+        <a:scrgbClr r="0" g="0" b="0"/>
+      </a:lnRef>
+      <a:fillRef idx="2">
+        <a:scrgbClr r="0" g="0" b="0"/>
+      </a:fillRef>
+      <a:effectRef idx="0">
+        <a:scrgbClr r="0" g="0" b="0"/>
+      </a:effectRef>
+      <a:fontRef idx="minor">
+        <a:schemeClr val="dk1"/>
+      </a:fontRef>
+    </dgm:style>
+  </dgm:styleLbl>
+  <dgm:styleLbl name="vennNode1">
+    <dgm:scene3d>
+      <a:camera prst="orthographicFront"/>
+      <a:lightRig rig="flat" dir="t"/>
+    </dgm:scene3d>
+    <dgm:sp3d prstMaterial="dkEdge">
+      <a:bevelT w="8200" h="38100"/>
+    </dgm:sp3d>
+    <dgm:txPr/>
+    <dgm:style>
+      <a:lnRef idx="0">
+        <a:scrgbClr r="0" g="0" b="0"/>
+      </a:lnRef>
+      <a:fillRef idx="2">
+        <a:scrgbClr r="0" g="0" b="0"/>
+      </a:fillRef>
+      <a:effectRef idx="0">
+        <a:scrgbClr r="0" g="0" b="0"/>
+      </a:effectRef>
+      <a:fontRef idx="minor">
+        <a:schemeClr val="tx1"/>
+      </a:fontRef>
+    </dgm:style>
+  </dgm:styleLbl>
+  <dgm:styleLbl name="alignNode1">
+    <dgm:scene3d>
+      <a:camera prst="orthographicFront"/>
+      <a:lightRig rig="threePt" dir="t"/>
+    </dgm:scene3d>
+    <dgm:sp3d/>
+    <dgm:txPr/>
+    <dgm:style>
+      <a:lnRef idx="1">
+        <a:scrgbClr r="0" g="0" b="0"/>
+      </a:lnRef>
+      <a:fillRef idx="2">
+        <a:scrgbClr r="0" g="0" b="0"/>
+      </a:fillRef>
+      <a:effectRef idx="1">
+        <a:scrgbClr r="0" g="0" b="0"/>
+      </a:effectRef>
+      <a:fontRef idx="minor">
+        <a:schemeClr val="dk1"/>
+      </a:fontRef>
+    </dgm:style>
+  </dgm:styleLbl>
+  <dgm:styleLbl name="node1">
+    <dgm:scene3d>
+      <a:camera prst="orthographicFront"/>
+      <a:lightRig rig="flat" dir="t"/>
+    </dgm:scene3d>
+    <dgm:sp3d prstMaterial="dkEdge">
+      <a:bevelT w="8200" h="38100"/>
+    </dgm:sp3d>
+    <dgm:txPr/>
+    <dgm:style>
+      <a:lnRef idx="0">
+        <a:scrgbClr r="0" g="0" b="0"/>
+      </a:lnRef>
+      <a:fillRef idx="2">
+        <a:scrgbClr r="0" g="0" b="0"/>
+      </a:fillRef>
+      <a:effectRef idx="1">
+        <a:scrgbClr r="0" g="0" b="0"/>
+      </a:effectRef>
+      <a:fontRef idx="minor">
+        <a:schemeClr val="dk1"/>
+      </a:fontRef>
+    </dgm:style>
+  </dgm:styleLbl>
+  <dgm:styleLbl name="node2">
+    <dgm:scene3d>
+      <a:camera prst="orthographicFront"/>
+      <a:lightRig rig="flat" dir="t"/>
+    </dgm:scene3d>
+    <dgm:sp3d prstMaterial="dkEdge">
+      <a:bevelT w="8200" h="38100"/>
+    </dgm:sp3d>
+    <dgm:txPr/>
+    <dgm:style>
+      <a:lnRef idx="0">
+        <a:scrgbClr r="0" g="0" b="0"/>
+      </a:lnRef>
+      <a:fillRef idx="2">
+        <a:scrgbClr r="0" g="0" b="0"/>
+      </a:fillRef>
+      <a:effectRef idx="1">
+        <a:scrgbClr r="0" g="0" b="0"/>
+      </a:effectRef>
+      <a:fontRef idx="minor">
+        <a:schemeClr val="dk1"/>
+      </a:fontRef>
+    </dgm:style>
+  </dgm:styleLbl>
+  <dgm:styleLbl name="node3">
+    <dgm:scene3d>
+      <a:camera prst="orthographicFront"/>
+      <a:lightRig rig="flat" dir="t"/>
+    </dgm:scene3d>
+    <dgm:sp3d prstMaterial="dkEdge">
+      <a:bevelT w="8200" h="38100"/>
+    </dgm:sp3d>
+    <dgm:txPr/>
+    <dgm:style>
+      <a:lnRef idx="0">
+        <a:scrgbClr r="0" g="0" b="0"/>
+      </a:lnRef>
+      <a:fillRef idx="2">
+        <a:scrgbClr r="0" g="0" b="0"/>
+      </a:fillRef>
+      <a:effectRef idx="1">
+        <a:scrgbClr r="0" g="0" b="0"/>
+      </a:effectRef>
+      <a:fontRef idx="minor">
+        <a:schemeClr val="dk1"/>
+      </a:fontRef>
+    </dgm:style>
+  </dgm:styleLbl>
+  <dgm:styleLbl name="node4">
+    <dgm:scene3d>
+      <a:camera prst="orthographicFront"/>
+      <a:lightRig rig="flat" dir="t"/>
+    </dgm:scene3d>
+    <dgm:sp3d prstMaterial="dkEdge">
+      <a:bevelT w="8200" h="38100"/>
+    </dgm:sp3d>
+    <dgm:txPr/>
+    <dgm:style>
+      <a:lnRef idx="0">
+        <a:scrgbClr r="0" g="0" b="0"/>
+      </a:lnRef>
+      <a:fillRef idx="2">
+        <a:scrgbClr r="0" g="0" b="0"/>
+      </a:fillRef>
+      <a:effectRef idx="1">
+        <a:scrgbClr r="0" g="0" b="0"/>
+      </a:effectRef>
+      <a:fontRef idx="minor">
+        <a:schemeClr val="dk1"/>
+      </a:fontRef>
+    </dgm:style>
+  </dgm:styleLbl>
+  <dgm:styleLbl name="fgImgPlace1">
+    <dgm:scene3d>
+      <a:camera prst="orthographicFront"/>
+      <a:lightRig rig="threePt" dir="t"/>
+    </dgm:scene3d>
+    <dgm:sp3d/>
+    <dgm:txPr/>
+    <dgm:style>
+      <a:lnRef idx="1">
+        <a:scrgbClr r="0" g="0" b="0"/>
+      </a:lnRef>
+      <a:fillRef idx="1">
+        <a:scrgbClr r="0" g="0" b="0"/>
+      </a:fillRef>
+      <a:effectRef idx="1">
+        <a:scrgbClr r="0" g="0" b="0"/>
+      </a:effectRef>
+      <a:fontRef idx="minor"/>
+    </dgm:style>
+  </dgm:styleLbl>
+  <dgm:styleLbl name="alignImgPlace1">
+    <dgm:scene3d>
+      <a:camera prst="orthographicFront"/>
+      <a:lightRig rig="threePt" dir="t"/>
+    </dgm:scene3d>
+    <dgm:sp3d/>
+    <dgm:txPr/>
+    <dgm:style>
+      <a:lnRef idx="1">
+        <a:scrgbClr r="0" g="0" b="0"/>
+      </a:lnRef>
+      <a:fillRef idx="1">
+        <a:scrgbClr r="0" g="0" b="0"/>
+      </a:fillRef>
+      <a:effectRef idx="1">
+        <a:scrgbClr r="0" g="0" b="0"/>
+      </a:effectRef>
+      <a:fontRef idx="minor"/>
+    </dgm:style>
+  </dgm:styleLbl>
+  <dgm:styleLbl name="bgImgPlace1">
+    <dgm:scene3d>
+      <a:camera prst="orthographicFront"/>
+      <a:lightRig rig="threePt" dir="t"/>
+    </dgm:scene3d>
+    <dgm:sp3d/>
+    <dgm:txPr/>
+    <dgm:style>
+      <a:lnRef idx="1">
+        <a:scrgbClr r="0" g="0" b="0"/>
+      </a:lnRef>
+      <a:fillRef idx="1">
+        <a:scrgbClr r="0" g="0" b="0"/>
+      </a:fillRef>
+      <a:effectRef idx="1">
+        <a:scrgbClr r="0" g="0" b="0"/>
+      </a:effectRef>
+      <a:fontRef idx="minor"/>
+    </dgm:style>
+  </dgm:styleLbl>
+  <dgm:styleLbl name="sibTrans2D1">
+    <dgm:scene3d>
+      <a:camera prst="orthographicFront"/>
+      <a:lightRig rig="threePt" dir="t"/>
+    </dgm:scene3d>
+    <dgm:sp3d/>
+    <dgm:txPr/>
+    <dgm:style>
+      <a:lnRef idx="0">
+        <a:scrgbClr r="0" g="0" b="0"/>
+      </a:lnRef>
+      <a:fillRef idx="2">
+        <a:scrgbClr r="0" g="0" b="0"/>
+      </a:fillRef>
+      <a:effectRef idx="1">
+        <a:scrgbClr r="0" g="0" b="0"/>
+      </a:effectRef>
+      <a:fontRef idx="minor">
+        <a:schemeClr val="dk1"/>
+      </a:fontRef>
+    </dgm:style>
+  </dgm:styleLbl>
+  <dgm:styleLbl name="fgSibTrans2D1">
+    <dgm:scene3d>
+      <a:camera prst="orthographicFront"/>
+      <a:lightRig rig="threePt" dir="t"/>
+    </dgm:scene3d>
+    <dgm:sp3d/>
+    <dgm:txPr/>
+    <dgm:style>
+      <a:lnRef idx="0">
+        <a:scrgbClr r="0" g="0" b="0"/>
+      </a:lnRef>
+      <a:fillRef idx="2">
+        <a:scrgbClr r="0" g="0" b="0"/>
+      </a:fillRef>
+      <a:effectRef idx="1">
+        <a:scrgbClr r="0" g="0" b="0"/>
+      </a:effectRef>
+      <a:fontRef idx="minor">
+        <a:schemeClr val="dk1"/>
+      </a:fontRef>
+    </dgm:style>
+  </dgm:styleLbl>
+  <dgm:styleLbl name="bgSibTrans2D1">
+    <dgm:scene3d>
+      <a:camera prst="orthographicFront"/>
+      <a:lightRig rig="threePt" dir="t"/>
+    </dgm:scene3d>
+    <dgm:sp3d/>
+    <dgm:txPr/>
+    <dgm:style>
+      <a:lnRef idx="0">
+        <a:scrgbClr r="0" g="0" b="0"/>
+      </a:lnRef>
+      <a:fillRef idx="2">
+        <a:scrgbClr r="0" g="0" b="0"/>
+      </a:fillRef>
+      <a:effectRef idx="1">
+        <a:scrgbClr r="0" g="0" b="0"/>
+      </a:effectRef>
+      <a:fontRef idx="minor">
+        <a:schemeClr val="dk1"/>
+      </a:fontRef>
+    </dgm:style>
+  </dgm:styleLbl>
+  <dgm:styleLbl name="sibTrans1D1">
+    <dgm:scene3d>
+      <a:camera prst="orthographicFront"/>
+      <a:lightRig rig="threePt" dir="t"/>
+    </dgm:scene3d>
+    <dgm:sp3d/>
+    <dgm:txPr/>
+    <dgm:style>
+      <a:lnRef idx="1">
+        <a:scrgbClr r="0" g="0" b="0"/>
+      </a:lnRef>
+      <a:fillRef idx="0">
+        <a:scrgbClr r="0" g="0" b="0"/>
+      </a:fillRef>
+      <a:effectRef idx="0">
+        <a:scrgbClr r="0" g="0" b="0"/>
+      </a:effectRef>
+      <a:fontRef idx="minor"/>
+    </dgm:style>
+  </dgm:styleLbl>
+  <dgm:styleLbl name="callout">
+    <dgm:scene3d>
+      <a:camera prst="orthographicFront"/>
+      <a:lightRig rig="threePt" dir="t"/>
+    </dgm:scene3d>
+    <dgm:sp3d/>
+    <dgm:txPr/>
+    <dgm:style>
+      <a:lnRef idx="1">
+        <a:scrgbClr r="0" g="0" b="0"/>
+      </a:lnRef>
+      <a:fillRef idx="2">
+        <a:scrgbClr r="0" g="0" b="0"/>
+      </a:fillRef>
+      <a:effectRef idx="1">
+        <a:scrgbClr r="0" g="0" b="0"/>
+      </a:effectRef>
+      <a:fontRef idx="minor"/>
+    </dgm:style>
+  </dgm:styleLbl>
+  <dgm:styleLbl name="asst0">
+    <dgm:scene3d>
+      <a:camera prst="orthographicFront"/>
+      <a:lightRig rig="flat" dir="t"/>
+    </dgm:scene3d>
+    <dgm:sp3d prstMaterial="dkEdge">
+      <a:bevelT w="8200" h="38100"/>
+    </dgm:sp3d>
+    <dgm:txPr/>
+    <dgm:style>
+      <a:lnRef idx="0">
+        <a:scrgbClr r="0" g="0" b="0"/>
+      </a:lnRef>
+      <a:fillRef idx="2">
+        <a:scrgbClr r="0" g="0" b="0"/>
+      </a:fillRef>
+      <a:effectRef idx="1">
+        <a:scrgbClr r="0" g="0" b="0"/>
+      </a:effectRef>
+      <a:fontRef idx="minor">
+        <a:schemeClr val="dk1"/>
+      </a:fontRef>
+    </dgm:style>
+  </dgm:styleLbl>
+  <dgm:styleLbl name="asst1">
+    <dgm:scene3d>
+      <a:camera prst="orthographicFront"/>
+      <a:lightRig rig="flat" dir="t"/>
+    </dgm:scene3d>
+    <dgm:sp3d prstMaterial="dkEdge">
+      <a:bevelT w="8200" h="38100"/>
+    </dgm:sp3d>
+    <dgm:txPr/>
+    <dgm:style>
+      <a:lnRef idx="0">
+        <a:scrgbClr r="0" g="0" b="0"/>
+      </a:lnRef>
+      <a:fillRef idx="2">
+        <a:scrgbClr r="0" g="0" b="0"/>
+      </a:fillRef>
+      <a:effectRef idx="1">
+        <a:scrgbClr r="0" g="0" b="0"/>
+      </a:effectRef>
+      <a:fontRef idx="minor">
+        <a:schemeClr val="dk1"/>
+      </a:fontRef>
+    </dgm:style>
+  </dgm:styleLbl>
+  <dgm:styleLbl name="asst2">
+    <dgm:scene3d>
+      <a:camera prst="orthographicFront"/>
+      <a:lightRig rig="flat" dir="t"/>
+    </dgm:scene3d>
+    <dgm:sp3d prstMaterial="dkEdge">
+      <a:bevelT w="8200" h="38100"/>
+    </dgm:sp3d>
+    <dgm:txPr/>
+    <dgm:style>
+      <a:lnRef idx="0">
+        <a:scrgbClr r="0" g="0" b="0"/>
+      </a:lnRef>
+      <a:fillRef idx="2">
+        <a:scrgbClr r="0" g="0" b="0"/>
+      </a:fillRef>
+      <a:effectRef idx="1">
+        <a:scrgbClr r="0" g="0" b="0"/>
+      </a:effectRef>
+      <a:fontRef idx="minor">
+        <a:schemeClr val="dk1"/>
+      </a:fontRef>
+    </dgm:style>
+  </dgm:styleLbl>
+  <dgm:styleLbl name="asst3">
+    <dgm:scene3d>
+      <a:camera prst="orthographicFront"/>
+      <a:lightRig rig="flat" dir="t"/>
+    </dgm:scene3d>
+    <dgm:sp3d prstMaterial="dkEdge">
+      <a:bevelT w="8200" h="38100"/>
+    </dgm:sp3d>
+    <dgm:txPr/>
+    <dgm:style>
+      <a:lnRef idx="0">
+        <a:scrgbClr r="0" g="0" b="0"/>
+      </a:lnRef>
+      <a:fillRef idx="2">
+        <a:scrgbClr r="0" g="0" b="0"/>
+      </a:fillRef>
+      <a:effectRef idx="1">
+        <a:scrgbClr r="0" g="0" b="0"/>
+      </a:effectRef>
+      <a:fontRef idx="minor">
+        <a:schemeClr val="dk1"/>
+      </a:fontRef>
+    </dgm:style>
+  </dgm:styleLbl>
+  <dgm:styleLbl name="asst4">
+    <dgm:scene3d>
+      <a:camera prst="orthographicFront"/>
+      <a:lightRig rig="flat" dir="t"/>
+    </dgm:scene3d>
+    <dgm:sp3d prstMaterial="dkEdge">
+      <a:bevelT w="8200" h="38100"/>
+    </dgm:sp3d>
+    <dgm:txPr/>
+    <dgm:style>
+      <a:lnRef idx="0">
+        <a:scrgbClr r="0" g="0" b="0"/>
+      </a:lnRef>
+      <a:fillRef idx="2">
+        <a:scrgbClr r="0" g="0" b="0"/>
+      </a:fillRef>
+      <a:effectRef idx="1">
+        <a:scrgbClr r="0" g="0" b="0"/>
+      </a:effectRef>
+      <a:fontRef idx="minor">
+        <a:schemeClr val="dk1"/>
+      </a:fontRef>
+    </dgm:style>
+  </dgm:styleLbl>
+  <dgm:styleLbl name="parChTrans2D1">
+    <dgm:scene3d>
+      <a:camera prst="orthographicFront"/>
+      <a:lightRig rig="threePt" dir="t"/>
+    </dgm:scene3d>
+    <dgm:sp3d/>
+    <dgm:txPr/>
+    <dgm:style>
+      <a:lnRef idx="1">
+        <a:scrgbClr r="0" g="0" b="0"/>
+      </a:lnRef>
+      <a:fillRef idx="2">
+        <a:scrgbClr r="0" g="0" b="0"/>
+      </a:fillRef>
+      <a:effectRef idx="1">
+        <a:scrgbClr r="0" g="0" b="0"/>
+      </a:effectRef>
+      <a:fontRef idx="minor">
+        <a:schemeClr val="dk1"/>
+      </a:fontRef>
+    </dgm:style>
+  </dgm:styleLbl>
+  <dgm:styleLbl name="parChTrans2D2">
+    <dgm:scene3d>
+      <a:camera prst="orthographicFront"/>
+      <a:lightRig rig="threePt" dir="t"/>
+    </dgm:scene3d>
+    <dgm:sp3d/>
+    <dgm:txPr/>
+    <dgm:style>
+      <a:lnRef idx="1">
+        <a:scrgbClr r="0" g="0" b="0"/>
+      </a:lnRef>
+      <a:fillRef idx="2">
+        <a:scrgbClr r="0" g="0" b="0"/>
+      </a:fillRef>
+      <a:effectRef idx="1">
+        <a:scrgbClr r="0" g="0" b="0"/>
+      </a:effectRef>
+      <a:fontRef idx="minor">
+        <a:schemeClr val="dk1"/>
+      </a:fontRef>
+    </dgm:style>
+  </dgm:styleLbl>
+  <dgm:styleLbl name="parChTrans2D3">
+    <dgm:scene3d>
+      <a:camera prst="orthographicFront"/>
+      <a:lightRig rig="threePt" dir="t"/>
+    </dgm:scene3d>
+    <dgm:sp3d/>
+    <dgm:txPr/>
+    <dgm:style>
+      <a:lnRef idx="1">
+        <a:scrgbClr r="0" g="0" b="0"/>
+      </a:lnRef>
+      <a:fillRef idx="2">
+        <a:scrgbClr r="0" g="0" b="0"/>
+      </a:fillRef>
+      <a:effectRef idx="1">
+        <a:scrgbClr r="0" g="0" b="0"/>
+      </a:effectRef>
+      <a:fontRef idx="minor">
+        <a:schemeClr val="dk1"/>
+      </a:fontRef>
+    </dgm:style>
+  </dgm:styleLbl>
+  <dgm:styleLbl name="parChTrans2D4">
+    <dgm:scene3d>
+      <a:camera prst="orthographicFront"/>
+      <a:lightRig rig="threePt" dir="t"/>
+    </dgm:scene3d>
+    <dgm:sp3d/>
+    <dgm:txPr/>
+    <dgm:style>
+      <a:lnRef idx="1">
+        <a:scrgbClr r="0" g="0" b="0"/>
+      </a:lnRef>
+      <a:fillRef idx="2">
+        <a:scrgbClr r="0" g="0" b="0"/>
+      </a:fillRef>
+      <a:effectRef idx="1">
+        <a:scrgbClr r="0" g="0" b="0"/>
+      </a:effectRef>
+      <a:fontRef idx="minor">
+        <a:schemeClr val="dk1"/>
+      </a:fontRef>
+    </dgm:style>
+  </dgm:styleLbl>
+  <dgm:styleLbl name="parChTrans1D1">
+    <dgm:scene3d>
+      <a:camera prst="orthographicFront"/>
+      <a:lightRig rig="threePt" dir="t"/>
+    </dgm:scene3d>
+    <dgm:sp3d/>
+    <dgm:txPr/>
+    <dgm:style>
+      <a:lnRef idx="2">
+        <a:scrgbClr r="0" g="0" b="0"/>
+      </a:lnRef>
+      <a:fillRef idx="0">
+        <a:scrgbClr r="0" g="0" b="0"/>
+      </a:fillRef>
+      <a:effectRef idx="0">
+        <a:scrgbClr r="0" g="0" b="0"/>
+      </a:effectRef>
+      <a:fontRef idx="minor"/>
+    </dgm:style>
+  </dgm:styleLbl>
+  <dgm:styleLbl name="parChTrans1D2">
+    <dgm:scene3d>
+      <a:camera prst="orthographicFront"/>
+      <a:lightRig rig="threePt" dir="t"/>
+    </dgm:scene3d>
+    <dgm:sp3d/>
+    <dgm:txPr/>
+    <dgm:style>
+      <a:lnRef idx="2">
+        <a:scrgbClr r="0" g="0" b="0"/>
+      </a:lnRef>
+      <a:fillRef idx="0">
+        <a:scrgbClr r="0" g="0" b="0"/>
+      </a:fillRef>
+      <a:effectRef idx="0">
+        <a:scrgbClr r="0" g="0" b="0"/>
+      </a:effectRef>
+      <a:fontRef idx="minor"/>
+    </dgm:style>
+  </dgm:styleLbl>
+  <dgm:styleLbl name="parChTrans1D3">
+    <dgm:scene3d>
+      <a:camera prst="orthographicFront"/>
+      <a:lightRig rig="threePt" dir="t"/>
+    </dgm:scene3d>
+    <dgm:sp3d/>
+    <dgm:txPr/>
+    <dgm:style>
+      <a:lnRef idx="2">
+        <a:scrgbClr r="0" g="0" b="0"/>
+      </a:lnRef>
+      <a:fillRef idx="0">
+        <a:scrgbClr r="0" g="0" b="0"/>
+      </a:fillRef>
+      <a:effectRef idx="0">
+        <a:scrgbClr r="0" g="0" b="0"/>
+      </a:effectRef>
+      <a:fontRef idx="minor"/>
+    </dgm:style>
+  </dgm:styleLbl>
+  <dgm:styleLbl name="parChTrans1D4">
+    <dgm:scene3d>
+      <a:camera prst="orthographicFront"/>
+      <a:lightRig rig="threePt" dir="t"/>
+    </dgm:scene3d>
+    <dgm:sp3d/>
+    <dgm:txPr/>
+    <dgm:style>
+      <a:lnRef idx="2">
+        <a:scrgbClr r="0" g="0" b="0"/>
+      </a:lnRef>
+      <a:fillRef idx="0">
+        <a:scrgbClr r="0" g="0" b="0"/>
+      </a:fillRef>
+      <a:effectRef idx="0">
+        <a:scrgbClr r="0" g="0" b="0"/>
+      </a:effectRef>
+      <a:fontRef idx="minor"/>
+    </dgm:style>
+  </dgm:styleLbl>
+  <dgm:styleLbl name="fgAcc1">
+    <dgm:scene3d>
+      <a:camera prst="orthographicFront"/>
+      <a:lightRig rig="threePt" dir="t"/>
+    </dgm:scene3d>
+    <dgm:sp3d/>
+    <dgm:txPr/>
+    <dgm:style>
+      <a:lnRef idx="1">
+        <a:scrgbClr r="0" g="0" b="0"/>
+      </a:lnRef>
+      <a:fillRef idx="1">
+        <a:scrgbClr r="0" g="0" b="0"/>
+      </a:fillRef>
+      <a:effectRef idx="0">
+        <a:scrgbClr r="0" g="0" b="0"/>
+      </a:effectRef>
+      <a:fontRef idx="minor"/>
+    </dgm:style>
+  </dgm:styleLbl>
+  <dgm:styleLbl name="conFgAcc1">
+    <dgm:scene3d>
+      <a:camera prst="orthographicFront"/>
+      <a:lightRig rig="threePt" dir="t"/>
+    </dgm:scene3d>
+    <dgm:sp3d/>
+    <dgm:txPr/>
+    <dgm:style>
+      <a:lnRef idx="1">
+        <a:scrgbClr r="0" g="0" b="0"/>
+      </a:lnRef>
+      <a:fillRef idx="1">
+        <a:scrgbClr r="0" g="0" b="0"/>
+      </a:fillRef>
+      <a:effectRef idx="0">
+        <a:scrgbClr r="0" g="0" b="0"/>
+      </a:effectRef>
+      <a:fontRef idx="minor"/>
+    </dgm:style>
+  </dgm:styleLbl>
+  <dgm:styleLbl name="alignAcc1">
+    <dgm:scene3d>
+      <a:camera prst="orthographicFront"/>
+      <a:lightRig rig="threePt" dir="t"/>
+    </dgm:scene3d>
+    <dgm:sp3d/>
+    <dgm:txPr/>
+    <dgm:style>
+      <a:lnRef idx="1">
+        <a:scrgbClr r="0" g="0" b="0"/>
+      </a:lnRef>
+      <a:fillRef idx="1">
+        <a:scrgbClr r="0" g="0" b="0"/>
+      </a:fillRef>
+      <a:effectRef idx="0">
+        <a:scrgbClr r="0" g="0" b="0"/>
+      </a:effectRef>
+      <a:fontRef idx="minor"/>
+    </dgm:style>
+  </dgm:styleLbl>
+  <dgm:styleLbl name="trAlignAcc1">
+    <dgm:scene3d>
+      <a:camera prst="orthographicFront"/>
+      <a:lightRig rig="threePt" dir="t"/>
+    </dgm:scene3d>
+    <dgm:sp3d/>
+    <dgm:txPr/>
+    <dgm:style>
+      <a:lnRef idx="1">
+        <a:scrgbClr r="0" g="0" b="0"/>
+      </a:lnRef>
+      <a:fillRef idx="1">
+        <a:scrgbClr r="0" g="0" b="0"/>
+      </a:fillRef>
+      <a:effectRef idx="0">
+        <a:scrgbClr r="0" g="0" b="0"/>
+      </a:effectRef>
+      <a:fontRef idx="minor"/>
+    </dgm:style>
+  </dgm:styleLbl>
+  <dgm:styleLbl name="bgAcc1">
+    <dgm:scene3d>
+      <a:camera prst="orthographicFront"/>
+      <a:lightRig rig="threePt" dir="t"/>
+    </dgm:scene3d>
+    <dgm:sp3d/>
+    <dgm:txPr/>
+    <dgm:style>
+      <a:lnRef idx="1">
+        <a:scrgbClr r="0" g="0" b="0"/>
+      </a:lnRef>
+      <a:fillRef idx="1">
+        <a:scrgbClr r="0" g="0" b="0"/>
+      </a:fillRef>
+      <a:effectRef idx="0">
+        <a:scrgbClr r="0" g="0" b="0"/>
+      </a:effectRef>
+      <a:fontRef idx="minor"/>
+    </dgm:style>
+  </dgm:styleLbl>
+  <dgm:styleLbl name="solidFgAcc1">
+    <dgm:scene3d>
+      <a:camera prst="orthographicFront"/>
+      <a:lightRig rig="threePt" dir="t"/>
+    </dgm:scene3d>
+    <dgm:sp3d/>
+    <dgm:txPr/>
+    <dgm:style>
+      <a:lnRef idx="1">
+        <a:scrgbClr r="0" g="0" b="0"/>
+      </a:lnRef>
+      <a:fillRef idx="2">
+        <a:scrgbClr r="0" g="0" b="0"/>
+      </a:fillRef>
+      <a:effectRef idx="0">
+        <a:scrgbClr r="0" g="0" b="0"/>
+      </a:effectRef>
+      <a:fontRef idx="minor"/>
+    </dgm:style>
+  </dgm:styleLbl>
+  <dgm:styleLbl name="solidAlignAcc1">
+    <dgm:scene3d>
+      <a:camera prst="orthographicFront"/>
+      <a:lightRig rig="threePt" dir="t"/>
+    </dgm:scene3d>
+    <dgm:sp3d/>
+    <dgm:txPr/>
+    <dgm:style>
+      <a:lnRef idx="1">
+        <a:scrgbClr r="0" g="0" b="0"/>
+      </a:lnRef>
+      <a:fillRef idx="1">
+        <a:scrgbClr r="0" g="0" b="0"/>
+      </a:fillRef>
+      <a:effectRef idx="0">
+        <a:scrgbClr r="0" g="0" b="0"/>
+      </a:effectRef>
+      <a:fontRef idx="minor"/>
+    </dgm:style>
+  </dgm:styleLbl>
+  <dgm:styleLbl name="solidBgAcc1">
+    <dgm:scene3d>
+      <a:camera prst="orthographicFront"/>
+      <a:lightRig rig="threePt" dir="t"/>
+    </dgm:scene3d>
+    <dgm:sp3d/>
+    <dgm:txPr/>
+    <dgm:style>
+      <a:lnRef idx="1">
+        <a:scrgbClr r="0" g="0" b="0"/>
+      </a:lnRef>
+      <a:fillRef idx="1">
+        <a:scrgbClr r="0" g="0" b="0"/>
+      </a:fillRef>
+      <a:effectRef idx="0">
+        <a:scrgbClr r="0" g="0" b="0"/>
+      </a:effectRef>
+      <a:fontRef idx="minor"/>
+    </dgm:style>
+  </dgm:styleLbl>
+  <dgm:styleLbl name="fgAccFollowNode1">
+    <dgm:scene3d>
+      <a:camera prst="orthographicFront"/>
+      <a:lightRig rig="threePt" dir="t"/>
+    </dgm:scene3d>
+    <dgm:sp3d/>
+    <dgm:txPr/>
+    <dgm:style>
+      <a:lnRef idx="1">
+        <a:scrgbClr r="0" g="0" b="0"/>
+      </a:lnRef>
+      <a:fillRef idx="1">
+        <a:scrgbClr r="0" g="0" b="0"/>
+      </a:fillRef>
+      <a:effectRef idx="0">
+        <a:scrgbClr r="0" g="0" b="0"/>
+      </a:effectRef>
+      <a:fontRef idx="minor"/>
+    </dgm:style>
+  </dgm:styleLbl>
+  <dgm:styleLbl name="alignAccFollowNode1">
+    <dgm:scene3d>
+      <a:camera prst="orthographicFront"/>
+      <a:lightRig rig="threePt" dir="t"/>
+    </dgm:scene3d>
+    <dgm:sp3d/>
+    <dgm:txPr/>
+    <dgm:style>
+      <a:lnRef idx="1">
+        <a:scrgbClr r="0" g="0" b="0"/>
+      </a:lnRef>
+      <a:fillRef idx="1">
+        <a:scrgbClr r="0" g="0" b="0"/>
+      </a:fillRef>
+      <a:effectRef idx="0">
+        <a:scrgbClr r="0" g="0" b="0"/>
+      </a:effectRef>
+      <a:fontRef idx="minor"/>
+    </dgm:style>
+  </dgm:styleLbl>
+  <dgm:styleLbl name="bgAccFollowNode1">
+    <dgm:scene3d>
+      <a:camera prst="orthographicFront"/>
+      <a:lightRig rig="threePt" dir="t"/>
+    </dgm:scene3d>
+    <dgm:sp3d/>
+    <dgm:txPr/>
+    <dgm:style>
+      <a:lnRef idx="1">
+        <a:scrgbClr r="0" g="0" b="0"/>
+      </a:lnRef>
+      <a:fillRef idx="1">
+        <a:scrgbClr r="0" g="0" b="0"/>
+      </a:fillRef>
+      <a:effectRef idx="0">
+        <a:scrgbClr r="0" g="0" b="0"/>
+      </a:effectRef>
+      <a:fontRef idx="minor"/>
+    </dgm:style>
+  </dgm:styleLbl>
+  <dgm:styleLbl name="fgAcc0">
+    <dgm:scene3d>
+      <a:camera prst="orthographicFront"/>
+      <a:lightRig rig="threePt" dir="t"/>
+    </dgm:scene3d>
+    <dgm:sp3d/>
+    <dgm:txPr/>
+    <dgm:style>
+      <a:lnRef idx="1">
+        <a:scrgbClr r="0" g="0" b="0"/>
+      </a:lnRef>
+      <a:fillRef idx="1">
+        <a:scrgbClr r="0" g="0" b="0"/>
+      </a:fillRef>
+      <a:effectRef idx="0">
+        <a:scrgbClr r="0" g="0" b="0"/>
+      </a:effectRef>
+      <a:fontRef idx="minor"/>
+    </dgm:style>
+  </dgm:styleLbl>
+  <dgm:styleLbl name="fgAcc2">
+    <dgm:scene3d>
+      <a:camera prst="orthographicFront"/>
+      <a:lightRig rig="threePt" dir="t"/>
+    </dgm:scene3d>
+    <dgm:sp3d/>
+    <dgm:txPr/>
+    <dgm:style>
+      <a:lnRef idx="1">
+        <a:scrgbClr r="0" g="0" b="0"/>
+      </a:lnRef>
+      <a:fillRef idx="1">
+        <a:scrgbClr r="0" g="0" b="0"/>
+      </a:fillRef>
+      <a:effectRef idx="0">
+        <a:scrgbClr r="0" g="0" b="0"/>
+      </a:effectRef>
+      <a:fontRef idx="minor"/>
+    </dgm:style>
+  </dgm:styleLbl>
+  <dgm:styleLbl name="fgAcc3">
+    <dgm:scene3d>
+      <a:camera prst="orthographicFront"/>
+      <a:lightRig rig="threePt" dir="t"/>
+    </dgm:scene3d>
+    <dgm:sp3d/>
+    <dgm:txPr/>
+    <dgm:style>
+      <a:lnRef idx="1">
+        <a:scrgbClr r="0" g="0" b="0"/>
+      </a:lnRef>
+      <a:fillRef idx="1">
+        <a:scrgbClr r="0" g="0" b="0"/>
+      </a:fillRef>
+      <a:effectRef idx="0">
+        <a:scrgbClr r="0" g="0" b="0"/>
+      </a:effectRef>
+      <a:fontRef idx="minor"/>
+    </dgm:style>
+  </dgm:styleLbl>
+  <dgm:styleLbl name="fgAcc4">
+    <dgm:scene3d>
+      <a:camera prst="orthographicFront"/>
+      <a:lightRig rig="threePt" dir="t"/>
+    </dgm:scene3d>
+    <dgm:sp3d/>
+    <dgm:txPr/>
+    <dgm:style>
+      <a:lnRef idx="1">
+        <a:scrgbClr r="0" g="0" b="0"/>
+      </a:lnRef>
+      <a:fillRef idx="1">
+        <a:scrgbClr r="0" g="0" b="0"/>
+      </a:fillRef>
+      <a:effectRef idx="0">
+        <a:scrgbClr r="0" g="0" b="0"/>
+      </a:effectRef>
+      <a:fontRef idx="minor"/>
+    </dgm:style>
+  </dgm:styleLbl>
+  <dgm:styleLbl name="bgShp">
+    <dgm:scene3d>
+      <a:camera prst="orthographicFront"/>
+      <a:lightRig rig="threePt" dir="t"/>
+    </dgm:scene3d>
+    <dgm:sp3d/>
+    <dgm:txPr/>
+    <dgm:style>
+      <a:lnRef idx="0">
+        <a:scrgbClr r="0" g="0" b="0"/>
+      </a:lnRef>
+      <a:fillRef idx="1">
+        <a:scrgbClr r="0" g="0" b="0"/>
+      </a:fillRef>
+      <a:effectRef idx="1">
+        <a:scrgbClr r="0" g="0" b="0"/>
+      </a:effectRef>
+      <a:fontRef idx="minor"/>
+    </dgm:style>
+  </dgm:styleLbl>
+  <dgm:styleLbl name="dkBgShp">
+    <dgm:scene3d>
+      <a:camera prst="orthographicFront"/>
+      <a:lightRig rig="threePt" dir="t"/>
+    </dgm:scene3d>
+    <dgm:sp3d/>
+    <dgm:txPr/>
+    <dgm:style>
+      <a:lnRef idx="0">
+        <a:scrgbClr r="0" g="0" b="0"/>
+      </a:lnRef>
+      <a:fillRef idx="1">
+        <a:scrgbClr r="0" g="0" b="0"/>
+      </a:fillRef>
+      <a:effectRef idx="1">
+        <a:scrgbClr r="0" g="0" b="0"/>
+      </a:effectRef>
+      <a:fontRef idx="minor"/>
+    </dgm:style>
+  </dgm:styleLbl>
+  <dgm:styleLbl name="trBgShp">
+    <dgm:scene3d>
+      <a:camera prst="orthographicFront"/>
+      <a:lightRig rig="threePt" dir="t"/>
+    </dgm:scene3d>
+    <dgm:sp3d/>
+    <dgm:txPr/>
+    <dgm:style>
+      <a:lnRef idx="0">
+        <a:scrgbClr r="0" g="0" b="0"/>
+      </a:lnRef>
+      <a:fillRef idx="1">
+        <a:scrgbClr r="0" g="0" b="0"/>
+      </a:fillRef>
+      <a:effectRef idx="0">
+        <a:scrgbClr r="0" g="0" b="0"/>
+      </a:effectRef>
+      <a:fontRef idx="minor"/>
+    </dgm:style>
+  </dgm:styleLbl>
+  <dgm:styleLbl name="fgShp">
+    <dgm:scene3d>
+      <a:camera prst="orthographicFront"/>
+      <a:lightRig rig="flat" dir="t"/>
+    </dgm:scene3d>
+    <dgm:sp3d prstMaterial="dkEdge">
+      <a:bevelT w="8200" h="38100"/>
+    </dgm:sp3d>
+    <dgm:txPr/>
+    <dgm:style>
+      <a:lnRef idx="1">
+        <a:scrgbClr r="0" g="0" b="0"/>
+      </a:lnRef>
+      <a:fillRef idx="2">
+        <a:scrgbClr r="0" g="0" b="0"/>
+      </a:fillRef>
+      <a:effectRef idx="1">
+        <a:scrgbClr r="0" g="0" b="0"/>
+      </a:effectRef>
+      <a:fontRef idx="minor"/>
+    </dgm:style>
+  </dgm:styleLbl>
+  <dgm:styleLbl name="revTx">
+    <dgm:scene3d>
+      <a:camera prst="orthographicFront"/>
+      <a:lightRig rig="threePt" dir="t"/>
+    </dgm:scene3d>
+    <dgm:sp3d/>
+    <dgm:txPr/>
+    <dgm:style>
+      <a:lnRef idx="0">
+        <a:scrgbClr r="0" g="0" b="0"/>
+      </a:lnRef>
+      <a:fillRef idx="0">
+        <a:scrgbClr r="0" g="0" b="0"/>
+      </a:fillRef>
+      <a:effectRef idx="0">
+        <a:scrgbClr r="0" g="0" b="0"/>
+      </a:effectRef>
+      <a:fontRef idx="minor"/>
+    </dgm:style>
+  </dgm:styleLbl>
+</dgm:styleDef>
+</file>
+
+<file path=ppt/diagrams/quickStyle2.xml><?xml version="1.0" encoding="utf-8"?>
+<dgm:styleDef xmlns:dgm="http://schemas.openxmlformats.org/drawingml/2006/diagram" xmlns:a="http://schemas.openxmlformats.org/drawingml/2006/main" uniqueId="urn:microsoft.com/office/officeart/2005/8/quickstyle/simple3">
+  <dgm:title val=""/>
+  <dgm:desc val=""/>
+  <dgm:catLst>
+    <dgm:cat type="simple" pri="10300"/>
+  </dgm:catLst>
+  <dgm:scene3d>
+    <a:camera prst="orthographicFront"/>
+    <a:lightRig rig="threePt" dir="t"/>
+  </dgm:scene3d>
+  <dgm:styleLbl name="node0">
+    <dgm:scene3d>
+      <a:camera prst="orthographicFront"/>
+      <a:lightRig rig="flat" dir="t"/>
+    </dgm:scene3d>
+    <dgm:sp3d prstMaterial="dkEdge">
+      <a:bevelT w="8200" h="38100"/>
+    </dgm:sp3d>
+    <dgm:txPr/>
+    <dgm:style>
+      <a:lnRef idx="0">
+        <a:scrgbClr r="0" g="0" b="0"/>
+      </a:lnRef>
+      <a:fillRef idx="2">
+        <a:scrgbClr r="0" g="0" b="0"/>
+      </a:fillRef>
+      <a:effectRef idx="1">
+        <a:scrgbClr r="0" g="0" b="0"/>
+      </a:effectRef>
+      <a:fontRef idx="minor">
+        <a:schemeClr val="dk1"/>
+      </a:fontRef>
+    </dgm:style>
+  </dgm:styleLbl>
+  <dgm:styleLbl name="lnNode1">
+    <dgm:scene3d>
+      <a:camera prst="orthographicFront"/>
+      <a:lightRig rig="flat" dir="t"/>
+    </dgm:scene3d>
+    <dgm:sp3d prstMaterial="dkEdge">
+      <a:bevelT w="8200" h="38100"/>
+    </dgm:sp3d>
+    <dgm:txPr/>
+    <dgm:style>
+      <a:lnRef idx="1">
+        <a:scrgbClr r="0" g="0" b="0"/>
+      </a:lnRef>
+      <a:fillRef idx="2">
+        <a:scrgbClr r="0" g="0" b="0"/>
+      </a:fillRef>
+      <a:effectRef idx="0">
+        <a:scrgbClr r="0" g="0" b="0"/>
+      </a:effectRef>
+      <a:fontRef idx="minor">
+        <a:schemeClr val="dk1"/>
+      </a:fontRef>
+    </dgm:style>
+  </dgm:styleLbl>
+  <dgm:styleLbl name="vennNode1">
+    <dgm:scene3d>
+      <a:camera prst="orthographicFront"/>
+      <a:lightRig rig="flat" dir="t"/>
+    </dgm:scene3d>
+    <dgm:sp3d prstMaterial="dkEdge">
+      <a:bevelT w="8200" h="38100"/>
+    </dgm:sp3d>
+    <dgm:txPr/>
+    <dgm:style>
+      <a:lnRef idx="0">
+        <a:scrgbClr r="0" g="0" b="0"/>
+      </a:lnRef>
+      <a:fillRef idx="2">
+        <a:scrgbClr r="0" g="0" b="0"/>
+      </a:fillRef>
+      <a:effectRef idx="0">
+        <a:scrgbClr r="0" g="0" b="0"/>
+      </a:effectRef>
+      <a:fontRef idx="minor">
+        <a:schemeClr val="tx1"/>
+      </a:fontRef>
+    </dgm:style>
+  </dgm:styleLbl>
+  <dgm:styleLbl name="alignNode1">
+    <dgm:scene3d>
+      <a:camera prst="orthographicFront"/>
+      <a:lightRig rig="threePt" dir="t"/>
+    </dgm:scene3d>
+    <dgm:sp3d/>
+    <dgm:txPr/>
+    <dgm:style>
+      <a:lnRef idx="1">
+        <a:scrgbClr r="0" g="0" b="0"/>
+      </a:lnRef>
+      <a:fillRef idx="2">
+        <a:scrgbClr r="0" g="0" b="0"/>
+      </a:fillRef>
+      <a:effectRef idx="1">
+        <a:scrgbClr r="0" g="0" b="0"/>
+      </a:effectRef>
+      <a:fontRef idx="minor">
+        <a:schemeClr val="dk1"/>
+      </a:fontRef>
+    </dgm:style>
+  </dgm:styleLbl>
+  <dgm:styleLbl name="node1">
+    <dgm:scene3d>
+      <a:camera prst="orthographicFront"/>
+      <a:lightRig rig="flat" dir="t"/>
+    </dgm:scene3d>
+    <dgm:sp3d prstMaterial="dkEdge">
+      <a:bevelT w="8200" h="38100"/>
+    </dgm:sp3d>
+    <dgm:txPr/>
+    <dgm:style>
+      <a:lnRef idx="0">
+        <a:scrgbClr r="0" g="0" b="0"/>
+      </a:lnRef>
+      <a:fillRef idx="2">
+        <a:scrgbClr r="0" g="0" b="0"/>
+      </a:fillRef>
+      <a:effectRef idx="1">
+        <a:scrgbClr r="0" g="0" b="0"/>
+      </a:effectRef>
+      <a:fontRef idx="minor">
+        <a:schemeClr val="dk1"/>
+      </a:fontRef>
+    </dgm:style>
+  </dgm:styleLbl>
+  <dgm:styleLbl name="node2">
+    <dgm:scene3d>
+      <a:camera prst="orthographicFront"/>
+      <a:lightRig rig="flat" dir="t"/>
+    </dgm:scene3d>
+    <dgm:sp3d prstMaterial="dkEdge">
+      <a:bevelT w="8200" h="38100"/>
+    </dgm:sp3d>
+    <dgm:txPr/>
+    <dgm:style>
+      <a:lnRef idx="0">
+        <a:scrgbClr r="0" g="0" b="0"/>
+      </a:lnRef>
+      <a:fillRef idx="2">
+        <a:scrgbClr r="0" g="0" b="0"/>
+      </a:fillRef>
+      <a:effectRef idx="1">
+        <a:scrgbClr r="0" g="0" b="0"/>
+      </a:effectRef>
+      <a:fontRef idx="minor">
+        <a:schemeClr val="dk1"/>
+      </a:fontRef>
+    </dgm:style>
+  </dgm:styleLbl>
+  <dgm:styleLbl name="node3">
+    <dgm:scene3d>
+      <a:camera prst="orthographicFront"/>
+      <a:lightRig rig="flat" dir="t"/>
+    </dgm:scene3d>
+    <dgm:sp3d prstMaterial="dkEdge">
+      <a:bevelT w="8200" h="38100"/>
+    </dgm:sp3d>
+    <dgm:txPr/>
+    <dgm:style>
+      <a:lnRef idx="0">
+        <a:scrgbClr r="0" g="0" b="0"/>
+      </a:lnRef>
+      <a:fillRef idx="2">
+        <a:scrgbClr r="0" g="0" b="0"/>
+      </a:fillRef>
+      <a:effectRef idx="1">
+        <a:scrgbClr r="0" g="0" b="0"/>
+      </a:effectRef>
+      <a:fontRef idx="minor">
+        <a:schemeClr val="dk1"/>
+      </a:fontRef>
+    </dgm:style>
+  </dgm:styleLbl>
+  <dgm:styleLbl name="node4">
+    <dgm:scene3d>
+      <a:camera prst="orthographicFront"/>
+      <a:lightRig rig="flat" dir="t"/>
+    </dgm:scene3d>
+    <dgm:sp3d prstMaterial="dkEdge">
+      <a:bevelT w="8200" h="38100"/>
+    </dgm:sp3d>
+    <dgm:txPr/>
+    <dgm:style>
+      <a:lnRef idx="0">
+        <a:scrgbClr r="0" g="0" b="0"/>
+      </a:lnRef>
+      <a:fillRef idx="2">
+        <a:scrgbClr r="0" g="0" b="0"/>
+      </a:fillRef>
+      <a:effectRef idx="1">
+        <a:scrgbClr r="0" g="0" b="0"/>
+      </a:effectRef>
+      <a:fontRef idx="minor">
+        <a:schemeClr val="dk1"/>
+      </a:fontRef>
+    </dgm:style>
+  </dgm:styleLbl>
+  <dgm:styleLbl name="fgImgPlace1">
+    <dgm:scene3d>
+      <a:camera prst="orthographicFront"/>
+      <a:lightRig rig="threePt" dir="t"/>
+    </dgm:scene3d>
+    <dgm:sp3d/>
+    <dgm:txPr/>
+    <dgm:style>
+      <a:lnRef idx="1">
+        <a:scrgbClr r="0" g="0" b="0"/>
+      </a:lnRef>
+      <a:fillRef idx="1">
+        <a:scrgbClr r="0" g="0" b="0"/>
+      </a:fillRef>
+      <a:effectRef idx="1">
+        <a:scrgbClr r="0" g="0" b="0"/>
+      </a:effectRef>
+      <a:fontRef idx="minor"/>
+    </dgm:style>
+  </dgm:styleLbl>
+  <dgm:styleLbl name="alignImgPlace1">
+    <dgm:scene3d>
+      <a:camera prst="orthographicFront"/>
+      <a:lightRig rig="threePt" dir="t"/>
+    </dgm:scene3d>
+    <dgm:sp3d/>
+    <dgm:txPr/>
+    <dgm:style>
+      <a:lnRef idx="1">
+        <a:scrgbClr r="0" g="0" b="0"/>
+      </a:lnRef>
+      <a:fillRef idx="1">
+        <a:scrgbClr r="0" g="0" b="0"/>
+      </a:fillRef>
+      <a:effectRef idx="1">
+        <a:scrgbClr r="0" g="0" b="0"/>
+      </a:effectRef>
+      <a:fontRef idx="minor"/>
+    </dgm:style>
+  </dgm:styleLbl>
+  <dgm:styleLbl name="bgImgPlace1">
+    <dgm:scene3d>
+      <a:camera prst="orthographicFront"/>
+      <a:lightRig rig="threePt" dir="t"/>
+    </dgm:scene3d>
+    <dgm:sp3d/>
+    <dgm:txPr/>
+    <dgm:style>
+      <a:lnRef idx="1">
+        <a:scrgbClr r="0" g="0" b="0"/>
+      </a:lnRef>
+      <a:fillRef idx="1">
+        <a:scrgbClr r="0" g="0" b="0"/>
+      </a:fillRef>
+      <a:effectRef idx="1">
+        <a:scrgbClr r="0" g="0" b="0"/>
+      </a:effectRef>
+      <a:fontRef idx="minor"/>
+    </dgm:style>
+  </dgm:styleLbl>
+  <dgm:styleLbl name="sibTrans2D1">
+    <dgm:scene3d>
+      <a:camera prst="orthographicFront"/>
+      <a:lightRig rig="threePt" dir="t"/>
+    </dgm:scene3d>
+    <dgm:sp3d/>
+    <dgm:txPr/>
+    <dgm:style>
+      <a:lnRef idx="0">
+        <a:scrgbClr r="0" g="0" b="0"/>
+      </a:lnRef>
+      <a:fillRef idx="2">
+        <a:scrgbClr r="0" g="0" b="0"/>
+      </a:fillRef>
+      <a:effectRef idx="1">
+        <a:scrgbClr r="0" g="0" b="0"/>
+      </a:effectRef>
+      <a:fontRef idx="minor">
+        <a:schemeClr val="dk1"/>
+      </a:fontRef>
+    </dgm:style>
+  </dgm:styleLbl>
+  <dgm:styleLbl name="fgSibTrans2D1">
+    <dgm:scene3d>
+      <a:camera prst="orthographicFront"/>
+      <a:lightRig rig="threePt" dir="t"/>
+    </dgm:scene3d>
+    <dgm:sp3d/>
+    <dgm:txPr/>
+    <dgm:style>
+      <a:lnRef idx="0">
+        <a:scrgbClr r="0" g="0" b="0"/>
+      </a:lnRef>
+      <a:fillRef idx="2">
+        <a:scrgbClr r="0" g="0" b="0"/>
+      </a:fillRef>
+      <a:effectRef idx="1">
+        <a:scrgbClr r="0" g="0" b="0"/>
+      </a:effectRef>
+      <a:fontRef idx="minor">
+        <a:schemeClr val="dk1"/>
+      </a:fontRef>
+    </dgm:style>
+  </dgm:styleLbl>
+  <dgm:styleLbl name="bgSibTrans2D1">
+    <dgm:scene3d>
+      <a:camera prst="orthographicFront"/>
+      <a:lightRig rig="threePt" dir="t"/>
+    </dgm:scene3d>
+    <dgm:sp3d/>
+    <dgm:txPr/>
+    <dgm:style>
+      <a:lnRef idx="0">
+        <a:scrgbClr r="0" g="0" b="0"/>
+      </a:lnRef>
+      <a:fillRef idx="2">
+        <a:scrgbClr r="0" g="0" b="0"/>
+      </a:fillRef>
+      <a:effectRef idx="1">
+        <a:scrgbClr r="0" g="0" b="0"/>
+      </a:effectRef>
+      <a:fontRef idx="minor">
+        <a:schemeClr val="dk1"/>
+      </a:fontRef>
+    </dgm:style>
+  </dgm:styleLbl>
+  <dgm:styleLbl name="sibTrans1D1">
+    <dgm:scene3d>
+      <a:camera prst="orthographicFront"/>
+      <a:lightRig rig="threePt" dir="t"/>
+    </dgm:scene3d>
+    <dgm:sp3d/>
+    <dgm:txPr/>
+    <dgm:style>
+      <a:lnRef idx="1">
+        <a:scrgbClr r="0" g="0" b="0"/>
+      </a:lnRef>
+      <a:fillRef idx="0">
+        <a:scrgbClr r="0" g="0" b="0"/>
+      </a:fillRef>
+      <a:effectRef idx="0">
+        <a:scrgbClr r="0" g="0" b="0"/>
+      </a:effectRef>
+      <a:fontRef idx="minor"/>
+    </dgm:style>
+  </dgm:styleLbl>
+  <dgm:styleLbl name="callout">
+    <dgm:scene3d>
+      <a:camera prst="orthographicFront"/>
+      <a:lightRig rig="threePt" dir="t"/>
+    </dgm:scene3d>
+    <dgm:sp3d/>
+    <dgm:txPr/>
+    <dgm:style>
+      <a:lnRef idx="1">
+        <a:scrgbClr r="0" g="0" b="0"/>
+      </a:lnRef>
+      <a:fillRef idx="2">
+        <a:scrgbClr r="0" g="0" b="0"/>
+      </a:fillRef>
+      <a:effectRef idx="1">
+        <a:scrgbClr r="0" g="0" b="0"/>
+      </a:effectRef>
+      <a:fontRef idx="minor"/>
+    </dgm:style>
+  </dgm:styleLbl>
+  <dgm:styleLbl name="asst0">
+    <dgm:scene3d>
+      <a:camera prst="orthographicFront"/>
+      <a:lightRig rig="flat" dir="t"/>
+    </dgm:scene3d>
+    <dgm:sp3d prstMaterial="dkEdge">
+      <a:bevelT w="8200" h="38100"/>
+    </dgm:sp3d>
+    <dgm:txPr/>
+    <dgm:style>
+      <a:lnRef idx="0">
+        <a:scrgbClr r="0" g="0" b="0"/>
+      </a:lnRef>
+      <a:fillRef idx="2">
+        <a:scrgbClr r="0" g="0" b="0"/>
+      </a:fillRef>
+      <a:effectRef idx="1">
+        <a:scrgbClr r="0" g="0" b="0"/>
+      </a:effectRef>
+      <a:fontRef idx="minor">
+        <a:schemeClr val="dk1"/>
+      </a:fontRef>
+    </dgm:style>
+  </dgm:styleLbl>
+  <dgm:styleLbl name="asst1">
+    <dgm:scene3d>
+      <a:camera prst="orthographicFront"/>
+      <a:lightRig rig="flat" dir="t"/>
+    </dgm:scene3d>
+    <dgm:sp3d prstMaterial="dkEdge">
+      <a:bevelT w="8200" h="38100"/>
+    </dgm:sp3d>
+    <dgm:txPr/>
+    <dgm:style>
+      <a:lnRef idx="0">
+        <a:scrgbClr r="0" g="0" b="0"/>
+      </a:lnRef>
+      <a:fillRef idx="2">
+        <a:scrgbClr r="0" g="0" b="0"/>
+      </a:fillRef>
+      <a:effectRef idx="1">
+        <a:scrgbClr r="0" g="0" b="0"/>
+      </a:effectRef>
+      <a:fontRef idx="minor">
+        <a:schemeClr val="dk1"/>
+      </a:fontRef>
+    </dgm:style>
+  </dgm:styleLbl>
+  <dgm:styleLbl name="asst2">
+    <dgm:scene3d>
+      <a:camera prst="orthographicFront"/>
+      <a:lightRig rig="flat" dir="t"/>
+    </dgm:scene3d>
+    <dgm:sp3d prstMaterial="dkEdge">
+      <a:bevelT w="8200" h="38100"/>
+    </dgm:sp3d>
+    <dgm:txPr/>
+    <dgm:style>
+      <a:lnRef idx="0">
+        <a:scrgbClr r="0" g="0" b="0"/>
+      </a:lnRef>
+      <a:fillRef idx="2">
+        <a:scrgbClr r="0" g="0" b="0"/>
+      </a:fillRef>
+      <a:effectRef idx="1">
+        <a:scrgbClr r="0" g="0" b="0"/>
+      </a:effectRef>
+      <a:fontRef idx="minor">
+        <a:schemeClr val="dk1"/>
+      </a:fontRef>
+    </dgm:style>
+  </dgm:styleLbl>
+  <dgm:styleLbl name="asst3">
+    <dgm:scene3d>
+      <a:camera prst="orthographicFront"/>
+      <a:lightRig rig="flat" dir="t"/>
+    </dgm:scene3d>
+    <dgm:sp3d prstMaterial="dkEdge">
+      <a:bevelT w="8200" h="38100"/>
+    </dgm:sp3d>
+    <dgm:txPr/>
+    <dgm:style>
+      <a:lnRef idx="0">
+        <a:scrgbClr r="0" g="0" b="0"/>
+      </a:lnRef>
+      <a:fillRef idx="2">
+        <a:scrgbClr r="0" g="0" b="0"/>
+      </a:fillRef>
+      <a:effectRef idx="1">
+        <a:scrgbClr r="0" g="0" b="0"/>
+      </a:effectRef>
+      <a:fontRef idx="minor">
+        <a:schemeClr val="dk1"/>
+      </a:fontRef>
+    </dgm:style>
+  </dgm:styleLbl>
+  <dgm:styleLbl name="asst4">
+    <dgm:scene3d>
+      <a:camera prst="orthographicFront"/>
+      <a:lightRig rig="flat" dir="t"/>
+    </dgm:scene3d>
+    <dgm:sp3d prstMaterial="dkEdge">
+      <a:bevelT w="8200" h="38100"/>
+    </dgm:sp3d>
+    <dgm:txPr/>
+    <dgm:style>
+      <a:lnRef idx="0">
+        <a:scrgbClr r="0" g="0" b="0"/>
+      </a:lnRef>
+      <a:fillRef idx="2">
+        <a:scrgbClr r="0" g="0" b="0"/>
+      </a:fillRef>
+      <a:effectRef idx="1">
+        <a:scrgbClr r="0" g="0" b="0"/>
+      </a:effectRef>
+      <a:fontRef idx="minor">
+        <a:schemeClr val="dk1"/>
+      </a:fontRef>
+    </dgm:style>
+  </dgm:styleLbl>
+  <dgm:styleLbl name="parChTrans2D1">
+    <dgm:scene3d>
+      <a:camera prst="orthographicFront"/>
+      <a:lightRig rig="threePt" dir="t"/>
+    </dgm:scene3d>
+    <dgm:sp3d/>
+    <dgm:txPr/>
+    <dgm:style>
+      <a:lnRef idx="1">
+        <a:scrgbClr r="0" g="0" b="0"/>
+      </a:lnRef>
+      <a:fillRef idx="2">
+        <a:scrgbClr r="0" g="0" b="0"/>
+      </a:fillRef>
+      <a:effectRef idx="1">
+        <a:scrgbClr r="0" g="0" b="0"/>
+      </a:effectRef>
+      <a:fontRef idx="minor">
+        <a:schemeClr val="dk1"/>
+      </a:fontRef>
+    </dgm:style>
+  </dgm:styleLbl>
+  <dgm:styleLbl name="parChTrans2D2">
+    <dgm:scene3d>
+      <a:camera prst="orthographicFront"/>
+      <a:lightRig rig="threePt" dir="t"/>
+    </dgm:scene3d>
+    <dgm:sp3d/>
+    <dgm:txPr/>
+    <dgm:style>
+      <a:lnRef idx="1">
+        <a:scrgbClr r="0" g="0" b="0"/>
+      </a:lnRef>
+      <a:fillRef idx="2">
+        <a:scrgbClr r="0" g="0" b="0"/>
+      </a:fillRef>
+      <a:effectRef idx="1">
+        <a:scrgbClr r="0" g="0" b="0"/>
+      </a:effectRef>
+      <a:fontRef idx="minor">
+        <a:schemeClr val="dk1"/>
+      </a:fontRef>
+    </dgm:style>
+  </dgm:styleLbl>
+  <dgm:styleLbl name="parChTrans2D3">
+    <dgm:scene3d>
+      <a:camera prst="orthographicFront"/>
+      <a:lightRig rig="threePt" dir="t"/>
+    </dgm:scene3d>
+    <dgm:sp3d/>
+    <dgm:txPr/>
+    <dgm:style>
+      <a:lnRef idx="1">
+        <a:scrgbClr r="0" g="0" b="0"/>
+      </a:lnRef>
+      <a:fillRef idx="2">
+        <a:scrgbClr r="0" g="0" b="0"/>
+      </a:fillRef>
+      <a:effectRef idx="1">
+        <a:scrgbClr r="0" g="0" b="0"/>
+      </a:effectRef>
+      <a:fontRef idx="minor">
+        <a:schemeClr val="dk1"/>
+      </a:fontRef>
+    </dgm:style>
+  </dgm:styleLbl>
+  <dgm:styleLbl name="parChTrans2D4">
+    <dgm:scene3d>
+      <a:camera prst="orthographicFront"/>
+      <a:lightRig rig="threePt" dir="t"/>
+    </dgm:scene3d>
+    <dgm:sp3d/>
+    <dgm:txPr/>
+    <dgm:style>
+      <a:lnRef idx="1">
+        <a:scrgbClr r="0" g="0" b="0"/>
+      </a:lnRef>
+      <a:fillRef idx="2">
+        <a:scrgbClr r="0" g="0" b="0"/>
+      </a:fillRef>
+      <a:effectRef idx="1">
+        <a:scrgbClr r="0" g="0" b="0"/>
+      </a:effectRef>
+      <a:fontRef idx="minor">
+        <a:schemeClr val="dk1"/>
+      </a:fontRef>
+    </dgm:style>
+  </dgm:styleLbl>
+  <dgm:styleLbl name="parChTrans1D1">
+    <dgm:scene3d>
+      <a:camera prst="orthographicFront"/>
+      <a:lightRig rig="threePt" dir="t"/>
+    </dgm:scene3d>
+    <dgm:sp3d/>
+    <dgm:txPr/>
+    <dgm:style>
+      <a:lnRef idx="2">
+        <a:scrgbClr r="0" g="0" b="0"/>
+      </a:lnRef>
+      <a:fillRef idx="0">
+        <a:scrgbClr r="0" g="0" b="0"/>
+      </a:fillRef>
+      <a:effectRef idx="0">
+        <a:scrgbClr r="0" g="0" b="0"/>
+      </a:effectRef>
+      <a:fontRef idx="minor"/>
+    </dgm:style>
+  </dgm:styleLbl>
+  <dgm:styleLbl name="parChTrans1D2">
+    <dgm:scene3d>
+      <a:camera prst="orthographicFront"/>
+      <a:lightRig rig="threePt" dir="t"/>
+    </dgm:scene3d>
+    <dgm:sp3d/>
+    <dgm:txPr/>
+    <dgm:style>
+      <a:lnRef idx="2">
+        <a:scrgbClr r="0" g="0" b="0"/>
+      </a:lnRef>
+      <a:fillRef idx="0">
+        <a:scrgbClr r="0" g="0" b="0"/>
+      </a:fillRef>
+      <a:effectRef idx="0">
+        <a:scrgbClr r="0" g="0" b="0"/>
+      </a:effectRef>
+      <a:fontRef idx="minor"/>
+    </dgm:style>
+  </dgm:styleLbl>
+  <dgm:styleLbl name="parChTrans1D3">
+    <dgm:scene3d>
+      <a:camera prst="orthographicFront"/>
+      <a:lightRig rig="threePt" dir="t"/>
+    </dgm:scene3d>
+    <dgm:sp3d/>
+    <dgm:txPr/>
+    <dgm:style>
+      <a:lnRef idx="2">
+        <a:scrgbClr r="0" g="0" b="0"/>
+      </a:lnRef>
+      <a:fillRef idx="0">
+        <a:scrgbClr r="0" g="0" b="0"/>
+      </a:fillRef>
+      <a:effectRef idx="0">
+        <a:scrgbClr r="0" g="0" b="0"/>
+      </a:effectRef>
+      <a:fontRef idx="minor"/>
+    </dgm:style>
+  </dgm:styleLbl>
+  <dgm:styleLbl name="parChTrans1D4">
+    <dgm:scene3d>
+      <a:camera prst="orthographicFront"/>
+      <a:lightRig rig="threePt" dir="t"/>
+    </dgm:scene3d>
+    <dgm:sp3d/>
+    <dgm:txPr/>
+    <dgm:style>
+      <a:lnRef idx="2">
+        <a:scrgbClr r="0" g="0" b="0"/>
+      </a:lnRef>
+      <a:fillRef idx="0">
+        <a:scrgbClr r="0" g="0" b="0"/>
+      </a:fillRef>
+      <a:effectRef idx="0">
+        <a:scrgbClr r="0" g="0" b="0"/>
+      </a:effectRef>
+      <a:fontRef idx="minor"/>
+    </dgm:style>
+  </dgm:styleLbl>
+  <dgm:styleLbl name="fgAcc1">
+    <dgm:scene3d>
+      <a:camera prst="orthographicFront"/>
+      <a:lightRig rig="threePt" dir="t"/>
+    </dgm:scene3d>
+    <dgm:sp3d/>
+    <dgm:txPr/>
+    <dgm:style>
+      <a:lnRef idx="1">
+        <a:scrgbClr r="0" g="0" b="0"/>
+      </a:lnRef>
+      <a:fillRef idx="1">
+        <a:scrgbClr r="0" g="0" b="0"/>
+      </a:fillRef>
+      <a:effectRef idx="0">
+        <a:scrgbClr r="0" g="0" b="0"/>
+      </a:effectRef>
+      <a:fontRef idx="minor"/>
+    </dgm:style>
+  </dgm:styleLbl>
+  <dgm:styleLbl name="conFgAcc1">
+    <dgm:scene3d>
+      <a:camera prst="orthographicFront"/>
+      <a:lightRig rig="threePt" dir="t"/>
+    </dgm:scene3d>
+    <dgm:sp3d/>
+    <dgm:txPr/>
+    <dgm:style>
+      <a:lnRef idx="1">
+        <a:scrgbClr r="0" g="0" b="0"/>
+      </a:lnRef>
+      <a:fillRef idx="1">
+        <a:scrgbClr r="0" g="0" b="0"/>
+      </a:fillRef>
+      <a:effectRef idx="0">
+        <a:scrgbClr r="0" g="0" b="0"/>
+      </a:effectRef>
+      <a:fontRef idx="minor"/>
+    </dgm:style>
+  </dgm:styleLbl>
+  <dgm:styleLbl name="alignAcc1">
+    <dgm:scene3d>
+      <a:camera prst="orthographicFront"/>
+      <a:lightRig rig="threePt" dir="t"/>
+    </dgm:scene3d>
+    <dgm:sp3d/>
+    <dgm:txPr/>
+    <dgm:style>
+      <a:lnRef idx="1">
+        <a:scrgbClr r="0" g="0" b="0"/>
+      </a:lnRef>
+      <a:fillRef idx="1">
+        <a:scrgbClr r="0" g="0" b="0"/>
+      </a:fillRef>
+      <a:effectRef idx="0">
+        <a:scrgbClr r="0" g="0" b="0"/>
+      </a:effectRef>
+      <a:fontRef idx="minor"/>
+    </dgm:style>
+  </dgm:styleLbl>
+  <dgm:styleLbl name="trAlignAcc1">
+    <dgm:scene3d>
+      <a:camera prst="orthographicFront"/>
+      <a:lightRig rig="threePt" dir="t"/>
+    </dgm:scene3d>
+    <dgm:sp3d/>
+    <dgm:txPr/>
+    <dgm:style>
+      <a:lnRef idx="1">
+        <a:scrgbClr r="0" g="0" b="0"/>
+      </a:lnRef>
+      <a:fillRef idx="1">
+        <a:scrgbClr r="0" g="0" b="0"/>
+      </a:fillRef>
+      <a:effectRef idx="0">
+        <a:scrgbClr r="0" g="0" b="0"/>
+      </a:effectRef>
+      <a:fontRef idx="minor"/>
+    </dgm:style>
+  </dgm:styleLbl>
+  <dgm:styleLbl name="bgAcc1">
+    <dgm:scene3d>
+      <a:camera prst="orthographicFront"/>
+      <a:lightRig rig="threePt" dir="t"/>
+    </dgm:scene3d>
+    <dgm:sp3d/>
+    <dgm:txPr/>
+    <dgm:style>
+      <a:lnRef idx="1">
+        <a:scrgbClr r="0" g="0" b="0"/>
+      </a:lnRef>
+      <a:fillRef idx="1">
+        <a:scrgbClr r="0" g="0" b="0"/>
+      </a:fillRef>
+      <a:effectRef idx="0">
+        <a:scrgbClr r="0" g="0" b="0"/>
+      </a:effectRef>
+      <a:fontRef idx="minor"/>
+    </dgm:style>
+  </dgm:styleLbl>
+  <dgm:styleLbl name="solidFgAcc1">
+    <dgm:scene3d>
+      <a:camera prst="orthographicFront"/>
+      <a:lightRig rig="threePt" dir="t"/>
+    </dgm:scene3d>
+    <dgm:sp3d/>
+    <dgm:txPr/>
+    <dgm:style>
+      <a:lnRef idx="1">
+        <a:scrgbClr r="0" g="0" b="0"/>
+      </a:lnRef>
+      <a:fillRef idx="2">
+        <a:scrgbClr r="0" g="0" b="0"/>
+      </a:fillRef>
+      <a:effectRef idx="0">
+        <a:scrgbClr r="0" g="0" b="0"/>
+      </a:effectRef>
+      <a:fontRef idx="minor"/>
+    </dgm:style>
+  </dgm:styleLbl>
+  <dgm:styleLbl name="solidAlignAcc1">
+    <dgm:scene3d>
+      <a:camera prst="orthographicFront"/>
+      <a:lightRig rig="threePt" dir="t"/>
+    </dgm:scene3d>
+    <dgm:sp3d/>
+    <dgm:txPr/>
+    <dgm:style>
+      <a:lnRef idx="1">
+        <a:scrgbClr r="0" g="0" b="0"/>
+      </a:lnRef>
+      <a:fillRef idx="1">
+        <a:scrgbClr r="0" g="0" b="0"/>
+      </a:fillRef>
+      <a:effectRef idx="0">
+        <a:scrgbClr r="0" g="0" b="0"/>
+      </a:effectRef>
+      <a:fontRef idx="minor"/>
+    </dgm:style>
+  </dgm:styleLbl>
+  <dgm:styleLbl name="solidBgAcc1">
+    <dgm:scene3d>
+      <a:camera prst="orthographicFront"/>
+      <a:lightRig rig="threePt" dir="t"/>
+    </dgm:scene3d>
+    <dgm:sp3d/>
+    <dgm:txPr/>
+    <dgm:style>
+      <a:lnRef idx="1">
+        <a:scrgbClr r="0" g="0" b="0"/>
+      </a:lnRef>
+      <a:fillRef idx="1">
+        <a:scrgbClr r="0" g="0" b="0"/>
+      </a:fillRef>
+      <a:effectRef idx="0">
+        <a:scrgbClr r="0" g="0" b="0"/>
+      </a:effectRef>
+      <a:fontRef idx="minor"/>
+    </dgm:style>
+  </dgm:styleLbl>
+  <dgm:styleLbl name="fgAccFollowNode1">
+    <dgm:scene3d>
+      <a:camera prst="orthographicFront"/>
+      <a:lightRig rig="threePt" dir="t"/>
+    </dgm:scene3d>
+    <dgm:sp3d/>
+    <dgm:txPr/>
+    <dgm:style>
+      <a:lnRef idx="1">
+        <a:scrgbClr r="0" g="0" b="0"/>
+      </a:lnRef>
+      <a:fillRef idx="1">
+        <a:scrgbClr r="0" g="0" b="0"/>
+      </a:fillRef>
+      <a:effectRef idx="0">
+        <a:scrgbClr r="0" g="0" b="0"/>
+      </a:effectRef>
+      <a:fontRef idx="minor"/>
+    </dgm:style>
+  </dgm:styleLbl>
+  <dgm:styleLbl name="alignAccFollowNode1">
+    <dgm:scene3d>
+      <a:camera prst="orthographicFront"/>
+      <a:lightRig rig="threePt" dir="t"/>
+    </dgm:scene3d>
+    <dgm:sp3d/>
+    <dgm:txPr/>
+    <dgm:style>
+      <a:lnRef idx="1">
+        <a:scrgbClr r="0" g="0" b="0"/>
+      </a:lnRef>
+      <a:fillRef idx="1">
+        <a:scrgbClr r="0" g="0" b="0"/>
+      </a:fillRef>
+      <a:effectRef idx="0">
+        <a:scrgbClr r="0" g="0" b="0"/>
+      </a:effectRef>
+      <a:fontRef idx="minor"/>
+    </dgm:style>
+  </dgm:styleLbl>
+  <dgm:styleLbl name="bgAccFollowNode1">
+    <dgm:scene3d>
+      <a:camera prst="orthographicFront"/>
+      <a:lightRig rig="threePt" dir="t"/>
+    </dgm:scene3d>
+    <dgm:sp3d/>
+    <dgm:txPr/>
+    <dgm:style>
+      <a:lnRef idx="1">
+        <a:scrgbClr r="0" g="0" b="0"/>
+      </a:lnRef>
+      <a:fillRef idx="1">
+        <a:scrgbClr r="0" g="0" b="0"/>
+      </a:fillRef>
+      <a:effectRef idx="0">
+        <a:scrgbClr r="0" g="0" b="0"/>
+      </a:effectRef>
+      <a:fontRef idx="minor"/>
+    </dgm:style>
+  </dgm:styleLbl>
+  <dgm:styleLbl name="fgAcc0">
+    <dgm:scene3d>
+      <a:camera prst="orthographicFront"/>
+      <a:lightRig rig="threePt" dir="t"/>
+    </dgm:scene3d>
+    <dgm:sp3d/>
+    <dgm:txPr/>
+    <dgm:style>
+      <a:lnRef idx="1">
+        <a:scrgbClr r="0" g="0" b="0"/>
+      </a:lnRef>
+      <a:fillRef idx="1">
+        <a:scrgbClr r="0" g="0" b="0"/>
+      </a:fillRef>
+      <a:effectRef idx="0">
+        <a:scrgbClr r="0" g="0" b="0"/>
+      </a:effectRef>
+      <a:fontRef idx="minor"/>
+    </dgm:style>
+  </dgm:styleLbl>
+  <dgm:styleLbl name="fgAcc2">
+    <dgm:scene3d>
+      <a:camera prst="orthographicFront"/>
+      <a:lightRig rig="threePt" dir="t"/>
+    </dgm:scene3d>
+    <dgm:sp3d/>
+    <dgm:txPr/>
+    <dgm:style>
+      <a:lnRef idx="1">
+        <a:scrgbClr r="0" g="0" b="0"/>
+      </a:lnRef>
+      <a:fillRef idx="1">
+        <a:scrgbClr r="0" g="0" b="0"/>
+      </a:fillRef>
+      <a:effectRef idx="0">
+        <a:scrgbClr r="0" g="0" b="0"/>
+      </a:effectRef>
+      <a:fontRef idx="minor"/>
+    </dgm:style>
+  </dgm:styleLbl>
+  <dgm:styleLbl name="fgAcc3">
+    <dgm:scene3d>
+      <a:camera prst="orthographicFront"/>
+      <a:lightRig rig="threePt" dir="t"/>
+    </dgm:scene3d>
+    <dgm:sp3d/>
+    <dgm:txPr/>
+    <dgm:style>
+      <a:lnRef idx="1">
+        <a:scrgbClr r="0" g="0" b="0"/>
+      </a:lnRef>
+      <a:fillRef idx="1">
+        <a:scrgbClr r="0" g="0" b="0"/>
+      </a:fillRef>
+      <a:effectRef idx="0">
+        <a:scrgbClr r="0" g="0" b="0"/>
+      </a:effectRef>
+      <a:fontRef idx="minor"/>
+    </dgm:style>
+  </dgm:styleLbl>
+  <dgm:styleLbl name="fgAcc4">
+    <dgm:scene3d>
+      <a:camera prst="orthographicFront"/>
+      <a:lightRig rig="threePt" dir="t"/>
+    </dgm:scene3d>
+    <dgm:sp3d/>
+    <dgm:txPr/>
+    <dgm:style>
+      <a:lnRef idx="1">
+        <a:scrgbClr r="0" g="0" b="0"/>
+      </a:lnRef>
+      <a:fillRef idx="1">
+        <a:scrgbClr r="0" g="0" b="0"/>
+      </a:fillRef>
+      <a:effectRef idx="0">
+        <a:scrgbClr r="0" g="0" b="0"/>
+      </a:effectRef>
+      <a:fontRef idx="minor"/>
+    </dgm:style>
+  </dgm:styleLbl>
+  <dgm:styleLbl name="bgShp">
+    <dgm:scene3d>
+      <a:camera prst="orthographicFront"/>
+      <a:lightRig rig="threePt" dir="t"/>
+    </dgm:scene3d>
+    <dgm:sp3d/>
+    <dgm:txPr/>
+    <dgm:style>
+      <a:lnRef idx="0">
+        <a:scrgbClr r="0" g="0" b="0"/>
+      </a:lnRef>
+      <a:fillRef idx="1">
+        <a:scrgbClr r="0" g="0" b="0"/>
+      </a:fillRef>
+      <a:effectRef idx="1">
+        <a:scrgbClr r="0" g="0" b="0"/>
+      </a:effectRef>
+      <a:fontRef idx="minor"/>
+    </dgm:style>
+  </dgm:styleLbl>
+  <dgm:styleLbl name="dkBgShp">
+    <dgm:scene3d>
+      <a:camera prst="orthographicFront"/>
+      <a:lightRig rig="threePt" dir="t"/>
+    </dgm:scene3d>
+    <dgm:sp3d/>
+    <dgm:txPr/>
+    <dgm:style>
+      <a:lnRef idx="0">
+        <a:scrgbClr r="0" g="0" b="0"/>
+      </a:lnRef>
+      <a:fillRef idx="1">
+        <a:scrgbClr r="0" g="0" b="0"/>
+      </a:fillRef>
+      <a:effectRef idx="1">
+        <a:scrgbClr r="0" g="0" b="0"/>
+      </a:effectRef>
+      <a:fontRef idx="minor"/>
+    </dgm:style>
+  </dgm:styleLbl>
+  <dgm:styleLbl name="trBgShp">
+    <dgm:scene3d>
+      <a:camera prst="orthographicFront"/>
+      <a:lightRig rig="threePt" dir="t"/>
+    </dgm:scene3d>
+    <dgm:sp3d/>
+    <dgm:txPr/>
+    <dgm:style>
+      <a:lnRef idx="0">
+        <a:scrgbClr r="0" g="0" b="0"/>
+      </a:lnRef>
+      <a:fillRef idx="1">
+        <a:scrgbClr r="0" g="0" b="0"/>
+      </a:fillRef>
+      <a:effectRef idx="0">
+        <a:scrgbClr r="0" g="0" b="0"/>
+      </a:effectRef>
+      <a:fontRef idx="minor"/>
+    </dgm:style>
+  </dgm:styleLbl>
+  <dgm:styleLbl name="fgShp">
+    <dgm:scene3d>
+      <a:camera prst="orthographicFront"/>
+      <a:lightRig rig="flat" dir="t"/>
+    </dgm:scene3d>
+    <dgm:sp3d prstMaterial="dkEdge">
+      <a:bevelT w="8200" h="38100"/>
+    </dgm:sp3d>
+    <dgm:txPr/>
+    <dgm:style>
+      <a:lnRef idx="1">
+        <a:scrgbClr r="0" g="0" b="0"/>
+      </a:lnRef>
+      <a:fillRef idx="2">
+        <a:scrgbClr r="0" g="0" b="0"/>
+      </a:fillRef>
+      <a:effectRef idx="1">
+        <a:scrgbClr r="0" g="0" b="0"/>
+      </a:effectRef>
+      <a:fontRef idx="minor"/>
+    </dgm:style>
+  </dgm:styleLbl>
+  <dgm:styleLbl name="revTx">
+    <dgm:scene3d>
+      <a:camera prst="orthographicFront"/>
+      <a:lightRig rig="threePt" dir="t"/>
+    </dgm:scene3d>
+    <dgm:sp3d/>
+    <dgm:txPr/>
+    <dgm:style>
+      <a:lnRef idx="0">
+        <a:scrgbClr r="0" g="0" b="0"/>
+      </a:lnRef>
+      <a:fillRef idx="0">
+        <a:scrgbClr r="0" g="0" b="0"/>
+      </a:fillRef>
+      <a:effectRef idx="0">
+        <a:scrgbClr r="0" g="0" b="0"/>
+      </a:effectRef>
+      <a:fontRef idx="minor"/>
+    </dgm:style>
+  </dgm:styleLbl>
+</dgm:styleDef>
+</file>
+
 <file path=ppt/notesMasters/notesMaster1.xml><?xml version="1.0" encoding="utf-8"?>
 <p:notesMaster xmlns:a="http://schemas.openxmlformats.org/drawingml/2006/main" xmlns:r="http://schemas.openxmlformats.org/officeDocument/2006/relationships" xmlns:p="http://schemas.openxmlformats.org/presentationml/2006/main">
   <p:cSld>
@@ -216,7 +5618,7 @@
           <a:p>
             <a:fld id="{96E28A0C-612C-4BF1-9970-D38E9C7DCE7D}" type="datetimeFigureOut">
               <a:rPr lang="en-GB" smtClean="0"/>
-              <a:t>22/06/2020</a:t>
+              <a:t>24/06/2020</a:t>
             </a:fld>
             <a:endParaRPr lang="en-GB"/>
           </a:p>
@@ -484,6 +5886,174 @@
 </p:notesMaster>
 </file>
 
+<file path=ppt/notesSlides/notesSlide1.xml><?xml version="1.0" encoding="utf-8"?>
+<p:notes xmlns:a="http://schemas.openxmlformats.org/drawingml/2006/main" xmlns:r="http://schemas.openxmlformats.org/officeDocument/2006/relationships" xmlns:p="http://schemas.openxmlformats.org/presentationml/2006/main">
+  <p:cSld>
+    <p:spTree>
+      <p:nvGrpSpPr>
+        <p:cNvPr id="1" name=""/>
+        <p:cNvGrpSpPr/>
+        <p:nvPr/>
+      </p:nvGrpSpPr>
+      <p:grpSpPr>
+        <a:xfrm>
+          <a:off x="0" y="0"/>
+          <a:ext cx="0" cy="0"/>
+          <a:chOff x="0" y="0"/>
+          <a:chExt cx="0" cy="0"/>
+        </a:xfrm>
+      </p:grpSpPr>
+      <p:sp>
+        <p:nvSpPr>
+          <p:cNvPr id="2" name="Slide Image Placeholder 1"/>
+          <p:cNvSpPr>
+            <a:spLocks noGrp="1" noRot="1" noChangeAspect="1"/>
+          </p:cNvSpPr>
+          <p:nvPr>
+            <p:ph type="sldImg"/>
+          </p:nvPr>
+        </p:nvSpPr>
+        <p:spPr/>
+      </p:sp>
+      <p:sp>
+        <p:nvSpPr>
+          <p:cNvPr id="3" name="Notes Placeholder 2"/>
+          <p:cNvSpPr>
+            <a:spLocks noGrp="1"/>
+          </p:cNvSpPr>
+          <p:nvPr>
+            <p:ph type="body" idx="1"/>
+          </p:nvPr>
+        </p:nvSpPr>
+        <p:spPr/>
+        <p:txBody>
+          <a:bodyPr/>
+          <a:lstStyle/>
+          <a:p>
+            <a:endParaRPr lang="en-GB"/>
+          </a:p>
+        </p:txBody>
+      </p:sp>
+      <p:sp>
+        <p:nvSpPr>
+          <p:cNvPr id="4" name="Slide Number Placeholder 3"/>
+          <p:cNvSpPr>
+            <a:spLocks noGrp="1"/>
+          </p:cNvSpPr>
+          <p:nvPr>
+            <p:ph type="sldNum" sz="quarter" idx="5"/>
+          </p:nvPr>
+        </p:nvSpPr>
+        <p:spPr/>
+        <p:txBody>
+          <a:bodyPr/>
+          <a:lstStyle/>
+          <a:p>
+            <a:fld id="{AA3D70F4-3D14-43E2-9BC9-E66CE6056084}" type="slidenum">
+              <a:rPr lang="en-GB" smtClean="0"/>
+              <a:t>7</a:t>
+            </a:fld>
+            <a:endParaRPr lang="en-GB"/>
+          </a:p>
+        </p:txBody>
+      </p:sp>
+    </p:spTree>
+    <p:extLst>
+      <p:ext uri="{BB962C8B-B14F-4D97-AF65-F5344CB8AC3E}">
+        <p14:creationId xmlns:p14="http://schemas.microsoft.com/office/powerpoint/2010/main" val="1123905195"/>
+      </p:ext>
+    </p:extLst>
+  </p:cSld>
+  <p:clrMapOvr>
+    <a:masterClrMapping/>
+  </p:clrMapOvr>
+</p:notes>
+</file>
+
+<file path=ppt/notesSlides/notesSlide2.xml><?xml version="1.0" encoding="utf-8"?>
+<p:notes xmlns:a="http://schemas.openxmlformats.org/drawingml/2006/main" xmlns:r="http://schemas.openxmlformats.org/officeDocument/2006/relationships" xmlns:p="http://schemas.openxmlformats.org/presentationml/2006/main">
+  <p:cSld>
+    <p:spTree>
+      <p:nvGrpSpPr>
+        <p:cNvPr id="1" name=""/>
+        <p:cNvGrpSpPr/>
+        <p:nvPr/>
+      </p:nvGrpSpPr>
+      <p:grpSpPr>
+        <a:xfrm>
+          <a:off x="0" y="0"/>
+          <a:ext cx="0" cy="0"/>
+          <a:chOff x="0" y="0"/>
+          <a:chExt cx="0" cy="0"/>
+        </a:xfrm>
+      </p:grpSpPr>
+      <p:sp>
+        <p:nvSpPr>
+          <p:cNvPr id="2" name="Slide Image Placeholder 1"/>
+          <p:cNvSpPr>
+            <a:spLocks noGrp="1" noRot="1" noChangeAspect="1"/>
+          </p:cNvSpPr>
+          <p:nvPr>
+            <p:ph type="sldImg"/>
+          </p:nvPr>
+        </p:nvSpPr>
+        <p:spPr/>
+      </p:sp>
+      <p:sp>
+        <p:nvSpPr>
+          <p:cNvPr id="3" name="Notes Placeholder 2"/>
+          <p:cNvSpPr>
+            <a:spLocks noGrp="1"/>
+          </p:cNvSpPr>
+          <p:nvPr>
+            <p:ph type="body" idx="1"/>
+          </p:nvPr>
+        </p:nvSpPr>
+        <p:spPr/>
+        <p:txBody>
+          <a:bodyPr/>
+          <a:lstStyle/>
+          <a:p>
+            <a:endParaRPr lang="en-GB" dirty="0"/>
+          </a:p>
+        </p:txBody>
+      </p:sp>
+      <p:sp>
+        <p:nvSpPr>
+          <p:cNvPr id="4" name="Slide Number Placeholder 3"/>
+          <p:cNvSpPr>
+            <a:spLocks noGrp="1"/>
+          </p:cNvSpPr>
+          <p:nvPr>
+            <p:ph type="sldNum" sz="quarter" idx="5"/>
+          </p:nvPr>
+        </p:nvSpPr>
+        <p:spPr/>
+        <p:txBody>
+          <a:bodyPr/>
+          <a:lstStyle/>
+          <a:p>
+            <a:fld id="{AA3D70F4-3D14-43E2-9BC9-E66CE6056084}" type="slidenum">
+              <a:rPr lang="en-GB" smtClean="0"/>
+              <a:t>17</a:t>
+            </a:fld>
+            <a:endParaRPr lang="en-GB"/>
+          </a:p>
+        </p:txBody>
+      </p:sp>
+    </p:spTree>
+    <p:extLst>
+      <p:ext uri="{BB962C8B-B14F-4D97-AF65-F5344CB8AC3E}">
+        <p14:creationId xmlns:p14="http://schemas.microsoft.com/office/powerpoint/2010/main" val="703794092"/>
+      </p:ext>
+    </p:extLst>
+  </p:cSld>
+  <p:clrMapOvr>
+    <a:masterClrMapping/>
+  </p:clrMapOvr>
+</p:notes>
+</file>
+
 <file path=ppt/slideLayouts/slideLayout1.xml><?xml version="1.0" encoding="utf-8"?>
 <p:sldLayout xmlns:a="http://schemas.openxmlformats.org/drawingml/2006/main" xmlns:r="http://schemas.openxmlformats.org/officeDocument/2006/relationships" xmlns:p="http://schemas.openxmlformats.org/presentationml/2006/main" showMasterSp="0" type="title" preserve="1">
   <p:cSld name="Title Slide">
@@ -710,7 +6280,7 @@
           <a:p>
             <a:fld id="{451E77E2-E929-4410-B81A-086760143B79}" type="datetime1">
               <a:rPr lang="en-GB" smtClean="0"/>
-              <a:t>22/06/2020</a:t>
+              <a:t>24/06/2020</a:t>
             </a:fld>
             <a:endParaRPr lang="en-GB"/>
           </a:p>
@@ -921,7 +6491,7 @@
           <a:p>
             <a:fld id="{1DB4DB8E-4214-4F23-8BCF-4CF9B85CC008}" type="datetime1">
               <a:rPr lang="en-GB" smtClean="0"/>
-              <a:t>22/06/2020</a:t>
+              <a:t>24/06/2020</a:t>
             </a:fld>
             <a:endParaRPr lang="en-GB"/>
           </a:p>
@@ -1180,7 +6750,7 @@
           <a:p>
             <a:fld id="{4E19B70F-0611-4A02-A822-5B04420D411E}" type="datetime1">
               <a:rPr lang="en-GB" smtClean="0"/>
-              <a:t>22/06/2020</a:t>
+              <a:t>24/06/2020</a:t>
             </a:fld>
             <a:endParaRPr lang="en-GB"/>
           </a:p>
@@ -1353,7 +6923,7 @@
           <a:p>
             <a:fld id="{065854A5-0220-4C4A-B2B0-FFE659D86BF7}" type="datetime1">
               <a:rPr lang="en-GB" smtClean="0"/>
-              <a:t>22/06/2020</a:t>
+              <a:t>24/06/2020</a:t>
             </a:fld>
             <a:endParaRPr lang="en-GB"/>
           </a:p>
@@ -1699,7 +7269,7 @@
           <a:p>
             <a:fld id="{F298690C-C62A-4586-B769-E382E1A028E0}" type="datetime1">
               <a:rPr lang="en-GB" smtClean="0"/>
-              <a:t>22/06/2020</a:t>
+              <a:t>24/06/2020</a:t>
             </a:fld>
             <a:endParaRPr lang="en-GB"/>
           </a:p>
@@ -1977,7 +7547,7 @@
           <a:p>
             <a:fld id="{C3011CDC-8337-4FF5-8629-137FE54A2DE2}" type="datetime1">
               <a:rPr lang="en-GB" smtClean="0"/>
-              <a:t>22/06/2020</a:t>
+              <a:t>24/06/2020</a:t>
             </a:fld>
             <a:endParaRPr lang="en-GB"/>
           </a:p>
@@ -2359,7 +7929,7 @@
           <a:p>
             <a:fld id="{EAB7633E-6304-4357-886E-39EA278BEA38}" type="datetime1">
               <a:rPr lang="en-GB" smtClean="0"/>
-              <a:t>22/06/2020</a:t>
+              <a:t>24/06/2020</a:t>
             </a:fld>
             <a:endParaRPr lang="en-GB"/>
           </a:p>
@@ -2480,7 +8050,7 @@
           <a:p>
             <a:fld id="{1194AB68-79ED-48B9-B241-FFBFFC960F93}" type="datetime1">
               <a:rPr lang="en-GB" smtClean="0"/>
-              <a:t>22/06/2020</a:t>
+              <a:t>24/06/2020</a:t>
             </a:fld>
             <a:endParaRPr lang="en-GB"/>
           </a:p>
@@ -2654,7 +8224,7 @@
           <a:p>
             <a:fld id="{C08AFF17-5826-4EF9-B91A-073CC0662BAF}" type="datetime1">
               <a:rPr lang="en-GB" smtClean="0"/>
-              <a:t>22/06/2020</a:t>
+              <a:t>24/06/2020</a:t>
             </a:fld>
             <a:endParaRPr lang="en-GB"/>
           </a:p>
@@ -3011,7 +8581,7 @@
           <a:p>
             <a:fld id="{FE6B10C7-12EA-4697-8174-8740AC051348}" type="datetime1">
               <a:rPr lang="en-GB" smtClean="0"/>
-              <a:t>22/06/2020</a:t>
+              <a:t>24/06/2020</a:t>
             </a:fld>
             <a:endParaRPr lang="en-GB"/>
           </a:p>
@@ -3391,7 +8961,7 @@
           <a:p>
             <a:fld id="{6CDC73D2-0506-4796-8669-0B7F19D735C6}" type="datetime1">
               <a:rPr lang="en-GB" smtClean="0"/>
-              <a:t>22/06/2020</a:t>
+              <a:t>24/06/2020</a:t>
             </a:fld>
             <a:endParaRPr lang="en-GB"/>
           </a:p>
@@ -3681,7 +9251,7 @@
           <a:p>
             <a:fld id="{093A5280-7747-45B5-8A82-4B8F14A2209D}" type="datetime1">
               <a:rPr lang="en-GB" smtClean="0"/>
-              <a:t>22/06/2020</a:t>
+              <a:t>24/06/2020</a:t>
             </a:fld>
             <a:endParaRPr lang="en-GB"/>
           </a:p>
@@ -4323,6 +9893,2347 @@
 </p:sld>
 </file>
 
+<file path=ppt/slides/slide10.xml><?xml version="1.0" encoding="utf-8"?>
+<p:sld xmlns:a="http://schemas.openxmlformats.org/drawingml/2006/main" xmlns:r="http://schemas.openxmlformats.org/officeDocument/2006/relationships" xmlns:p="http://schemas.openxmlformats.org/presentationml/2006/main">
+  <p:cSld>
+    <p:spTree>
+      <p:nvGrpSpPr>
+        <p:cNvPr id="1" name=""/>
+        <p:cNvGrpSpPr/>
+        <p:nvPr/>
+      </p:nvGrpSpPr>
+      <p:grpSpPr>
+        <a:xfrm>
+          <a:off x="0" y="0"/>
+          <a:ext cx="0" cy="0"/>
+          <a:chOff x="0" y="0"/>
+          <a:chExt cx="0" cy="0"/>
+        </a:xfrm>
+      </p:grpSpPr>
+      <p:sp>
+        <p:nvSpPr>
+          <p:cNvPr id="2" name="Title 1">
+            <a:extLst>
+              <a:ext uri="{FF2B5EF4-FFF2-40B4-BE49-F238E27FC236}">
+                <a16:creationId xmlns:a16="http://schemas.microsoft.com/office/drawing/2014/main" id="{A2673AC3-1663-48B7-BA5E-396C829861E8}"/>
+              </a:ext>
+            </a:extLst>
+          </p:cNvPr>
+          <p:cNvSpPr>
+            <a:spLocks noGrp="1"/>
+          </p:cNvSpPr>
+          <p:nvPr>
+            <p:ph type="title"/>
+          </p:nvPr>
+        </p:nvSpPr>
+        <p:spPr/>
+        <p:txBody>
+          <a:bodyPr/>
+          <a:lstStyle/>
+          <a:p>
+            <a:r>
+              <a:rPr lang="en-GB" dirty="0"/>
+              <a:t>Barrier</a:t>
+            </a:r>
+          </a:p>
+        </p:txBody>
+      </p:sp>
+      <p:sp>
+        <p:nvSpPr>
+          <p:cNvPr id="3" name="Content Placeholder 2">
+            <a:extLst>
+              <a:ext uri="{FF2B5EF4-FFF2-40B4-BE49-F238E27FC236}">
+                <a16:creationId xmlns:a16="http://schemas.microsoft.com/office/drawing/2014/main" id="{A670843E-BAEB-4DE8-BF12-35BB90A9BB8E}"/>
+              </a:ext>
+            </a:extLst>
+          </p:cNvPr>
+          <p:cNvSpPr>
+            <a:spLocks noGrp="1"/>
+          </p:cNvSpPr>
+          <p:nvPr>
+            <p:ph idx="1"/>
+          </p:nvPr>
+        </p:nvSpPr>
+        <p:spPr/>
+        <p:txBody>
+          <a:bodyPr/>
+          <a:lstStyle/>
+          <a:p>
+            <a:endParaRPr lang="en-GB" dirty="0"/>
+          </a:p>
+        </p:txBody>
+      </p:sp>
+      <p:sp>
+        <p:nvSpPr>
+          <p:cNvPr id="4" name="Footer Placeholder 3">
+            <a:extLst>
+              <a:ext uri="{FF2B5EF4-FFF2-40B4-BE49-F238E27FC236}">
+                <a16:creationId xmlns:a16="http://schemas.microsoft.com/office/drawing/2014/main" id="{476E28D0-318F-461C-BA42-C9036AAE447C}"/>
+              </a:ext>
+            </a:extLst>
+          </p:cNvPr>
+          <p:cNvSpPr>
+            <a:spLocks noGrp="1"/>
+          </p:cNvSpPr>
+          <p:nvPr>
+            <p:ph type="ftr" sz="quarter" idx="11"/>
+          </p:nvPr>
+        </p:nvSpPr>
+        <p:spPr/>
+        <p:txBody>
+          <a:bodyPr/>
+          <a:lstStyle/>
+          <a:p>
+            <a:r>
+              <a:rPr lang="en-GB"/>
+              <a:t>Jake Bretherton 1800231</a:t>
+            </a:r>
+          </a:p>
+        </p:txBody>
+      </p:sp>
+    </p:spTree>
+    <p:extLst>
+      <p:ext uri="{BB962C8B-B14F-4D97-AF65-F5344CB8AC3E}">
+        <p14:creationId xmlns:p14="http://schemas.microsoft.com/office/powerpoint/2010/main" val="38657466"/>
+      </p:ext>
+    </p:extLst>
+  </p:cSld>
+  <p:clrMapOvr>
+    <a:masterClrMapping/>
+  </p:clrMapOvr>
+</p:sld>
+</file>
+
+<file path=ppt/slides/slide11.xml><?xml version="1.0" encoding="utf-8"?>
+<p:sld xmlns:a="http://schemas.openxmlformats.org/drawingml/2006/main" xmlns:r="http://schemas.openxmlformats.org/officeDocument/2006/relationships" xmlns:p="http://schemas.openxmlformats.org/presentationml/2006/main">
+  <p:cSld>
+    <p:spTree>
+      <p:nvGrpSpPr>
+        <p:cNvPr id="1" name=""/>
+        <p:cNvGrpSpPr/>
+        <p:nvPr/>
+      </p:nvGrpSpPr>
+      <p:grpSpPr>
+        <a:xfrm>
+          <a:off x="0" y="0"/>
+          <a:ext cx="0" cy="0"/>
+          <a:chOff x="0" y="0"/>
+          <a:chExt cx="0" cy="0"/>
+        </a:xfrm>
+      </p:grpSpPr>
+      <p:sp>
+        <p:nvSpPr>
+          <p:cNvPr id="2" name="Title 1">
+            <a:extLst>
+              <a:ext uri="{FF2B5EF4-FFF2-40B4-BE49-F238E27FC236}">
+                <a16:creationId xmlns:a16="http://schemas.microsoft.com/office/drawing/2014/main" id="{AAED3A95-AA4E-409B-BDAE-CFD9BDE8F1AD}"/>
+              </a:ext>
+            </a:extLst>
+          </p:cNvPr>
+          <p:cNvSpPr>
+            <a:spLocks noGrp="1"/>
+          </p:cNvSpPr>
+          <p:nvPr>
+            <p:ph type="title"/>
+          </p:nvPr>
+        </p:nvSpPr>
+        <p:spPr/>
+        <p:txBody>
+          <a:bodyPr/>
+          <a:lstStyle/>
+          <a:p>
+            <a:r>
+              <a:rPr lang="en-GB"/>
+              <a:t>Semaphore</a:t>
+            </a:r>
+            <a:endParaRPr lang="en-GB" dirty="0"/>
+          </a:p>
+        </p:txBody>
+      </p:sp>
+      <p:sp>
+        <p:nvSpPr>
+          <p:cNvPr id="4" name="Footer Placeholder 3">
+            <a:extLst>
+              <a:ext uri="{FF2B5EF4-FFF2-40B4-BE49-F238E27FC236}">
+                <a16:creationId xmlns:a16="http://schemas.microsoft.com/office/drawing/2014/main" id="{F88902FD-7C90-4D5B-812E-8DF1B355BFC3}"/>
+              </a:ext>
+            </a:extLst>
+          </p:cNvPr>
+          <p:cNvSpPr>
+            <a:spLocks noGrp="1"/>
+          </p:cNvSpPr>
+          <p:nvPr>
+            <p:ph type="ftr" sz="quarter" idx="11"/>
+          </p:nvPr>
+        </p:nvSpPr>
+        <p:spPr/>
+        <p:txBody>
+          <a:bodyPr/>
+          <a:lstStyle/>
+          <a:p>
+            <a:r>
+              <a:rPr lang="en-GB"/>
+              <a:t>Jake Bretherton 1800231</a:t>
+            </a:r>
+          </a:p>
+        </p:txBody>
+      </p:sp>
+    </p:spTree>
+    <p:extLst>
+      <p:ext uri="{BB962C8B-B14F-4D97-AF65-F5344CB8AC3E}">
+        <p14:creationId xmlns:p14="http://schemas.microsoft.com/office/powerpoint/2010/main" val="784263682"/>
+      </p:ext>
+    </p:extLst>
+  </p:cSld>
+  <p:clrMapOvr>
+    <a:masterClrMapping/>
+  </p:clrMapOvr>
+</p:sld>
+</file>
+
+<file path=ppt/slides/slide12.xml><?xml version="1.0" encoding="utf-8"?>
+<p:sld xmlns:a="http://schemas.openxmlformats.org/drawingml/2006/main" xmlns:r="http://schemas.openxmlformats.org/officeDocument/2006/relationships" xmlns:p="http://schemas.openxmlformats.org/presentationml/2006/main">
+  <p:cSld>
+    <p:spTree>
+      <p:nvGrpSpPr>
+        <p:cNvPr id="1" name=""/>
+        <p:cNvGrpSpPr/>
+        <p:nvPr/>
+      </p:nvGrpSpPr>
+      <p:grpSpPr>
+        <a:xfrm>
+          <a:off x="0" y="0"/>
+          <a:ext cx="0" cy="0"/>
+          <a:chOff x="0" y="0"/>
+          <a:chExt cx="0" cy="0"/>
+        </a:xfrm>
+      </p:grpSpPr>
+      <p:sp>
+        <p:nvSpPr>
+          <p:cNvPr id="2" name="Title 1">
+            <a:extLst>
+              <a:ext uri="{FF2B5EF4-FFF2-40B4-BE49-F238E27FC236}">
+                <a16:creationId xmlns:a16="http://schemas.microsoft.com/office/drawing/2014/main" id="{0EB2EBD9-E749-4252-8B0F-FCF21E86ADBF}"/>
+              </a:ext>
+            </a:extLst>
+          </p:cNvPr>
+          <p:cNvSpPr>
+            <a:spLocks noGrp="1"/>
+          </p:cNvSpPr>
+          <p:nvPr>
+            <p:ph type="title"/>
+          </p:nvPr>
+        </p:nvSpPr>
+        <p:spPr/>
+        <p:txBody>
+          <a:bodyPr/>
+          <a:lstStyle/>
+          <a:p>
+            <a:r>
+              <a:rPr lang="en-GB" dirty="0"/>
+              <a:t>Channel</a:t>
+            </a:r>
+          </a:p>
+        </p:txBody>
+      </p:sp>
+      <p:sp>
+        <p:nvSpPr>
+          <p:cNvPr id="3" name="Content Placeholder 2">
+            <a:extLst>
+              <a:ext uri="{FF2B5EF4-FFF2-40B4-BE49-F238E27FC236}">
+                <a16:creationId xmlns:a16="http://schemas.microsoft.com/office/drawing/2014/main" id="{30F8B8C5-1F44-4CD4-8345-22C01A229F6E}"/>
+              </a:ext>
+            </a:extLst>
+          </p:cNvPr>
+          <p:cNvSpPr>
+            <a:spLocks noGrp="1"/>
+          </p:cNvSpPr>
+          <p:nvPr>
+            <p:ph idx="1"/>
+          </p:nvPr>
+        </p:nvSpPr>
+        <p:spPr/>
+        <p:txBody>
+          <a:bodyPr/>
+          <a:lstStyle/>
+          <a:p>
+            <a:endParaRPr lang="en-GB" dirty="0"/>
+          </a:p>
+        </p:txBody>
+      </p:sp>
+      <p:sp>
+        <p:nvSpPr>
+          <p:cNvPr id="4" name="Footer Placeholder 3">
+            <a:extLst>
+              <a:ext uri="{FF2B5EF4-FFF2-40B4-BE49-F238E27FC236}">
+                <a16:creationId xmlns:a16="http://schemas.microsoft.com/office/drawing/2014/main" id="{C5FBCD29-976C-4AE5-AEE6-6CD87FEDA6C8}"/>
+              </a:ext>
+            </a:extLst>
+          </p:cNvPr>
+          <p:cNvSpPr>
+            <a:spLocks noGrp="1"/>
+          </p:cNvSpPr>
+          <p:nvPr>
+            <p:ph type="ftr" sz="quarter" idx="11"/>
+          </p:nvPr>
+        </p:nvSpPr>
+        <p:spPr/>
+        <p:txBody>
+          <a:bodyPr/>
+          <a:lstStyle/>
+          <a:p>
+            <a:r>
+              <a:rPr lang="en-GB"/>
+              <a:t>Jake Bretherton 1800231</a:t>
+            </a:r>
+          </a:p>
+        </p:txBody>
+      </p:sp>
+    </p:spTree>
+    <p:extLst>
+      <p:ext uri="{BB962C8B-B14F-4D97-AF65-F5344CB8AC3E}">
+        <p14:creationId xmlns:p14="http://schemas.microsoft.com/office/powerpoint/2010/main" val="3832520119"/>
+      </p:ext>
+    </p:extLst>
+  </p:cSld>
+  <p:clrMapOvr>
+    <a:masterClrMapping/>
+  </p:clrMapOvr>
+</p:sld>
+</file>
+
+<file path=ppt/slides/slide13.xml><?xml version="1.0" encoding="utf-8"?>
+<p:sld xmlns:a="http://schemas.openxmlformats.org/drawingml/2006/main" xmlns:r="http://schemas.openxmlformats.org/officeDocument/2006/relationships" xmlns:p="http://schemas.openxmlformats.org/presentationml/2006/main">
+  <p:cSld>
+    <p:spTree>
+      <p:nvGrpSpPr>
+        <p:cNvPr id="1" name=""/>
+        <p:cNvGrpSpPr/>
+        <p:nvPr/>
+      </p:nvGrpSpPr>
+      <p:grpSpPr>
+        <a:xfrm>
+          <a:off x="0" y="0"/>
+          <a:ext cx="0" cy="0"/>
+          <a:chOff x="0" y="0"/>
+          <a:chExt cx="0" cy="0"/>
+        </a:xfrm>
+      </p:grpSpPr>
+      <p:sp>
+        <p:nvSpPr>
+          <p:cNvPr id="2" name="Title 1">
+            <a:extLst>
+              <a:ext uri="{FF2B5EF4-FFF2-40B4-BE49-F238E27FC236}">
+                <a16:creationId xmlns:a16="http://schemas.microsoft.com/office/drawing/2014/main" id="{ABCC4341-63F9-4487-B423-E4EABBBE7B60}"/>
+              </a:ext>
+            </a:extLst>
+          </p:cNvPr>
+          <p:cNvSpPr>
+            <a:spLocks noGrp="1"/>
+          </p:cNvSpPr>
+          <p:nvPr>
+            <p:ph type="title"/>
+          </p:nvPr>
+        </p:nvSpPr>
+        <p:spPr/>
+        <p:txBody>
+          <a:bodyPr/>
+          <a:lstStyle/>
+          <a:p>
+            <a:r>
+              <a:rPr lang="en-GB" dirty="0"/>
+              <a:t>Generator threads</a:t>
+            </a:r>
+          </a:p>
+        </p:txBody>
+      </p:sp>
+      <p:graphicFrame>
+        <p:nvGraphicFramePr>
+          <p:cNvPr id="6" name="Content Placeholder 5">
+            <a:extLst>
+              <a:ext uri="{FF2B5EF4-FFF2-40B4-BE49-F238E27FC236}">
+                <a16:creationId xmlns:a16="http://schemas.microsoft.com/office/drawing/2014/main" id="{707D50C2-EBFB-4228-A0E1-D06FAE23B37D}"/>
+              </a:ext>
+            </a:extLst>
+          </p:cNvPr>
+          <p:cNvGraphicFramePr>
+            <a:graphicFrameLocks noGrp="1"/>
+          </p:cNvGraphicFramePr>
+          <p:nvPr>
+            <p:ph idx="1"/>
+            <p:extLst>
+              <p:ext uri="{D42A27DB-BD31-4B8C-83A1-F6EECF244321}">
+                <p14:modId xmlns:p14="http://schemas.microsoft.com/office/powerpoint/2010/main" val="1756536626"/>
+              </p:ext>
+            </p:extLst>
+          </p:nvPr>
+        </p:nvGraphicFramePr>
+        <p:xfrm>
+          <a:off x="416244" y="2481143"/>
+          <a:ext cx="5588000" cy="3604190"/>
+        </p:xfrm>
+        <a:graphic>
+          <a:graphicData uri="http://schemas.openxmlformats.org/drawingml/2006/diagram">
+            <dgm:relIds xmlns:dgm="http://schemas.openxmlformats.org/drawingml/2006/diagram" xmlns:r="http://schemas.openxmlformats.org/officeDocument/2006/relationships" r:dm="rId2" r:lo="rId3" r:qs="rId4" r:cs="rId5"/>
+          </a:graphicData>
+        </a:graphic>
+      </p:graphicFrame>
+      <p:sp>
+        <p:nvSpPr>
+          <p:cNvPr id="4" name="Footer Placeholder 3">
+            <a:extLst>
+              <a:ext uri="{FF2B5EF4-FFF2-40B4-BE49-F238E27FC236}">
+                <a16:creationId xmlns:a16="http://schemas.microsoft.com/office/drawing/2014/main" id="{824A840B-97E2-4C94-B85C-1B48E2195A73}"/>
+              </a:ext>
+            </a:extLst>
+          </p:cNvPr>
+          <p:cNvSpPr>
+            <a:spLocks noGrp="1"/>
+          </p:cNvSpPr>
+          <p:nvPr>
+            <p:ph type="ftr" sz="quarter" idx="11"/>
+          </p:nvPr>
+        </p:nvSpPr>
+        <p:spPr/>
+        <p:txBody>
+          <a:bodyPr/>
+          <a:lstStyle/>
+          <a:p>
+            <a:r>
+              <a:rPr lang="en-GB"/>
+              <a:t>Jake Bretherton 1800231</a:t>
+            </a:r>
+          </a:p>
+        </p:txBody>
+      </p:sp>
+      <p:graphicFrame>
+        <p:nvGraphicFramePr>
+          <p:cNvPr id="8" name="Content Placeholder 5">
+            <a:extLst>
+              <a:ext uri="{FF2B5EF4-FFF2-40B4-BE49-F238E27FC236}">
+                <a16:creationId xmlns:a16="http://schemas.microsoft.com/office/drawing/2014/main" id="{4A3B0B32-34C4-433F-B501-D6BF1F6F4EBA}"/>
+              </a:ext>
+            </a:extLst>
+          </p:cNvPr>
+          <p:cNvGraphicFramePr>
+            <a:graphicFrameLocks/>
+          </p:cNvGraphicFramePr>
+          <p:nvPr>
+            <p:extLst>
+              <p:ext uri="{D42A27DB-BD31-4B8C-83A1-F6EECF244321}">
+                <p14:modId xmlns:p14="http://schemas.microsoft.com/office/powerpoint/2010/main" val="3423948188"/>
+              </p:ext>
+            </p:extLst>
+          </p:nvPr>
+        </p:nvGraphicFramePr>
+        <p:xfrm>
+          <a:off x="6309360" y="2481778"/>
+          <a:ext cx="5588000" cy="3604190"/>
+        </p:xfrm>
+        <a:graphic>
+          <a:graphicData uri="http://schemas.openxmlformats.org/drawingml/2006/diagram">
+            <dgm:relIds xmlns:dgm="http://schemas.openxmlformats.org/drawingml/2006/diagram" xmlns:r="http://schemas.openxmlformats.org/officeDocument/2006/relationships" r:dm="rId7" r:lo="rId8" r:qs="rId9" r:cs="rId10"/>
+          </a:graphicData>
+        </a:graphic>
+      </p:graphicFrame>
+      <p:sp>
+        <p:nvSpPr>
+          <p:cNvPr id="9" name="TextBox 8">
+            <a:extLst>
+              <a:ext uri="{FF2B5EF4-FFF2-40B4-BE49-F238E27FC236}">
+                <a16:creationId xmlns:a16="http://schemas.microsoft.com/office/drawing/2014/main" id="{2BD3EB7B-F499-4C01-BDEB-8C0169042364}"/>
+              </a:ext>
+            </a:extLst>
+          </p:cNvPr>
+          <p:cNvSpPr txBox="1"/>
+          <p:nvPr/>
+        </p:nvSpPr>
+        <p:spPr>
+          <a:xfrm>
+            <a:off x="2074706" y="2111176"/>
+            <a:ext cx="2271076" cy="369332"/>
+          </a:xfrm>
+          <a:prstGeom prst="rect">
+            <a:avLst/>
+          </a:prstGeom>
+          <a:noFill/>
+        </p:spPr>
+        <p:txBody>
+          <a:bodyPr wrap="square" rtlCol="0">
+            <a:spAutoFit/>
+          </a:bodyPr>
+          <a:lstStyle/>
+          <a:p>
+            <a:r>
+              <a:rPr lang="en-GB" dirty="0"/>
+              <a:t>Last Character Thread</a:t>
+            </a:r>
+          </a:p>
+        </p:txBody>
+      </p:sp>
+      <p:sp>
+        <p:nvSpPr>
+          <p:cNvPr id="10" name="TextBox 9">
+            <a:extLst>
+              <a:ext uri="{FF2B5EF4-FFF2-40B4-BE49-F238E27FC236}">
+                <a16:creationId xmlns:a16="http://schemas.microsoft.com/office/drawing/2014/main" id="{644444ED-61EC-44AE-AC7F-A76109724ED2}"/>
+              </a:ext>
+            </a:extLst>
+          </p:cNvPr>
+          <p:cNvSpPr txBox="1"/>
+          <p:nvPr/>
+        </p:nvSpPr>
+        <p:spPr>
+          <a:xfrm>
+            <a:off x="7967822" y="2111176"/>
+            <a:ext cx="2271076" cy="369332"/>
+          </a:xfrm>
+          <a:prstGeom prst="rect">
+            <a:avLst/>
+          </a:prstGeom>
+          <a:noFill/>
+        </p:spPr>
+        <p:txBody>
+          <a:bodyPr wrap="square" rtlCol="0">
+            <a:spAutoFit/>
+          </a:bodyPr>
+          <a:lstStyle/>
+          <a:p>
+            <a:r>
+              <a:rPr lang="en-GB" dirty="0"/>
+              <a:t>Root Password Thread</a:t>
+            </a:r>
+          </a:p>
+        </p:txBody>
+      </p:sp>
+    </p:spTree>
+    <p:extLst>
+      <p:ext uri="{BB962C8B-B14F-4D97-AF65-F5344CB8AC3E}">
+        <p14:creationId xmlns:p14="http://schemas.microsoft.com/office/powerpoint/2010/main" val="2554823585"/>
+      </p:ext>
+    </p:extLst>
+  </p:cSld>
+  <p:clrMapOvr>
+    <a:masterClrMapping/>
+  </p:clrMapOvr>
+</p:sld>
+</file>
+
+<file path=ppt/slides/slide14.xml><?xml version="1.0" encoding="utf-8"?>
+<p:sld xmlns:a="http://schemas.openxmlformats.org/drawingml/2006/main" xmlns:r="http://schemas.openxmlformats.org/officeDocument/2006/relationships" xmlns:p="http://schemas.openxmlformats.org/presentationml/2006/main">
+  <p:cSld>
+    <p:spTree>
+      <p:nvGrpSpPr>
+        <p:cNvPr id="1" name=""/>
+        <p:cNvGrpSpPr/>
+        <p:nvPr/>
+      </p:nvGrpSpPr>
+      <p:grpSpPr>
+        <a:xfrm>
+          <a:off x="0" y="0"/>
+          <a:ext cx="0" cy="0"/>
+          <a:chOff x="0" y="0"/>
+          <a:chExt cx="0" cy="0"/>
+        </a:xfrm>
+      </p:grpSpPr>
+      <p:sp>
+        <p:nvSpPr>
+          <p:cNvPr id="2" name="Title 1">
+            <a:extLst>
+              <a:ext uri="{FF2B5EF4-FFF2-40B4-BE49-F238E27FC236}">
+                <a16:creationId xmlns:a16="http://schemas.microsoft.com/office/drawing/2014/main" id="{DC628452-F265-4DA1-B7BF-198EE5756868}"/>
+              </a:ext>
+            </a:extLst>
+          </p:cNvPr>
+          <p:cNvSpPr>
+            <a:spLocks noGrp="1"/>
+          </p:cNvSpPr>
+          <p:nvPr>
+            <p:ph type="title"/>
+          </p:nvPr>
+        </p:nvSpPr>
+        <p:spPr/>
+        <p:txBody>
+          <a:bodyPr/>
+          <a:lstStyle/>
+          <a:p>
+            <a:r>
+              <a:rPr lang="en-GB" dirty="0"/>
+              <a:t>Generation to hashing</a:t>
+            </a:r>
+          </a:p>
+        </p:txBody>
+      </p:sp>
+      <p:sp>
+        <p:nvSpPr>
+          <p:cNvPr id="3" name="Content Placeholder 2">
+            <a:extLst>
+              <a:ext uri="{FF2B5EF4-FFF2-40B4-BE49-F238E27FC236}">
+                <a16:creationId xmlns:a16="http://schemas.microsoft.com/office/drawing/2014/main" id="{01153119-5079-4F64-8722-FF1F81B8A137}"/>
+              </a:ext>
+            </a:extLst>
+          </p:cNvPr>
+          <p:cNvSpPr>
+            <a:spLocks noGrp="1"/>
+          </p:cNvSpPr>
+          <p:nvPr>
+            <p:ph idx="1"/>
+          </p:nvPr>
+        </p:nvSpPr>
+        <p:spPr/>
+        <p:txBody>
+          <a:bodyPr/>
+          <a:lstStyle/>
+          <a:p>
+            <a:r>
+              <a:rPr lang="en-GB" dirty="0"/>
+              <a:t>Hashing thread initially tries to read the password plaintext channel</a:t>
+            </a:r>
+          </a:p>
+          <a:p>
+            <a:r>
+              <a:rPr lang="en-GB" dirty="0"/>
+              <a:t>This channel is empty so the thread suspends</a:t>
+            </a:r>
+          </a:p>
+          <a:p>
+            <a:r>
+              <a:rPr lang="en-GB" dirty="0"/>
+              <a:t>The last character generator thread writes a string to the channel</a:t>
+            </a:r>
+          </a:p>
+          <a:p>
+            <a:r>
+              <a:rPr lang="en-GB" dirty="0"/>
+              <a:t>This causes the hash thread to wake up and hash the password</a:t>
+            </a:r>
+          </a:p>
+          <a:p>
+            <a:endParaRPr lang="en-GB" dirty="0"/>
+          </a:p>
+        </p:txBody>
+      </p:sp>
+      <p:sp>
+        <p:nvSpPr>
+          <p:cNvPr id="4" name="Footer Placeholder 3">
+            <a:extLst>
+              <a:ext uri="{FF2B5EF4-FFF2-40B4-BE49-F238E27FC236}">
+                <a16:creationId xmlns:a16="http://schemas.microsoft.com/office/drawing/2014/main" id="{F0F21E26-6984-4C61-8EAA-78D227759FB0}"/>
+              </a:ext>
+            </a:extLst>
+          </p:cNvPr>
+          <p:cNvSpPr>
+            <a:spLocks noGrp="1"/>
+          </p:cNvSpPr>
+          <p:nvPr>
+            <p:ph type="ftr" sz="quarter" idx="11"/>
+          </p:nvPr>
+        </p:nvSpPr>
+        <p:spPr/>
+        <p:txBody>
+          <a:bodyPr/>
+          <a:lstStyle/>
+          <a:p>
+            <a:r>
+              <a:rPr lang="en-GB"/>
+              <a:t>Jake Bretherton 1800231</a:t>
+            </a:r>
+          </a:p>
+        </p:txBody>
+      </p:sp>
+      <p:grpSp>
+        <p:nvGrpSpPr>
+          <p:cNvPr id="10" name="Group 9">
+            <a:extLst>
+              <a:ext uri="{FF2B5EF4-FFF2-40B4-BE49-F238E27FC236}">
+                <a16:creationId xmlns:a16="http://schemas.microsoft.com/office/drawing/2014/main" id="{D6446C79-8A83-4C6F-B819-90EA33AC7688}"/>
+              </a:ext>
+            </a:extLst>
+          </p:cNvPr>
+          <p:cNvGrpSpPr/>
+          <p:nvPr/>
+        </p:nvGrpSpPr>
+        <p:grpSpPr>
+          <a:xfrm>
+            <a:off x="1493656" y="4249290"/>
+            <a:ext cx="5563606" cy="914400"/>
+            <a:chOff x="2945383" y="4277570"/>
+            <a:chExt cx="5563606" cy="914400"/>
+          </a:xfrm>
+        </p:grpSpPr>
+        <p:sp>
+          <p:nvSpPr>
+            <p:cNvPr id="5" name="Rectangle 4">
+              <a:extLst>
+                <a:ext uri="{FF2B5EF4-FFF2-40B4-BE49-F238E27FC236}">
+                  <a16:creationId xmlns:a16="http://schemas.microsoft.com/office/drawing/2014/main" id="{02CEA193-58D9-45AF-B006-C6E435085799}"/>
+                </a:ext>
+              </a:extLst>
+            </p:cNvPr>
+            <p:cNvSpPr/>
+            <p:nvPr/>
+          </p:nvSpPr>
+          <p:spPr>
+            <a:xfrm>
+              <a:off x="5033434" y="4333742"/>
+              <a:ext cx="1387503" cy="704655"/>
+            </a:xfrm>
+            <a:prstGeom prst="rect">
+              <a:avLst/>
+            </a:prstGeom>
+          </p:spPr>
+          <p:style>
+            <a:lnRef idx="1">
+              <a:schemeClr val="accent3"/>
+            </a:lnRef>
+            <a:fillRef idx="2">
+              <a:schemeClr val="accent3"/>
+            </a:fillRef>
+            <a:effectRef idx="1">
+              <a:schemeClr val="accent3"/>
+            </a:effectRef>
+            <a:fontRef idx="minor">
+              <a:schemeClr val="dk1"/>
+            </a:fontRef>
+          </p:style>
+          <p:txBody>
+            <a:bodyPr rtlCol="0" anchor="ctr"/>
+            <a:lstStyle/>
+            <a:p>
+              <a:pPr algn="ctr"/>
+              <a:r>
+                <a:rPr lang="en-GB" sz="900" u="sng" dirty="0"/>
+                <a:t>Channel</a:t>
+              </a:r>
+            </a:p>
+            <a:p>
+              <a:pPr algn="ctr"/>
+              <a:r>
+                <a:rPr lang="en-GB" dirty="0"/>
+                <a:t>Plain Text Password</a:t>
+              </a:r>
+              <a:endParaRPr lang="en-GB" sz="800" dirty="0"/>
+            </a:p>
+          </p:txBody>
+        </p:sp>
+        <p:sp>
+          <p:nvSpPr>
+            <p:cNvPr id="6" name="Rectangle: Rounded Corners 5">
+              <a:extLst>
+                <a:ext uri="{FF2B5EF4-FFF2-40B4-BE49-F238E27FC236}">
+                  <a16:creationId xmlns:a16="http://schemas.microsoft.com/office/drawing/2014/main" id="{E6591007-426D-442A-BF10-27726C70EDAE}"/>
+                </a:ext>
+              </a:extLst>
+            </p:cNvPr>
+            <p:cNvSpPr/>
+            <p:nvPr/>
+          </p:nvSpPr>
+          <p:spPr>
+            <a:xfrm>
+              <a:off x="2945383" y="4277570"/>
+              <a:ext cx="1387503" cy="914400"/>
+            </a:xfrm>
+            <a:prstGeom prst="roundRect">
+              <a:avLst/>
+            </a:prstGeom>
+          </p:spPr>
+          <p:style>
+            <a:lnRef idx="1">
+              <a:schemeClr val="accent2"/>
+            </a:lnRef>
+            <a:fillRef idx="2">
+              <a:schemeClr val="accent2"/>
+            </a:fillRef>
+            <a:effectRef idx="1">
+              <a:schemeClr val="accent2"/>
+            </a:effectRef>
+            <a:fontRef idx="minor">
+              <a:schemeClr val="dk1"/>
+            </a:fontRef>
+          </p:style>
+          <p:txBody>
+            <a:bodyPr rtlCol="0" anchor="ctr"/>
+            <a:lstStyle/>
+            <a:p>
+              <a:pPr algn="ctr"/>
+              <a:r>
+                <a:rPr lang="en-GB" sz="900" u="sng" dirty="0"/>
+                <a:t>Thread</a:t>
+              </a:r>
+            </a:p>
+            <a:p>
+              <a:pPr algn="ctr"/>
+              <a:r>
+                <a:rPr lang="en-GB" dirty="0"/>
+                <a:t>Generator</a:t>
+              </a:r>
+              <a:endParaRPr lang="en-GB" sz="800" dirty="0"/>
+            </a:p>
+            <a:p>
+              <a:pPr algn="ctr"/>
+              <a:r>
+                <a:rPr lang="en-GB" sz="900" dirty="0"/>
+                <a:t>Single character</a:t>
+              </a:r>
+              <a:endParaRPr lang="en-GB" dirty="0"/>
+            </a:p>
+          </p:txBody>
+        </p:sp>
+        <p:sp>
+          <p:nvSpPr>
+            <p:cNvPr id="7" name="Arrow: Right 6">
+              <a:extLst>
+                <a:ext uri="{FF2B5EF4-FFF2-40B4-BE49-F238E27FC236}">
+                  <a16:creationId xmlns:a16="http://schemas.microsoft.com/office/drawing/2014/main" id="{134680BD-0DD9-4E5F-AD21-965F04366531}"/>
+                </a:ext>
+              </a:extLst>
+            </p:cNvPr>
+            <p:cNvSpPr/>
+            <p:nvPr/>
+          </p:nvSpPr>
+          <p:spPr>
+            <a:xfrm>
+              <a:off x="4332885" y="4575073"/>
+              <a:ext cx="700549" cy="318052"/>
+            </a:xfrm>
+            <a:prstGeom prst="rightArrow">
+              <a:avLst/>
+            </a:prstGeom>
+          </p:spPr>
+          <p:style>
+            <a:lnRef idx="1">
+              <a:schemeClr val="accent5"/>
+            </a:lnRef>
+            <a:fillRef idx="2">
+              <a:schemeClr val="accent5"/>
+            </a:fillRef>
+            <a:effectRef idx="1">
+              <a:schemeClr val="accent5"/>
+            </a:effectRef>
+            <a:fontRef idx="minor">
+              <a:schemeClr val="dk1"/>
+            </a:fontRef>
+          </p:style>
+          <p:txBody>
+            <a:bodyPr rtlCol="0" anchor="ctr"/>
+            <a:lstStyle/>
+            <a:p>
+              <a:pPr algn="ctr"/>
+              <a:r>
+                <a:rPr lang="en-GB" sz="1400" dirty="0"/>
+                <a:t>Write</a:t>
+              </a:r>
+            </a:p>
+          </p:txBody>
+        </p:sp>
+        <p:sp>
+          <p:nvSpPr>
+            <p:cNvPr id="8" name="Arrow: Right 7">
+              <a:extLst>
+                <a:ext uri="{FF2B5EF4-FFF2-40B4-BE49-F238E27FC236}">
+                  <a16:creationId xmlns:a16="http://schemas.microsoft.com/office/drawing/2014/main" id="{D5691A0C-BB75-400C-ACE5-33D7133033CA}"/>
+                </a:ext>
+              </a:extLst>
+            </p:cNvPr>
+            <p:cNvSpPr/>
+            <p:nvPr/>
+          </p:nvSpPr>
+          <p:spPr>
+            <a:xfrm>
+              <a:off x="6420937" y="4575073"/>
+              <a:ext cx="700549" cy="318052"/>
+            </a:xfrm>
+            <a:prstGeom prst="rightArrow">
+              <a:avLst/>
+            </a:prstGeom>
+          </p:spPr>
+          <p:style>
+            <a:lnRef idx="1">
+              <a:schemeClr val="accent5"/>
+            </a:lnRef>
+            <a:fillRef idx="2">
+              <a:schemeClr val="accent5"/>
+            </a:fillRef>
+            <a:effectRef idx="1">
+              <a:schemeClr val="accent5"/>
+            </a:effectRef>
+            <a:fontRef idx="minor">
+              <a:schemeClr val="dk1"/>
+            </a:fontRef>
+          </p:style>
+          <p:txBody>
+            <a:bodyPr rtlCol="0" anchor="ctr"/>
+            <a:lstStyle/>
+            <a:p>
+              <a:pPr algn="ctr"/>
+              <a:r>
+                <a:rPr lang="en-GB" sz="1400" dirty="0"/>
+                <a:t>Read</a:t>
+              </a:r>
+            </a:p>
+          </p:txBody>
+        </p:sp>
+        <p:sp>
+          <p:nvSpPr>
+            <p:cNvPr id="9" name="Rectangle: Rounded Corners 8">
+              <a:extLst>
+                <a:ext uri="{FF2B5EF4-FFF2-40B4-BE49-F238E27FC236}">
+                  <a16:creationId xmlns:a16="http://schemas.microsoft.com/office/drawing/2014/main" id="{0561D917-35B9-499F-AE00-97D5C34376A4}"/>
+                </a:ext>
+              </a:extLst>
+            </p:cNvPr>
+            <p:cNvSpPr/>
+            <p:nvPr/>
+          </p:nvSpPr>
+          <p:spPr>
+            <a:xfrm>
+              <a:off x="7121486" y="4277570"/>
+              <a:ext cx="1387503" cy="914400"/>
+            </a:xfrm>
+            <a:prstGeom prst="roundRect">
+              <a:avLst/>
+            </a:prstGeom>
+          </p:spPr>
+          <p:style>
+            <a:lnRef idx="1">
+              <a:schemeClr val="accent2"/>
+            </a:lnRef>
+            <a:fillRef idx="2">
+              <a:schemeClr val="accent2"/>
+            </a:fillRef>
+            <a:effectRef idx="1">
+              <a:schemeClr val="accent2"/>
+            </a:effectRef>
+            <a:fontRef idx="minor">
+              <a:schemeClr val="dk1"/>
+            </a:fontRef>
+          </p:style>
+          <p:txBody>
+            <a:bodyPr rtlCol="0" anchor="ctr"/>
+            <a:lstStyle/>
+            <a:p>
+              <a:pPr algn="ctr"/>
+              <a:r>
+                <a:rPr lang="en-GB" sz="900" u="sng" dirty="0"/>
+                <a:t>Thread</a:t>
+              </a:r>
+            </a:p>
+            <a:p>
+              <a:pPr algn="ctr"/>
+              <a:r>
+                <a:rPr lang="en-GB" dirty="0"/>
+                <a:t>Perform Hash</a:t>
+              </a:r>
+              <a:endParaRPr lang="en-GB" sz="800" dirty="0"/>
+            </a:p>
+          </p:txBody>
+        </p:sp>
+      </p:grpSp>
+    </p:spTree>
+    <p:extLst>
+      <p:ext uri="{BB962C8B-B14F-4D97-AF65-F5344CB8AC3E}">
+        <p14:creationId xmlns:p14="http://schemas.microsoft.com/office/powerpoint/2010/main" val="4183240632"/>
+      </p:ext>
+    </p:extLst>
+  </p:cSld>
+  <p:clrMapOvr>
+    <a:masterClrMapping/>
+  </p:clrMapOvr>
+</p:sld>
+</file>
+
+<file path=ppt/slides/slide15.xml><?xml version="1.0" encoding="utf-8"?>
+<p:sld xmlns:a="http://schemas.openxmlformats.org/drawingml/2006/main" xmlns:r="http://schemas.openxmlformats.org/officeDocument/2006/relationships" xmlns:p="http://schemas.openxmlformats.org/presentationml/2006/main">
+  <p:cSld>
+    <p:spTree>
+      <p:nvGrpSpPr>
+        <p:cNvPr id="1" name=""/>
+        <p:cNvGrpSpPr/>
+        <p:nvPr/>
+      </p:nvGrpSpPr>
+      <p:grpSpPr>
+        <a:xfrm>
+          <a:off x="0" y="0"/>
+          <a:ext cx="0" cy="0"/>
+          <a:chOff x="0" y="0"/>
+          <a:chExt cx="0" cy="0"/>
+        </a:xfrm>
+      </p:grpSpPr>
+      <p:sp>
+        <p:nvSpPr>
+          <p:cNvPr id="2" name="Title 1">
+            <a:extLst>
+              <a:ext uri="{FF2B5EF4-FFF2-40B4-BE49-F238E27FC236}">
+                <a16:creationId xmlns:a16="http://schemas.microsoft.com/office/drawing/2014/main" id="{9766B3E6-2F3F-48CF-B931-405274B8AF91}"/>
+              </a:ext>
+            </a:extLst>
+          </p:cNvPr>
+          <p:cNvSpPr>
+            <a:spLocks noGrp="1"/>
+          </p:cNvSpPr>
+          <p:nvPr>
+            <p:ph type="title"/>
+          </p:nvPr>
+        </p:nvSpPr>
+        <p:spPr/>
+        <p:txBody>
+          <a:bodyPr/>
+          <a:lstStyle/>
+          <a:p>
+            <a:r>
+              <a:rPr lang="en-GB" dirty="0"/>
+              <a:t>Hash to comparison</a:t>
+            </a:r>
+          </a:p>
+        </p:txBody>
+      </p:sp>
+      <p:sp>
+        <p:nvSpPr>
+          <p:cNvPr id="3" name="Content Placeholder 2">
+            <a:extLst>
+              <a:ext uri="{FF2B5EF4-FFF2-40B4-BE49-F238E27FC236}">
+                <a16:creationId xmlns:a16="http://schemas.microsoft.com/office/drawing/2014/main" id="{22AC40B4-8C62-4D82-BD4E-EC483A4273AC}"/>
+              </a:ext>
+            </a:extLst>
+          </p:cNvPr>
+          <p:cNvSpPr>
+            <a:spLocks noGrp="1"/>
+          </p:cNvSpPr>
+          <p:nvPr>
+            <p:ph idx="1"/>
+          </p:nvPr>
+        </p:nvSpPr>
+        <p:spPr/>
+        <p:txBody>
+          <a:bodyPr/>
+          <a:lstStyle/>
+          <a:p>
+            <a:r>
+              <a:rPr lang="en-GB" dirty="0"/>
+              <a:t>Comparison thread tries to read the hash channel</a:t>
+            </a:r>
+          </a:p>
+          <a:p>
+            <a:r>
+              <a:rPr lang="en-GB" dirty="0"/>
+              <a:t>This channel is empty so the thread suspends</a:t>
+            </a:r>
+          </a:p>
+          <a:p>
+            <a:r>
+              <a:rPr lang="en-GB" dirty="0"/>
+              <a:t>Hash channel writes both the hash it has generated and the plaintext used to generate it to the hash channel</a:t>
+            </a:r>
+          </a:p>
+          <a:p>
+            <a:r>
+              <a:rPr lang="en-GB" dirty="0"/>
+              <a:t>This causes the comparison thread to wake up and compare this hash to the provided search hash</a:t>
+            </a:r>
+          </a:p>
+        </p:txBody>
+      </p:sp>
+      <p:sp>
+        <p:nvSpPr>
+          <p:cNvPr id="4" name="Footer Placeholder 3">
+            <a:extLst>
+              <a:ext uri="{FF2B5EF4-FFF2-40B4-BE49-F238E27FC236}">
+                <a16:creationId xmlns:a16="http://schemas.microsoft.com/office/drawing/2014/main" id="{91D55A2F-F5B4-4BDF-A86C-79BB3E55FD2E}"/>
+              </a:ext>
+            </a:extLst>
+          </p:cNvPr>
+          <p:cNvSpPr>
+            <a:spLocks noGrp="1"/>
+          </p:cNvSpPr>
+          <p:nvPr>
+            <p:ph type="ftr" sz="quarter" idx="11"/>
+          </p:nvPr>
+        </p:nvSpPr>
+        <p:spPr/>
+        <p:txBody>
+          <a:bodyPr/>
+          <a:lstStyle/>
+          <a:p>
+            <a:r>
+              <a:rPr lang="en-GB"/>
+              <a:t>Jake Bretherton 1800231</a:t>
+            </a:r>
+          </a:p>
+        </p:txBody>
+      </p:sp>
+      <p:grpSp>
+        <p:nvGrpSpPr>
+          <p:cNvPr id="10" name="Group 9">
+            <a:extLst>
+              <a:ext uri="{FF2B5EF4-FFF2-40B4-BE49-F238E27FC236}">
+                <a16:creationId xmlns:a16="http://schemas.microsoft.com/office/drawing/2014/main" id="{6C064C14-4B07-460E-8F60-4A7CAD0F6350}"/>
+              </a:ext>
+            </a:extLst>
+          </p:cNvPr>
+          <p:cNvGrpSpPr/>
+          <p:nvPr/>
+        </p:nvGrpSpPr>
+        <p:grpSpPr>
+          <a:xfrm>
+            <a:off x="1206002" y="4584444"/>
+            <a:ext cx="5563606" cy="915071"/>
+            <a:chOff x="5410283" y="2193576"/>
+            <a:chExt cx="5563606" cy="915071"/>
+          </a:xfrm>
+        </p:grpSpPr>
+        <p:sp>
+          <p:nvSpPr>
+            <p:cNvPr id="5" name="Rectangle: Rounded Corners 4">
+              <a:extLst>
+                <a:ext uri="{FF2B5EF4-FFF2-40B4-BE49-F238E27FC236}">
+                  <a16:creationId xmlns:a16="http://schemas.microsoft.com/office/drawing/2014/main" id="{BD23D134-CE1F-4776-ABFA-5D7FB2A67D10}"/>
+                </a:ext>
+              </a:extLst>
+            </p:cNvPr>
+            <p:cNvSpPr/>
+            <p:nvPr/>
+          </p:nvSpPr>
+          <p:spPr>
+            <a:xfrm>
+              <a:off x="5410283" y="2194247"/>
+              <a:ext cx="1387503" cy="914400"/>
+            </a:xfrm>
+            <a:prstGeom prst="roundRect">
+              <a:avLst/>
+            </a:prstGeom>
+          </p:spPr>
+          <p:style>
+            <a:lnRef idx="1">
+              <a:schemeClr val="accent2"/>
+            </a:lnRef>
+            <a:fillRef idx="2">
+              <a:schemeClr val="accent2"/>
+            </a:fillRef>
+            <a:effectRef idx="1">
+              <a:schemeClr val="accent2"/>
+            </a:effectRef>
+            <a:fontRef idx="minor">
+              <a:schemeClr val="dk1"/>
+            </a:fontRef>
+          </p:style>
+          <p:txBody>
+            <a:bodyPr rtlCol="0" anchor="ctr"/>
+            <a:lstStyle/>
+            <a:p>
+              <a:pPr algn="ctr"/>
+              <a:r>
+                <a:rPr lang="en-GB" sz="900" u="sng" dirty="0"/>
+                <a:t>Thread</a:t>
+              </a:r>
+            </a:p>
+            <a:p>
+              <a:pPr algn="ctr"/>
+              <a:r>
+                <a:rPr lang="en-GB" dirty="0"/>
+                <a:t>Perform Hash</a:t>
+              </a:r>
+              <a:endParaRPr lang="en-GB" sz="800" dirty="0"/>
+            </a:p>
+          </p:txBody>
+        </p:sp>
+        <p:sp>
+          <p:nvSpPr>
+            <p:cNvPr id="6" name="Rectangle 5">
+              <a:extLst>
+                <a:ext uri="{FF2B5EF4-FFF2-40B4-BE49-F238E27FC236}">
+                  <a16:creationId xmlns:a16="http://schemas.microsoft.com/office/drawing/2014/main" id="{D9073913-A09E-4483-BEDE-D8BAFCEE4952}"/>
+                </a:ext>
+              </a:extLst>
+            </p:cNvPr>
+            <p:cNvSpPr/>
+            <p:nvPr/>
+          </p:nvSpPr>
+          <p:spPr>
+            <a:xfrm>
+              <a:off x="7498334" y="2250419"/>
+              <a:ext cx="1387503" cy="704655"/>
+            </a:xfrm>
+            <a:prstGeom prst="rect">
+              <a:avLst/>
+            </a:prstGeom>
+          </p:spPr>
+          <p:style>
+            <a:lnRef idx="1">
+              <a:schemeClr val="accent3"/>
+            </a:lnRef>
+            <a:fillRef idx="2">
+              <a:schemeClr val="accent3"/>
+            </a:fillRef>
+            <a:effectRef idx="1">
+              <a:schemeClr val="accent3"/>
+            </a:effectRef>
+            <a:fontRef idx="minor">
+              <a:schemeClr val="dk1"/>
+            </a:fontRef>
+          </p:style>
+          <p:txBody>
+            <a:bodyPr rtlCol="0" anchor="ctr"/>
+            <a:lstStyle/>
+            <a:p>
+              <a:pPr algn="ctr"/>
+              <a:r>
+                <a:rPr lang="en-GB" sz="900" u="sng" dirty="0"/>
+                <a:t>Channel</a:t>
+              </a:r>
+            </a:p>
+            <a:p>
+              <a:pPr algn="ctr"/>
+              <a:r>
+                <a:rPr lang="en-GB" dirty="0"/>
+                <a:t>Password Hash Pair</a:t>
+              </a:r>
+              <a:endParaRPr lang="en-GB" sz="800" dirty="0"/>
+            </a:p>
+          </p:txBody>
+        </p:sp>
+        <p:sp>
+          <p:nvSpPr>
+            <p:cNvPr id="7" name="Arrow: Right 6">
+              <a:extLst>
+                <a:ext uri="{FF2B5EF4-FFF2-40B4-BE49-F238E27FC236}">
+                  <a16:creationId xmlns:a16="http://schemas.microsoft.com/office/drawing/2014/main" id="{91B1E93F-1AA9-44EA-8FF4-6D001B40630D}"/>
+                </a:ext>
+              </a:extLst>
+            </p:cNvPr>
+            <p:cNvSpPr/>
+            <p:nvPr/>
+          </p:nvSpPr>
+          <p:spPr>
+            <a:xfrm>
+              <a:off x="6797785" y="2491750"/>
+              <a:ext cx="700549" cy="318052"/>
+            </a:xfrm>
+            <a:prstGeom prst="rightArrow">
+              <a:avLst/>
+            </a:prstGeom>
+          </p:spPr>
+          <p:style>
+            <a:lnRef idx="1">
+              <a:schemeClr val="accent5"/>
+            </a:lnRef>
+            <a:fillRef idx="2">
+              <a:schemeClr val="accent5"/>
+            </a:fillRef>
+            <a:effectRef idx="1">
+              <a:schemeClr val="accent5"/>
+            </a:effectRef>
+            <a:fontRef idx="minor">
+              <a:schemeClr val="dk1"/>
+            </a:fontRef>
+          </p:style>
+          <p:txBody>
+            <a:bodyPr rtlCol="0" anchor="ctr"/>
+            <a:lstStyle/>
+            <a:p>
+              <a:pPr algn="ctr"/>
+              <a:r>
+                <a:rPr lang="en-GB" sz="1400" dirty="0"/>
+                <a:t>Write</a:t>
+              </a:r>
+            </a:p>
+          </p:txBody>
+        </p:sp>
+        <p:sp>
+          <p:nvSpPr>
+            <p:cNvPr id="8" name="Rectangle: Rounded Corners 7">
+              <a:extLst>
+                <a:ext uri="{FF2B5EF4-FFF2-40B4-BE49-F238E27FC236}">
+                  <a16:creationId xmlns:a16="http://schemas.microsoft.com/office/drawing/2014/main" id="{B4EB2E49-0EA4-431E-9394-F9A9A2DC9DA8}"/>
+                </a:ext>
+              </a:extLst>
+            </p:cNvPr>
+            <p:cNvSpPr/>
+            <p:nvPr/>
+          </p:nvSpPr>
+          <p:spPr>
+            <a:xfrm>
+              <a:off x="9586386" y="2193576"/>
+              <a:ext cx="1387503" cy="914400"/>
+            </a:xfrm>
+            <a:prstGeom prst="roundRect">
+              <a:avLst/>
+            </a:prstGeom>
+          </p:spPr>
+          <p:style>
+            <a:lnRef idx="1">
+              <a:schemeClr val="accent2"/>
+            </a:lnRef>
+            <a:fillRef idx="2">
+              <a:schemeClr val="accent2"/>
+            </a:fillRef>
+            <a:effectRef idx="1">
+              <a:schemeClr val="accent2"/>
+            </a:effectRef>
+            <a:fontRef idx="minor">
+              <a:schemeClr val="dk1"/>
+            </a:fontRef>
+          </p:style>
+          <p:txBody>
+            <a:bodyPr rtlCol="0" anchor="ctr"/>
+            <a:lstStyle/>
+            <a:p>
+              <a:pPr algn="ctr"/>
+              <a:r>
+                <a:rPr lang="en-GB" sz="900" u="sng" dirty="0"/>
+                <a:t>Thread</a:t>
+              </a:r>
+            </a:p>
+            <a:p>
+              <a:pPr algn="ctr"/>
+              <a:r>
+                <a:rPr lang="en-GB" sz="1600" dirty="0"/>
+                <a:t>Compare Hash to Target</a:t>
+              </a:r>
+              <a:endParaRPr lang="en-GB" sz="700" dirty="0"/>
+            </a:p>
+          </p:txBody>
+        </p:sp>
+        <p:sp>
+          <p:nvSpPr>
+            <p:cNvPr id="9" name="Arrow: Right 8">
+              <a:extLst>
+                <a:ext uri="{FF2B5EF4-FFF2-40B4-BE49-F238E27FC236}">
+                  <a16:creationId xmlns:a16="http://schemas.microsoft.com/office/drawing/2014/main" id="{8BB4736E-04DB-4A6E-AF08-FEA3DE88C95A}"/>
+                </a:ext>
+              </a:extLst>
+            </p:cNvPr>
+            <p:cNvSpPr/>
+            <p:nvPr/>
+          </p:nvSpPr>
+          <p:spPr>
+            <a:xfrm>
+              <a:off x="8885835" y="2503531"/>
+              <a:ext cx="700549" cy="318052"/>
+            </a:xfrm>
+            <a:prstGeom prst="rightArrow">
+              <a:avLst/>
+            </a:prstGeom>
+          </p:spPr>
+          <p:style>
+            <a:lnRef idx="1">
+              <a:schemeClr val="accent5"/>
+            </a:lnRef>
+            <a:fillRef idx="2">
+              <a:schemeClr val="accent5"/>
+            </a:fillRef>
+            <a:effectRef idx="1">
+              <a:schemeClr val="accent5"/>
+            </a:effectRef>
+            <a:fontRef idx="minor">
+              <a:schemeClr val="dk1"/>
+            </a:fontRef>
+          </p:style>
+          <p:txBody>
+            <a:bodyPr rtlCol="0" anchor="ctr"/>
+            <a:lstStyle/>
+            <a:p>
+              <a:pPr algn="ctr"/>
+              <a:r>
+                <a:rPr lang="en-GB" sz="1400" dirty="0"/>
+                <a:t>Read</a:t>
+              </a:r>
+            </a:p>
+          </p:txBody>
+        </p:sp>
+      </p:grpSp>
+    </p:spTree>
+    <p:extLst>
+      <p:ext uri="{BB962C8B-B14F-4D97-AF65-F5344CB8AC3E}">
+        <p14:creationId xmlns:p14="http://schemas.microsoft.com/office/powerpoint/2010/main" val="2269006646"/>
+      </p:ext>
+    </p:extLst>
+  </p:cSld>
+  <p:clrMapOvr>
+    <a:masterClrMapping/>
+  </p:clrMapOvr>
+</p:sld>
+</file>
+
+<file path=ppt/slides/slide16.xml><?xml version="1.0" encoding="utf-8"?>
+<p:sld xmlns:a="http://schemas.openxmlformats.org/drawingml/2006/main" xmlns:r="http://schemas.openxmlformats.org/officeDocument/2006/relationships" xmlns:p="http://schemas.openxmlformats.org/presentationml/2006/main">
+  <p:cSld>
+    <p:spTree>
+      <p:nvGrpSpPr>
+        <p:cNvPr id="1" name=""/>
+        <p:cNvGrpSpPr/>
+        <p:nvPr/>
+      </p:nvGrpSpPr>
+      <p:grpSpPr>
+        <a:xfrm>
+          <a:off x="0" y="0"/>
+          <a:ext cx="0" cy="0"/>
+          <a:chOff x="0" y="0"/>
+          <a:chExt cx="0" cy="0"/>
+        </a:xfrm>
+      </p:grpSpPr>
+      <p:sp>
+        <p:nvSpPr>
+          <p:cNvPr id="2" name="Title 1">
+            <a:extLst>
+              <a:ext uri="{FF2B5EF4-FFF2-40B4-BE49-F238E27FC236}">
+                <a16:creationId xmlns:a16="http://schemas.microsoft.com/office/drawing/2014/main" id="{7D7B8257-E3FD-4F2B-BD5D-B1453DC76D54}"/>
+              </a:ext>
+            </a:extLst>
+          </p:cNvPr>
+          <p:cNvSpPr>
+            <a:spLocks noGrp="1"/>
+          </p:cNvSpPr>
+          <p:nvPr>
+            <p:ph type="title"/>
+          </p:nvPr>
+        </p:nvSpPr>
+        <p:spPr/>
+        <p:txBody>
+          <a:bodyPr/>
+          <a:lstStyle/>
+          <a:p>
+            <a:r>
+              <a:rPr lang="en-GB" dirty="0"/>
+              <a:t>Comparison to end search</a:t>
+            </a:r>
+          </a:p>
+        </p:txBody>
+      </p:sp>
+      <p:sp>
+        <p:nvSpPr>
+          <p:cNvPr id="3" name="Content Placeholder 2">
+            <a:extLst>
+              <a:ext uri="{FF2B5EF4-FFF2-40B4-BE49-F238E27FC236}">
+                <a16:creationId xmlns:a16="http://schemas.microsoft.com/office/drawing/2014/main" id="{5A1A4902-7BD7-4FD4-91A4-7140228537A7}"/>
+              </a:ext>
+            </a:extLst>
+          </p:cNvPr>
+          <p:cNvSpPr>
+            <a:spLocks noGrp="1"/>
+          </p:cNvSpPr>
+          <p:nvPr>
+            <p:ph idx="1"/>
+          </p:nvPr>
+        </p:nvSpPr>
+        <p:spPr>
+          <a:xfrm>
+            <a:off x="1084082" y="1847654"/>
+            <a:ext cx="10071598" cy="4021440"/>
+          </a:xfrm>
+        </p:spPr>
+        <p:txBody>
+          <a:bodyPr/>
+          <a:lstStyle/>
+          <a:p>
+            <a:r>
+              <a:rPr lang="en-GB" dirty="0"/>
+              <a:t>End search thread tries to read the hash channel</a:t>
+            </a:r>
+          </a:p>
+          <a:p>
+            <a:r>
+              <a:rPr lang="en-GB" dirty="0"/>
+              <a:t>This channel is empty so the thread suspends</a:t>
+            </a:r>
+          </a:p>
+          <a:p>
+            <a:r>
+              <a:rPr lang="en-GB" dirty="0"/>
+              <a:t>If the comparison thread finds the hash did not match the target, it discards the hash and password</a:t>
+            </a:r>
+          </a:p>
+          <a:p>
+            <a:r>
+              <a:rPr lang="en-GB" dirty="0"/>
+              <a:t>If they match then the comparison thread writes the associated password to the end search channel</a:t>
+            </a:r>
+          </a:p>
+          <a:p>
+            <a:r>
+              <a:rPr lang="en-GB" dirty="0"/>
+              <a:t>This causes the end search thread to wake up and stop and join the rest of the threads</a:t>
+            </a:r>
+          </a:p>
+          <a:p>
+            <a:endParaRPr lang="en-GB" dirty="0"/>
+          </a:p>
+        </p:txBody>
+      </p:sp>
+      <p:sp>
+        <p:nvSpPr>
+          <p:cNvPr id="4" name="Footer Placeholder 3">
+            <a:extLst>
+              <a:ext uri="{FF2B5EF4-FFF2-40B4-BE49-F238E27FC236}">
+                <a16:creationId xmlns:a16="http://schemas.microsoft.com/office/drawing/2014/main" id="{DC046539-1A68-401E-97A9-717B80D46678}"/>
+              </a:ext>
+            </a:extLst>
+          </p:cNvPr>
+          <p:cNvSpPr>
+            <a:spLocks noGrp="1"/>
+          </p:cNvSpPr>
+          <p:nvPr>
+            <p:ph type="ftr" sz="quarter" idx="11"/>
+          </p:nvPr>
+        </p:nvSpPr>
+        <p:spPr/>
+        <p:txBody>
+          <a:bodyPr/>
+          <a:lstStyle/>
+          <a:p>
+            <a:r>
+              <a:rPr lang="en-GB"/>
+              <a:t>Jake Bretherton 1800231</a:t>
+            </a:r>
+          </a:p>
+        </p:txBody>
+      </p:sp>
+      <p:grpSp>
+        <p:nvGrpSpPr>
+          <p:cNvPr id="10" name="Group 9">
+            <a:extLst>
+              <a:ext uri="{FF2B5EF4-FFF2-40B4-BE49-F238E27FC236}">
+                <a16:creationId xmlns:a16="http://schemas.microsoft.com/office/drawing/2014/main" id="{73CE2BA1-5C0A-4063-9914-E716995F1BDC}"/>
+              </a:ext>
+            </a:extLst>
+          </p:cNvPr>
+          <p:cNvGrpSpPr/>
+          <p:nvPr/>
+        </p:nvGrpSpPr>
+        <p:grpSpPr>
+          <a:xfrm>
+            <a:off x="2945383" y="4791833"/>
+            <a:ext cx="5563606" cy="915071"/>
+            <a:chOff x="2945383" y="4791833"/>
+            <a:chExt cx="5563606" cy="915071"/>
+          </a:xfrm>
+        </p:grpSpPr>
+        <p:sp>
+          <p:nvSpPr>
+            <p:cNvPr id="5" name="Rectangle: Rounded Corners 4">
+              <a:extLst>
+                <a:ext uri="{FF2B5EF4-FFF2-40B4-BE49-F238E27FC236}">
+                  <a16:creationId xmlns:a16="http://schemas.microsoft.com/office/drawing/2014/main" id="{20C9FB15-845B-4DDA-AD82-CFF14A383302}"/>
+                </a:ext>
+              </a:extLst>
+            </p:cNvPr>
+            <p:cNvSpPr/>
+            <p:nvPr/>
+          </p:nvSpPr>
+          <p:spPr>
+            <a:xfrm>
+              <a:off x="2945383" y="4792504"/>
+              <a:ext cx="1387503" cy="914400"/>
+            </a:xfrm>
+            <a:prstGeom prst="roundRect">
+              <a:avLst/>
+            </a:prstGeom>
+          </p:spPr>
+          <p:style>
+            <a:lnRef idx="1">
+              <a:schemeClr val="accent2"/>
+            </a:lnRef>
+            <a:fillRef idx="2">
+              <a:schemeClr val="accent2"/>
+            </a:fillRef>
+            <a:effectRef idx="1">
+              <a:schemeClr val="accent2"/>
+            </a:effectRef>
+            <a:fontRef idx="minor">
+              <a:schemeClr val="dk1"/>
+            </a:fontRef>
+          </p:style>
+          <p:txBody>
+            <a:bodyPr rtlCol="0" anchor="ctr"/>
+            <a:lstStyle/>
+            <a:p>
+              <a:pPr algn="ctr"/>
+              <a:r>
+                <a:rPr lang="en-GB" sz="900" u="sng" dirty="0"/>
+                <a:t>Thread</a:t>
+              </a:r>
+            </a:p>
+            <a:p>
+              <a:pPr algn="ctr"/>
+              <a:r>
+                <a:rPr lang="en-GB" dirty="0"/>
+                <a:t>Compare Hash to Target</a:t>
+              </a:r>
+              <a:endParaRPr lang="en-GB" sz="800" dirty="0"/>
+            </a:p>
+          </p:txBody>
+        </p:sp>
+        <p:sp>
+          <p:nvSpPr>
+            <p:cNvPr id="6" name="Rectangle 5">
+              <a:extLst>
+                <a:ext uri="{FF2B5EF4-FFF2-40B4-BE49-F238E27FC236}">
+                  <a16:creationId xmlns:a16="http://schemas.microsoft.com/office/drawing/2014/main" id="{D322356A-1C60-46D7-899A-73366C8CC6FF}"/>
+                </a:ext>
+              </a:extLst>
+            </p:cNvPr>
+            <p:cNvSpPr/>
+            <p:nvPr/>
+          </p:nvSpPr>
+          <p:spPr>
+            <a:xfrm>
+              <a:off x="5033434" y="4848676"/>
+              <a:ext cx="1387503" cy="704655"/>
+            </a:xfrm>
+            <a:prstGeom prst="rect">
+              <a:avLst/>
+            </a:prstGeom>
+          </p:spPr>
+          <p:style>
+            <a:lnRef idx="1">
+              <a:schemeClr val="accent3"/>
+            </a:lnRef>
+            <a:fillRef idx="2">
+              <a:schemeClr val="accent3"/>
+            </a:fillRef>
+            <a:effectRef idx="1">
+              <a:schemeClr val="accent3"/>
+            </a:effectRef>
+            <a:fontRef idx="minor">
+              <a:schemeClr val="dk1"/>
+            </a:fontRef>
+          </p:style>
+          <p:txBody>
+            <a:bodyPr rtlCol="0" anchor="ctr"/>
+            <a:lstStyle/>
+            <a:p>
+              <a:pPr algn="ctr"/>
+              <a:r>
+                <a:rPr lang="en-GB" sz="900" u="sng" dirty="0"/>
+                <a:t>Channel</a:t>
+              </a:r>
+            </a:p>
+            <a:p>
+              <a:pPr algn="ctr"/>
+              <a:r>
+                <a:rPr lang="en-GB" dirty="0"/>
+                <a:t>Found Password</a:t>
+              </a:r>
+              <a:endParaRPr lang="en-GB" sz="800" dirty="0"/>
+            </a:p>
+          </p:txBody>
+        </p:sp>
+        <p:sp>
+          <p:nvSpPr>
+            <p:cNvPr id="7" name="Arrow: Right 6">
+              <a:extLst>
+                <a:ext uri="{FF2B5EF4-FFF2-40B4-BE49-F238E27FC236}">
+                  <a16:creationId xmlns:a16="http://schemas.microsoft.com/office/drawing/2014/main" id="{1ED02951-5A57-463D-B655-4A99B3AB53D0}"/>
+                </a:ext>
+              </a:extLst>
+            </p:cNvPr>
+            <p:cNvSpPr/>
+            <p:nvPr/>
+          </p:nvSpPr>
+          <p:spPr>
+            <a:xfrm>
+              <a:off x="4332885" y="5090007"/>
+              <a:ext cx="700549" cy="318052"/>
+            </a:xfrm>
+            <a:prstGeom prst="rightArrow">
+              <a:avLst/>
+            </a:prstGeom>
+          </p:spPr>
+          <p:style>
+            <a:lnRef idx="1">
+              <a:schemeClr val="accent5"/>
+            </a:lnRef>
+            <a:fillRef idx="2">
+              <a:schemeClr val="accent5"/>
+            </a:fillRef>
+            <a:effectRef idx="1">
+              <a:schemeClr val="accent5"/>
+            </a:effectRef>
+            <a:fontRef idx="minor">
+              <a:schemeClr val="dk1"/>
+            </a:fontRef>
+          </p:style>
+          <p:txBody>
+            <a:bodyPr rtlCol="0" anchor="ctr"/>
+            <a:lstStyle/>
+            <a:p>
+              <a:pPr algn="ctr"/>
+              <a:r>
+                <a:rPr lang="en-GB" sz="1400" dirty="0"/>
+                <a:t>Write</a:t>
+              </a:r>
+            </a:p>
+          </p:txBody>
+        </p:sp>
+        <p:sp>
+          <p:nvSpPr>
+            <p:cNvPr id="8" name="Rectangle: Rounded Corners 7">
+              <a:extLst>
+                <a:ext uri="{FF2B5EF4-FFF2-40B4-BE49-F238E27FC236}">
+                  <a16:creationId xmlns:a16="http://schemas.microsoft.com/office/drawing/2014/main" id="{139C4899-B869-48AA-B2F4-4C9973C2062E}"/>
+                </a:ext>
+              </a:extLst>
+            </p:cNvPr>
+            <p:cNvSpPr/>
+            <p:nvPr/>
+          </p:nvSpPr>
+          <p:spPr>
+            <a:xfrm>
+              <a:off x="7121486" y="4791833"/>
+              <a:ext cx="1387503" cy="914400"/>
+            </a:xfrm>
+            <a:prstGeom prst="roundRect">
+              <a:avLst/>
+            </a:prstGeom>
+          </p:spPr>
+          <p:style>
+            <a:lnRef idx="1">
+              <a:schemeClr val="accent2"/>
+            </a:lnRef>
+            <a:fillRef idx="2">
+              <a:schemeClr val="accent2"/>
+            </a:fillRef>
+            <a:effectRef idx="1">
+              <a:schemeClr val="accent2"/>
+            </a:effectRef>
+            <a:fontRef idx="minor">
+              <a:schemeClr val="dk1"/>
+            </a:fontRef>
+          </p:style>
+          <p:txBody>
+            <a:bodyPr rtlCol="0" anchor="ctr"/>
+            <a:lstStyle/>
+            <a:p>
+              <a:pPr algn="ctr"/>
+              <a:r>
+                <a:rPr lang="en-GB" sz="900" u="sng" dirty="0"/>
+                <a:t>Thread</a:t>
+              </a:r>
+            </a:p>
+            <a:p>
+              <a:pPr algn="ctr"/>
+              <a:r>
+                <a:rPr lang="en-GB" sz="1600" dirty="0"/>
+                <a:t>Wait for end of Search</a:t>
+              </a:r>
+            </a:p>
+          </p:txBody>
+        </p:sp>
+        <p:sp>
+          <p:nvSpPr>
+            <p:cNvPr id="9" name="Arrow: Right 8">
+              <a:extLst>
+                <a:ext uri="{FF2B5EF4-FFF2-40B4-BE49-F238E27FC236}">
+                  <a16:creationId xmlns:a16="http://schemas.microsoft.com/office/drawing/2014/main" id="{0474367C-1336-42B6-8D3F-F9D607EAAA93}"/>
+                </a:ext>
+              </a:extLst>
+            </p:cNvPr>
+            <p:cNvSpPr/>
+            <p:nvPr/>
+          </p:nvSpPr>
+          <p:spPr>
+            <a:xfrm>
+              <a:off x="6420935" y="5101788"/>
+              <a:ext cx="700549" cy="318052"/>
+            </a:xfrm>
+            <a:prstGeom prst="rightArrow">
+              <a:avLst/>
+            </a:prstGeom>
+          </p:spPr>
+          <p:style>
+            <a:lnRef idx="1">
+              <a:schemeClr val="accent5"/>
+            </a:lnRef>
+            <a:fillRef idx="2">
+              <a:schemeClr val="accent5"/>
+            </a:fillRef>
+            <a:effectRef idx="1">
+              <a:schemeClr val="accent5"/>
+            </a:effectRef>
+            <a:fontRef idx="minor">
+              <a:schemeClr val="dk1"/>
+            </a:fontRef>
+          </p:style>
+          <p:txBody>
+            <a:bodyPr rtlCol="0" anchor="ctr"/>
+            <a:lstStyle/>
+            <a:p>
+              <a:pPr algn="ctr"/>
+              <a:r>
+                <a:rPr lang="en-GB" sz="1400" dirty="0"/>
+                <a:t>Read</a:t>
+              </a:r>
+            </a:p>
+          </p:txBody>
+        </p:sp>
+      </p:grpSp>
+    </p:spTree>
+    <p:extLst>
+      <p:ext uri="{BB962C8B-B14F-4D97-AF65-F5344CB8AC3E}">
+        <p14:creationId xmlns:p14="http://schemas.microsoft.com/office/powerpoint/2010/main" val="1249814572"/>
+      </p:ext>
+    </p:extLst>
+  </p:cSld>
+  <p:clrMapOvr>
+    <a:masterClrMapping/>
+  </p:clrMapOvr>
+</p:sld>
+</file>
+
+<file path=ppt/slides/slide17.xml><?xml version="1.0" encoding="utf-8"?>
+<p:sld xmlns:a="http://schemas.openxmlformats.org/drawingml/2006/main" xmlns:r="http://schemas.openxmlformats.org/officeDocument/2006/relationships" xmlns:p="http://schemas.openxmlformats.org/presentationml/2006/main">
+  <p:cSld>
+    <p:bg>
+      <p:bgPr>
+        <a:solidFill>
+          <a:schemeClr val="bg1"/>
+        </a:solidFill>
+        <a:effectLst/>
+      </p:bgPr>
+    </p:bg>
+    <p:spTree>
+      <p:nvGrpSpPr>
+        <p:cNvPr id="1" name=""/>
+        <p:cNvGrpSpPr/>
+        <p:nvPr/>
+      </p:nvGrpSpPr>
+      <p:grpSpPr>
+        <a:xfrm>
+          <a:off x="0" y="0"/>
+          <a:ext cx="0" cy="0"/>
+          <a:chOff x="0" y="0"/>
+          <a:chExt cx="0" cy="0"/>
+        </a:xfrm>
+      </p:grpSpPr>
+      <p:sp>
+        <p:nvSpPr>
+          <p:cNvPr id="23" name="Rectangle 22">
+            <a:extLst>
+              <a:ext uri="{FF2B5EF4-FFF2-40B4-BE49-F238E27FC236}">
+                <a16:creationId xmlns:a16="http://schemas.microsoft.com/office/drawing/2014/main" id="{D829E218-74FB-4455-98BE-F2C5BA8978BE}"/>
+              </a:ext>
+              <a:ext uri="{C183D7F6-B498-43B3-948B-1728B52AA6E4}">
+                <adec:decorative xmlns:adec="http://schemas.microsoft.com/office/drawing/2017/decorative" val="1"/>
+              </a:ext>
+            </a:extLst>
+          </p:cNvPr>
+          <p:cNvSpPr>
+            <a:spLocks noGrp="1" noRot="1" noChangeAspect="1" noMove="1" noResize="1" noEditPoints="1" noAdjustHandles="1" noChangeArrowheads="1" noChangeShapeType="1" noTextEdit="1"/>
+          </p:cNvSpPr>
+          <p:nvPr>
+            <p:extLst>
+              <p:ext uri="{386F3935-93C4-4BCD-93E2-E3B085C9AB24}">
+                <p16:designElem xmlns:p16="http://schemas.microsoft.com/office/powerpoint/2015/main" val="1"/>
+              </p:ext>
+            </p:extLst>
+          </p:nvPr>
+        </p:nvSpPr>
+        <p:spPr>
+          <a:xfrm>
+            <a:off x="1" y="6400800"/>
+            <a:ext cx="12192000" cy="457200"/>
+          </a:xfrm>
+          <a:prstGeom prst="rect">
+            <a:avLst/>
+          </a:prstGeom>
+          <a:solidFill>
+            <a:schemeClr val="accent2"/>
+          </a:solidFill>
+          <a:ln>
+            <a:noFill/>
+          </a:ln>
+        </p:spPr>
+        <p:style>
+          <a:lnRef idx="2">
+            <a:schemeClr val="accent1">
+              <a:shade val="50000"/>
+            </a:schemeClr>
+          </a:lnRef>
+          <a:fillRef idx="1">
+            <a:schemeClr val="accent1"/>
+          </a:fillRef>
+          <a:effectRef idx="0">
+            <a:schemeClr val="accent1"/>
+          </a:effectRef>
+          <a:fontRef idx="minor">
+            <a:schemeClr val="lt1"/>
+          </a:fontRef>
+        </p:style>
+      </p:sp>
+      <p:sp>
+        <p:nvSpPr>
+          <p:cNvPr id="25" name="Rectangle 24">
+            <a:extLst>
+              <a:ext uri="{FF2B5EF4-FFF2-40B4-BE49-F238E27FC236}">
+                <a16:creationId xmlns:a16="http://schemas.microsoft.com/office/drawing/2014/main" id="{7E8D75FD-D4F9-4D11-B70D-82EFCB4CFA5B}"/>
+              </a:ext>
+              <a:ext uri="{C183D7F6-B498-43B3-948B-1728B52AA6E4}">
+                <adec:decorative xmlns:adec="http://schemas.microsoft.com/office/drawing/2017/decorative" val="1"/>
+              </a:ext>
+            </a:extLst>
+          </p:cNvPr>
+          <p:cNvSpPr>
+            <a:spLocks noGrp="1" noRot="1" noChangeAspect="1" noMove="1" noResize="1" noEditPoints="1" noAdjustHandles="1" noChangeArrowheads="1" noChangeShapeType="1" noTextEdit="1"/>
+          </p:cNvSpPr>
+          <p:nvPr>
+            <p:extLst>
+              <p:ext uri="{386F3935-93C4-4BCD-93E2-E3B085C9AB24}">
+                <p16:designElem xmlns:p16="http://schemas.microsoft.com/office/powerpoint/2015/main" val="1"/>
+              </p:ext>
+            </p:extLst>
+          </p:nvPr>
+        </p:nvSpPr>
+        <p:spPr>
+          <a:xfrm>
+            <a:off x="1" y="6334316"/>
+            <a:ext cx="12192000" cy="66484"/>
+          </a:xfrm>
+          <a:prstGeom prst="rect">
+            <a:avLst/>
+          </a:prstGeom>
+          <a:solidFill>
+            <a:schemeClr val="accent1"/>
+          </a:solidFill>
+          <a:ln>
+            <a:noFill/>
+          </a:ln>
+        </p:spPr>
+        <p:style>
+          <a:lnRef idx="2">
+            <a:schemeClr val="accent1">
+              <a:shade val="50000"/>
+            </a:schemeClr>
+          </a:lnRef>
+          <a:fillRef idx="1">
+            <a:schemeClr val="accent1"/>
+          </a:fillRef>
+          <a:effectRef idx="0">
+            <a:schemeClr val="accent1"/>
+          </a:effectRef>
+          <a:fontRef idx="minor">
+            <a:schemeClr val="lt1"/>
+          </a:fontRef>
+        </p:style>
+      </p:sp>
+      <p:cxnSp>
+        <p:nvCxnSpPr>
+          <p:cNvPr id="27" name="Straight Connector 26">
+            <a:extLst>
+              <a:ext uri="{FF2B5EF4-FFF2-40B4-BE49-F238E27FC236}">
+                <a16:creationId xmlns:a16="http://schemas.microsoft.com/office/drawing/2014/main" id="{1F5DC8C3-BA5F-4EED-BB9A-A14272BD82A1}"/>
+              </a:ext>
+              <a:ext uri="{C183D7F6-B498-43B3-948B-1728B52AA6E4}">
+                <adec:decorative xmlns:adec="http://schemas.microsoft.com/office/drawing/2017/decorative" val="1"/>
+              </a:ext>
+            </a:extLst>
+          </p:cNvPr>
+          <p:cNvCxnSpPr>
+            <a:cxnSpLocks noGrp="1" noRot="1" noChangeAspect="1" noMove="1" noResize="1" noEditPoints="1" noAdjustHandles="1" noChangeArrowheads="1" noChangeShapeType="1"/>
+          </p:cNvCxnSpPr>
+          <p:nvPr>
+            <p:extLst>
+              <p:ext uri="{386F3935-93C4-4BCD-93E2-E3B085C9AB24}">
+                <p16:designElem xmlns:p16="http://schemas.microsoft.com/office/powerpoint/2015/main" val="1"/>
+              </p:ext>
+            </p:extLst>
+          </p:nvPr>
+        </p:nvCxnSpPr>
+        <p:spPr>
+          <a:xfrm>
+            <a:off x="1207658" y="4343400"/>
+            <a:ext cx="9875520" cy="0"/>
+          </a:xfrm>
+          <a:prstGeom prst="line">
+            <a:avLst/>
+          </a:prstGeom>
+          <a:ln w="6350">
+            <a:solidFill>
+              <a:schemeClr val="tx1">
+                <a:lumMod val="50000"/>
+                <a:lumOff val="50000"/>
+              </a:schemeClr>
+            </a:solidFill>
+          </a:ln>
+        </p:spPr>
+        <p:style>
+          <a:lnRef idx="1">
+            <a:schemeClr val="accent1"/>
+          </a:lnRef>
+          <a:fillRef idx="0">
+            <a:schemeClr val="accent1"/>
+          </a:fillRef>
+          <a:effectRef idx="0">
+            <a:schemeClr val="accent1"/>
+          </a:effectRef>
+          <a:fontRef idx="minor">
+            <a:schemeClr val="tx1"/>
+          </a:fontRef>
+        </p:style>
+      </p:cxnSp>
+      <p:pic>
+        <p:nvPicPr>
+          <p:cNvPr id="6" name="Picture 5" descr="List of dates on a digital screen">
+            <a:extLst>
+              <a:ext uri="{FF2B5EF4-FFF2-40B4-BE49-F238E27FC236}">
+                <a16:creationId xmlns:a16="http://schemas.microsoft.com/office/drawing/2014/main" id="{D648727B-B664-423B-8A62-F590EF4E7CBD}"/>
+              </a:ext>
+            </a:extLst>
+          </p:cNvPr>
+          <p:cNvPicPr>
+            <a:picLocks noChangeAspect="1"/>
+          </p:cNvPicPr>
+          <p:nvPr/>
+        </p:nvPicPr>
+        <p:blipFill rotWithShape="1">
+          <a:blip r:embed="rId3">
+            <a:extLst>
+              <a:ext uri="{28A0092B-C50C-407E-A947-70E740481C1C}">
+                <a14:useLocalDpi xmlns:a14="http://schemas.microsoft.com/office/drawing/2010/main" val="0"/>
+              </a:ext>
+            </a:extLst>
+          </a:blip>
+          <a:srcRect t="4455" b="11276"/>
+          <a:stretch/>
+        </p:blipFill>
+        <p:spPr>
+          <a:xfrm>
+            <a:off x="1" y="10"/>
+            <a:ext cx="12191999" cy="6857990"/>
+          </a:xfrm>
+          <a:prstGeom prst="rect">
+            <a:avLst/>
+          </a:prstGeom>
+        </p:spPr>
+      </p:pic>
+      <p:sp>
+        <p:nvSpPr>
+          <p:cNvPr id="29" name="Rectangle 28">
+            <a:extLst>
+              <a:ext uri="{FF2B5EF4-FFF2-40B4-BE49-F238E27FC236}">
+                <a16:creationId xmlns:a16="http://schemas.microsoft.com/office/drawing/2014/main" id="{7319A1DD-F557-4EC6-8A8C-F7617B4CD678}"/>
+              </a:ext>
+              <a:ext uri="{C183D7F6-B498-43B3-948B-1728B52AA6E4}">
+                <adec:decorative xmlns:adec="http://schemas.microsoft.com/office/drawing/2017/decorative" val="1"/>
+              </a:ext>
+            </a:extLst>
+          </p:cNvPr>
+          <p:cNvSpPr>
+            <a:spLocks noGrp="1" noRot="1" noChangeAspect="1" noMove="1" noResize="1" noEditPoints="1" noAdjustHandles="1" noChangeArrowheads="1" noChangeShapeType="1" noTextEdit="1"/>
+          </p:cNvSpPr>
+          <p:nvPr>
+            <p:extLst>
+              <p:ext uri="{386F3935-93C4-4BCD-93E2-E3B085C9AB24}">
+                <p16:designElem xmlns:p16="http://schemas.microsoft.com/office/powerpoint/2015/main" val="1"/>
+              </p:ext>
+            </p:extLst>
+          </p:nvPr>
+        </p:nvSpPr>
+        <p:spPr>
+          <a:xfrm>
+            <a:off x="4654296" y="3118982"/>
+            <a:ext cx="7537704" cy="2286000"/>
+          </a:xfrm>
+          <a:prstGeom prst="rect">
+            <a:avLst/>
+          </a:prstGeom>
+          <a:solidFill>
+            <a:schemeClr val="bg1">
+              <a:alpha val="90000"/>
+            </a:schemeClr>
+          </a:solidFill>
+          <a:ln>
+            <a:noFill/>
+          </a:ln>
+        </p:spPr>
+        <p:style>
+          <a:lnRef idx="2">
+            <a:schemeClr val="accent1">
+              <a:shade val="50000"/>
+            </a:schemeClr>
+          </a:lnRef>
+          <a:fillRef idx="1">
+            <a:schemeClr val="accent1"/>
+          </a:fillRef>
+          <a:effectRef idx="0">
+            <a:schemeClr val="accent1"/>
+          </a:effectRef>
+          <a:fontRef idx="minor">
+            <a:schemeClr val="lt1"/>
+          </a:fontRef>
+        </p:style>
+        <p:txBody>
+          <a:bodyPr rtlCol="0" anchor="ctr"/>
+          <a:lstStyle/>
+          <a:p>
+            <a:pPr algn="ctr"/>
+            <a:endParaRPr lang="en-US"/>
+          </a:p>
+        </p:txBody>
+      </p:sp>
+      <p:sp>
+        <p:nvSpPr>
+          <p:cNvPr id="2" name="Title 1">
+            <a:extLst>
+              <a:ext uri="{FF2B5EF4-FFF2-40B4-BE49-F238E27FC236}">
+                <a16:creationId xmlns:a16="http://schemas.microsoft.com/office/drawing/2014/main" id="{4FC1FDC6-89C4-4BF3-9466-A6845C49ED39}"/>
+              </a:ext>
+            </a:extLst>
+          </p:cNvPr>
+          <p:cNvSpPr>
+            <a:spLocks noGrp="1"/>
+          </p:cNvSpPr>
+          <p:nvPr>
+            <p:ph type="title"/>
+          </p:nvPr>
+        </p:nvSpPr>
+        <p:spPr>
+          <a:xfrm>
+            <a:off x="4985517" y="3331444"/>
+            <a:ext cx="6470692" cy="1229306"/>
+          </a:xfrm>
+        </p:spPr>
+        <p:txBody>
+          <a:bodyPr vert="horz" lIns="91440" tIns="45720" rIns="91440" bIns="45720" rtlCol="0" anchor="b">
+            <a:normAutofit/>
+          </a:bodyPr>
+          <a:lstStyle/>
+          <a:p>
+            <a:r>
+              <a:rPr lang="en-US" sz="5400" dirty="0">
+                <a:solidFill>
+                  <a:schemeClr val="tx1"/>
+                </a:solidFill>
+              </a:rPr>
+              <a:t>Function Timings</a:t>
+            </a:r>
+          </a:p>
+        </p:txBody>
+      </p:sp>
+      <p:cxnSp>
+        <p:nvCxnSpPr>
+          <p:cNvPr id="31" name="Straight Connector 30">
+            <a:extLst>
+              <a:ext uri="{FF2B5EF4-FFF2-40B4-BE49-F238E27FC236}">
+                <a16:creationId xmlns:a16="http://schemas.microsoft.com/office/drawing/2014/main" id="{D28A9C89-B313-458F-9C85-515930A51A93}"/>
+              </a:ext>
+              <a:ext uri="{C183D7F6-B498-43B3-948B-1728B52AA6E4}">
+                <adec:decorative xmlns:adec="http://schemas.microsoft.com/office/drawing/2017/decorative" val="1"/>
+              </a:ext>
+            </a:extLst>
+          </p:cNvPr>
+          <p:cNvCxnSpPr>
+            <a:cxnSpLocks noGrp="1" noRot="1" noChangeAspect="1" noMove="1" noResize="1" noEditPoints="1" noAdjustHandles="1" noChangeArrowheads="1" noChangeShapeType="1"/>
+          </p:cNvCxnSpPr>
+          <p:nvPr>
+            <p:extLst>
+              <p:ext uri="{386F3935-93C4-4BCD-93E2-E3B085C9AB24}">
+                <p16:designElem xmlns:p16="http://schemas.microsoft.com/office/powerpoint/2015/main" val="1"/>
+              </p:ext>
+            </p:extLst>
+          </p:nvPr>
+        </p:nvCxnSpPr>
+        <p:spPr>
+          <a:xfrm>
+            <a:off x="5110211" y="4593840"/>
+            <a:ext cx="6602263" cy="0"/>
+          </a:xfrm>
+          <a:prstGeom prst="line">
+            <a:avLst/>
+          </a:prstGeom>
+          <a:ln w="19050">
+            <a:solidFill>
+              <a:srgbClr val="28DBFF"/>
+            </a:solidFill>
+          </a:ln>
+        </p:spPr>
+        <p:style>
+          <a:lnRef idx="1">
+            <a:schemeClr val="accent1"/>
+          </a:lnRef>
+          <a:fillRef idx="0">
+            <a:schemeClr val="accent1"/>
+          </a:fillRef>
+          <a:effectRef idx="0">
+            <a:schemeClr val="accent1"/>
+          </a:effectRef>
+          <a:fontRef idx="minor">
+            <a:schemeClr val="tx1"/>
+          </a:fontRef>
+        </p:style>
+      </p:cxnSp>
+      <p:sp>
+        <p:nvSpPr>
+          <p:cNvPr id="4" name="Footer Placeholder 3">
+            <a:extLst>
+              <a:ext uri="{FF2B5EF4-FFF2-40B4-BE49-F238E27FC236}">
+                <a16:creationId xmlns:a16="http://schemas.microsoft.com/office/drawing/2014/main" id="{7EEA0DCD-4E88-4F8E-A2CF-61D662980C33}"/>
+              </a:ext>
+            </a:extLst>
+          </p:cNvPr>
+          <p:cNvSpPr>
+            <a:spLocks noGrp="1"/>
+          </p:cNvSpPr>
+          <p:nvPr>
+            <p:ph type="ftr" sz="quarter" idx="11"/>
+          </p:nvPr>
+        </p:nvSpPr>
+        <p:spPr>
+          <a:xfrm>
+            <a:off x="3686185" y="6459785"/>
+            <a:ext cx="4822804" cy="365125"/>
+          </a:xfrm>
+        </p:spPr>
+        <p:txBody>
+          <a:bodyPr vert="horz" lIns="91440" tIns="45720" rIns="91440" bIns="45720" rtlCol="0" anchor="ctr">
+            <a:normAutofit/>
+          </a:bodyPr>
+          <a:lstStyle/>
+          <a:p>
+            <a:pPr defTabSz="914400">
+              <a:spcAft>
+                <a:spcPts val="600"/>
+              </a:spcAft>
+            </a:pPr>
+            <a:r>
+              <a:rPr lang="en-US" kern="1200" cap="all" baseline="0">
+                <a:solidFill>
+                  <a:srgbClr val="FFFFFF"/>
+                </a:solidFill>
+                <a:latin typeface="+mn-lt"/>
+                <a:ea typeface="+mn-ea"/>
+                <a:cs typeface="+mn-cs"/>
+              </a:rPr>
+              <a:t>Jake Bretherton 1800231</a:t>
+            </a:r>
+          </a:p>
+        </p:txBody>
+      </p:sp>
+    </p:spTree>
+    <p:extLst>
+      <p:ext uri="{BB962C8B-B14F-4D97-AF65-F5344CB8AC3E}">
+        <p14:creationId xmlns:p14="http://schemas.microsoft.com/office/powerpoint/2010/main" val="921641807"/>
+      </p:ext>
+    </p:extLst>
+  </p:cSld>
+  <p:clrMapOvr>
+    <a:overrideClrMapping bg1="dk1" tx1="lt1" bg2="dk2" tx2="lt2" accent1="accent1" accent2="accent2" accent3="accent3" accent4="accent4" accent5="accent5" accent6="accent6" hlink="hlink" folHlink="folHlink"/>
+  </p:clrMapOvr>
+</p:sld>
+</file>
+
+<file path=ppt/slides/slide18.xml><?xml version="1.0" encoding="utf-8"?>
+<p:sld xmlns:a="http://schemas.openxmlformats.org/drawingml/2006/main" xmlns:r="http://schemas.openxmlformats.org/officeDocument/2006/relationships" xmlns:p="http://schemas.openxmlformats.org/presentationml/2006/main">
+  <p:cSld>
+    <p:spTree>
+      <p:nvGrpSpPr>
+        <p:cNvPr id="1" name=""/>
+        <p:cNvGrpSpPr/>
+        <p:nvPr/>
+      </p:nvGrpSpPr>
+      <p:grpSpPr>
+        <a:xfrm>
+          <a:off x="0" y="0"/>
+          <a:ext cx="0" cy="0"/>
+          <a:chOff x="0" y="0"/>
+          <a:chExt cx="0" cy="0"/>
+        </a:xfrm>
+      </p:grpSpPr>
+      <p:sp>
+        <p:nvSpPr>
+          <p:cNvPr id="2" name="Title 1">
+            <a:extLst>
+              <a:ext uri="{FF2B5EF4-FFF2-40B4-BE49-F238E27FC236}">
+                <a16:creationId xmlns:a16="http://schemas.microsoft.com/office/drawing/2014/main" id="{F50C76F7-E760-44BE-9EB9-57FB133CE4F3}"/>
+              </a:ext>
+            </a:extLst>
+          </p:cNvPr>
+          <p:cNvSpPr>
+            <a:spLocks noGrp="1"/>
+          </p:cNvSpPr>
+          <p:nvPr>
+            <p:ph type="title"/>
+          </p:nvPr>
+        </p:nvSpPr>
+        <p:spPr/>
+        <p:txBody>
+          <a:bodyPr/>
+          <a:lstStyle/>
+          <a:p>
+            <a:r>
+              <a:rPr lang="en-GB" dirty="0"/>
+              <a:t>Issues with timings</a:t>
+            </a:r>
+          </a:p>
+        </p:txBody>
+      </p:sp>
+      <p:sp>
+        <p:nvSpPr>
+          <p:cNvPr id="3" name="Content Placeholder 2">
+            <a:extLst>
+              <a:ext uri="{FF2B5EF4-FFF2-40B4-BE49-F238E27FC236}">
+                <a16:creationId xmlns:a16="http://schemas.microsoft.com/office/drawing/2014/main" id="{D0E45C26-399A-4255-A033-6E4F38509BB7}"/>
+              </a:ext>
+            </a:extLst>
+          </p:cNvPr>
+          <p:cNvSpPr>
+            <a:spLocks noGrp="1"/>
+          </p:cNvSpPr>
+          <p:nvPr>
+            <p:ph idx="1"/>
+          </p:nvPr>
+        </p:nvSpPr>
+        <p:spPr/>
+        <p:txBody>
+          <a:bodyPr/>
+          <a:lstStyle/>
+          <a:p>
+            <a:r>
+              <a:rPr lang="en-GB" dirty="0"/>
+              <a:t>Because </a:t>
+            </a:r>
+          </a:p>
+        </p:txBody>
+      </p:sp>
+      <p:sp>
+        <p:nvSpPr>
+          <p:cNvPr id="4" name="Footer Placeholder 3">
+            <a:extLst>
+              <a:ext uri="{FF2B5EF4-FFF2-40B4-BE49-F238E27FC236}">
+                <a16:creationId xmlns:a16="http://schemas.microsoft.com/office/drawing/2014/main" id="{2D044E19-9CF6-45F3-874D-5D38BDB0F2A5}"/>
+              </a:ext>
+            </a:extLst>
+          </p:cNvPr>
+          <p:cNvSpPr>
+            <a:spLocks noGrp="1"/>
+          </p:cNvSpPr>
+          <p:nvPr>
+            <p:ph type="ftr" sz="quarter" idx="11"/>
+          </p:nvPr>
+        </p:nvSpPr>
+        <p:spPr/>
+        <p:txBody>
+          <a:bodyPr/>
+          <a:lstStyle/>
+          <a:p>
+            <a:r>
+              <a:rPr lang="en-GB"/>
+              <a:t>Jake Bretherton 1800231</a:t>
+            </a:r>
+          </a:p>
+        </p:txBody>
+      </p:sp>
+    </p:spTree>
+    <p:extLst>
+      <p:ext uri="{BB962C8B-B14F-4D97-AF65-F5344CB8AC3E}">
+        <p14:creationId xmlns:p14="http://schemas.microsoft.com/office/powerpoint/2010/main" val="3508896867"/>
+      </p:ext>
+    </p:extLst>
+  </p:cSld>
+  <p:clrMapOvr>
+    <a:masterClrMapping/>
+  </p:clrMapOvr>
+</p:sld>
+</file>
+
 <file path=ppt/slides/slide2.xml><?xml version="1.0" encoding="utf-8"?>
 <p:sld xmlns:a="http://schemas.openxmlformats.org/drawingml/2006/main" xmlns:r="http://schemas.openxmlformats.org/officeDocument/2006/relationships" xmlns:p="http://schemas.openxmlformats.org/presentationml/2006/main">
   <p:cSld>
@@ -4391,13 +12302,19 @@
           <a:p>
             <a:r>
               <a:rPr lang="en-GB" dirty="0"/>
+              <a:t>Find an unknown password from a given hash.</a:t>
+            </a:r>
+          </a:p>
+          <a:p>
+            <a:r>
+              <a:rPr lang="en-GB" dirty="0"/>
               <a:t>Passwords are stored in a hashed format, meaning if there is a leak of a website’s databases raw passwords will not be visible.</a:t>
             </a:r>
           </a:p>
           <a:p>
             <a:r>
               <a:rPr lang="en-GB" dirty="0"/>
-              <a:t>A password cracker will take a hash, and by brute force try possible passwords until one hashes into the provided hash</a:t>
+              <a:t>A password cracker will take a hash, and by brute force try possible passwords until one hashes into the provided hash.</a:t>
             </a:r>
           </a:p>
           <a:p>
@@ -4423,13 +12340,13 @@
           <p:nvPr>
             <p:extLst>
               <p:ext uri="{D42A27DB-BD31-4B8C-83A1-F6EECF244321}">
-                <p14:modId xmlns:p14="http://schemas.microsoft.com/office/powerpoint/2010/main" val="1280255718"/>
+                <p14:modId xmlns:p14="http://schemas.microsoft.com/office/powerpoint/2010/main" val="1946989992"/>
               </p:ext>
             </p:extLst>
           </p:nvPr>
         </p:nvGraphicFramePr>
         <p:xfrm>
-          <a:off x="1681742" y="3763146"/>
+          <a:off x="1681742" y="3930731"/>
           <a:ext cx="3672684" cy="741680"/>
         </p:xfrm>
         <a:graphic>
@@ -4547,13 +12464,13 @@
           <p:nvPr>
             <p:extLst>
               <p:ext uri="{D42A27DB-BD31-4B8C-83A1-F6EECF244321}">
-                <p14:modId xmlns:p14="http://schemas.microsoft.com/office/powerpoint/2010/main" val="2320160923"/>
+                <p14:modId xmlns:p14="http://schemas.microsoft.com/office/powerpoint/2010/main" val="3599043779"/>
               </p:ext>
             </p:extLst>
           </p:nvPr>
         </p:nvGraphicFramePr>
         <p:xfrm>
-          <a:off x="5825345" y="3577726"/>
+          <a:off x="5825345" y="3745311"/>
           <a:ext cx="4830714" cy="1112520"/>
         </p:xfrm>
         <a:graphic>
@@ -4765,7 +12682,7 @@
         </p:nvGrpSpPr>
         <p:grpSpPr>
           <a:xfrm>
-            <a:off x="5825345" y="4798619"/>
+            <a:off x="5825345" y="4966204"/>
             <a:ext cx="948965" cy="902890"/>
             <a:chOff x="5825345" y="4798619"/>
             <a:chExt cx="948965" cy="902890"/>
@@ -6105,7 +14022,10 @@
           <a:bodyPr/>
           <a:lstStyle/>
           <a:p>
-            <a:endParaRPr lang="en-GB"/>
+            <a:r>
+              <a:rPr lang="en-GB" dirty="0"/>
+              <a:t>Model</a:t>
+            </a:r>
           </a:p>
         </p:txBody>
       </p:sp>
@@ -6151,8 +14071,8 @@
         </p:nvSpPr>
         <p:spPr>
           <a:xfrm>
-            <a:off x="2894028" y="2856320"/>
-            <a:ext cx="2300140" cy="782425"/>
+            <a:off x="3322231" y="2250419"/>
+            <a:ext cx="1387503" cy="704655"/>
           </a:xfrm>
           <a:prstGeom prst="rect">
             <a:avLst/>
@@ -6177,16 +14097,27 @@
           <a:lstStyle/>
           <a:p>
             <a:pPr algn="ctr"/>
-            <a:endParaRPr lang="en-GB"/>
+            <a:r>
+              <a:rPr lang="en-GB" sz="900" u="sng" dirty="0"/>
+              <a:t>Channel</a:t>
+            </a:r>
+          </a:p>
+          <a:p>
+            <a:pPr algn="ctr"/>
+            <a:r>
+              <a:rPr lang="en-GB" dirty="0"/>
+              <a:t>Plain Text Password</a:t>
+            </a:r>
+            <a:endParaRPr lang="en-GB" sz="800" dirty="0"/>
           </a:p>
         </p:txBody>
       </p:sp>
       <p:sp>
         <p:nvSpPr>
-          <p:cNvPr id="10" name="Rectangle 9">
+          <p:cNvPr id="11" name="Rectangle: Rounded Corners 10">
             <a:extLst>
               <a:ext uri="{FF2B5EF4-FFF2-40B4-BE49-F238E27FC236}">
-                <a16:creationId xmlns:a16="http://schemas.microsoft.com/office/drawing/2014/main" id="{4B178E13-85D6-45AA-A964-96879F11105B}"/>
+                <a16:creationId xmlns:a16="http://schemas.microsoft.com/office/drawing/2014/main" id="{93C5EA07-6680-4EE2-B3DC-6583F8A0A983}"/>
               </a:ext>
             </a:extLst>
           </p:cNvPr>
@@ -6195,8 +14126,449 @@
         </p:nvSpPr>
         <p:spPr>
           <a:xfrm>
-            <a:off x="6403942" y="2790333"/>
-            <a:ext cx="2300140" cy="782425"/>
+            <a:off x="1234180" y="2194247"/>
+            <a:ext cx="1387503" cy="914400"/>
+          </a:xfrm>
+          <a:prstGeom prst="roundRect">
+            <a:avLst/>
+          </a:prstGeom>
+        </p:spPr>
+        <p:style>
+          <a:lnRef idx="1">
+            <a:schemeClr val="accent2"/>
+          </a:lnRef>
+          <a:fillRef idx="2">
+            <a:schemeClr val="accent2"/>
+          </a:fillRef>
+          <a:effectRef idx="1">
+            <a:schemeClr val="accent2"/>
+          </a:effectRef>
+          <a:fontRef idx="minor">
+            <a:schemeClr val="dk1"/>
+          </a:fontRef>
+        </p:style>
+        <p:txBody>
+          <a:bodyPr rtlCol="0" anchor="ctr"/>
+          <a:lstStyle/>
+          <a:p>
+            <a:pPr algn="ctr"/>
+            <a:r>
+              <a:rPr lang="en-GB" sz="900" u="sng" dirty="0"/>
+              <a:t>Thread</a:t>
+            </a:r>
+          </a:p>
+          <a:p>
+            <a:pPr algn="ctr"/>
+            <a:r>
+              <a:rPr lang="en-GB" dirty="0"/>
+              <a:t>Generator</a:t>
+            </a:r>
+            <a:endParaRPr lang="en-GB" sz="800" dirty="0"/>
+          </a:p>
+          <a:p>
+            <a:pPr algn="ctr"/>
+            <a:r>
+              <a:rPr lang="en-GB" sz="900" dirty="0"/>
+              <a:t>Single character</a:t>
+            </a:r>
+            <a:endParaRPr lang="en-GB" dirty="0"/>
+          </a:p>
+        </p:txBody>
+      </p:sp>
+      <p:sp>
+        <p:nvSpPr>
+          <p:cNvPr id="7" name="Rectangle: Rounded Corners 6">
+            <a:extLst>
+              <a:ext uri="{FF2B5EF4-FFF2-40B4-BE49-F238E27FC236}">
+                <a16:creationId xmlns:a16="http://schemas.microsoft.com/office/drawing/2014/main" id="{214D595C-4DAD-4B6F-9218-E6743AB4AB3F}"/>
+              </a:ext>
+            </a:extLst>
+          </p:cNvPr>
+          <p:cNvSpPr/>
+          <p:nvPr/>
+        </p:nvSpPr>
+        <p:spPr>
+          <a:xfrm>
+            <a:off x="1234179" y="3626447"/>
+            <a:ext cx="1387503" cy="914400"/>
+          </a:xfrm>
+          <a:prstGeom prst="roundRect">
+            <a:avLst/>
+          </a:prstGeom>
+        </p:spPr>
+        <p:style>
+          <a:lnRef idx="1">
+            <a:schemeClr val="accent2"/>
+          </a:lnRef>
+          <a:fillRef idx="2">
+            <a:schemeClr val="accent2"/>
+          </a:fillRef>
+          <a:effectRef idx="1">
+            <a:schemeClr val="accent2"/>
+          </a:effectRef>
+          <a:fontRef idx="minor">
+            <a:schemeClr val="dk1"/>
+          </a:fontRef>
+        </p:style>
+        <p:txBody>
+          <a:bodyPr rtlCol="0" anchor="ctr"/>
+          <a:lstStyle/>
+          <a:p>
+            <a:pPr algn="ctr"/>
+            <a:r>
+              <a:rPr lang="en-GB" sz="900" u="sng" dirty="0"/>
+              <a:t>Thread</a:t>
+            </a:r>
+          </a:p>
+          <a:p>
+            <a:pPr algn="ctr"/>
+            <a:r>
+              <a:rPr lang="en-GB" dirty="0"/>
+              <a:t>Generator</a:t>
+            </a:r>
+            <a:endParaRPr lang="en-GB" sz="800" dirty="0"/>
+          </a:p>
+          <a:p>
+            <a:pPr algn="ctr"/>
+            <a:r>
+              <a:rPr lang="en-GB" sz="900" dirty="0"/>
+              <a:t>Root word</a:t>
+            </a:r>
+            <a:endParaRPr lang="en-GB" dirty="0"/>
+          </a:p>
+        </p:txBody>
+      </p:sp>
+      <p:sp>
+        <p:nvSpPr>
+          <p:cNvPr id="3" name="Arrow: Right 2">
+            <a:extLst>
+              <a:ext uri="{FF2B5EF4-FFF2-40B4-BE49-F238E27FC236}">
+                <a16:creationId xmlns:a16="http://schemas.microsoft.com/office/drawing/2014/main" id="{CC31B8BB-4AF2-4A2B-8D05-6BEFF0F24065}"/>
+              </a:ext>
+            </a:extLst>
+          </p:cNvPr>
+          <p:cNvSpPr/>
+          <p:nvPr/>
+        </p:nvSpPr>
+        <p:spPr>
+          <a:xfrm>
+            <a:off x="2621682" y="2491750"/>
+            <a:ext cx="700549" cy="318052"/>
+          </a:xfrm>
+          <a:prstGeom prst="rightArrow">
+            <a:avLst/>
+          </a:prstGeom>
+        </p:spPr>
+        <p:style>
+          <a:lnRef idx="1">
+            <a:schemeClr val="accent5"/>
+          </a:lnRef>
+          <a:fillRef idx="2">
+            <a:schemeClr val="accent5"/>
+          </a:fillRef>
+          <a:effectRef idx="1">
+            <a:schemeClr val="accent5"/>
+          </a:effectRef>
+          <a:fontRef idx="minor">
+            <a:schemeClr val="dk1"/>
+          </a:fontRef>
+        </p:style>
+        <p:txBody>
+          <a:bodyPr rtlCol="0" anchor="ctr"/>
+          <a:lstStyle/>
+          <a:p>
+            <a:pPr algn="ctr"/>
+            <a:r>
+              <a:rPr lang="en-GB" sz="1400" dirty="0"/>
+              <a:t>Write</a:t>
+            </a:r>
+          </a:p>
+        </p:txBody>
+      </p:sp>
+      <p:sp>
+        <p:nvSpPr>
+          <p:cNvPr id="5" name="Arrow: Circular 4">
+            <a:extLst>
+              <a:ext uri="{FF2B5EF4-FFF2-40B4-BE49-F238E27FC236}">
+                <a16:creationId xmlns:a16="http://schemas.microsoft.com/office/drawing/2014/main" id="{EFC33694-A4D1-4F0A-A515-101B2D4E3387}"/>
+              </a:ext>
+            </a:extLst>
+          </p:cNvPr>
+          <p:cNvSpPr/>
+          <p:nvPr/>
+        </p:nvSpPr>
+        <p:spPr>
+          <a:xfrm rot="5400000" flipV="1">
+            <a:off x="821705" y="2910346"/>
+            <a:ext cx="824947" cy="914403"/>
+          </a:xfrm>
+          <a:prstGeom prst="circularArrow">
+            <a:avLst/>
+          </a:prstGeom>
+        </p:spPr>
+        <p:style>
+          <a:lnRef idx="1">
+            <a:schemeClr val="accent1"/>
+          </a:lnRef>
+          <a:fillRef idx="2">
+            <a:schemeClr val="accent1"/>
+          </a:fillRef>
+          <a:effectRef idx="1">
+            <a:schemeClr val="accent1"/>
+          </a:effectRef>
+          <a:fontRef idx="minor">
+            <a:schemeClr val="dk1"/>
+          </a:fontRef>
+        </p:style>
+        <p:txBody>
+          <a:bodyPr rtlCol="0" anchor="ctr"/>
+          <a:lstStyle/>
+          <a:p>
+            <a:pPr algn="ctr"/>
+            <a:endParaRPr lang="en-GB" sz="1100" dirty="0">
+              <a:solidFill>
+                <a:schemeClr val="tx1"/>
+              </a:solidFill>
+            </a:endParaRPr>
+          </a:p>
+        </p:txBody>
+      </p:sp>
+      <p:sp>
+        <p:nvSpPr>
+          <p:cNvPr id="14" name="TextBox 13">
+            <a:extLst>
+              <a:ext uri="{FF2B5EF4-FFF2-40B4-BE49-F238E27FC236}">
+                <a16:creationId xmlns:a16="http://schemas.microsoft.com/office/drawing/2014/main" id="{8C5F293B-AED2-4F10-8BEA-958387F0620B}"/>
+              </a:ext>
+            </a:extLst>
+          </p:cNvPr>
+          <p:cNvSpPr txBox="1"/>
+          <p:nvPr/>
+        </p:nvSpPr>
+        <p:spPr>
+          <a:xfrm>
+            <a:off x="944618" y="3229047"/>
+            <a:ext cx="579120" cy="276999"/>
+          </a:xfrm>
+          <a:prstGeom prst="rect">
+            <a:avLst/>
+          </a:prstGeom>
+          <a:noFill/>
+        </p:spPr>
+        <p:txBody>
+          <a:bodyPr wrap="square" rtlCol="0">
+            <a:spAutoFit/>
+          </a:bodyPr>
+          <a:lstStyle/>
+          <a:p>
+            <a:r>
+              <a:rPr lang="en-GB" sz="1200" dirty="0"/>
+              <a:t>Signal</a:t>
+            </a:r>
+          </a:p>
+        </p:txBody>
+      </p:sp>
+      <p:sp>
+        <p:nvSpPr>
+          <p:cNvPr id="15" name="Arrow: Circular 14">
+            <a:extLst>
+              <a:ext uri="{FF2B5EF4-FFF2-40B4-BE49-F238E27FC236}">
+                <a16:creationId xmlns:a16="http://schemas.microsoft.com/office/drawing/2014/main" id="{E763A76C-6664-4DE4-87AA-DDB7189F368E}"/>
+              </a:ext>
+            </a:extLst>
+          </p:cNvPr>
+          <p:cNvSpPr/>
+          <p:nvPr/>
+        </p:nvSpPr>
+        <p:spPr>
+          <a:xfrm rot="16200000" flipV="1">
+            <a:off x="2193310" y="2910346"/>
+            <a:ext cx="824947" cy="914403"/>
+          </a:xfrm>
+          <a:prstGeom prst="circularArrow">
+            <a:avLst/>
+          </a:prstGeom>
+        </p:spPr>
+        <p:style>
+          <a:lnRef idx="1">
+            <a:schemeClr val="accent1"/>
+          </a:lnRef>
+          <a:fillRef idx="2">
+            <a:schemeClr val="accent1"/>
+          </a:fillRef>
+          <a:effectRef idx="1">
+            <a:schemeClr val="accent1"/>
+          </a:effectRef>
+          <a:fontRef idx="minor">
+            <a:schemeClr val="dk1"/>
+          </a:fontRef>
+        </p:style>
+        <p:txBody>
+          <a:bodyPr rtlCol="0" anchor="ctr"/>
+          <a:lstStyle/>
+          <a:p>
+            <a:pPr algn="ctr"/>
+            <a:endParaRPr lang="en-GB" sz="1100" dirty="0">
+              <a:solidFill>
+                <a:schemeClr val="tx1"/>
+              </a:solidFill>
+            </a:endParaRPr>
+          </a:p>
+        </p:txBody>
+      </p:sp>
+      <p:sp>
+        <p:nvSpPr>
+          <p:cNvPr id="16" name="TextBox 15">
+            <a:extLst>
+              <a:ext uri="{FF2B5EF4-FFF2-40B4-BE49-F238E27FC236}">
+                <a16:creationId xmlns:a16="http://schemas.microsoft.com/office/drawing/2014/main" id="{F0FD15F2-AA9D-4A95-9529-4728581033E3}"/>
+              </a:ext>
+            </a:extLst>
+          </p:cNvPr>
+          <p:cNvSpPr txBox="1"/>
+          <p:nvPr/>
+        </p:nvSpPr>
+        <p:spPr>
+          <a:xfrm>
+            <a:off x="2234153" y="3229047"/>
+            <a:ext cx="661190" cy="276999"/>
+          </a:xfrm>
+          <a:prstGeom prst="rect">
+            <a:avLst/>
+          </a:prstGeom>
+          <a:noFill/>
+        </p:spPr>
+        <p:txBody>
+          <a:bodyPr wrap="square" rtlCol="0">
+            <a:spAutoFit/>
+          </a:bodyPr>
+          <a:lstStyle/>
+          <a:p>
+            <a:r>
+              <a:rPr lang="en-GB" sz="1200" dirty="0"/>
+              <a:t>Update</a:t>
+            </a:r>
+          </a:p>
+        </p:txBody>
+      </p:sp>
+      <p:sp>
+        <p:nvSpPr>
+          <p:cNvPr id="18" name="Arrow: Right 17">
+            <a:extLst>
+              <a:ext uri="{FF2B5EF4-FFF2-40B4-BE49-F238E27FC236}">
+                <a16:creationId xmlns:a16="http://schemas.microsoft.com/office/drawing/2014/main" id="{A24CB15A-4B8C-4DAE-A401-877BDF5EB88F}"/>
+              </a:ext>
+            </a:extLst>
+          </p:cNvPr>
+          <p:cNvSpPr/>
+          <p:nvPr/>
+        </p:nvSpPr>
+        <p:spPr>
+          <a:xfrm>
+            <a:off x="4709734" y="2491750"/>
+            <a:ext cx="700549" cy="318052"/>
+          </a:xfrm>
+          <a:prstGeom prst="rightArrow">
+            <a:avLst/>
+          </a:prstGeom>
+        </p:spPr>
+        <p:style>
+          <a:lnRef idx="1">
+            <a:schemeClr val="accent5"/>
+          </a:lnRef>
+          <a:fillRef idx="2">
+            <a:schemeClr val="accent5"/>
+          </a:fillRef>
+          <a:effectRef idx="1">
+            <a:schemeClr val="accent5"/>
+          </a:effectRef>
+          <a:fontRef idx="minor">
+            <a:schemeClr val="dk1"/>
+          </a:fontRef>
+        </p:style>
+        <p:txBody>
+          <a:bodyPr rtlCol="0" anchor="ctr"/>
+          <a:lstStyle/>
+          <a:p>
+            <a:pPr algn="ctr"/>
+            <a:r>
+              <a:rPr lang="en-GB" sz="1400" dirty="0"/>
+              <a:t>Read</a:t>
+            </a:r>
+          </a:p>
+        </p:txBody>
+      </p:sp>
+      <p:sp>
+        <p:nvSpPr>
+          <p:cNvPr id="21" name="Rectangle: Rounded Corners 20">
+            <a:extLst>
+              <a:ext uri="{FF2B5EF4-FFF2-40B4-BE49-F238E27FC236}">
+                <a16:creationId xmlns:a16="http://schemas.microsoft.com/office/drawing/2014/main" id="{612BA9F7-F279-4A07-9B4A-D02776A0C376}"/>
+              </a:ext>
+            </a:extLst>
+          </p:cNvPr>
+          <p:cNvSpPr/>
+          <p:nvPr/>
+        </p:nvSpPr>
+        <p:spPr>
+          <a:xfrm>
+            <a:off x="5410283" y="2194247"/>
+            <a:ext cx="1387503" cy="914400"/>
+          </a:xfrm>
+          <a:prstGeom prst="roundRect">
+            <a:avLst/>
+          </a:prstGeom>
+        </p:spPr>
+        <p:style>
+          <a:lnRef idx="1">
+            <a:schemeClr val="accent2"/>
+          </a:lnRef>
+          <a:fillRef idx="2">
+            <a:schemeClr val="accent2"/>
+          </a:fillRef>
+          <a:effectRef idx="1">
+            <a:schemeClr val="accent2"/>
+          </a:effectRef>
+          <a:fontRef idx="minor">
+            <a:schemeClr val="dk1"/>
+          </a:fontRef>
+        </p:style>
+        <p:txBody>
+          <a:bodyPr rtlCol="0" anchor="ctr"/>
+          <a:lstStyle/>
+          <a:p>
+            <a:pPr algn="ctr"/>
+            <a:r>
+              <a:rPr lang="en-GB" sz="900" u="sng" dirty="0"/>
+              <a:t>Thread</a:t>
+            </a:r>
+          </a:p>
+          <a:p>
+            <a:pPr algn="ctr"/>
+            <a:r>
+              <a:rPr lang="en-GB" dirty="0"/>
+              <a:t>Perform Hash</a:t>
+            </a:r>
+            <a:endParaRPr lang="en-GB" sz="800" dirty="0"/>
+          </a:p>
+        </p:txBody>
+      </p:sp>
+      <p:sp>
+        <p:nvSpPr>
+          <p:cNvPr id="22" name="Rectangle 21">
+            <a:extLst>
+              <a:ext uri="{FF2B5EF4-FFF2-40B4-BE49-F238E27FC236}">
+                <a16:creationId xmlns:a16="http://schemas.microsoft.com/office/drawing/2014/main" id="{1BC80D9C-FB92-46B2-90AF-53577A7BE643}"/>
+              </a:ext>
+            </a:extLst>
+          </p:cNvPr>
+          <p:cNvSpPr/>
+          <p:nvPr/>
+        </p:nvSpPr>
+        <p:spPr>
+          <a:xfrm>
+            <a:off x="7498334" y="2250419"/>
+            <a:ext cx="1387503" cy="704655"/>
           </a:xfrm>
           <a:prstGeom prst="rect">
             <a:avLst/>
@@ -6221,16 +14593,27 @@
           <a:lstStyle/>
           <a:p>
             <a:pPr algn="ctr"/>
-            <a:endParaRPr lang="en-GB"/>
+            <a:r>
+              <a:rPr lang="en-GB" sz="900" u="sng" dirty="0"/>
+              <a:t>Channel</a:t>
+            </a:r>
+          </a:p>
+          <a:p>
+            <a:pPr algn="ctr"/>
+            <a:r>
+              <a:rPr lang="en-GB" dirty="0"/>
+              <a:t>Password Hash Pair</a:t>
+            </a:r>
+            <a:endParaRPr lang="en-GB" sz="800" dirty="0"/>
           </a:p>
         </p:txBody>
       </p:sp>
       <p:sp>
         <p:nvSpPr>
-          <p:cNvPr id="11" name="Rectangle: Rounded Corners 10">
+          <p:cNvPr id="23" name="Arrow: Right 22">
             <a:extLst>
               <a:ext uri="{FF2B5EF4-FFF2-40B4-BE49-F238E27FC236}">
-                <a16:creationId xmlns:a16="http://schemas.microsoft.com/office/drawing/2014/main" id="{93C5EA07-6680-4EE2-B3DC-6583F8A0A983}"/>
+                <a16:creationId xmlns:a16="http://schemas.microsoft.com/office/drawing/2014/main" id="{0F47D9FD-6AB5-4ECB-B8D0-CE8B69983D63}"/>
               </a:ext>
             </a:extLst>
           </p:cNvPr>
@@ -6239,8 +14622,102 @@
         </p:nvSpPr>
         <p:spPr>
           <a:xfrm>
-            <a:off x="1097280" y="2790333"/>
-            <a:ext cx="914400" cy="914400"/>
+            <a:off x="6797785" y="2491750"/>
+            <a:ext cx="700549" cy="318052"/>
+          </a:xfrm>
+          <a:prstGeom prst="rightArrow">
+            <a:avLst/>
+          </a:prstGeom>
+        </p:spPr>
+        <p:style>
+          <a:lnRef idx="1">
+            <a:schemeClr val="accent5"/>
+          </a:lnRef>
+          <a:fillRef idx="2">
+            <a:schemeClr val="accent5"/>
+          </a:fillRef>
+          <a:effectRef idx="1">
+            <a:schemeClr val="accent5"/>
+          </a:effectRef>
+          <a:fontRef idx="minor">
+            <a:schemeClr val="dk1"/>
+          </a:fontRef>
+        </p:style>
+        <p:txBody>
+          <a:bodyPr rtlCol="0" anchor="ctr"/>
+          <a:lstStyle/>
+          <a:p>
+            <a:pPr algn="ctr"/>
+            <a:r>
+              <a:rPr lang="en-GB" sz="1400" dirty="0"/>
+              <a:t>Write</a:t>
+            </a:r>
+          </a:p>
+        </p:txBody>
+      </p:sp>
+      <p:sp>
+        <p:nvSpPr>
+          <p:cNvPr id="24" name="Arrow: Right 23">
+            <a:extLst>
+              <a:ext uri="{FF2B5EF4-FFF2-40B4-BE49-F238E27FC236}">
+                <a16:creationId xmlns:a16="http://schemas.microsoft.com/office/drawing/2014/main" id="{6948ACD7-97E6-4E29-9903-C3462677793F}"/>
+              </a:ext>
+            </a:extLst>
+          </p:cNvPr>
+          <p:cNvSpPr/>
+          <p:nvPr/>
+        </p:nvSpPr>
+        <p:spPr>
+          <a:xfrm flipH="1">
+            <a:off x="8885837" y="3973322"/>
+            <a:ext cx="700549" cy="318052"/>
+          </a:xfrm>
+          <a:prstGeom prst="rightArrow">
+            <a:avLst/>
+          </a:prstGeom>
+        </p:spPr>
+        <p:style>
+          <a:lnRef idx="1">
+            <a:schemeClr val="accent5"/>
+          </a:lnRef>
+          <a:fillRef idx="2">
+            <a:schemeClr val="accent5"/>
+          </a:fillRef>
+          <a:effectRef idx="1">
+            <a:schemeClr val="accent5"/>
+          </a:effectRef>
+          <a:fontRef idx="minor">
+            <a:schemeClr val="dk1"/>
+          </a:fontRef>
+        </p:style>
+        <p:txBody>
+          <a:bodyPr rtlCol="0" anchor="ctr"/>
+          <a:lstStyle/>
+          <a:p>
+            <a:pPr algn="ctr"/>
+            <a:r>
+              <a:rPr lang="en-GB" sz="1400" dirty="0"/>
+              <a:t>Read</a:t>
+            </a:r>
+          </a:p>
+        </p:txBody>
+      </p:sp>
+      <p:sp>
+        <p:nvSpPr>
+          <p:cNvPr id="25" name="Rectangle: Rounded Corners 24">
+            <a:extLst>
+              <a:ext uri="{FF2B5EF4-FFF2-40B4-BE49-F238E27FC236}">
+                <a16:creationId xmlns:a16="http://schemas.microsoft.com/office/drawing/2014/main" id="{2D25F050-21CE-49FE-A0D5-A4C1CF1898CA}"/>
+              </a:ext>
+            </a:extLst>
+          </p:cNvPr>
+          <p:cNvSpPr/>
+          <p:nvPr/>
+        </p:nvSpPr>
+        <p:spPr>
+          <a:xfrm>
+            <a:off x="9586386" y="2193576"/>
+            <a:ext cx="1387503" cy="914400"/>
           </a:xfrm>
           <a:prstGeom prst="roundRect">
             <a:avLst/>
@@ -6265,7 +14742,512 @@
           <a:lstStyle/>
           <a:p>
             <a:pPr algn="ctr"/>
-            <a:endParaRPr lang="en-GB"/>
+            <a:r>
+              <a:rPr lang="en-GB" sz="900" u="sng" dirty="0"/>
+              <a:t>Thread</a:t>
+            </a:r>
+          </a:p>
+          <a:p>
+            <a:pPr algn="ctr"/>
+            <a:r>
+              <a:rPr lang="en-GB" sz="1600" dirty="0"/>
+              <a:t>Compare Hash to Target</a:t>
+            </a:r>
+            <a:endParaRPr lang="en-GB" sz="700" dirty="0"/>
+          </a:p>
+        </p:txBody>
+      </p:sp>
+      <p:sp>
+        <p:nvSpPr>
+          <p:cNvPr id="26" name="Rectangle 25">
+            <a:extLst>
+              <a:ext uri="{FF2B5EF4-FFF2-40B4-BE49-F238E27FC236}">
+                <a16:creationId xmlns:a16="http://schemas.microsoft.com/office/drawing/2014/main" id="{798BEFFE-E65D-431F-B4C4-CD7CC0EAA5D6}"/>
+              </a:ext>
+            </a:extLst>
+          </p:cNvPr>
+          <p:cNvSpPr/>
+          <p:nvPr/>
+        </p:nvSpPr>
+        <p:spPr>
+          <a:xfrm>
+            <a:off x="9586384" y="3780021"/>
+            <a:ext cx="1387503" cy="704655"/>
+          </a:xfrm>
+          <a:prstGeom prst="rect">
+            <a:avLst/>
+          </a:prstGeom>
+        </p:spPr>
+        <p:style>
+          <a:lnRef idx="1">
+            <a:schemeClr val="accent3"/>
+          </a:lnRef>
+          <a:fillRef idx="2">
+            <a:schemeClr val="accent3"/>
+          </a:fillRef>
+          <a:effectRef idx="1">
+            <a:schemeClr val="accent3"/>
+          </a:effectRef>
+          <a:fontRef idx="minor">
+            <a:schemeClr val="dk1"/>
+          </a:fontRef>
+        </p:style>
+        <p:txBody>
+          <a:bodyPr rtlCol="0" anchor="ctr"/>
+          <a:lstStyle/>
+          <a:p>
+            <a:pPr algn="ctr"/>
+            <a:r>
+              <a:rPr lang="en-GB" sz="900" u="sng" dirty="0"/>
+              <a:t>Channel</a:t>
+            </a:r>
+          </a:p>
+          <a:p>
+            <a:pPr algn="ctr"/>
+            <a:r>
+              <a:rPr lang="en-GB" dirty="0"/>
+              <a:t>Found Password</a:t>
+            </a:r>
+            <a:endParaRPr lang="en-GB" sz="800" dirty="0"/>
+          </a:p>
+        </p:txBody>
+      </p:sp>
+      <p:sp>
+        <p:nvSpPr>
+          <p:cNvPr id="28" name="Arrow: Right 27">
+            <a:extLst>
+              <a:ext uri="{FF2B5EF4-FFF2-40B4-BE49-F238E27FC236}">
+                <a16:creationId xmlns:a16="http://schemas.microsoft.com/office/drawing/2014/main" id="{DB5F5600-0D9D-4686-A0EC-CC990D2D643F}"/>
+              </a:ext>
+            </a:extLst>
+          </p:cNvPr>
+          <p:cNvSpPr/>
+          <p:nvPr/>
+        </p:nvSpPr>
+        <p:spPr>
+          <a:xfrm rot="5400000">
+            <a:off x="9944113" y="3284975"/>
+            <a:ext cx="672046" cy="318052"/>
+          </a:xfrm>
+          <a:prstGeom prst="rightArrow">
+            <a:avLst/>
+          </a:prstGeom>
+        </p:spPr>
+        <p:style>
+          <a:lnRef idx="1">
+            <a:schemeClr val="accent5"/>
+          </a:lnRef>
+          <a:fillRef idx="2">
+            <a:schemeClr val="accent5"/>
+          </a:fillRef>
+          <a:effectRef idx="1">
+            <a:schemeClr val="accent5"/>
+          </a:effectRef>
+          <a:fontRef idx="minor">
+            <a:schemeClr val="dk1"/>
+          </a:fontRef>
+        </p:style>
+        <p:txBody>
+          <a:bodyPr rtlCol="0" anchor="ctr"/>
+          <a:lstStyle/>
+          <a:p>
+            <a:pPr algn="ctr"/>
+            <a:r>
+              <a:rPr lang="en-GB" sz="1400" dirty="0"/>
+              <a:t>Write</a:t>
+            </a:r>
+          </a:p>
+        </p:txBody>
+      </p:sp>
+      <p:sp>
+        <p:nvSpPr>
+          <p:cNvPr id="29" name="Arrow: Right 28">
+            <a:extLst>
+              <a:ext uri="{FF2B5EF4-FFF2-40B4-BE49-F238E27FC236}">
+                <a16:creationId xmlns:a16="http://schemas.microsoft.com/office/drawing/2014/main" id="{AFA17970-D04E-4FDB-8A1F-41AEF5FED8DB}"/>
+              </a:ext>
+            </a:extLst>
+          </p:cNvPr>
+          <p:cNvSpPr/>
+          <p:nvPr/>
+        </p:nvSpPr>
+        <p:spPr>
+          <a:xfrm>
+            <a:off x="8885835" y="2503531"/>
+            <a:ext cx="700549" cy="318052"/>
+          </a:xfrm>
+          <a:prstGeom prst="rightArrow">
+            <a:avLst/>
+          </a:prstGeom>
+        </p:spPr>
+        <p:style>
+          <a:lnRef idx="1">
+            <a:schemeClr val="accent5"/>
+          </a:lnRef>
+          <a:fillRef idx="2">
+            <a:schemeClr val="accent5"/>
+          </a:fillRef>
+          <a:effectRef idx="1">
+            <a:schemeClr val="accent5"/>
+          </a:effectRef>
+          <a:fontRef idx="minor">
+            <a:schemeClr val="dk1"/>
+          </a:fontRef>
+        </p:style>
+        <p:txBody>
+          <a:bodyPr rtlCol="0" anchor="ctr"/>
+          <a:lstStyle/>
+          <a:p>
+            <a:pPr algn="ctr"/>
+            <a:r>
+              <a:rPr lang="en-GB" sz="1400" dirty="0"/>
+              <a:t>Read</a:t>
+            </a:r>
+          </a:p>
+        </p:txBody>
+      </p:sp>
+      <p:sp>
+        <p:nvSpPr>
+          <p:cNvPr id="30" name="Rectangle: Rounded Corners 29">
+            <a:extLst>
+              <a:ext uri="{FF2B5EF4-FFF2-40B4-BE49-F238E27FC236}">
+                <a16:creationId xmlns:a16="http://schemas.microsoft.com/office/drawing/2014/main" id="{97ADC845-3E76-4EF4-9AEA-1C7615DEEC25}"/>
+              </a:ext>
+            </a:extLst>
+          </p:cNvPr>
+          <p:cNvSpPr/>
+          <p:nvPr/>
+        </p:nvSpPr>
+        <p:spPr>
+          <a:xfrm>
+            <a:off x="7498332" y="3675148"/>
+            <a:ext cx="1387503" cy="914400"/>
+          </a:xfrm>
+          <a:prstGeom prst="roundRect">
+            <a:avLst/>
+          </a:prstGeom>
+        </p:spPr>
+        <p:style>
+          <a:lnRef idx="1">
+            <a:schemeClr val="accent2"/>
+          </a:lnRef>
+          <a:fillRef idx="2">
+            <a:schemeClr val="accent2"/>
+          </a:fillRef>
+          <a:effectRef idx="1">
+            <a:schemeClr val="accent2"/>
+          </a:effectRef>
+          <a:fontRef idx="minor">
+            <a:schemeClr val="dk1"/>
+          </a:fontRef>
+        </p:style>
+        <p:txBody>
+          <a:bodyPr rtlCol="0" anchor="ctr"/>
+          <a:lstStyle/>
+          <a:p>
+            <a:pPr algn="ctr"/>
+            <a:r>
+              <a:rPr lang="en-GB" sz="900" u="sng" dirty="0"/>
+              <a:t>Thread</a:t>
+            </a:r>
+            <a:endParaRPr lang="en-GB" sz="800" u="sng" dirty="0"/>
+          </a:p>
+          <a:p>
+            <a:pPr algn="ctr"/>
+            <a:r>
+              <a:rPr lang="en-GB" sz="1600" dirty="0"/>
+              <a:t>Wait for end of Search</a:t>
+            </a:r>
+          </a:p>
+        </p:txBody>
+      </p:sp>
+      <p:sp>
+        <p:nvSpPr>
+          <p:cNvPr id="31" name="Oval 30">
+            <a:extLst>
+              <a:ext uri="{FF2B5EF4-FFF2-40B4-BE49-F238E27FC236}">
+                <a16:creationId xmlns:a16="http://schemas.microsoft.com/office/drawing/2014/main" id="{545E888B-52ED-4956-9664-7B91775A7646}"/>
+              </a:ext>
+            </a:extLst>
+          </p:cNvPr>
+          <p:cNvSpPr/>
+          <p:nvPr/>
+        </p:nvSpPr>
+        <p:spPr>
+          <a:xfrm>
+            <a:off x="1228736" y="4997735"/>
+            <a:ext cx="1387503" cy="641023"/>
+          </a:xfrm>
+          <a:prstGeom prst="ellipse">
+            <a:avLst/>
+          </a:prstGeom>
+        </p:spPr>
+        <p:style>
+          <a:lnRef idx="1">
+            <a:schemeClr val="dk1"/>
+          </a:lnRef>
+          <a:fillRef idx="2">
+            <a:schemeClr val="dk1"/>
+          </a:fillRef>
+          <a:effectRef idx="1">
+            <a:schemeClr val="dk1"/>
+          </a:effectRef>
+          <a:fontRef idx="minor">
+            <a:schemeClr val="dk1"/>
+          </a:fontRef>
+        </p:style>
+        <p:txBody>
+          <a:bodyPr rtlCol="0" anchor="ctr"/>
+          <a:lstStyle/>
+          <a:p>
+            <a:pPr algn="ctr"/>
+            <a:r>
+              <a:rPr lang="en-GB" dirty="0"/>
+              <a:t>Begin</a:t>
+            </a:r>
+          </a:p>
+          <a:p>
+            <a:pPr algn="ctr"/>
+            <a:r>
+              <a:rPr lang="en-GB" sz="1100" dirty="0"/>
+              <a:t>Provide Hash</a:t>
+            </a:r>
+          </a:p>
+        </p:txBody>
+      </p:sp>
+      <p:sp>
+        <p:nvSpPr>
+          <p:cNvPr id="33" name="Oval 32">
+            <a:extLst>
+              <a:ext uri="{FF2B5EF4-FFF2-40B4-BE49-F238E27FC236}">
+                <a16:creationId xmlns:a16="http://schemas.microsoft.com/office/drawing/2014/main" id="{365B919E-051D-40A3-A301-DAB594B5CDF1}"/>
+              </a:ext>
+            </a:extLst>
+          </p:cNvPr>
+          <p:cNvSpPr/>
+          <p:nvPr/>
+        </p:nvSpPr>
+        <p:spPr>
+          <a:xfrm>
+            <a:off x="7498332" y="4997735"/>
+            <a:ext cx="1387503" cy="641023"/>
+          </a:xfrm>
+          <a:prstGeom prst="ellipse">
+            <a:avLst/>
+          </a:prstGeom>
+        </p:spPr>
+        <p:style>
+          <a:lnRef idx="1">
+            <a:schemeClr val="dk1"/>
+          </a:lnRef>
+          <a:fillRef idx="2">
+            <a:schemeClr val="dk1"/>
+          </a:fillRef>
+          <a:effectRef idx="1">
+            <a:schemeClr val="dk1"/>
+          </a:effectRef>
+          <a:fontRef idx="minor">
+            <a:schemeClr val="dk1"/>
+          </a:fontRef>
+        </p:style>
+        <p:txBody>
+          <a:bodyPr rtlCol="0" anchor="ctr"/>
+          <a:lstStyle/>
+          <a:p>
+            <a:pPr algn="ctr"/>
+            <a:r>
+              <a:rPr lang="en-GB" dirty="0"/>
+              <a:t>End</a:t>
+            </a:r>
+          </a:p>
+          <a:p>
+            <a:pPr algn="ctr"/>
+            <a:r>
+              <a:rPr lang="en-GB" sz="900" dirty="0"/>
+              <a:t>Return Password</a:t>
+            </a:r>
+          </a:p>
+        </p:txBody>
+      </p:sp>
+      <p:cxnSp>
+        <p:nvCxnSpPr>
+          <p:cNvPr id="35" name="Straight Arrow Connector 34">
+            <a:extLst>
+              <a:ext uri="{FF2B5EF4-FFF2-40B4-BE49-F238E27FC236}">
+                <a16:creationId xmlns:a16="http://schemas.microsoft.com/office/drawing/2014/main" id="{2A6FDD94-A7B5-440B-BDF8-FDC487BA2661}"/>
+              </a:ext>
+            </a:extLst>
+          </p:cNvPr>
+          <p:cNvCxnSpPr>
+            <a:stCxn id="31" idx="0"/>
+            <a:endCxn id="7" idx="2"/>
+          </p:cNvCxnSpPr>
+          <p:nvPr/>
+        </p:nvCxnSpPr>
+        <p:spPr>
+          <a:xfrm flipV="1">
+            <a:off x="1922488" y="4540847"/>
+            <a:ext cx="5443" cy="456888"/>
+          </a:xfrm>
+          <a:prstGeom prst="straightConnector1">
+            <a:avLst/>
+          </a:prstGeom>
+          <a:ln>
+            <a:tailEnd type="triangle"/>
+          </a:ln>
+        </p:spPr>
+        <p:style>
+          <a:lnRef idx="1">
+            <a:schemeClr val="dk1"/>
+          </a:lnRef>
+          <a:fillRef idx="0">
+            <a:schemeClr val="dk1"/>
+          </a:fillRef>
+          <a:effectRef idx="0">
+            <a:schemeClr val="dk1"/>
+          </a:effectRef>
+          <a:fontRef idx="minor">
+            <a:schemeClr val="tx1"/>
+          </a:fontRef>
+        </p:style>
+      </p:cxnSp>
+      <p:cxnSp>
+        <p:nvCxnSpPr>
+          <p:cNvPr id="40" name="Straight Arrow Connector 39">
+            <a:extLst>
+              <a:ext uri="{FF2B5EF4-FFF2-40B4-BE49-F238E27FC236}">
+                <a16:creationId xmlns:a16="http://schemas.microsoft.com/office/drawing/2014/main" id="{CA0CE634-38A4-4347-9CDF-D6C2482F81A4}"/>
+              </a:ext>
+            </a:extLst>
+          </p:cNvPr>
+          <p:cNvCxnSpPr>
+            <a:stCxn id="30" idx="2"/>
+            <a:endCxn id="33" idx="0"/>
+          </p:cNvCxnSpPr>
+          <p:nvPr/>
+        </p:nvCxnSpPr>
+        <p:spPr>
+          <a:xfrm>
+            <a:off x="8192084" y="4589548"/>
+            <a:ext cx="0" cy="408187"/>
+          </a:xfrm>
+          <a:prstGeom prst="straightConnector1">
+            <a:avLst/>
+          </a:prstGeom>
+          <a:ln>
+            <a:tailEnd type="triangle"/>
+          </a:ln>
+        </p:spPr>
+        <p:style>
+          <a:lnRef idx="1">
+            <a:schemeClr val="dk1"/>
+          </a:lnRef>
+          <a:fillRef idx="0">
+            <a:schemeClr val="dk1"/>
+          </a:fillRef>
+          <a:effectRef idx="0">
+            <a:schemeClr val="dk1"/>
+          </a:effectRef>
+          <a:fontRef idx="minor">
+            <a:schemeClr val="tx1"/>
+          </a:fontRef>
+        </p:style>
+      </p:cxnSp>
+      <p:sp>
+        <p:nvSpPr>
+          <p:cNvPr id="42" name="Rectangle 41">
+            <a:extLst>
+              <a:ext uri="{FF2B5EF4-FFF2-40B4-BE49-F238E27FC236}">
+                <a16:creationId xmlns:a16="http://schemas.microsoft.com/office/drawing/2014/main" id="{1F63A2FC-00BA-4688-9AB2-7D352683F4E1}"/>
+              </a:ext>
+            </a:extLst>
+          </p:cNvPr>
+          <p:cNvSpPr/>
+          <p:nvPr/>
+        </p:nvSpPr>
+        <p:spPr>
+          <a:xfrm>
+            <a:off x="1602996" y="3168847"/>
+            <a:ext cx="638981" cy="397400"/>
+          </a:xfrm>
+          <a:prstGeom prst="rect">
+            <a:avLst/>
+          </a:prstGeom>
+        </p:spPr>
+        <p:style>
+          <a:lnRef idx="1">
+            <a:schemeClr val="accent1"/>
+          </a:lnRef>
+          <a:fillRef idx="2">
+            <a:schemeClr val="accent1"/>
+          </a:fillRef>
+          <a:effectRef idx="1">
+            <a:schemeClr val="accent1"/>
+          </a:effectRef>
+          <a:fontRef idx="minor">
+            <a:schemeClr val="dk1"/>
+          </a:fontRef>
+        </p:style>
+        <p:txBody>
+          <a:bodyPr rtlCol="0" anchor="ctr"/>
+          <a:lstStyle/>
+          <a:p>
+            <a:pPr algn="ctr"/>
+            <a:r>
+              <a:rPr lang="en-GB" sz="1200" dirty="0">
+                <a:solidFill>
+                  <a:schemeClr val="tx1"/>
+                </a:solidFill>
+              </a:rPr>
+              <a:t>Barrier</a:t>
+            </a:r>
+          </a:p>
+        </p:txBody>
+      </p:sp>
+      <p:sp>
+        <p:nvSpPr>
+          <p:cNvPr id="43" name="Rectangle 42">
+            <a:extLst>
+              <a:ext uri="{FF2B5EF4-FFF2-40B4-BE49-F238E27FC236}">
+                <a16:creationId xmlns:a16="http://schemas.microsoft.com/office/drawing/2014/main" id="{916DAEF8-92FC-47BC-8E1A-0DEEF55DA2BB}"/>
+              </a:ext>
+            </a:extLst>
+          </p:cNvPr>
+          <p:cNvSpPr/>
+          <p:nvPr/>
+        </p:nvSpPr>
+        <p:spPr>
+          <a:xfrm>
+            <a:off x="10439162" y="3309400"/>
+            <a:ext cx="879103" cy="196646"/>
+          </a:xfrm>
+          <a:prstGeom prst="rect">
+            <a:avLst/>
+          </a:prstGeom>
+        </p:spPr>
+        <p:style>
+          <a:lnRef idx="1">
+            <a:schemeClr val="accent6"/>
+          </a:lnRef>
+          <a:fillRef idx="2">
+            <a:schemeClr val="accent6"/>
+          </a:fillRef>
+          <a:effectRef idx="1">
+            <a:schemeClr val="accent6"/>
+          </a:effectRef>
+          <a:fontRef idx="minor">
+            <a:schemeClr val="dk1"/>
+          </a:fontRef>
+        </p:style>
+        <p:txBody>
+          <a:bodyPr rtlCol="0" anchor="ctr"/>
+          <a:lstStyle/>
+          <a:p>
+            <a:pPr algn="ctr"/>
+            <a:r>
+              <a:rPr lang="en-GB" sz="1400" dirty="0"/>
+              <a:t>If Match</a:t>
+            </a:r>
           </a:p>
         </p:txBody>
       </p:sp>
@@ -6273,6 +15255,217 @@
     <p:extLst>
       <p:ext uri="{BB962C8B-B14F-4D97-AF65-F5344CB8AC3E}">
         <p14:creationId xmlns:p14="http://schemas.microsoft.com/office/powerpoint/2010/main" val="3433974004"/>
+      </p:ext>
+    </p:extLst>
+  </p:cSld>
+  <p:clrMapOvr>
+    <a:masterClrMapping/>
+  </p:clrMapOvr>
+</p:sld>
+</file>
+
+<file path=ppt/slides/slide9.xml><?xml version="1.0" encoding="utf-8"?>
+<p:sld xmlns:a="http://schemas.openxmlformats.org/drawingml/2006/main" xmlns:r="http://schemas.openxmlformats.org/officeDocument/2006/relationships" xmlns:p="http://schemas.openxmlformats.org/presentationml/2006/main">
+  <p:cSld>
+    <p:spTree>
+      <p:nvGrpSpPr>
+        <p:cNvPr id="1" name=""/>
+        <p:cNvGrpSpPr/>
+        <p:nvPr/>
+      </p:nvGrpSpPr>
+      <p:grpSpPr>
+        <a:xfrm>
+          <a:off x="0" y="0"/>
+          <a:ext cx="0" cy="0"/>
+          <a:chOff x="0" y="0"/>
+          <a:chExt cx="0" cy="0"/>
+        </a:xfrm>
+      </p:grpSpPr>
+      <p:sp>
+        <p:nvSpPr>
+          <p:cNvPr id="2" name="Title 1">
+            <a:extLst>
+              <a:ext uri="{FF2B5EF4-FFF2-40B4-BE49-F238E27FC236}">
+                <a16:creationId xmlns:a16="http://schemas.microsoft.com/office/drawing/2014/main" id="{78FC37A0-451B-4637-AB76-0CD6858DDF94}"/>
+              </a:ext>
+            </a:extLst>
+          </p:cNvPr>
+          <p:cNvSpPr>
+            <a:spLocks noGrp="1"/>
+          </p:cNvSpPr>
+          <p:nvPr>
+            <p:ph type="title"/>
+          </p:nvPr>
+        </p:nvSpPr>
+        <p:spPr/>
+        <p:txBody>
+          <a:bodyPr/>
+          <a:lstStyle/>
+          <a:p>
+            <a:r>
+              <a:rPr lang="en-GB"/>
+              <a:t>Thread managing tools</a:t>
+            </a:r>
+            <a:endParaRPr lang="en-GB" dirty="0"/>
+          </a:p>
+        </p:txBody>
+      </p:sp>
+      <p:sp>
+        <p:nvSpPr>
+          <p:cNvPr id="3" name="Content Placeholder 2">
+            <a:extLst>
+              <a:ext uri="{FF2B5EF4-FFF2-40B4-BE49-F238E27FC236}">
+                <a16:creationId xmlns:a16="http://schemas.microsoft.com/office/drawing/2014/main" id="{034395C0-1CA2-4E49-9561-82F4510B62C3}"/>
+              </a:ext>
+            </a:extLst>
+          </p:cNvPr>
+          <p:cNvSpPr>
+            <a:spLocks noGrp="1"/>
+          </p:cNvSpPr>
+          <p:nvPr>
+            <p:ph idx="1"/>
+          </p:nvPr>
+        </p:nvSpPr>
+        <p:spPr/>
+        <p:txBody>
+          <a:bodyPr/>
+          <a:lstStyle/>
+          <a:p>
+            <a:r>
+              <a:rPr lang="en-GB"/>
+              <a:t>Need:</a:t>
+            </a:r>
+          </a:p>
+          <a:p>
+            <a:pPr lvl="1"/>
+            <a:r>
+              <a:rPr lang="en-GB"/>
+              <a:t>Barrier</a:t>
+            </a:r>
+          </a:p>
+          <a:p>
+            <a:pPr lvl="2"/>
+            <a:r>
+              <a:rPr lang="en-GB"/>
+              <a:t>Suspends </a:t>
+            </a:r>
+            <a:r>
+              <a:rPr lang="en-GB" dirty="0"/>
+              <a:t>threads that reach barrier until specified number of threads reach barrier, at which point all are awoken</a:t>
+            </a:r>
+          </a:p>
+          <a:p>
+            <a:pPr lvl="1"/>
+            <a:r>
+              <a:rPr lang="en-GB"/>
+              <a:t>Channel</a:t>
+            </a:r>
+          </a:p>
+          <a:p>
+            <a:pPr lvl="2"/>
+            <a:r>
+              <a:rPr lang="en-GB"/>
+              <a:t>Pipe </a:t>
+            </a:r>
+            <a:r>
+              <a:rPr lang="en-GB" dirty="0"/>
+              <a:t>to pass data between threads</a:t>
+            </a:r>
+          </a:p>
+          <a:p>
+            <a:pPr lvl="2"/>
+            <a:r>
+              <a:rPr lang="en-GB" dirty="0"/>
+              <a:t>Reading threads suspend until data is available, writing threads suspend until there is room in the channel</a:t>
+            </a:r>
+          </a:p>
+          <a:p>
+            <a:pPr lvl="2"/>
+            <a:r>
+              <a:rPr lang="en-GB" dirty="0"/>
+              <a:t>These require a semaphore</a:t>
+            </a:r>
+          </a:p>
+          <a:p>
+            <a:pPr lvl="1"/>
+            <a:r>
+              <a:rPr lang="en-GB"/>
+              <a:t>Semaphore</a:t>
+            </a:r>
+          </a:p>
+          <a:p>
+            <a:pPr lvl="2"/>
+            <a:r>
+              <a:rPr lang="en-GB"/>
+              <a:t>Signal </a:t>
+            </a:r>
+            <a:r>
+              <a:rPr lang="en-GB" dirty="0"/>
+              <a:t>a count between threads</a:t>
+            </a:r>
+          </a:p>
+          <a:p>
+            <a:pPr lvl="2"/>
+            <a:r>
+              <a:rPr lang="en-GB" dirty="0"/>
+              <a:t>If count &gt; 0, threads waiting for signal will decrement count and continue</a:t>
+            </a:r>
+          </a:p>
+          <a:p>
+            <a:pPr lvl="2"/>
+            <a:r>
+              <a:rPr lang="en-GB" dirty="0"/>
+              <a:t>If count = 0, threads waiting for signal will suspend until count &gt; 0, when they will wake up</a:t>
+            </a:r>
+          </a:p>
+          <a:p>
+            <a:pPr lvl="2"/>
+            <a:r>
+              <a:rPr lang="en-GB" dirty="0"/>
+              <a:t>A thread signalling the semaphore will increment the count and wake up a sleeping thread waiting on the semaphore</a:t>
+            </a:r>
+          </a:p>
+          <a:p>
+            <a:r>
+              <a:rPr lang="en-GB"/>
+              <a:t>None of these are available in the current version of C++ so they had to be written</a:t>
+            </a:r>
+            <a:endParaRPr lang="en-GB" dirty="0"/>
+          </a:p>
+        </p:txBody>
+      </p:sp>
+      <p:sp>
+        <p:nvSpPr>
+          <p:cNvPr id="4" name="Footer Placeholder 3">
+            <a:extLst>
+              <a:ext uri="{FF2B5EF4-FFF2-40B4-BE49-F238E27FC236}">
+                <a16:creationId xmlns:a16="http://schemas.microsoft.com/office/drawing/2014/main" id="{13EDFC71-6FEA-42E6-A58D-50718F09C124}"/>
+              </a:ext>
+            </a:extLst>
+          </p:cNvPr>
+          <p:cNvSpPr>
+            <a:spLocks noGrp="1"/>
+          </p:cNvSpPr>
+          <p:nvPr>
+            <p:ph type="ftr" sz="quarter" idx="11"/>
+          </p:nvPr>
+        </p:nvSpPr>
+        <p:spPr/>
+        <p:txBody>
+          <a:bodyPr/>
+          <a:lstStyle/>
+          <a:p>
+            <a:r>
+              <a:rPr lang="en-GB"/>
+              <a:t>Jake Bretherton 1800231</a:t>
+            </a:r>
+          </a:p>
+        </p:txBody>
+      </p:sp>
+    </p:spTree>
+    <p:extLst>
+      <p:ext uri="{BB962C8B-B14F-4D97-AF65-F5344CB8AC3E}">
+        <p14:creationId xmlns:p14="http://schemas.microsoft.com/office/powerpoint/2010/main" val="45974607"/>
       </p:ext>
     </p:extLst>
   </p:cSld>

--- a/Pres.pptx
+++ b/Pres.pptx
@@ -5,7 +5,7 @@
     <p:sldMasterId id="2147483672" r:id="rId1"/>
   </p:sldMasterIdLst>
   <p:notesMasterIdLst>
-    <p:notesMasterId r:id="rId20"/>
+    <p:notesMasterId r:id="rId33"/>
   </p:notesMasterIdLst>
   <p:sldIdLst>
     <p:sldId id="256" r:id="rId2"/>
@@ -25,7 +25,20 @@
     <p:sldId id="271" r:id="rId16"/>
     <p:sldId id="272" r:id="rId17"/>
     <p:sldId id="273" r:id="rId18"/>
-    <p:sldId id="274" r:id="rId19"/>
+    <p:sldId id="289" r:id="rId19"/>
+    <p:sldId id="274" r:id="rId20"/>
+    <p:sldId id="275" r:id="rId21"/>
+    <p:sldId id="276" r:id="rId22"/>
+    <p:sldId id="277" r:id="rId23"/>
+    <p:sldId id="278" r:id="rId24"/>
+    <p:sldId id="281" r:id="rId25"/>
+    <p:sldId id="283" r:id="rId26"/>
+    <p:sldId id="285" r:id="rId27"/>
+    <p:sldId id="282" r:id="rId28"/>
+    <p:sldId id="284" r:id="rId29"/>
+    <p:sldId id="286" r:id="rId30"/>
+    <p:sldId id="287" r:id="rId31"/>
+    <p:sldId id="288" r:id="rId32"/>
   </p:sldIdLst>
   <p:sldSz cx="12192000" cy="6858000"/>
   <p:notesSz cx="6858000" cy="9144000"/>
@@ -127,6 +140,9 @@
   <p:extLst>
     <p:ext uri="{EFAFB233-063F-42B5-8137-9DF3F51BA10A}">
       <p15:sldGuideLst xmlns:p15="http://schemas.microsoft.com/office/powerpoint/2012/main"/>
+    </p:ext>
+    <p:ext uri="{2D200454-40CA-4A62-9FC3-DE9A4176ACB9}">
+      <p15:notesGuideLst xmlns:p15="http://schemas.microsoft.com/office/powerpoint/2012/main"/>
     </p:ext>
   </p:extLst>
 </p:presentation>
@@ -5618,7 +5634,7 @@
           <a:p>
             <a:fld id="{96E28A0C-612C-4BF1-9970-D38E9C7DCE7D}" type="datetimeFigureOut">
               <a:rPr lang="en-GB" smtClean="0"/>
-              <a:t>24/06/2020</a:t>
+              <a:t>25/06/2020</a:t>
             </a:fld>
             <a:endParaRPr lang="en-GB"/>
           </a:p>
@@ -6280,7 +6296,7 @@
           <a:p>
             <a:fld id="{451E77E2-E929-4410-B81A-086760143B79}" type="datetime1">
               <a:rPr lang="en-GB" smtClean="0"/>
-              <a:t>24/06/2020</a:t>
+              <a:t>25/06/2020</a:t>
             </a:fld>
             <a:endParaRPr lang="en-GB"/>
           </a:p>
@@ -6491,7 +6507,7 @@
           <a:p>
             <a:fld id="{1DB4DB8E-4214-4F23-8BCF-4CF9B85CC008}" type="datetime1">
               <a:rPr lang="en-GB" smtClean="0"/>
-              <a:t>24/06/2020</a:t>
+              <a:t>25/06/2020</a:t>
             </a:fld>
             <a:endParaRPr lang="en-GB"/>
           </a:p>
@@ -6750,7 +6766,7 @@
           <a:p>
             <a:fld id="{4E19B70F-0611-4A02-A822-5B04420D411E}" type="datetime1">
               <a:rPr lang="en-GB" smtClean="0"/>
-              <a:t>24/06/2020</a:t>
+              <a:t>25/06/2020</a:t>
             </a:fld>
             <a:endParaRPr lang="en-GB"/>
           </a:p>
@@ -6923,7 +6939,7 @@
           <a:p>
             <a:fld id="{065854A5-0220-4C4A-B2B0-FFE659D86BF7}" type="datetime1">
               <a:rPr lang="en-GB" smtClean="0"/>
-              <a:t>24/06/2020</a:t>
+              <a:t>25/06/2020</a:t>
             </a:fld>
             <a:endParaRPr lang="en-GB"/>
           </a:p>
@@ -7269,7 +7285,7 @@
           <a:p>
             <a:fld id="{F298690C-C62A-4586-B769-E382E1A028E0}" type="datetime1">
               <a:rPr lang="en-GB" smtClean="0"/>
-              <a:t>24/06/2020</a:t>
+              <a:t>25/06/2020</a:t>
             </a:fld>
             <a:endParaRPr lang="en-GB"/>
           </a:p>
@@ -7547,7 +7563,7 @@
           <a:p>
             <a:fld id="{C3011CDC-8337-4FF5-8629-137FE54A2DE2}" type="datetime1">
               <a:rPr lang="en-GB" smtClean="0"/>
-              <a:t>24/06/2020</a:t>
+              <a:t>25/06/2020</a:t>
             </a:fld>
             <a:endParaRPr lang="en-GB"/>
           </a:p>
@@ -7929,7 +7945,7 @@
           <a:p>
             <a:fld id="{EAB7633E-6304-4357-886E-39EA278BEA38}" type="datetime1">
               <a:rPr lang="en-GB" smtClean="0"/>
-              <a:t>24/06/2020</a:t>
+              <a:t>25/06/2020</a:t>
             </a:fld>
             <a:endParaRPr lang="en-GB"/>
           </a:p>
@@ -8050,7 +8066,7 @@
           <a:p>
             <a:fld id="{1194AB68-79ED-48B9-B241-FFBFFC960F93}" type="datetime1">
               <a:rPr lang="en-GB" smtClean="0"/>
-              <a:t>24/06/2020</a:t>
+              <a:t>25/06/2020</a:t>
             </a:fld>
             <a:endParaRPr lang="en-GB"/>
           </a:p>
@@ -8224,7 +8240,7 @@
           <a:p>
             <a:fld id="{C08AFF17-5826-4EF9-B91A-073CC0662BAF}" type="datetime1">
               <a:rPr lang="en-GB" smtClean="0"/>
-              <a:t>24/06/2020</a:t>
+              <a:t>25/06/2020</a:t>
             </a:fld>
             <a:endParaRPr lang="en-GB"/>
           </a:p>
@@ -8581,7 +8597,7 @@
           <a:p>
             <a:fld id="{FE6B10C7-12EA-4697-8174-8740AC051348}" type="datetime1">
               <a:rPr lang="en-GB" smtClean="0"/>
-              <a:t>24/06/2020</a:t>
+              <a:t>25/06/2020</a:t>
             </a:fld>
             <a:endParaRPr lang="en-GB"/>
           </a:p>
@@ -8961,7 +8977,7 @@
           <a:p>
             <a:fld id="{6CDC73D2-0506-4796-8669-0B7F19D735C6}" type="datetime1">
               <a:rPr lang="en-GB" smtClean="0"/>
-              <a:t>24/06/2020</a:t>
+              <a:t>25/06/2020</a:t>
             </a:fld>
             <a:endParaRPr lang="en-GB"/>
           </a:p>
@@ -9251,7 +9267,7 @@
           <a:p>
             <a:fld id="{093A5280-7747-45B5-8A82-4B8F14A2209D}" type="datetime1">
               <a:rPr lang="en-GB" smtClean="0"/>
-              <a:t>24/06/2020</a:t>
+              <a:t>25/06/2020</a:t>
             </a:fld>
             <a:endParaRPr lang="en-GB"/>
           </a:p>
@@ -12142,6 +12158,129 @@
           <p:cNvPr id="2" name="Title 1">
             <a:extLst>
               <a:ext uri="{FF2B5EF4-FFF2-40B4-BE49-F238E27FC236}">
+                <a16:creationId xmlns:a16="http://schemas.microsoft.com/office/drawing/2014/main" id="{3A8CA230-D351-460F-86A8-1752570EE2B1}"/>
+              </a:ext>
+            </a:extLst>
+          </p:cNvPr>
+          <p:cNvSpPr>
+            <a:spLocks noGrp="1"/>
+          </p:cNvSpPr>
+          <p:nvPr>
+            <p:ph type="title"/>
+          </p:nvPr>
+        </p:nvSpPr>
+        <p:spPr/>
+        <p:txBody>
+          <a:bodyPr/>
+          <a:lstStyle/>
+          <a:p>
+            <a:r>
+              <a:rPr lang="en-GB" dirty="0"/>
+              <a:t>Specs of machine timed on</a:t>
+            </a:r>
+          </a:p>
+        </p:txBody>
+      </p:sp>
+      <p:sp>
+        <p:nvSpPr>
+          <p:cNvPr id="3" name="Content Placeholder 2">
+            <a:extLst>
+              <a:ext uri="{FF2B5EF4-FFF2-40B4-BE49-F238E27FC236}">
+                <a16:creationId xmlns:a16="http://schemas.microsoft.com/office/drawing/2014/main" id="{8034DCC8-859A-4FEE-A555-7F08C4D38E96}"/>
+              </a:ext>
+            </a:extLst>
+          </p:cNvPr>
+          <p:cNvSpPr>
+            <a:spLocks noGrp="1"/>
+          </p:cNvSpPr>
+          <p:nvPr>
+            <p:ph idx="1"/>
+          </p:nvPr>
+        </p:nvSpPr>
+        <p:spPr/>
+        <p:txBody>
+          <a:bodyPr/>
+          <a:lstStyle/>
+          <a:p>
+            <a:r>
+              <a:rPr lang="en-GB" dirty="0"/>
+              <a:t>Processor: Intel Core i5-1035G1, quad core 1GHz	</a:t>
+            </a:r>
+          </a:p>
+          <a:p>
+            <a:r>
+              <a:rPr lang="en-GB" dirty="0"/>
+              <a:t>Cache 6MB</a:t>
+            </a:r>
+          </a:p>
+          <a:p>
+            <a:endParaRPr lang="en-GB" dirty="0"/>
+          </a:p>
+        </p:txBody>
+      </p:sp>
+      <p:sp>
+        <p:nvSpPr>
+          <p:cNvPr id="4" name="Footer Placeholder 3">
+            <a:extLst>
+              <a:ext uri="{FF2B5EF4-FFF2-40B4-BE49-F238E27FC236}">
+                <a16:creationId xmlns:a16="http://schemas.microsoft.com/office/drawing/2014/main" id="{156130CF-9AD8-4FBD-91F9-B5084FECFE92}"/>
+              </a:ext>
+            </a:extLst>
+          </p:cNvPr>
+          <p:cNvSpPr>
+            <a:spLocks noGrp="1"/>
+          </p:cNvSpPr>
+          <p:nvPr>
+            <p:ph type="ftr" sz="quarter" idx="11"/>
+          </p:nvPr>
+        </p:nvSpPr>
+        <p:spPr/>
+        <p:txBody>
+          <a:bodyPr/>
+          <a:lstStyle/>
+          <a:p>
+            <a:r>
+              <a:rPr lang="en-GB"/>
+              <a:t>Jake Bretherton 1800231</a:t>
+            </a:r>
+          </a:p>
+        </p:txBody>
+      </p:sp>
+    </p:spTree>
+    <p:extLst>
+      <p:ext uri="{BB962C8B-B14F-4D97-AF65-F5344CB8AC3E}">
+        <p14:creationId xmlns:p14="http://schemas.microsoft.com/office/powerpoint/2010/main" val="3343949662"/>
+      </p:ext>
+    </p:extLst>
+  </p:cSld>
+  <p:clrMapOvr>
+    <a:masterClrMapping/>
+  </p:clrMapOvr>
+</p:sld>
+</file>
+
+<file path=ppt/slides/slide19.xml><?xml version="1.0" encoding="utf-8"?>
+<p:sld xmlns:a="http://schemas.openxmlformats.org/drawingml/2006/main" xmlns:r="http://schemas.openxmlformats.org/officeDocument/2006/relationships" xmlns:p="http://schemas.openxmlformats.org/presentationml/2006/main">
+  <p:cSld>
+    <p:spTree>
+      <p:nvGrpSpPr>
+        <p:cNvPr id="1" name=""/>
+        <p:cNvGrpSpPr/>
+        <p:nvPr/>
+      </p:nvGrpSpPr>
+      <p:grpSpPr>
+        <a:xfrm>
+          <a:off x="0" y="0"/>
+          <a:ext cx="0" cy="0"/>
+          <a:chOff x="0" y="0"/>
+          <a:chExt cx="0" cy="0"/>
+        </a:xfrm>
+      </p:grpSpPr>
+      <p:sp>
+        <p:nvSpPr>
+          <p:cNvPr id="2" name="Title 1">
+            <a:extLst>
+              <a:ext uri="{FF2B5EF4-FFF2-40B4-BE49-F238E27FC236}">
                 <a16:creationId xmlns:a16="http://schemas.microsoft.com/office/drawing/2014/main" id="{F50C76F7-E760-44BE-9EB9-57FB133CE4F3}"/>
               </a:ext>
             </a:extLst>
@@ -12181,14 +12320,25 @@
             <p:ph idx="1"/>
           </p:nvPr>
         </p:nvSpPr>
-        <p:spPr/>
+        <p:spPr>
+          <a:xfrm>
+            <a:off x="1097280" y="1845734"/>
+            <a:ext cx="10058400" cy="1962695"/>
+          </a:xfrm>
+        </p:spPr>
         <p:txBody>
           <a:bodyPr/>
           <a:lstStyle/>
           <a:p>
             <a:r>
               <a:rPr lang="en-GB" dirty="0"/>
-              <a:t>Because </a:t>
+              <a:t>Because the entire solution is fairly complex with many threads that likely spend a significant amount of execution suspended, it was decide to time each task independently. Reading / writing to each channel, and each thread’s work were timed.</a:t>
+            </a:r>
+          </a:p>
+          <a:p>
+            <a:r>
+              <a:rPr lang="en-GB" dirty="0"/>
+              <a:t>Because timing such small segments of code, the high-resolution clock often would not register any time having passed between executions, so many executions were done per timing, and this was repeated many times.</a:t>
             </a:r>
           </a:p>
         </p:txBody>
@@ -12218,6 +12368,74 @@
               <a:rPr lang="en-GB"/>
               <a:t>Jake Bretherton 1800231</a:t>
             </a:r>
+          </a:p>
+        </p:txBody>
+      </p:sp>
+      <p:pic>
+        <p:nvPicPr>
+          <p:cNvPr id="6" name="Picture 5">
+            <a:extLst>
+              <a:ext uri="{FF2B5EF4-FFF2-40B4-BE49-F238E27FC236}">
+                <a16:creationId xmlns:a16="http://schemas.microsoft.com/office/drawing/2014/main" id="{8EB89C67-491E-4E45-9185-5299B9D79CCB}"/>
+              </a:ext>
+            </a:extLst>
+          </p:cNvPr>
+          <p:cNvPicPr>
+            <a:picLocks noChangeAspect="1"/>
+          </p:cNvPicPr>
+          <p:nvPr/>
+        </p:nvPicPr>
+        <p:blipFill>
+          <a:blip r:embed="rId2"/>
+          <a:stretch>
+            <a:fillRect/>
+          </a:stretch>
+        </p:blipFill>
+        <p:spPr>
+          <a:xfrm>
+            <a:off x="5132897" y="3504664"/>
+            <a:ext cx="6088771" cy="2774831"/>
+          </a:xfrm>
+          <a:prstGeom prst="rect">
+            <a:avLst/>
+          </a:prstGeom>
+        </p:spPr>
+      </p:pic>
+      <p:sp>
+        <p:nvSpPr>
+          <p:cNvPr id="7" name="TextBox 6">
+            <a:extLst>
+              <a:ext uri="{FF2B5EF4-FFF2-40B4-BE49-F238E27FC236}">
+                <a16:creationId xmlns:a16="http://schemas.microsoft.com/office/drawing/2014/main" id="{4DAC7B60-380E-4E1A-B765-99DB005FF42E}"/>
+              </a:ext>
+            </a:extLst>
+          </p:cNvPr>
+          <p:cNvSpPr txBox="1"/>
+          <p:nvPr/>
+        </p:nvSpPr>
+        <p:spPr>
+          <a:xfrm>
+            <a:off x="1036320" y="4153416"/>
+            <a:ext cx="4238291" cy="1477328"/>
+          </a:xfrm>
+          <a:prstGeom prst="rect">
+            <a:avLst/>
+          </a:prstGeom>
+          <a:noFill/>
+        </p:spPr>
+        <p:txBody>
+          <a:bodyPr wrap="square" rtlCol="0">
+            <a:spAutoFit/>
+          </a:bodyPr>
+          <a:lstStyle/>
+          <a:p>
+            <a:r>
+              <a:rPr lang="en-GB" dirty="0"/>
+              <a:t>Outliers made histogram graphing difficult, this is a naïve attempt with evenly spaced buckets from the minimum to maximum value</a:t>
+            </a:r>
+          </a:p>
+          <a:p>
+            <a:endParaRPr lang="en-GB" dirty="0"/>
           </a:p>
         </p:txBody>
       </p:sp>
@@ -12811,6 +13029,2243 @@
 </p:sld>
 </file>
 
+<file path=ppt/slides/slide20.xml><?xml version="1.0" encoding="utf-8"?>
+<p:sld xmlns:a="http://schemas.openxmlformats.org/drawingml/2006/main" xmlns:r="http://schemas.openxmlformats.org/officeDocument/2006/relationships" xmlns:p="http://schemas.openxmlformats.org/presentationml/2006/main">
+  <p:cSld>
+    <p:spTree>
+      <p:nvGrpSpPr>
+        <p:cNvPr id="1" name=""/>
+        <p:cNvGrpSpPr/>
+        <p:nvPr/>
+      </p:nvGrpSpPr>
+      <p:grpSpPr>
+        <a:xfrm>
+          <a:off x="0" y="0"/>
+          <a:ext cx="0" cy="0"/>
+          <a:chOff x="0" y="0"/>
+          <a:chExt cx="0" cy="0"/>
+        </a:xfrm>
+      </p:grpSpPr>
+      <p:sp>
+        <p:nvSpPr>
+          <p:cNvPr id="2" name="Title 1">
+            <a:extLst>
+              <a:ext uri="{FF2B5EF4-FFF2-40B4-BE49-F238E27FC236}">
+                <a16:creationId xmlns:a16="http://schemas.microsoft.com/office/drawing/2014/main" id="{964A9850-A9E8-43DD-B613-457CD562AE41}"/>
+              </a:ext>
+            </a:extLst>
+          </p:cNvPr>
+          <p:cNvSpPr>
+            <a:spLocks noGrp="1"/>
+          </p:cNvSpPr>
+          <p:nvPr>
+            <p:ph type="title"/>
+          </p:nvPr>
+        </p:nvSpPr>
+        <p:spPr/>
+        <p:txBody>
+          <a:bodyPr/>
+          <a:lstStyle/>
+          <a:p>
+            <a:r>
+              <a:rPr lang="en-GB"/>
+              <a:t>Issues with timings - Solution</a:t>
+            </a:r>
+            <a:endParaRPr lang="en-GB" dirty="0"/>
+          </a:p>
+        </p:txBody>
+      </p:sp>
+      <p:sp>
+        <p:nvSpPr>
+          <p:cNvPr id="4" name="Footer Placeholder 3">
+            <a:extLst>
+              <a:ext uri="{FF2B5EF4-FFF2-40B4-BE49-F238E27FC236}">
+                <a16:creationId xmlns:a16="http://schemas.microsoft.com/office/drawing/2014/main" id="{BC4A9035-CA8A-405F-8CDA-1081D1F86C99}"/>
+              </a:ext>
+            </a:extLst>
+          </p:cNvPr>
+          <p:cNvSpPr>
+            <a:spLocks noGrp="1"/>
+          </p:cNvSpPr>
+          <p:nvPr>
+            <p:ph type="ftr" sz="quarter" idx="11"/>
+          </p:nvPr>
+        </p:nvSpPr>
+        <p:spPr/>
+        <p:txBody>
+          <a:bodyPr/>
+          <a:lstStyle/>
+          <a:p>
+            <a:r>
+              <a:rPr lang="en-GB"/>
+              <a:t>Jake Bretherton 1800231</a:t>
+            </a:r>
+          </a:p>
+        </p:txBody>
+      </p:sp>
+      <p:pic>
+        <p:nvPicPr>
+          <p:cNvPr id="5" name="Picture 4" descr="A screenshot of a cell phone&#10;&#10;Description automatically generated">
+            <a:extLst>
+              <a:ext uri="{FF2B5EF4-FFF2-40B4-BE49-F238E27FC236}">
+                <a16:creationId xmlns:a16="http://schemas.microsoft.com/office/drawing/2014/main" id="{752D5931-B535-439B-8559-1B4589CC2BA0}"/>
+              </a:ext>
+            </a:extLst>
+          </p:cNvPr>
+          <p:cNvPicPr>
+            <a:picLocks noChangeAspect="1"/>
+          </p:cNvPicPr>
+          <p:nvPr/>
+        </p:nvPicPr>
+        <p:blipFill>
+          <a:blip r:embed="rId2"/>
+          <a:stretch>
+            <a:fillRect/>
+          </a:stretch>
+        </p:blipFill>
+        <p:spPr>
+          <a:xfrm>
+            <a:off x="559953" y="1935752"/>
+            <a:ext cx="3338788" cy="1965039"/>
+          </a:xfrm>
+          <a:prstGeom prst="rect">
+            <a:avLst/>
+          </a:prstGeom>
+        </p:spPr>
+      </p:pic>
+      <p:pic>
+        <p:nvPicPr>
+          <p:cNvPr id="6" name="Picture 5" descr="A screenshot of a cell phone&#10;&#10;Description automatically generated">
+            <a:extLst>
+              <a:ext uri="{FF2B5EF4-FFF2-40B4-BE49-F238E27FC236}">
+                <a16:creationId xmlns:a16="http://schemas.microsoft.com/office/drawing/2014/main" id="{C28049C8-E6DC-47AC-BBE3-08297E825BCA}"/>
+              </a:ext>
+            </a:extLst>
+          </p:cNvPr>
+          <p:cNvPicPr>
+            <a:picLocks noChangeAspect="1"/>
+          </p:cNvPicPr>
+          <p:nvPr/>
+        </p:nvPicPr>
+        <p:blipFill>
+          <a:blip r:embed="rId3"/>
+          <a:stretch>
+            <a:fillRect/>
+          </a:stretch>
+        </p:blipFill>
+        <p:spPr>
+          <a:xfrm>
+            <a:off x="559953" y="4099183"/>
+            <a:ext cx="3338788" cy="1969485"/>
+          </a:xfrm>
+          <a:prstGeom prst="rect">
+            <a:avLst/>
+          </a:prstGeom>
+        </p:spPr>
+      </p:pic>
+      <p:sp>
+        <p:nvSpPr>
+          <p:cNvPr id="7" name="TextBox 6">
+            <a:extLst>
+              <a:ext uri="{FF2B5EF4-FFF2-40B4-BE49-F238E27FC236}">
+                <a16:creationId xmlns:a16="http://schemas.microsoft.com/office/drawing/2014/main" id="{A98FFAC5-BF0D-4C85-A5B1-ACF7653D2FBE}"/>
+              </a:ext>
+            </a:extLst>
+          </p:cNvPr>
+          <p:cNvSpPr txBox="1"/>
+          <p:nvPr/>
+        </p:nvSpPr>
+        <p:spPr>
+          <a:xfrm>
+            <a:off x="3898741" y="2578739"/>
+            <a:ext cx="3889855" cy="646331"/>
+          </a:xfrm>
+          <a:prstGeom prst="rect">
+            <a:avLst/>
+          </a:prstGeom>
+          <a:noFill/>
+        </p:spPr>
+        <p:txBody>
+          <a:bodyPr wrap="square" rtlCol="0">
+            <a:spAutoFit/>
+          </a:bodyPr>
+          <a:lstStyle/>
+          <a:p>
+            <a:r>
+              <a:rPr lang="en-GB" dirty="0"/>
+              <a:t>The outliers were so extreme they dwarf the rest of the data</a:t>
+            </a:r>
+          </a:p>
+        </p:txBody>
+      </p:sp>
+      <p:sp>
+        <p:nvSpPr>
+          <p:cNvPr id="15" name="TextBox 14">
+            <a:extLst>
+              <a:ext uri="{FF2B5EF4-FFF2-40B4-BE49-F238E27FC236}">
+                <a16:creationId xmlns:a16="http://schemas.microsoft.com/office/drawing/2014/main" id="{C2C18D32-8B5C-4E58-BBB1-0255BD5FFBE3}"/>
+              </a:ext>
+            </a:extLst>
+          </p:cNvPr>
+          <p:cNvSpPr txBox="1"/>
+          <p:nvPr/>
+        </p:nvSpPr>
+        <p:spPr>
+          <a:xfrm>
+            <a:off x="3898741" y="4099183"/>
+            <a:ext cx="3889855" cy="2031325"/>
+          </a:xfrm>
+          <a:prstGeom prst="rect">
+            <a:avLst/>
+          </a:prstGeom>
+          <a:noFill/>
+        </p:spPr>
+        <p:txBody>
+          <a:bodyPr wrap="square" rtlCol="0">
+            <a:spAutoFit/>
+          </a:bodyPr>
+          <a:lstStyle/>
+          <a:p>
+            <a:r>
+              <a:rPr lang="en-GB" dirty="0"/>
+              <a:t>Box and whisker plots were used to visualise the data excluding these outliers.</a:t>
+            </a:r>
+          </a:p>
+          <a:p>
+            <a:r>
+              <a:rPr lang="en-GB" dirty="0"/>
+              <a:t>The Minimum (Q1–1.5*IQR) and Maximum (Q3+1.5*IQR) were then used for the histogram extremes, and outliers all grouped in ‘more’ </a:t>
+            </a:r>
+          </a:p>
+        </p:txBody>
+      </p:sp>
+      <p:pic>
+        <p:nvPicPr>
+          <p:cNvPr id="9" name="Picture 8" descr="A screenshot of a cell phone&#10;&#10;Description automatically generated">
+            <a:extLst>
+              <a:ext uri="{FF2B5EF4-FFF2-40B4-BE49-F238E27FC236}">
+                <a16:creationId xmlns:a16="http://schemas.microsoft.com/office/drawing/2014/main" id="{581E705C-10ED-4097-BBA3-9F3EF292A83F}"/>
+              </a:ext>
+            </a:extLst>
+          </p:cNvPr>
+          <p:cNvPicPr>
+            <a:picLocks noChangeAspect="1"/>
+          </p:cNvPicPr>
+          <p:nvPr/>
+        </p:nvPicPr>
+        <p:blipFill>
+          <a:blip r:embed="rId4"/>
+          <a:stretch>
+            <a:fillRect/>
+          </a:stretch>
+        </p:blipFill>
+        <p:spPr>
+          <a:xfrm>
+            <a:off x="7505791" y="2611473"/>
+            <a:ext cx="4324675" cy="2792102"/>
+          </a:xfrm>
+          <a:prstGeom prst="rect">
+            <a:avLst/>
+          </a:prstGeom>
+        </p:spPr>
+      </p:pic>
+      <p:sp>
+        <p:nvSpPr>
+          <p:cNvPr id="47" name="TextBox 46">
+            <a:extLst>
+              <a:ext uri="{FF2B5EF4-FFF2-40B4-BE49-F238E27FC236}">
+                <a16:creationId xmlns:a16="http://schemas.microsoft.com/office/drawing/2014/main" id="{DAA3B870-2F72-4ABC-9A55-EAA1E383080B}"/>
+              </a:ext>
+            </a:extLst>
+          </p:cNvPr>
+          <p:cNvSpPr txBox="1"/>
+          <p:nvPr/>
+        </p:nvSpPr>
+        <p:spPr>
+          <a:xfrm>
+            <a:off x="7976017" y="5582375"/>
+            <a:ext cx="3384222" cy="369332"/>
+          </a:xfrm>
+          <a:prstGeom prst="rect">
+            <a:avLst/>
+          </a:prstGeom>
+          <a:noFill/>
+        </p:spPr>
+        <p:txBody>
+          <a:bodyPr wrap="square" rtlCol="0">
+            <a:spAutoFit/>
+          </a:bodyPr>
+          <a:lstStyle/>
+          <a:p>
+            <a:pPr algn="ctr"/>
+            <a:r>
+              <a:rPr lang="en-GB" dirty="0"/>
+              <a:t>Median Time: 118 Nanoseconds</a:t>
+            </a:r>
+          </a:p>
+        </p:txBody>
+      </p:sp>
+    </p:spTree>
+    <p:extLst>
+      <p:ext uri="{BB962C8B-B14F-4D97-AF65-F5344CB8AC3E}">
+        <p14:creationId xmlns:p14="http://schemas.microsoft.com/office/powerpoint/2010/main" val="2602863087"/>
+      </p:ext>
+    </p:extLst>
+  </p:cSld>
+  <p:clrMapOvr>
+    <a:masterClrMapping/>
+  </p:clrMapOvr>
+</p:sld>
+</file>
+
+<file path=ppt/slides/slide21.xml><?xml version="1.0" encoding="utf-8"?>
+<p:sld xmlns:a="http://schemas.openxmlformats.org/drawingml/2006/main" xmlns:r="http://schemas.openxmlformats.org/officeDocument/2006/relationships" xmlns:p="http://schemas.openxmlformats.org/presentationml/2006/main">
+  <p:cSld>
+    <p:spTree>
+      <p:nvGrpSpPr>
+        <p:cNvPr id="1" name=""/>
+        <p:cNvGrpSpPr/>
+        <p:nvPr/>
+      </p:nvGrpSpPr>
+      <p:grpSpPr>
+        <a:xfrm>
+          <a:off x="0" y="0"/>
+          <a:ext cx="0" cy="0"/>
+          <a:chOff x="0" y="0"/>
+          <a:chExt cx="0" cy="0"/>
+        </a:xfrm>
+      </p:grpSpPr>
+      <p:sp>
+        <p:nvSpPr>
+          <p:cNvPr id="2" name="Title 1">
+            <a:extLst>
+              <a:ext uri="{FF2B5EF4-FFF2-40B4-BE49-F238E27FC236}">
+                <a16:creationId xmlns:a16="http://schemas.microsoft.com/office/drawing/2014/main" id="{F3680F5B-0CF1-4331-9E00-F3E202219BCC}"/>
+              </a:ext>
+            </a:extLst>
+          </p:cNvPr>
+          <p:cNvSpPr>
+            <a:spLocks noGrp="1"/>
+          </p:cNvSpPr>
+          <p:nvPr>
+            <p:ph type="title"/>
+          </p:nvPr>
+        </p:nvSpPr>
+        <p:spPr/>
+        <p:txBody>
+          <a:bodyPr/>
+          <a:lstStyle/>
+          <a:p>
+            <a:r>
+              <a:rPr lang="en-GB" dirty="0"/>
+              <a:t>Function timer</a:t>
+            </a:r>
+          </a:p>
+        </p:txBody>
+      </p:sp>
+      <p:sp>
+        <p:nvSpPr>
+          <p:cNvPr id="3" name="Content Placeholder 2">
+            <a:extLst>
+              <a:ext uri="{FF2B5EF4-FFF2-40B4-BE49-F238E27FC236}">
+                <a16:creationId xmlns:a16="http://schemas.microsoft.com/office/drawing/2014/main" id="{35C98FFD-068C-40EA-8FF9-79CD81124D79}"/>
+              </a:ext>
+            </a:extLst>
+          </p:cNvPr>
+          <p:cNvSpPr>
+            <a:spLocks noGrp="1"/>
+          </p:cNvSpPr>
+          <p:nvPr>
+            <p:ph idx="1"/>
+          </p:nvPr>
+        </p:nvSpPr>
+        <p:spPr/>
+        <p:txBody>
+          <a:bodyPr/>
+          <a:lstStyle/>
+          <a:p>
+            <a:r>
+              <a:rPr lang="en-GB" dirty="0"/>
+              <a:t>Wrote a function timer object to run timings on various methods of the program</a:t>
+            </a:r>
+          </a:p>
+          <a:p>
+            <a:r>
+              <a:rPr lang="en-GB" dirty="0"/>
+              <a:t>You can specify the number of timings to perform, and the number of calls to that function per timing</a:t>
+            </a:r>
+          </a:p>
+          <a:p>
+            <a:endParaRPr lang="en-GB" dirty="0"/>
+          </a:p>
+        </p:txBody>
+      </p:sp>
+      <p:sp>
+        <p:nvSpPr>
+          <p:cNvPr id="4" name="Footer Placeholder 3">
+            <a:extLst>
+              <a:ext uri="{FF2B5EF4-FFF2-40B4-BE49-F238E27FC236}">
+                <a16:creationId xmlns:a16="http://schemas.microsoft.com/office/drawing/2014/main" id="{B22DE857-9B45-4A18-83C7-FBD225E53331}"/>
+              </a:ext>
+            </a:extLst>
+          </p:cNvPr>
+          <p:cNvSpPr>
+            <a:spLocks noGrp="1"/>
+          </p:cNvSpPr>
+          <p:nvPr>
+            <p:ph type="ftr" sz="quarter" idx="11"/>
+          </p:nvPr>
+        </p:nvSpPr>
+        <p:spPr/>
+        <p:txBody>
+          <a:bodyPr/>
+          <a:lstStyle/>
+          <a:p>
+            <a:r>
+              <a:rPr lang="en-GB"/>
+              <a:t>Jake Bretherton 1800231</a:t>
+            </a:r>
+          </a:p>
+        </p:txBody>
+      </p:sp>
+      <p:pic>
+        <p:nvPicPr>
+          <p:cNvPr id="5" name="Picture 4">
+            <a:extLst>
+              <a:ext uri="{FF2B5EF4-FFF2-40B4-BE49-F238E27FC236}">
+                <a16:creationId xmlns:a16="http://schemas.microsoft.com/office/drawing/2014/main" id="{7D5060AB-08FC-48CB-808B-4F6A55DF8C3A}"/>
+              </a:ext>
+            </a:extLst>
+          </p:cNvPr>
+          <p:cNvPicPr>
+            <a:picLocks noChangeAspect="1"/>
+          </p:cNvPicPr>
+          <p:nvPr/>
+        </p:nvPicPr>
+        <p:blipFill>
+          <a:blip r:embed="rId2"/>
+          <a:stretch>
+            <a:fillRect/>
+          </a:stretch>
+        </p:blipFill>
+        <p:spPr>
+          <a:xfrm>
+            <a:off x="-14288" y="5010584"/>
+            <a:ext cx="12206288" cy="747503"/>
+          </a:xfrm>
+          <a:prstGeom prst="rect">
+            <a:avLst/>
+          </a:prstGeom>
+        </p:spPr>
+      </p:pic>
+      <p:pic>
+        <p:nvPicPr>
+          <p:cNvPr id="7" name="Picture 6">
+            <a:extLst>
+              <a:ext uri="{FF2B5EF4-FFF2-40B4-BE49-F238E27FC236}">
+                <a16:creationId xmlns:a16="http://schemas.microsoft.com/office/drawing/2014/main" id="{2397119F-DA19-4B80-8FDD-D2DCB73458C2}"/>
+              </a:ext>
+            </a:extLst>
+          </p:cNvPr>
+          <p:cNvPicPr>
+            <a:picLocks noChangeAspect="1"/>
+          </p:cNvPicPr>
+          <p:nvPr/>
+        </p:nvPicPr>
+        <p:blipFill>
+          <a:blip r:embed="rId3"/>
+          <a:stretch>
+            <a:fillRect/>
+          </a:stretch>
+        </p:blipFill>
+        <p:spPr>
+          <a:xfrm>
+            <a:off x="3230880" y="2895389"/>
+            <a:ext cx="5791200" cy="1924050"/>
+          </a:xfrm>
+          <a:prstGeom prst="rect">
+            <a:avLst/>
+          </a:prstGeom>
+        </p:spPr>
+      </p:pic>
+      <p:pic>
+        <p:nvPicPr>
+          <p:cNvPr id="8" name="Picture 7">
+            <a:extLst>
+              <a:ext uri="{FF2B5EF4-FFF2-40B4-BE49-F238E27FC236}">
+                <a16:creationId xmlns:a16="http://schemas.microsoft.com/office/drawing/2014/main" id="{10D898DF-7A1D-400B-9C9E-9C9EB519FC83}"/>
+              </a:ext>
+            </a:extLst>
+          </p:cNvPr>
+          <p:cNvPicPr>
+            <a:picLocks noChangeAspect="1"/>
+          </p:cNvPicPr>
+          <p:nvPr/>
+        </p:nvPicPr>
+        <p:blipFill>
+          <a:blip r:embed="rId4"/>
+          <a:stretch>
+            <a:fillRect/>
+          </a:stretch>
+        </p:blipFill>
+        <p:spPr>
+          <a:xfrm>
+            <a:off x="0" y="5905840"/>
+            <a:ext cx="12192000" cy="362800"/>
+          </a:xfrm>
+          <a:prstGeom prst="rect">
+            <a:avLst/>
+          </a:prstGeom>
+        </p:spPr>
+      </p:pic>
+    </p:spTree>
+    <p:extLst>
+      <p:ext uri="{BB962C8B-B14F-4D97-AF65-F5344CB8AC3E}">
+        <p14:creationId xmlns:p14="http://schemas.microsoft.com/office/powerpoint/2010/main" val="362938068"/>
+      </p:ext>
+    </p:extLst>
+  </p:cSld>
+  <p:clrMapOvr>
+    <a:masterClrMapping/>
+  </p:clrMapOvr>
+</p:sld>
+</file>
+
+<file path=ppt/slides/slide22.xml><?xml version="1.0" encoding="utf-8"?>
+<p:sld xmlns:a="http://schemas.openxmlformats.org/drawingml/2006/main" xmlns:r="http://schemas.openxmlformats.org/officeDocument/2006/relationships" xmlns:p="http://schemas.openxmlformats.org/presentationml/2006/main">
+  <p:cSld>
+    <p:spTree>
+      <p:nvGrpSpPr>
+        <p:cNvPr id="1" name=""/>
+        <p:cNvGrpSpPr/>
+        <p:nvPr/>
+      </p:nvGrpSpPr>
+      <p:grpSpPr>
+        <a:xfrm>
+          <a:off x="0" y="0"/>
+          <a:ext cx="0" cy="0"/>
+          <a:chOff x="0" y="0"/>
+          <a:chExt cx="0" cy="0"/>
+        </a:xfrm>
+      </p:grpSpPr>
+      <p:sp>
+        <p:nvSpPr>
+          <p:cNvPr id="2" name="Title 1">
+            <a:extLst>
+              <a:ext uri="{FF2B5EF4-FFF2-40B4-BE49-F238E27FC236}">
+                <a16:creationId xmlns:a16="http://schemas.microsoft.com/office/drawing/2014/main" id="{68DF5BF6-84C9-4EA9-B4F7-9C79E31BF526}"/>
+              </a:ext>
+            </a:extLst>
+          </p:cNvPr>
+          <p:cNvSpPr>
+            <a:spLocks noGrp="1"/>
+          </p:cNvSpPr>
+          <p:nvPr>
+            <p:ph type="title"/>
+          </p:nvPr>
+        </p:nvSpPr>
+        <p:spPr/>
+        <p:txBody>
+          <a:bodyPr/>
+          <a:lstStyle/>
+          <a:p>
+            <a:r>
+              <a:rPr lang="en-GB" dirty="0"/>
+              <a:t>Generation last character</a:t>
+            </a:r>
+          </a:p>
+        </p:txBody>
+      </p:sp>
+      <p:sp>
+        <p:nvSpPr>
+          <p:cNvPr id="4" name="Footer Placeholder 3">
+            <a:extLst>
+              <a:ext uri="{FF2B5EF4-FFF2-40B4-BE49-F238E27FC236}">
+                <a16:creationId xmlns:a16="http://schemas.microsoft.com/office/drawing/2014/main" id="{5106C4D9-C2A4-4096-980B-37DB8B1FEE55}"/>
+              </a:ext>
+            </a:extLst>
+          </p:cNvPr>
+          <p:cNvSpPr>
+            <a:spLocks noGrp="1"/>
+          </p:cNvSpPr>
+          <p:nvPr>
+            <p:ph type="ftr" sz="quarter" idx="11"/>
+          </p:nvPr>
+        </p:nvSpPr>
+        <p:spPr/>
+        <p:txBody>
+          <a:bodyPr/>
+          <a:lstStyle/>
+          <a:p>
+            <a:r>
+              <a:rPr lang="en-GB"/>
+              <a:t>Jake Bretherton 1800231</a:t>
+            </a:r>
+          </a:p>
+        </p:txBody>
+      </p:sp>
+      <p:pic>
+        <p:nvPicPr>
+          <p:cNvPr id="5" name="Picture 4">
+            <a:extLst>
+              <a:ext uri="{FF2B5EF4-FFF2-40B4-BE49-F238E27FC236}">
+                <a16:creationId xmlns:a16="http://schemas.microsoft.com/office/drawing/2014/main" id="{A4207357-C34B-4681-91E4-E06C33B46053}"/>
+              </a:ext>
+            </a:extLst>
+          </p:cNvPr>
+          <p:cNvPicPr>
+            <a:picLocks noChangeAspect="1"/>
+          </p:cNvPicPr>
+          <p:nvPr/>
+        </p:nvPicPr>
+        <p:blipFill>
+          <a:blip r:embed="rId2"/>
+          <a:stretch>
+            <a:fillRect/>
+          </a:stretch>
+        </p:blipFill>
+        <p:spPr>
+          <a:xfrm>
+            <a:off x="436770" y="2673622"/>
+            <a:ext cx="4578493" cy="2749534"/>
+          </a:xfrm>
+          <a:prstGeom prst="rect">
+            <a:avLst/>
+          </a:prstGeom>
+        </p:spPr>
+      </p:pic>
+      <p:pic>
+        <p:nvPicPr>
+          <p:cNvPr id="7" name="Picture 6">
+            <a:extLst>
+              <a:ext uri="{FF2B5EF4-FFF2-40B4-BE49-F238E27FC236}">
+                <a16:creationId xmlns:a16="http://schemas.microsoft.com/office/drawing/2014/main" id="{898C4D1D-5590-4CAF-BC9B-CC788FEA6D37}"/>
+              </a:ext>
+            </a:extLst>
+          </p:cNvPr>
+          <p:cNvPicPr>
+            <a:picLocks noChangeAspect="1"/>
+          </p:cNvPicPr>
+          <p:nvPr/>
+        </p:nvPicPr>
+        <p:blipFill>
+          <a:blip r:embed="rId3"/>
+          <a:stretch>
+            <a:fillRect/>
+          </a:stretch>
+        </p:blipFill>
+        <p:spPr>
+          <a:xfrm>
+            <a:off x="5180089" y="2673622"/>
+            <a:ext cx="6657800" cy="2749534"/>
+          </a:xfrm>
+          <a:prstGeom prst="rect">
+            <a:avLst/>
+          </a:prstGeom>
+        </p:spPr>
+      </p:pic>
+      <p:sp>
+        <p:nvSpPr>
+          <p:cNvPr id="8" name="TextBox 7">
+            <a:extLst>
+              <a:ext uri="{FF2B5EF4-FFF2-40B4-BE49-F238E27FC236}">
+                <a16:creationId xmlns:a16="http://schemas.microsoft.com/office/drawing/2014/main" id="{E5E8FBDB-1D58-4215-8C3A-90E9B68A6422}"/>
+              </a:ext>
+            </a:extLst>
+          </p:cNvPr>
+          <p:cNvSpPr txBox="1"/>
+          <p:nvPr/>
+        </p:nvSpPr>
+        <p:spPr>
+          <a:xfrm>
+            <a:off x="1097280" y="1882325"/>
+            <a:ext cx="9036534" cy="646331"/>
+          </a:xfrm>
+          <a:prstGeom prst="rect">
+            <a:avLst/>
+          </a:prstGeom>
+          <a:noFill/>
+        </p:spPr>
+        <p:txBody>
+          <a:bodyPr wrap="square" rtlCol="0">
+            <a:spAutoFit/>
+          </a:bodyPr>
+          <a:lstStyle/>
+          <a:p>
+            <a:r>
+              <a:rPr lang="en-GB" dirty="0"/>
+              <a:t>50,000 timings of 50,000 executions of the last character generation only (no channel writing) Theoretical time per execution</a:t>
+            </a:r>
+          </a:p>
+        </p:txBody>
+      </p:sp>
+      <p:sp>
+        <p:nvSpPr>
+          <p:cNvPr id="9" name="TextBox 8">
+            <a:extLst>
+              <a:ext uri="{FF2B5EF4-FFF2-40B4-BE49-F238E27FC236}">
+                <a16:creationId xmlns:a16="http://schemas.microsoft.com/office/drawing/2014/main" id="{D7A93ED8-44F3-49AE-B289-311D7BF9CEB4}"/>
+              </a:ext>
+            </a:extLst>
+          </p:cNvPr>
+          <p:cNvSpPr txBox="1"/>
+          <p:nvPr/>
+        </p:nvSpPr>
+        <p:spPr>
+          <a:xfrm>
+            <a:off x="4006391" y="5662042"/>
+            <a:ext cx="3384222" cy="369332"/>
+          </a:xfrm>
+          <a:prstGeom prst="rect">
+            <a:avLst/>
+          </a:prstGeom>
+          <a:noFill/>
+        </p:spPr>
+        <p:txBody>
+          <a:bodyPr wrap="square" rtlCol="0">
+            <a:spAutoFit/>
+          </a:bodyPr>
+          <a:lstStyle/>
+          <a:p>
+            <a:pPr algn="ctr"/>
+            <a:r>
+              <a:rPr lang="en-GB" dirty="0"/>
+              <a:t>Median Time: 2.62 Nanoseconds</a:t>
+            </a:r>
+          </a:p>
+        </p:txBody>
+      </p:sp>
+    </p:spTree>
+    <p:extLst>
+      <p:ext uri="{BB962C8B-B14F-4D97-AF65-F5344CB8AC3E}">
+        <p14:creationId xmlns:p14="http://schemas.microsoft.com/office/powerpoint/2010/main" val="1960100110"/>
+      </p:ext>
+    </p:extLst>
+  </p:cSld>
+  <p:clrMapOvr>
+    <a:masterClrMapping/>
+  </p:clrMapOvr>
+</p:sld>
+</file>
+
+<file path=ppt/slides/slide23.xml><?xml version="1.0" encoding="utf-8"?>
+<p:sld xmlns:a="http://schemas.openxmlformats.org/drawingml/2006/main" xmlns:r="http://schemas.openxmlformats.org/officeDocument/2006/relationships" xmlns:p="http://schemas.openxmlformats.org/presentationml/2006/main">
+  <p:cSld>
+    <p:spTree>
+      <p:nvGrpSpPr>
+        <p:cNvPr id="1" name=""/>
+        <p:cNvGrpSpPr/>
+        <p:nvPr/>
+      </p:nvGrpSpPr>
+      <p:grpSpPr>
+        <a:xfrm>
+          <a:off x="0" y="0"/>
+          <a:ext cx="0" cy="0"/>
+          <a:chOff x="0" y="0"/>
+          <a:chExt cx="0" cy="0"/>
+        </a:xfrm>
+      </p:grpSpPr>
+      <p:sp>
+        <p:nvSpPr>
+          <p:cNvPr id="2" name="Title 1">
+            <a:extLst>
+              <a:ext uri="{FF2B5EF4-FFF2-40B4-BE49-F238E27FC236}">
+                <a16:creationId xmlns:a16="http://schemas.microsoft.com/office/drawing/2014/main" id="{68DF5BF6-84C9-4EA9-B4F7-9C79E31BF526}"/>
+              </a:ext>
+            </a:extLst>
+          </p:cNvPr>
+          <p:cNvSpPr>
+            <a:spLocks noGrp="1"/>
+          </p:cNvSpPr>
+          <p:nvPr>
+            <p:ph type="title"/>
+          </p:nvPr>
+        </p:nvSpPr>
+        <p:spPr/>
+        <p:txBody>
+          <a:bodyPr/>
+          <a:lstStyle/>
+          <a:p>
+            <a:r>
+              <a:rPr lang="en-GB" dirty="0"/>
+              <a:t>Generation password root</a:t>
+            </a:r>
+          </a:p>
+        </p:txBody>
+      </p:sp>
+      <p:sp>
+        <p:nvSpPr>
+          <p:cNvPr id="4" name="Footer Placeholder 3">
+            <a:extLst>
+              <a:ext uri="{FF2B5EF4-FFF2-40B4-BE49-F238E27FC236}">
+                <a16:creationId xmlns:a16="http://schemas.microsoft.com/office/drawing/2014/main" id="{5106C4D9-C2A4-4096-980B-37DB8B1FEE55}"/>
+              </a:ext>
+            </a:extLst>
+          </p:cNvPr>
+          <p:cNvSpPr>
+            <a:spLocks noGrp="1"/>
+          </p:cNvSpPr>
+          <p:nvPr>
+            <p:ph type="ftr" sz="quarter" idx="11"/>
+          </p:nvPr>
+        </p:nvSpPr>
+        <p:spPr/>
+        <p:txBody>
+          <a:bodyPr/>
+          <a:lstStyle/>
+          <a:p>
+            <a:r>
+              <a:rPr lang="en-GB"/>
+              <a:t>Jake Bretherton 1800231</a:t>
+            </a:r>
+          </a:p>
+        </p:txBody>
+      </p:sp>
+      <p:sp>
+        <p:nvSpPr>
+          <p:cNvPr id="8" name="TextBox 7">
+            <a:extLst>
+              <a:ext uri="{FF2B5EF4-FFF2-40B4-BE49-F238E27FC236}">
+                <a16:creationId xmlns:a16="http://schemas.microsoft.com/office/drawing/2014/main" id="{E5E8FBDB-1D58-4215-8C3A-90E9B68A6422}"/>
+              </a:ext>
+            </a:extLst>
+          </p:cNvPr>
+          <p:cNvSpPr txBox="1"/>
+          <p:nvPr/>
+        </p:nvSpPr>
+        <p:spPr>
+          <a:xfrm>
+            <a:off x="1097280" y="1882325"/>
+            <a:ext cx="9036534" cy="646331"/>
+          </a:xfrm>
+          <a:prstGeom prst="rect">
+            <a:avLst/>
+          </a:prstGeom>
+          <a:noFill/>
+        </p:spPr>
+        <p:txBody>
+          <a:bodyPr wrap="square" rtlCol="0">
+            <a:spAutoFit/>
+          </a:bodyPr>
+          <a:lstStyle/>
+          <a:p>
+            <a:r>
+              <a:rPr lang="en-GB" dirty="0"/>
+              <a:t>50,000 timings of 50,000 executions of the password root only (no channel writing)   Theoretical time per execution</a:t>
+            </a:r>
+          </a:p>
+        </p:txBody>
+      </p:sp>
+      <p:sp>
+        <p:nvSpPr>
+          <p:cNvPr id="9" name="TextBox 8">
+            <a:extLst>
+              <a:ext uri="{FF2B5EF4-FFF2-40B4-BE49-F238E27FC236}">
+                <a16:creationId xmlns:a16="http://schemas.microsoft.com/office/drawing/2014/main" id="{D7A93ED8-44F3-49AE-B289-311D7BF9CEB4}"/>
+              </a:ext>
+            </a:extLst>
+          </p:cNvPr>
+          <p:cNvSpPr txBox="1"/>
+          <p:nvPr/>
+        </p:nvSpPr>
+        <p:spPr>
+          <a:xfrm>
+            <a:off x="4006391" y="5662042"/>
+            <a:ext cx="3384222" cy="369332"/>
+          </a:xfrm>
+          <a:prstGeom prst="rect">
+            <a:avLst/>
+          </a:prstGeom>
+          <a:noFill/>
+        </p:spPr>
+        <p:txBody>
+          <a:bodyPr wrap="square" rtlCol="0">
+            <a:spAutoFit/>
+          </a:bodyPr>
+          <a:lstStyle/>
+          <a:p>
+            <a:pPr algn="ctr"/>
+            <a:r>
+              <a:rPr lang="en-GB" dirty="0"/>
+              <a:t>Median Time: 81.3  Nanoseconds</a:t>
+            </a:r>
+          </a:p>
+        </p:txBody>
+      </p:sp>
+      <p:pic>
+        <p:nvPicPr>
+          <p:cNvPr id="3" name="Picture 2">
+            <a:extLst>
+              <a:ext uri="{FF2B5EF4-FFF2-40B4-BE49-F238E27FC236}">
+                <a16:creationId xmlns:a16="http://schemas.microsoft.com/office/drawing/2014/main" id="{E0F8AE35-116E-4EAA-9780-FA0D1CE66F97}"/>
+              </a:ext>
+            </a:extLst>
+          </p:cNvPr>
+          <p:cNvPicPr>
+            <a:picLocks noChangeAspect="1"/>
+          </p:cNvPicPr>
+          <p:nvPr/>
+        </p:nvPicPr>
+        <p:blipFill>
+          <a:blip r:embed="rId2"/>
+          <a:stretch>
+            <a:fillRect/>
+          </a:stretch>
+        </p:blipFill>
+        <p:spPr>
+          <a:xfrm>
+            <a:off x="434304" y="2673621"/>
+            <a:ext cx="4572396" cy="2749534"/>
+          </a:xfrm>
+          <a:prstGeom prst="rect">
+            <a:avLst/>
+          </a:prstGeom>
+        </p:spPr>
+      </p:pic>
+      <p:pic>
+        <p:nvPicPr>
+          <p:cNvPr id="11" name="Picture 10">
+            <a:extLst>
+              <a:ext uri="{FF2B5EF4-FFF2-40B4-BE49-F238E27FC236}">
+                <a16:creationId xmlns:a16="http://schemas.microsoft.com/office/drawing/2014/main" id="{14F27F63-0191-48E7-9369-EB7389DD3AF4}"/>
+              </a:ext>
+            </a:extLst>
+          </p:cNvPr>
+          <p:cNvPicPr>
+            <a:picLocks noChangeAspect="1"/>
+          </p:cNvPicPr>
+          <p:nvPr/>
+        </p:nvPicPr>
+        <p:blipFill>
+          <a:blip r:embed="rId3"/>
+          <a:stretch>
+            <a:fillRect/>
+          </a:stretch>
+        </p:blipFill>
+        <p:spPr>
+          <a:xfrm>
+            <a:off x="5136326" y="2669212"/>
+            <a:ext cx="6747371" cy="2749533"/>
+          </a:xfrm>
+          <a:prstGeom prst="rect">
+            <a:avLst/>
+          </a:prstGeom>
+        </p:spPr>
+      </p:pic>
+    </p:spTree>
+    <p:extLst>
+      <p:ext uri="{BB962C8B-B14F-4D97-AF65-F5344CB8AC3E}">
+        <p14:creationId xmlns:p14="http://schemas.microsoft.com/office/powerpoint/2010/main" val="1258088487"/>
+      </p:ext>
+    </p:extLst>
+  </p:cSld>
+  <p:clrMapOvr>
+    <a:masterClrMapping/>
+  </p:clrMapOvr>
+</p:sld>
+</file>
+
+<file path=ppt/slides/slide24.xml><?xml version="1.0" encoding="utf-8"?>
+<p:sld xmlns:a="http://schemas.openxmlformats.org/drawingml/2006/main" xmlns:r="http://schemas.openxmlformats.org/officeDocument/2006/relationships" xmlns:p="http://schemas.openxmlformats.org/presentationml/2006/main">
+  <p:cSld>
+    <p:spTree>
+      <p:nvGrpSpPr>
+        <p:cNvPr id="1" name=""/>
+        <p:cNvGrpSpPr/>
+        <p:nvPr/>
+      </p:nvGrpSpPr>
+      <p:grpSpPr>
+        <a:xfrm>
+          <a:off x="0" y="0"/>
+          <a:ext cx="0" cy="0"/>
+          <a:chOff x="0" y="0"/>
+          <a:chExt cx="0" cy="0"/>
+        </a:xfrm>
+      </p:grpSpPr>
+      <p:sp>
+        <p:nvSpPr>
+          <p:cNvPr id="2" name="Title 1">
+            <a:extLst>
+              <a:ext uri="{FF2B5EF4-FFF2-40B4-BE49-F238E27FC236}">
+                <a16:creationId xmlns:a16="http://schemas.microsoft.com/office/drawing/2014/main" id="{68DF5BF6-84C9-4EA9-B4F7-9C79E31BF526}"/>
+              </a:ext>
+            </a:extLst>
+          </p:cNvPr>
+          <p:cNvSpPr>
+            <a:spLocks noGrp="1"/>
+          </p:cNvSpPr>
+          <p:nvPr>
+            <p:ph type="title"/>
+          </p:nvPr>
+        </p:nvSpPr>
+        <p:spPr/>
+        <p:txBody>
+          <a:bodyPr/>
+          <a:lstStyle/>
+          <a:p>
+            <a:r>
+              <a:rPr lang="en-GB" dirty="0"/>
+              <a:t>Hash password</a:t>
+            </a:r>
+          </a:p>
+        </p:txBody>
+      </p:sp>
+      <p:sp>
+        <p:nvSpPr>
+          <p:cNvPr id="4" name="Footer Placeholder 3">
+            <a:extLst>
+              <a:ext uri="{FF2B5EF4-FFF2-40B4-BE49-F238E27FC236}">
+                <a16:creationId xmlns:a16="http://schemas.microsoft.com/office/drawing/2014/main" id="{5106C4D9-C2A4-4096-980B-37DB8B1FEE55}"/>
+              </a:ext>
+            </a:extLst>
+          </p:cNvPr>
+          <p:cNvSpPr>
+            <a:spLocks noGrp="1"/>
+          </p:cNvSpPr>
+          <p:nvPr>
+            <p:ph type="ftr" sz="quarter" idx="11"/>
+          </p:nvPr>
+        </p:nvSpPr>
+        <p:spPr/>
+        <p:txBody>
+          <a:bodyPr/>
+          <a:lstStyle/>
+          <a:p>
+            <a:r>
+              <a:rPr lang="en-GB"/>
+              <a:t>Jake Bretherton 1800231</a:t>
+            </a:r>
+          </a:p>
+        </p:txBody>
+      </p:sp>
+      <p:sp>
+        <p:nvSpPr>
+          <p:cNvPr id="8" name="TextBox 7">
+            <a:extLst>
+              <a:ext uri="{FF2B5EF4-FFF2-40B4-BE49-F238E27FC236}">
+                <a16:creationId xmlns:a16="http://schemas.microsoft.com/office/drawing/2014/main" id="{E5E8FBDB-1D58-4215-8C3A-90E9B68A6422}"/>
+              </a:ext>
+            </a:extLst>
+          </p:cNvPr>
+          <p:cNvSpPr txBox="1"/>
+          <p:nvPr/>
+        </p:nvSpPr>
+        <p:spPr>
+          <a:xfrm>
+            <a:off x="1097280" y="1882325"/>
+            <a:ext cx="9036534" cy="646331"/>
+          </a:xfrm>
+          <a:prstGeom prst="rect">
+            <a:avLst/>
+          </a:prstGeom>
+          <a:noFill/>
+        </p:spPr>
+        <p:txBody>
+          <a:bodyPr wrap="square" rtlCol="0">
+            <a:spAutoFit/>
+          </a:bodyPr>
+          <a:lstStyle/>
+          <a:p>
+            <a:r>
+              <a:rPr lang="en-GB" dirty="0"/>
+              <a:t>50,000 timings of 50,000 executions of password hashing only (no channel read/writing)     Theoretical time per execution</a:t>
+            </a:r>
+          </a:p>
+        </p:txBody>
+      </p:sp>
+      <p:sp>
+        <p:nvSpPr>
+          <p:cNvPr id="9" name="TextBox 8">
+            <a:extLst>
+              <a:ext uri="{FF2B5EF4-FFF2-40B4-BE49-F238E27FC236}">
+                <a16:creationId xmlns:a16="http://schemas.microsoft.com/office/drawing/2014/main" id="{D7A93ED8-44F3-49AE-B289-311D7BF9CEB4}"/>
+              </a:ext>
+            </a:extLst>
+          </p:cNvPr>
+          <p:cNvSpPr txBox="1"/>
+          <p:nvPr/>
+        </p:nvSpPr>
+        <p:spPr>
+          <a:xfrm>
+            <a:off x="4006391" y="5662042"/>
+            <a:ext cx="3384222" cy="369332"/>
+          </a:xfrm>
+          <a:prstGeom prst="rect">
+            <a:avLst/>
+          </a:prstGeom>
+          <a:noFill/>
+        </p:spPr>
+        <p:txBody>
+          <a:bodyPr wrap="square" rtlCol="0">
+            <a:spAutoFit/>
+          </a:bodyPr>
+          <a:lstStyle/>
+          <a:p>
+            <a:pPr algn="ctr"/>
+            <a:r>
+              <a:rPr lang="en-GB" dirty="0"/>
+              <a:t>Median Time: 8.94 Nanoseconds</a:t>
+            </a:r>
+          </a:p>
+        </p:txBody>
+      </p:sp>
+      <p:pic>
+        <p:nvPicPr>
+          <p:cNvPr id="5" name="Picture 4">
+            <a:extLst>
+              <a:ext uri="{FF2B5EF4-FFF2-40B4-BE49-F238E27FC236}">
+                <a16:creationId xmlns:a16="http://schemas.microsoft.com/office/drawing/2014/main" id="{65E5515F-289D-4A00-9407-BACEBD6582D8}"/>
+              </a:ext>
+            </a:extLst>
+          </p:cNvPr>
+          <p:cNvPicPr>
+            <a:picLocks noChangeAspect="1"/>
+          </p:cNvPicPr>
+          <p:nvPr/>
+        </p:nvPicPr>
+        <p:blipFill>
+          <a:blip r:embed="rId2"/>
+          <a:stretch>
+            <a:fillRect/>
+          </a:stretch>
+        </p:blipFill>
+        <p:spPr>
+          <a:xfrm>
+            <a:off x="661249" y="2723630"/>
+            <a:ext cx="4572396" cy="2743438"/>
+          </a:xfrm>
+          <a:prstGeom prst="rect">
+            <a:avLst/>
+          </a:prstGeom>
+        </p:spPr>
+      </p:pic>
+      <p:pic>
+        <p:nvPicPr>
+          <p:cNvPr id="12" name="Picture 11">
+            <a:extLst>
+              <a:ext uri="{FF2B5EF4-FFF2-40B4-BE49-F238E27FC236}">
+                <a16:creationId xmlns:a16="http://schemas.microsoft.com/office/drawing/2014/main" id="{21367328-63DC-48BA-A941-D3B2F2F8CA13}"/>
+              </a:ext>
+            </a:extLst>
+          </p:cNvPr>
+          <p:cNvPicPr>
+            <a:picLocks noChangeAspect="1"/>
+          </p:cNvPicPr>
+          <p:nvPr/>
+        </p:nvPicPr>
+        <p:blipFill>
+          <a:blip r:embed="rId3"/>
+          <a:stretch>
+            <a:fillRect/>
+          </a:stretch>
+        </p:blipFill>
+        <p:spPr>
+          <a:xfrm>
+            <a:off x="5558269" y="2869947"/>
+            <a:ext cx="5901439" cy="2450804"/>
+          </a:xfrm>
+          <a:prstGeom prst="rect">
+            <a:avLst/>
+          </a:prstGeom>
+        </p:spPr>
+      </p:pic>
+    </p:spTree>
+    <p:extLst>
+      <p:ext uri="{BB962C8B-B14F-4D97-AF65-F5344CB8AC3E}">
+        <p14:creationId xmlns:p14="http://schemas.microsoft.com/office/powerpoint/2010/main" val="109707914"/>
+      </p:ext>
+    </p:extLst>
+  </p:cSld>
+  <p:clrMapOvr>
+    <a:masterClrMapping/>
+  </p:clrMapOvr>
+</p:sld>
+</file>
+
+<file path=ppt/slides/slide25.xml><?xml version="1.0" encoding="utf-8"?>
+<p:sld xmlns:a="http://schemas.openxmlformats.org/drawingml/2006/main" xmlns:r="http://schemas.openxmlformats.org/officeDocument/2006/relationships" xmlns:p="http://schemas.openxmlformats.org/presentationml/2006/main">
+  <p:cSld>
+    <p:spTree>
+      <p:nvGrpSpPr>
+        <p:cNvPr id="1" name=""/>
+        <p:cNvGrpSpPr/>
+        <p:nvPr/>
+      </p:nvGrpSpPr>
+      <p:grpSpPr>
+        <a:xfrm>
+          <a:off x="0" y="0"/>
+          <a:ext cx="0" cy="0"/>
+          <a:chOff x="0" y="0"/>
+          <a:chExt cx="0" cy="0"/>
+        </a:xfrm>
+      </p:grpSpPr>
+      <p:sp>
+        <p:nvSpPr>
+          <p:cNvPr id="2" name="Title 1">
+            <a:extLst>
+              <a:ext uri="{FF2B5EF4-FFF2-40B4-BE49-F238E27FC236}">
+                <a16:creationId xmlns:a16="http://schemas.microsoft.com/office/drawing/2014/main" id="{68DF5BF6-84C9-4EA9-B4F7-9C79E31BF526}"/>
+              </a:ext>
+            </a:extLst>
+          </p:cNvPr>
+          <p:cNvSpPr>
+            <a:spLocks noGrp="1"/>
+          </p:cNvSpPr>
+          <p:nvPr>
+            <p:ph type="title"/>
+          </p:nvPr>
+        </p:nvSpPr>
+        <p:spPr/>
+        <p:txBody>
+          <a:bodyPr/>
+          <a:lstStyle/>
+          <a:p>
+            <a:r>
+              <a:rPr lang="en-GB" dirty="0"/>
+              <a:t>Hash comparison</a:t>
+            </a:r>
+          </a:p>
+        </p:txBody>
+      </p:sp>
+      <p:sp>
+        <p:nvSpPr>
+          <p:cNvPr id="4" name="Footer Placeholder 3">
+            <a:extLst>
+              <a:ext uri="{FF2B5EF4-FFF2-40B4-BE49-F238E27FC236}">
+                <a16:creationId xmlns:a16="http://schemas.microsoft.com/office/drawing/2014/main" id="{5106C4D9-C2A4-4096-980B-37DB8B1FEE55}"/>
+              </a:ext>
+            </a:extLst>
+          </p:cNvPr>
+          <p:cNvSpPr>
+            <a:spLocks noGrp="1"/>
+          </p:cNvSpPr>
+          <p:nvPr>
+            <p:ph type="ftr" sz="quarter" idx="11"/>
+          </p:nvPr>
+        </p:nvSpPr>
+        <p:spPr/>
+        <p:txBody>
+          <a:bodyPr/>
+          <a:lstStyle/>
+          <a:p>
+            <a:r>
+              <a:rPr lang="en-GB"/>
+              <a:t>Jake Bretherton 1800231</a:t>
+            </a:r>
+          </a:p>
+        </p:txBody>
+      </p:sp>
+      <p:sp>
+        <p:nvSpPr>
+          <p:cNvPr id="8" name="TextBox 7">
+            <a:extLst>
+              <a:ext uri="{FF2B5EF4-FFF2-40B4-BE49-F238E27FC236}">
+                <a16:creationId xmlns:a16="http://schemas.microsoft.com/office/drawing/2014/main" id="{E5E8FBDB-1D58-4215-8C3A-90E9B68A6422}"/>
+              </a:ext>
+            </a:extLst>
+          </p:cNvPr>
+          <p:cNvSpPr txBox="1"/>
+          <p:nvPr/>
+        </p:nvSpPr>
+        <p:spPr>
+          <a:xfrm>
+            <a:off x="1097280" y="1882325"/>
+            <a:ext cx="9036534" cy="646331"/>
+          </a:xfrm>
+          <a:prstGeom prst="rect">
+            <a:avLst/>
+          </a:prstGeom>
+          <a:noFill/>
+        </p:spPr>
+        <p:txBody>
+          <a:bodyPr wrap="square" rtlCol="0">
+            <a:spAutoFit/>
+          </a:bodyPr>
+          <a:lstStyle/>
+          <a:p>
+            <a:r>
+              <a:rPr lang="en-GB" dirty="0"/>
+              <a:t>50,000 timings of 50,000 executions of hash comparison work only (no channel reading)     Theoretical time per execution</a:t>
+            </a:r>
+          </a:p>
+        </p:txBody>
+      </p:sp>
+      <p:sp>
+        <p:nvSpPr>
+          <p:cNvPr id="9" name="TextBox 8">
+            <a:extLst>
+              <a:ext uri="{FF2B5EF4-FFF2-40B4-BE49-F238E27FC236}">
+                <a16:creationId xmlns:a16="http://schemas.microsoft.com/office/drawing/2014/main" id="{D7A93ED8-44F3-49AE-B289-311D7BF9CEB4}"/>
+              </a:ext>
+            </a:extLst>
+          </p:cNvPr>
+          <p:cNvSpPr txBox="1"/>
+          <p:nvPr/>
+        </p:nvSpPr>
+        <p:spPr>
+          <a:xfrm>
+            <a:off x="4006391" y="5662042"/>
+            <a:ext cx="3384222" cy="369332"/>
+          </a:xfrm>
+          <a:prstGeom prst="rect">
+            <a:avLst/>
+          </a:prstGeom>
+          <a:noFill/>
+        </p:spPr>
+        <p:txBody>
+          <a:bodyPr wrap="square" rtlCol="0">
+            <a:spAutoFit/>
+          </a:bodyPr>
+          <a:lstStyle/>
+          <a:p>
+            <a:pPr algn="ctr"/>
+            <a:r>
+              <a:rPr lang="en-GB" dirty="0"/>
+              <a:t>Median Time: 18.44 Nanoseconds</a:t>
+            </a:r>
+          </a:p>
+        </p:txBody>
+      </p:sp>
+      <p:pic>
+        <p:nvPicPr>
+          <p:cNvPr id="7" name="Picture 6">
+            <a:extLst>
+              <a:ext uri="{FF2B5EF4-FFF2-40B4-BE49-F238E27FC236}">
+                <a16:creationId xmlns:a16="http://schemas.microsoft.com/office/drawing/2014/main" id="{DFF8DC80-74A5-4DC0-B5F5-0E9157462597}"/>
+              </a:ext>
+            </a:extLst>
+          </p:cNvPr>
+          <p:cNvPicPr>
+            <a:picLocks noChangeAspect="1"/>
+          </p:cNvPicPr>
+          <p:nvPr/>
+        </p:nvPicPr>
+        <p:blipFill>
+          <a:blip r:embed="rId2"/>
+          <a:stretch>
+            <a:fillRect/>
+          </a:stretch>
+        </p:blipFill>
+        <p:spPr>
+          <a:xfrm>
+            <a:off x="5390614" y="2841571"/>
+            <a:ext cx="6236749" cy="2469094"/>
+          </a:xfrm>
+          <a:prstGeom prst="rect">
+            <a:avLst/>
+          </a:prstGeom>
+        </p:spPr>
+      </p:pic>
+      <p:pic>
+        <p:nvPicPr>
+          <p:cNvPr id="10" name="Picture 9">
+            <a:extLst>
+              <a:ext uri="{FF2B5EF4-FFF2-40B4-BE49-F238E27FC236}">
+                <a16:creationId xmlns:a16="http://schemas.microsoft.com/office/drawing/2014/main" id="{03F8F5DC-72D9-4302-956E-F8421BECC1BB}"/>
+              </a:ext>
+            </a:extLst>
+          </p:cNvPr>
+          <p:cNvPicPr>
+            <a:picLocks noChangeAspect="1"/>
+          </p:cNvPicPr>
+          <p:nvPr/>
+        </p:nvPicPr>
+        <p:blipFill>
+          <a:blip r:embed="rId3"/>
+          <a:stretch>
+            <a:fillRect/>
+          </a:stretch>
+        </p:blipFill>
+        <p:spPr>
+          <a:xfrm>
+            <a:off x="609402" y="2704399"/>
+            <a:ext cx="4572396" cy="2743438"/>
+          </a:xfrm>
+          <a:prstGeom prst="rect">
+            <a:avLst/>
+          </a:prstGeom>
+        </p:spPr>
+      </p:pic>
+    </p:spTree>
+    <p:extLst>
+      <p:ext uri="{BB962C8B-B14F-4D97-AF65-F5344CB8AC3E}">
+        <p14:creationId xmlns:p14="http://schemas.microsoft.com/office/powerpoint/2010/main" val="2345928406"/>
+      </p:ext>
+    </p:extLst>
+  </p:cSld>
+  <p:clrMapOvr>
+    <a:masterClrMapping/>
+  </p:clrMapOvr>
+</p:sld>
+</file>
+
+<file path=ppt/slides/slide26.xml><?xml version="1.0" encoding="utf-8"?>
+<p:sld xmlns:a="http://schemas.openxmlformats.org/drawingml/2006/main" xmlns:r="http://schemas.openxmlformats.org/officeDocument/2006/relationships" xmlns:p="http://schemas.openxmlformats.org/presentationml/2006/main">
+  <p:cSld>
+    <p:spTree>
+      <p:nvGrpSpPr>
+        <p:cNvPr id="1" name=""/>
+        <p:cNvGrpSpPr/>
+        <p:nvPr/>
+      </p:nvGrpSpPr>
+      <p:grpSpPr>
+        <a:xfrm>
+          <a:off x="0" y="0"/>
+          <a:ext cx="0" cy="0"/>
+          <a:chOff x="0" y="0"/>
+          <a:chExt cx="0" cy="0"/>
+        </a:xfrm>
+      </p:grpSpPr>
+      <p:sp>
+        <p:nvSpPr>
+          <p:cNvPr id="2" name="Title 1">
+            <a:extLst>
+              <a:ext uri="{FF2B5EF4-FFF2-40B4-BE49-F238E27FC236}">
+                <a16:creationId xmlns:a16="http://schemas.microsoft.com/office/drawing/2014/main" id="{68DF5BF6-84C9-4EA9-B4F7-9C79E31BF526}"/>
+              </a:ext>
+            </a:extLst>
+          </p:cNvPr>
+          <p:cNvSpPr>
+            <a:spLocks noGrp="1"/>
+          </p:cNvSpPr>
+          <p:nvPr>
+            <p:ph type="title"/>
+          </p:nvPr>
+        </p:nvSpPr>
+        <p:spPr/>
+        <p:txBody>
+          <a:bodyPr/>
+          <a:lstStyle/>
+          <a:p>
+            <a:r>
+              <a:rPr lang="en-GB" dirty="0"/>
+              <a:t>Channel reading string</a:t>
+            </a:r>
+          </a:p>
+        </p:txBody>
+      </p:sp>
+      <p:sp>
+        <p:nvSpPr>
+          <p:cNvPr id="4" name="Footer Placeholder 3">
+            <a:extLst>
+              <a:ext uri="{FF2B5EF4-FFF2-40B4-BE49-F238E27FC236}">
+                <a16:creationId xmlns:a16="http://schemas.microsoft.com/office/drawing/2014/main" id="{5106C4D9-C2A4-4096-980B-37DB8B1FEE55}"/>
+              </a:ext>
+            </a:extLst>
+          </p:cNvPr>
+          <p:cNvSpPr>
+            <a:spLocks noGrp="1"/>
+          </p:cNvSpPr>
+          <p:nvPr>
+            <p:ph type="ftr" sz="quarter" idx="11"/>
+          </p:nvPr>
+        </p:nvSpPr>
+        <p:spPr/>
+        <p:txBody>
+          <a:bodyPr/>
+          <a:lstStyle/>
+          <a:p>
+            <a:r>
+              <a:rPr lang="en-GB"/>
+              <a:t>Jake Bretherton 1800231</a:t>
+            </a:r>
+          </a:p>
+        </p:txBody>
+      </p:sp>
+      <p:sp>
+        <p:nvSpPr>
+          <p:cNvPr id="8" name="TextBox 7">
+            <a:extLst>
+              <a:ext uri="{FF2B5EF4-FFF2-40B4-BE49-F238E27FC236}">
+                <a16:creationId xmlns:a16="http://schemas.microsoft.com/office/drawing/2014/main" id="{E5E8FBDB-1D58-4215-8C3A-90E9B68A6422}"/>
+              </a:ext>
+            </a:extLst>
+          </p:cNvPr>
+          <p:cNvSpPr txBox="1"/>
+          <p:nvPr/>
+        </p:nvSpPr>
+        <p:spPr>
+          <a:xfrm>
+            <a:off x="1097280" y="1882325"/>
+            <a:ext cx="9036534" cy="646331"/>
+          </a:xfrm>
+          <a:prstGeom prst="rect">
+            <a:avLst/>
+          </a:prstGeom>
+          <a:noFill/>
+        </p:spPr>
+        <p:txBody>
+          <a:bodyPr wrap="square" rtlCol="0">
+            <a:spAutoFit/>
+          </a:bodyPr>
+          <a:lstStyle/>
+          <a:p>
+            <a:r>
+              <a:rPr lang="en-GB" dirty="0"/>
+              <a:t>50,000 timings of 50,000 executions of reading a string from a channel    </a:t>
+            </a:r>
+          </a:p>
+          <a:p>
+            <a:r>
+              <a:rPr lang="en-GB" dirty="0"/>
+              <a:t>Theoretical time per execution</a:t>
+            </a:r>
+          </a:p>
+        </p:txBody>
+      </p:sp>
+      <p:sp>
+        <p:nvSpPr>
+          <p:cNvPr id="9" name="TextBox 8">
+            <a:extLst>
+              <a:ext uri="{FF2B5EF4-FFF2-40B4-BE49-F238E27FC236}">
+                <a16:creationId xmlns:a16="http://schemas.microsoft.com/office/drawing/2014/main" id="{D7A93ED8-44F3-49AE-B289-311D7BF9CEB4}"/>
+              </a:ext>
+            </a:extLst>
+          </p:cNvPr>
+          <p:cNvSpPr txBox="1"/>
+          <p:nvPr/>
+        </p:nvSpPr>
+        <p:spPr>
+          <a:xfrm>
+            <a:off x="4006391" y="5662042"/>
+            <a:ext cx="3384222" cy="369332"/>
+          </a:xfrm>
+          <a:prstGeom prst="rect">
+            <a:avLst/>
+          </a:prstGeom>
+          <a:noFill/>
+        </p:spPr>
+        <p:txBody>
+          <a:bodyPr wrap="square" rtlCol="0">
+            <a:spAutoFit/>
+          </a:bodyPr>
+          <a:lstStyle/>
+          <a:p>
+            <a:pPr algn="ctr"/>
+            <a:r>
+              <a:rPr lang="en-GB" dirty="0"/>
+              <a:t>Median Time: 70.56 Nanoseconds</a:t>
+            </a:r>
+          </a:p>
+        </p:txBody>
+      </p:sp>
+      <p:pic>
+        <p:nvPicPr>
+          <p:cNvPr id="3" name="Picture 2">
+            <a:extLst>
+              <a:ext uri="{FF2B5EF4-FFF2-40B4-BE49-F238E27FC236}">
+                <a16:creationId xmlns:a16="http://schemas.microsoft.com/office/drawing/2014/main" id="{D91A2519-596C-4A68-BF5C-CF4CF2A26DBB}"/>
+              </a:ext>
+            </a:extLst>
+          </p:cNvPr>
+          <p:cNvPicPr>
+            <a:picLocks noChangeAspect="1"/>
+          </p:cNvPicPr>
+          <p:nvPr/>
+        </p:nvPicPr>
+        <p:blipFill>
+          <a:blip r:embed="rId2"/>
+          <a:stretch>
+            <a:fillRect/>
+          </a:stretch>
+        </p:blipFill>
+        <p:spPr>
+          <a:xfrm>
+            <a:off x="6399497" y="2915671"/>
+            <a:ext cx="4413887" cy="2359356"/>
+          </a:xfrm>
+          <a:prstGeom prst="rect">
+            <a:avLst/>
+          </a:prstGeom>
+        </p:spPr>
+      </p:pic>
+      <p:pic>
+        <p:nvPicPr>
+          <p:cNvPr id="5" name="Picture 4">
+            <a:extLst>
+              <a:ext uri="{FF2B5EF4-FFF2-40B4-BE49-F238E27FC236}">
+                <a16:creationId xmlns:a16="http://schemas.microsoft.com/office/drawing/2014/main" id="{EAFA220F-D5E5-4E6E-B7F8-6E32BE6A25C8}"/>
+              </a:ext>
+            </a:extLst>
+          </p:cNvPr>
+          <p:cNvPicPr>
+            <a:picLocks noChangeAspect="1"/>
+          </p:cNvPicPr>
+          <p:nvPr/>
+        </p:nvPicPr>
+        <p:blipFill>
+          <a:blip r:embed="rId3"/>
+          <a:stretch>
+            <a:fillRect/>
+          </a:stretch>
+        </p:blipFill>
+        <p:spPr>
+          <a:xfrm>
+            <a:off x="1097280" y="2720582"/>
+            <a:ext cx="4578493" cy="2749534"/>
+          </a:xfrm>
+          <a:prstGeom prst="rect">
+            <a:avLst/>
+          </a:prstGeom>
+        </p:spPr>
+      </p:pic>
+    </p:spTree>
+    <p:extLst>
+      <p:ext uri="{BB962C8B-B14F-4D97-AF65-F5344CB8AC3E}">
+        <p14:creationId xmlns:p14="http://schemas.microsoft.com/office/powerpoint/2010/main" val="121912016"/>
+      </p:ext>
+    </p:extLst>
+  </p:cSld>
+  <p:clrMapOvr>
+    <a:masterClrMapping/>
+  </p:clrMapOvr>
+</p:sld>
+</file>
+
+<file path=ppt/slides/slide27.xml><?xml version="1.0" encoding="utf-8"?>
+<p:sld xmlns:a="http://schemas.openxmlformats.org/drawingml/2006/main" xmlns:r="http://schemas.openxmlformats.org/officeDocument/2006/relationships" xmlns:p="http://schemas.openxmlformats.org/presentationml/2006/main">
+  <p:cSld>
+    <p:spTree>
+      <p:nvGrpSpPr>
+        <p:cNvPr id="1" name=""/>
+        <p:cNvGrpSpPr/>
+        <p:nvPr/>
+      </p:nvGrpSpPr>
+      <p:grpSpPr>
+        <a:xfrm>
+          <a:off x="0" y="0"/>
+          <a:ext cx="0" cy="0"/>
+          <a:chOff x="0" y="0"/>
+          <a:chExt cx="0" cy="0"/>
+        </a:xfrm>
+      </p:grpSpPr>
+      <p:sp>
+        <p:nvSpPr>
+          <p:cNvPr id="2" name="Title 1">
+            <a:extLst>
+              <a:ext uri="{FF2B5EF4-FFF2-40B4-BE49-F238E27FC236}">
+                <a16:creationId xmlns:a16="http://schemas.microsoft.com/office/drawing/2014/main" id="{68DF5BF6-84C9-4EA9-B4F7-9C79E31BF526}"/>
+              </a:ext>
+            </a:extLst>
+          </p:cNvPr>
+          <p:cNvSpPr>
+            <a:spLocks noGrp="1"/>
+          </p:cNvSpPr>
+          <p:nvPr>
+            <p:ph type="title"/>
+          </p:nvPr>
+        </p:nvSpPr>
+        <p:spPr/>
+        <p:txBody>
+          <a:bodyPr/>
+          <a:lstStyle/>
+          <a:p>
+            <a:r>
+              <a:rPr lang="en-GB" dirty="0"/>
+              <a:t>Channel writing string</a:t>
+            </a:r>
+          </a:p>
+        </p:txBody>
+      </p:sp>
+      <p:sp>
+        <p:nvSpPr>
+          <p:cNvPr id="4" name="Footer Placeholder 3">
+            <a:extLst>
+              <a:ext uri="{FF2B5EF4-FFF2-40B4-BE49-F238E27FC236}">
+                <a16:creationId xmlns:a16="http://schemas.microsoft.com/office/drawing/2014/main" id="{5106C4D9-C2A4-4096-980B-37DB8B1FEE55}"/>
+              </a:ext>
+            </a:extLst>
+          </p:cNvPr>
+          <p:cNvSpPr>
+            <a:spLocks noGrp="1"/>
+          </p:cNvSpPr>
+          <p:nvPr>
+            <p:ph type="ftr" sz="quarter" idx="11"/>
+          </p:nvPr>
+        </p:nvSpPr>
+        <p:spPr/>
+        <p:txBody>
+          <a:bodyPr/>
+          <a:lstStyle/>
+          <a:p>
+            <a:r>
+              <a:rPr lang="en-GB"/>
+              <a:t>Jake Bretherton 1800231</a:t>
+            </a:r>
+          </a:p>
+        </p:txBody>
+      </p:sp>
+      <p:sp>
+        <p:nvSpPr>
+          <p:cNvPr id="8" name="TextBox 7">
+            <a:extLst>
+              <a:ext uri="{FF2B5EF4-FFF2-40B4-BE49-F238E27FC236}">
+                <a16:creationId xmlns:a16="http://schemas.microsoft.com/office/drawing/2014/main" id="{E5E8FBDB-1D58-4215-8C3A-90E9B68A6422}"/>
+              </a:ext>
+            </a:extLst>
+          </p:cNvPr>
+          <p:cNvSpPr txBox="1"/>
+          <p:nvPr/>
+        </p:nvSpPr>
+        <p:spPr>
+          <a:xfrm>
+            <a:off x="1097280" y="1882325"/>
+            <a:ext cx="9036534" cy="646331"/>
+          </a:xfrm>
+          <a:prstGeom prst="rect">
+            <a:avLst/>
+          </a:prstGeom>
+          <a:noFill/>
+        </p:spPr>
+        <p:txBody>
+          <a:bodyPr wrap="square" rtlCol="0">
+            <a:spAutoFit/>
+          </a:bodyPr>
+          <a:lstStyle/>
+          <a:p>
+            <a:r>
+              <a:rPr lang="en-GB" dirty="0"/>
+              <a:t>50,000 timings of 50,000 executions of writing a string to a channel</a:t>
+            </a:r>
+          </a:p>
+          <a:p>
+            <a:r>
+              <a:rPr lang="en-GB" dirty="0"/>
+              <a:t>Theoretical time per execution</a:t>
+            </a:r>
+          </a:p>
+        </p:txBody>
+      </p:sp>
+      <p:sp>
+        <p:nvSpPr>
+          <p:cNvPr id="9" name="TextBox 8">
+            <a:extLst>
+              <a:ext uri="{FF2B5EF4-FFF2-40B4-BE49-F238E27FC236}">
+                <a16:creationId xmlns:a16="http://schemas.microsoft.com/office/drawing/2014/main" id="{D7A93ED8-44F3-49AE-B289-311D7BF9CEB4}"/>
+              </a:ext>
+            </a:extLst>
+          </p:cNvPr>
+          <p:cNvSpPr txBox="1"/>
+          <p:nvPr/>
+        </p:nvSpPr>
+        <p:spPr>
+          <a:xfrm>
+            <a:off x="4006391" y="5605873"/>
+            <a:ext cx="3384222" cy="646331"/>
+          </a:xfrm>
+          <a:prstGeom prst="rect">
+            <a:avLst/>
+          </a:prstGeom>
+          <a:noFill/>
+        </p:spPr>
+        <p:txBody>
+          <a:bodyPr wrap="square" rtlCol="0">
+            <a:spAutoFit/>
+          </a:bodyPr>
+          <a:lstStyle/>
+          <a:p>
+            <a:pPr algn="ctr"/>
+            <a:r>
+              <a:rPr lang="en-GB" dirty="0"/>
+              <a:t>Median Time: 106.98 Nanoseconds</a:t>
+            </a:r>
+          </a:p>
+        </p:txBody>
+      </p:sp>
+      <p:pic>
+        <p:nvPicPr>
+          <p:cNvPr id="3" name="Picture 2">
+            <a:extLst>
+              <a:ext uri="{FF2B5EF4-FFF2-40B4-BE49-F238E27FC236}">
+                <a16:creationId xmlns:a16="http://schemas.microsoft.com/office/drawing/2014/main" id="{661BDBE1-CD91-45F8-BE38-8391D6339D9E}"/>
+              </a:ext>
+            </a:extLst>
+          </p:cNvPr>
+          <p:cNvPicPr>
+            <a:picLocks noChangeAspect="1"/>
+          </p:cNvPicPr>
+          <p:nvPr/>
+        </p:nvPicPr>
+        <p:blipFill>
+          <a:blip r:embed="rId2"/>
+          <a:stretch>
+            <a:fillRect/>
+          </a:stretch>
+        </p:blipFill>
+        <p:spPr>
+          <a:xfrm>
+            <a:off x="5836231" y="2924815"/>
+            <a:ext cx="5413717" cy="2341067"/>
+          </a:xfrm>
+          <a:prstGeom prst="rect">
+            <a:avLst/>
+          </a:prstGeom>
+        </p:spPr>
+      </p:pic>
+      <p:pic>
+        <p:nvPicPr>
+          <p:cNvPr id="5" name="Picture 4">
+            <a:extLst>
+              <a:ext uri="{FF2B5EF4-FFF2-40B4-BE49-F238E27FC236}">
+                <a16:creationId xmlns:a16="http://schemas.microsoft.com/office/drawing/2014/main" id="{A3A836F3-A593-443F-AD0D-F48689130114}"/>
+              </a:ext>
+            </a:extLst>
+          </p:cNvPr>
+          <p:cNvPicPr>
+            <a:picLocks noChangeAspect="1"/>
+          </p:cNvPicPr>
+          <p:nvPr/>
+        </p:nvPicPr>
+        <p:blipFill>
+          <a:blip r:embed="rId3"/>
+          <a:stretch>
+            <a:fillRect/>
+          </a:stretch>
+        </p:blipFill>
+        <p:spPr>
+          <a:xfrm>
+            <a:off x="846112" y="2723630"/>
+            <a:ext cx="4572396" cy="2743438"/>
+          </a:xfrm>
+          <a:prstGeom prst="rect">
+            <a:avLst/>
+          </a:prstGeom>
+        </p:spPr>
+      </p:pic>
+    </p:spTree>
+    <p:extLst>
+      <p:ext uri="{BB962C8B-B14F-4D97-AF65-F5344CB8AC3E}">
+        <p14:creationId xmlns:p14="http://schemas.microsoft.com/office/powerpoint/2010/main" val="1504007061"/>
+      </p:ext>
+    </p:extLst>
+  </p:cSld>
+  <p:clrMapOvr>
+    <a:masterClrMapping/>
+  </p:clrMapOvr>
+</p:sld>
+</file>
+
+<file path=ppt/slides/slide28.xml><?xml version="1.0" encoding="utf-8"?>
+<p:sld xmlns:a="http://schemas.openxmlformats.org/drawingml/2006/main" xmlns:r="http://schemas.openxmlformats.org/officeDocument/2006/relationships" xmlns:p="http://schemas.openxmlformats.org/presentationml/2006/main">
+  <p:cSld>
+    <p:spTree>
+      <p:nvGrpSpPr>
+        <p:cNvPr id="1" name=""/>
+        <p:cNvGrpSpPr/>
+        <p:nvPr/>
+      </p:nvGrpSpPr>
+      <p:grpSpPr>
+        <a:xfrm>
+          <a:off x="0" y="0"/>
+          <a:ext cx="0" cy="0"/>
+          <a:chOff x="0" y="0"/>
+          <a:chExt cx="0" cy="0"/>
+        </a:xfrm>
+      </p:grpSpPr>
+      <p:sp>
+        <p:nvSpPr>
+          <p:cNvPr id="2" name="Title 1">
+            <a:extLst>
+              <a:ext uri="{FF2B5EF4-FFF2-40B4-BE49-F238E27FC236}">
+                <a16:creationId xmlns:a16="http://schemas.microsoft.com/office/drawing/2014/main" id="{68DF5BF6-84C9-4EA9-B4F7-9C79E31BF526}"/>
+              </a:ext>
+            </a:extLst>
+          </p:cNvPr>
+          <p:cNvSpPr>
+            <a:spLocks noGrp="1"/>
+          </p:cNvSpPr>
+          <p:nvPr>
+            <p:ph type="title"/>
+          </p:nvPr>
+        </p:nvSpPr>
+        <p:spPr/>
+        <p:txBody>
+          <a:bodyPr/>
+          <a:lstStyle/>
+          <a:p>
+            <a:r>
+              <a:rPr lang="en-GB" dirty="0"/>
+              <a:t>Channel reading </a:t>
+            </a:r>
+            <a:r>
+              <a:rPr lang="en-GB" dirty="0" err="1"/>
+              <a:t>hashpair</a:t>
+            </a:r>
+            <a:endParaRPr lang="en-GB" dirty="0"/>
+          </a:p>
+        </p:txBody>
+      </p:sp>
+      <p:sp>
+        <p:nvSpPr>
+          <p:cNvPr id="4" name="Footer Placeholder 3">
+            <a:extLst>
+              <a:ext uri="{FF2B5EF4-FFF2-40B4-BE49-F238E27FC236}">
+                <a16:creationId xmlns:a16="http://schemas.microsoft.com/office/drawing/2014/main" id="{5106C4D9-C2A4-4096-980B-37DB8B1FEE55}"/>
+              </a:ext>
+            </a:extLst>
+          </p:cNvPr>
+          <p:cNvSpPr>
+            <a:spLocks noGrp="1"/>
+          </p:cNvSpPr>
+          <p:nvPr>
+            <p:ph type="ftr" sz="quarter" idx="11"/>
+          </p:nvPr>
+        </p:nvSpPr>
+        <p:spPr/>
+        <p:txBody>
+          <a:bodyPr/>
+          <a:lstStyle/>
+          <a:p>
+            <a:r>
+              <a:rPr lang="en-GB"/>
+              <a:t>Jake Bretherton 1800231</a:t>
+            </a:r>
+          </a:p>
+        </p:txBody>
+      </p:sp>
+      <p:sp>
+        <p:nvSpPr>
+          <p:cNvPr id="8" name="TextBox 7">
+            <a:extLst>
+              <a:ext uri="{FF2B5EF4-FFF2-40B4-BE49-F238E27FC236}">
+                <a16:creationId xmlns:a16="http://schemas.microsoft.com/office/drawing/2014/main" id="{E5E8FBDB-1D58-4215-8C3A-90E9B68A6422}"/>
+              </a:ext>
+            </a:extLst>
+          </p:cNvPr>
+          <p:cNvSpPr txBox="1"/>
+          <p:nvPr/>
+        </p:nvSpPr>
+        <p:spPr>
+          <a:xfrm>
+            <a:off x="1097280" y="1882325"/>
+            <a:ext cx="9036534" cy="646331"/>
+          </a:xfrm>
+          <a:prstGeom prst="rect">
+            <a:avLst/>
+          </a:prstGeom>
+          <a:noFill/>
+        </p:spPr>
+        <p:txBody>
+          <a:bodyPr wrap="square" rtlCol="0">
+            <a:spAutoFit/>
+          </a:bodyPr>
+          <a:lstStyle/>
+          <a:p>
+            <a:r>
+              <a:rPr lang="en-GB" dirty="0"/>
+              <a:t>50,000 timings of 50,000 executions of reading a string and hash from a channel </a:t>
+            </a:r>
+          </a:p>
+          <a:p>
+            <a:r>
+              <a:rPr lang="en-GB" dirty="0"/>
+              <a:t>Theoretical time per execution</a:t>
+            </a:r>
+          </a:p>
+        </p:txBody>
+      </p:sp>
+      <p:sp>
+        <p:nvSpPr>
+          <p:cNvPr id="9" name="TextBox 8">
+            <a:extLst>
+              <a:ext uri="{FF2B5EF4-FFF2-40B4-BE49-F238E27FC236}">
+                <a16:creationId xmlns:a16="http://schemas.microsoft.com/office/drawing/2014/main" id="{D7A93ED8-44F3-49AE-B289-311D7BF9CEB4}"/>
+              </a:ext>
+            </a:extLst>
+          </p:cNvPr>
+          <p:cNvSpPr txBox="1"/>
+          <p:nvPr/>
+        </p:nvSpPr>
+        <p:spPr>
+          <a:xfrm>
+            <a:off x="4006391" y="5662042"/>
+            <a:ext cx="3384222" cy="369332"/>
+          </a:xfrm>
+          <a:prstGeom prst="rect">
+            <a:avLst/>
+          </a:prstGeom>
+          <a:noFill/>
+        </p:spPr>
+        <p:txBody>
+          <a:bodyPr wrap="square" rtlCol="0">
+            <a:spAutoFit/>
+          </a:bodyPr>
+          <a:lstStyle/>
+          <a:p>
+            <a:pPr algn="ctr"/>
+            <a:r>
+              <a:rPr lang="en-GB" dirty="0"/>
+              <a:t>Median Time: 73.56 Nanoseconds</a:t>
+            </a:r>
+          </a:p>
+        </p:txBody>
+      </p:sp>
+      <p:pic>
+        <p:nvPicPr>
+          <p:cNvPr id="3" name="Picture 2">
+            <a:extLst>
+              <a:ext uri="{FF2B5EF4-FFF2-40B4-BE49-F238E27FC236}">
+                <a16:creationId xmlns:a16="http://schemas.microsoft.com/office/drawing/2014/main" id="{DAFC9B4B-C1BC-4C64-AD51-81CF4375E117}"/>
+              </a:ext>
+            </a:extLst>
+          </p:cNvPr>
+          <p:cNvPicPr>
+            <a:picLocks noChangeAspect="1"/>
+          </p:cNvPicPr>
+          <p:nvPr/>
+        </p:nvPicPr>
+        <p:blipFill>
+          <a:blip r:embed="rId2"/>
+          <a:stretch>
+            <a:fillRect/>
+          </a:stretch>
+        </p:blipFill>
+        <p:spPr>
+          <a:xfrm>
+            <a:off x="940142" y="2673621"/>
+            <a:ext cx="4572396" cy="2749534"/>
+          </a:xfrm>
+          <a:prstGeom prst="rect">
+            <a:avLst/>
+          </a:prstGeom>
+        </p:spPr>
+      </p:pic>
+      <p:pic>
+        <p:nvPicPr>
+          <p:cNvPr id="5" name="Picture 4">
+            <a:extLst>
+              <a:ext uri="{FF2B5EF4-FFF2-40B4-BE49-F238E27FC236}">
+                <a16:creationId xmlns:a16="http://schemas.microsoft.com/office/drawing/2014/main" id="{4CBDA5B7-F4D4-45C9-BC26-9E8F3FD78923}"/>
+              </a:ext>
+            </a:extLst>
+          </p:cNvPr>
+          <p:cNvPicPr>
+            <a:picLocks noChangeAspect="1"/>
+          </p:cNvPicPr>
+          <p:nvPr/>
+        </p:nvPicPr>
+        <p:blipFill>
+          <a:blip r:embed="rId3"/>
+          <a:stretch>
+            <a:fillRect/>
+          </a:stretch>
+        </p:blipFill>
+        <p:spPr>
+          <a:xfrm>
+            <a:off x="6209800" y="2859565"/>
+            <a:ext cx="4791871" cy="2377646"/>
+          </a:xfrm>
+          <a:prstGeom prst="rect">
+            <a:avLst/>
+          </a:prstGeom>
+        </p:spPr>
+      </p:pic>
+    </p:spTree>
+    <p:extLst>
+      <p:ext uri="{BB962C8B-B14F-4D97-AF65-F5344CB8AC3E}">
+        <p14:creationId xmlns:p14="http://schemas.microsoft.com/office/powerpoint/2010/main" val="3349619811"/>
+      </p:ext>
+    </p:extLst>
+  </p:cSld>
+  <p:clrMapOvr>
+    <a:masterClrMapping/>
+  </p:clrMapOvr>
+</p:sld>
+</file>
+
+<file path=ppt/slides/slide29.xml><?xml version="1.0" encoding="utf-8"?>
+<p:sld xmlns:a="http://schemas.openxmlformats.org/drawingml/2006/main" xmlns:r="http://schemas.openxmlformats.org/officeDocument/2006/relationships" xmlns:p="http://schemas.openxmlformats.org/presentationml/2006/main">
+  <p:cSld>
+    <p:spTree>
+      <p:nvGrpSpPr>
+        <p:cNvPr id="1" name=""/>
+        <p:cNvGrpSpPr/>
+        <p:nvPr/>
+      </p:nvGrpSpPr>
+      <p:grpSpPr>
+        <a:xfrm>
+          <a:off x="0" y="0"/>
+          <a:ext cx="0" cy="0"/>
+          <a:chOff x="0" y="0"/>
+          <a:chExt cx="0" cy="0"/>
+        </a:xfrm>
+      </p:grpSpPr>
+      <p:sp>
+        <p:nvSpPr>
+          <p:cNvPr id="2" name="Title 1">
+            <a:extLst>
+              <a:ext uri="{FF2B5EF4-FFF2-40B4-BE49-F238E27FC236}">
+                <a16:creationId xmlns:a16="http://schemas.microsoft.com/office/drawing/2014/main" id="{1AB65A3D-D16C-438E-B82D-48A8C1AF1FE5}"/>
+              </a:ext>
+            </a:extLst>
+          </p:cNvPr>
+          <p:cNvSpPr>
+            <a:spLocks noGrp="1"/>
+          </p:cNvSpPr>
+          <p:nvPr>
+            <p:ph type="title"/>
+          </p:nvPr>
+        </p:nvSpPr>
+        <p:spPr/>
+        <p:txBody>
+          <a:bodyPr/>
+          <a:lstStyle/>
+          <a:p>
+            <a:r>
+              <a:rPr lang="en-GB" dirty="0"/>
+              <a:t>Comparison</a:t>
+            </a:r>
+          </a:p>
+        </p:txBody>
+      </p:sp>
+      <p:sp>
+        <p:nvSpPr>
+          <p:cNvPr id="4" name="Footer Placeholder 3">
+            <a:extLst>
+              <a:ext uri="{FF2B5EF4-FFF2-40B4-BE49-F238E27FC236}">
+                <a16:creationId xmlns:a16="http://schemas.microsoft.com/office/drawing/2014/main" id="{06471625-2BD0-4723-BA48-1BD8251C151E}"/>
+              </a:ext>
+            </a:extLst>
+          </p:cNvPr>
+          <p:cNvSpPr>
+            <a:spLocks noGrp="1"/>
+          </p:cNvSpPr>
+          <p:nvPr>
+            <p:ph type="ftr" sz="quarter" idx="11"/>
+          </p:nvPr>
+        </p:nvSpPr>
+        <p:spPr/>
+        <p:txBody>
+          <a:bodyPr/>
+          <a:lstStyle/>
+          <a:p>
+            <a:r>
+              <a:rPr lang="en-GB"/>
+              <a:t>Jake Bretherton 1800231</a:t>
+            </a:r>
+          </a:p>
+        </p:txBody>
+      </p:sp>
+      <p:sp>
+        <p:nvSpPr>
+          <p:cNvPr id="6" name="TextBox 5">
+            <a:extLst>
+              <a:ext uri="{FF2B5EF4-FFF2-40B4-BE49-F238E27FC236}">
+                <a16:creationId xmlns:a16="http://schemas.microsoft.com/office/drawing/2014/main" id="{6BDED9E8-FE1A-4267-BC12-BE1994B61C41}"/>
+              </a:ext>
+            </a:extLst>
+          </p:cNvPr>
+          <p:cNvSpPr txBox="1"/>
+          <p:nvPr/>
+        </p:nvSpPr>
+        <p:spPr>
+          <a:xfrm>
+            <a:off x="7634267" y="2665528"/>
+            <a:ext cx="3521413" cy="2585323"/>
+          </a:xfrm>
+          <a:prstGeom prst="rect">
+            <a:avLst/>
+          </a:prstGeom>
+          <a:noFill/>
+        </p:spPr>
+        <p:txBody>
+          <a:bodyPr wrap="square" rtlCol="0">
+            <a:spAutoFit/>
+          </a:bodyPr>
+          <a:lstStyle/>
+          <a:p>
+            <a:r>
+              <a:rPr lang="en-GB" dirty="0"/>
+              <a:t>Generation: Single character, string channel writing, 1/95</a:t>
+            </a:r>
+            <a:r>
+              <a:rPr lang="en-GB" baseline="30000" dirty="0"/>
+              <a:t>th</a:t>
+            </a:r>
+            <a:r>
+              <a:rPr lang="en-GB" dirty="0"/>
+              <a:t> of root password updating</a:t>
+            </a:r>
+          </a:p>
+          <a:p>
+            <a:endParaRPr lang="en-GB" dirty="0"/>
+          </a:p>
+          <a:p>
+            <a:r>
+              <a:rPr lang="en-GB" dirty="0"/>
+              <a:t>Hashing: Hash, string channel reading, </a:t>
+            </a:r>
+            <a:r>
+              <a:rPr lang="en-GB" dirty="0" err="1"/>
+              <a:t>hashpair</a:t>
+            </a:r>
+            <a:r>
+              <a:rPr lang="en-GB" dirty="0"/>
+              <a:t> channel writing</a:t>
+            </a:r>
+          </a:p>
+          <a:p>
+            <a:endParaRPr lang="en-GB" dirty="0"/>
+          </a:p>
+          <a:p>
+            <a:r>
+              <a:rPr lang="en-GB" dirty="0"/>
+              <a:t>Comparison: Hash comparison, </a:t>
+            </a:r>
+            <a:r>
+              <a:rPr lang="en-GB" dirty="0" err="1"/>
+              <a:t>haspair</a:t>
+            </a:r>
+            <a:r>
+              <a:rPr lang="en-GB" dirty="0"/>
+              <a:t> channel reading</a:t>
+            </a:r>
+          </a:p>
+        </p:txBody>
+      </p:sp>
+      <p:pic>
+        <p:nvPicPr>
+          <p:cNvPr id="7" name="Picture 6">
+            <a:extLst>
+              <a:ext uri="{FF2B5EF4-FFF2-40B4-BE49-F238E27FC236}">
+                <a16:creationId xmlns:a16="http://schemas.microsoft.com/office/drawing/2014/main" id="{3D26541C-1A22-451E-840B-61FA74FF4D9B}"/>
+              </a:ext>
+            </a:extLst>
+          </p:cNvPr>
+          <p:cNvPicPr>
+            <a:picLocks noChangeAspect="1"/>
+          </p:cNvPicPr>
+          <p:nvPr/>
+        </p:nvPicPr>
+        <p:blipFill>
+          <a:blip r:embed="rId2"/>
+          <a:stretch>
+            <a:fillRect/>
+          </a:stretch>
+        </p:blipFill>
+        <p:spPr>
+          <a:xfrm>
+            <a:off x="1097280" y="2050902"/>
+            <a:ext cx="6378176" cy="3813317"/>
+          </a:xfrm>
+          <a:prstGeom prst="rect">
+            <a:avLst/>
+          </a:prstGeom>
+        </p:spPr>
+      </p:pic>
+    </p:spTree>
+    <p:extLst>
+      <p:ext uri="{BB962C8B-B14F-4D97-AF65-F5344CB8AC3E}">
+        <p14:creationId xmlns:p14="http://schemas.microsoft.com/office/powerpoint/2010/main" val="1560850485"/>
+      </p:ext>
+    </p:extLst>
+  </p:cSld>
+  <p:clrMapOvr>
+    <a:masterClrMapping/>
+  </p:clrMapOvr>
+</p:sld>
+</file>
+
 <file path=ppt/slides/slide3.xml><?xml version="1.0" encoding="utf-8"?>
 <p:sld xmlns:a="http://schemas.openxmlformats.org/drawingml/2006/main" xmlns:r="http://schemas.openxmlformats.org/officeDocument/2006/relationships" xmlns:p="http://schemas.openxmlformats.org/presentationml/2006/main">
   <p:cSld>
@@ -12954,6 +15409,290 @@
     <p:extLst>
       <p:ext uri="{BB962C8B-B14F-4D97-AF65-F5344CB8AC3E}">
         <p14:creationId xmlns:p14="http://schemas.microsoft.com/office/powerpoint/2010/main" val="2986765065"/>
+      </p:ext>
+    </p:extLst>
+  </p:cSld>
+  <p:clrMapOvr>
+    <a:masterClrMapping/>
+  </p:clrMapOvr>
+</p:sld>
+</file>
+
+<file path=ppt/slides/slide30.xml><?xml version="1.0" encoding="utf-8"?>
+<p:sld xmlns:a="http://schemas.openxmlformats.org/drawingml/2006/main" xmlns:r="http://schemas.openxmlformats.org/officeDocument/2006/relationships" xmlns:p="http://schemas.openxmlformats.org/presentationml/2006/main">
+  <p:cSld>
+    <p:spTree>
+      <p:nvGrpSpPr>
+        <p:cNvPr id="1" name=""/>
+        <p:cNvGrpSpPr/>
+        <p:nvPr/>
+      </p:nvGrpSpPr>
+      <p:grpSpPr>
+        <a:xfrm>
+          <a:off x="0" y="0"/>
+          <a:ext cx="0" cy="0"/>
+          <a:chOff x="0" y="0"/>
+          <a:chExt cx="0" cy="0"/>
+        </a:xfrm>
+      </p:grpSpPr>
+      <p:sp>
+        <p:nvSpPr>
+          <p:cNvPr id="2" name="Title 1">
+            <a:extLst>
+              <a:ext uri="{FF2B5EF4-FFF2-40B4-BE49-F238E27FC236}">
+                <a16:creationId xmlns:a16="http://schemas.microsoft.com/office/drawing/2014/main" id="{73010FD7-F271-4144-8A92-67D76D8CDDD7}"/>
+              </a:ext>
+            </a:extLst>
+          </p:cNvPr>
+          <p:cNvSpPr>
+            <a:spLocks noGrp="1"/>
+          </p:cNvSpPr>
+          <p:nvPr>
+            <p:ph type="title"/>
+          </p:nvPr>
+        </p:nvSpPr>
+        <p:spPr/>
+        <p:txBody>
+          <a:bodyPr/>
+          <a:lstStyle/>
+          <a:p>
+            <a:r>
+              <a:rPr lang="en-GB" dirty="0"/>
+              <a:t>Total comparison</a:t>
+            </a:r>
+          </a:p>
+        </p:txBody>
+      </p:sp>
+      <p:sp>
+        <p:nvSpPr>
+          <p:cNvPr id="3" name="Content Placeholder 2">
+            <a:extLst>
+              <a:ext uri="{FF2B5EF4-FFF2-40B4-BE49-F238E27FC236}">
+                <a16:creationId xmlns:a16="http://schemas.microsoft.com/office/drawing/2014/main" id="{084A9DE2-2D70-4DF9-986F-5321532EAD2A}"/>
+              </a:ext>
+            </a:extLst>
+          </p:cNvPr>
+          <p:cNvSpPr>
+            <a:spLocks noGrp="1"/>
+          </p:cNvSpPr>
+          <p:nvPr>
+            <p:ph idx="1"/>
+          </p:nvPr>
+        </p:nvSpPr>
+        <p:spPr>
+          <a:xfrm>
+            <a:off x="7258639" y="1987136"/>
+            <a:ext cx="3585955" cy="4008311"/>
+          </a:xfrm>
+        </p:spPr>
+        <p:txBody>
+          <a:bodyPr/>
+          <a:lstStyle/>
+          <a:p>
+            <a:r>
+              <a:rPr lang="en-GB" dirty="0"/>
+              <a:t>Generation: 110.5ns</a:t>
+            </a:r>
+          </a:p>
+          <a:p>
+            <a:r>
+              <a:rPr lang="en-GB" dirty="0"/>
+              <a:t>Hashing: 197.5ns</a:t>
+            </a:r>
+          </a:p>
+          <a:p>
+            <a:r>
+              <a:rPr lang="en-GB" dirty="0"/>
+              <a:t>Comparison: 92ns</a:t>
+            </a:r>
+          </a:p>
+          <a:p>
+            <a:endParaRPr lang="en-GB" dirty="0"/>
+          </a:p>
+          <a:p>
+            <a:r>
+              <a:rPr lang="en-GB" dirty="0"/>
+              <a:t>Hashing approximately twice as slow as generation and comparison.</a:t>
+            </a:r>
+          </a:p>
+          <a:p>
+            <a:r>
+              <a:rPr lang="en-GB" dirty="0"/>
+              <a:t>Therefore two threads for ever comparison and generation thread.</a:t>
+            </a:r>
+          </a:p>
+        </p:txBody>
+      </p:sp>
+      <p:sp>
+        <p:nvSpPr>
+          <p:cNvPr id="4" name="Footer Placeholder 3">
+            <a:extLst>
+              <a:ext uri="{FF2B5EF4-FFF2-40B4-BE49-F238E27FC236}">
+                <a16:creationId xmlns:a16="http://schemas.microsoft.com/office/drawing/2014/main" id="{F7380F0A-C3C5-4AC1-ACF9-82F09F624693}"/>
+              </a:ext>
+            </a:extLst>
+          </p:cNvPr>
+          <p:cNvSpPr>
+            <a:spLocks noGrp="1"/>
+          </p:cNvSpPr>
+          <p:nvPr>
+            <p:ph type="ftr" sz="quarter" idx="11"/>
+          </p:nvPr>
+        </p:nvSpPr>
+        <p:spPr/>
+        <p:txBody>
+          <a:bodyPr/>
+          <a:lstStyle/>
+          <a:p>
+            <a:r>
+              <a:rPr lang="en-GB"/>
+              <a:t>Jake Bretherton 1800231</a:t>
+            </a:r>
+          </a:p>
+        </p:txBody>
+      </p:sp>
+      <p:pic>
+        <p:nvPicPr>
+          <p:cNvPr id="6" name="Picture 5">
+            <a:extLst>
+              <a:ext uri="{FF2B5EF4-FFF2-40B4-BE49-F238E27FC236}">
+                <a16:creationId xmlns:a16="http://schemas.microsoft.com/office/drawing/2014/main" id="{5DFED340-41CF-41DD-A372-80225BAAAEE2}"/>
+              </a:ext>
+            </a:extLst>
+          </p:cNvPr>
+          <p:cNvPicPr>
+            <a:picLocks noChangeAspect="1"/>
+          </p:cNvPicPr>
+          <p:nvPr/>
+        </p:nvPicPr>
+        <p:blipFill>
+          <a:blip r:embed="rId2"/>
+          <a:stretch>
+            <a:fillRect/>
+          </a:stretch>
+        </p:blipFill>
+        <p:spPr>
+          <a:xfrm>
+            <a:off x="820123" y="2267723"/>
+            <a:ext cx="5732124" cy="3445373"/>
+          </a:xfrm>
+          <a:prstGeom prst="rect">
+            <a:avLst/>
+          </a:prstGeom>
+        </p:spPr>
+      </p:pic>
+    </p:spTree>
+    <p:extLst>
+      <p:ext uri="{BB962C8B-B14F-4D97-AF65-F5344CB8AC3E}">
+        <p14:creationId xmlns:p14="http://schemas.microsoft.com/office/powerpoint/2010/main" val="3169533799"/>
+      </p:ext>
+    </p:extLst>
+  </p:cSld>
+  <p:clrMapOvr>
+    <a:masterClrMapping/>
+  </p:clrMapOvr>
+</p:sld>
+</file>
+
+<file path=ppt/slides/slide31.xml><?xml version="1.0" encoding="utf-8"?>
+<p:sld xmlns:a="http://schemas.openxmlformats.org/drawingml/2006/main" xmlns:r="http://schemas.openxmlformats.org/officeDocument/2006/relationships" xmlns:p="http://schemas.openxmlformats.org/presentationml/2006/main">
+  <p:cSld>
+    <p:spTree>
+      <p:nvGrpSpPr>
+        <p:cNvPr id="1" name=""/>
+        <p:cNvGrpSpPr/>
+        <p:nvPr/>
+      </p:nvGrpSpPr>
+      <p:grpSpPr>
+        <a:xfrm>
+          <a:off x="0" y="0"/>
+          <a:ext cx="0" cy="0"/>
+          <a:chOff x="0" y="0"/>
+          <a:chExt cx="0" cy="0"/>
+        </a:xfrm>
+      </p:grpSpPr>
+      <p:sp>
+        <p:nvSpPr>
+          <p:cNvPr id="2" name="Title 1">
+            <a:extLst>
+              <a:ext uri="{FF2B5EF4-FFF2-40B4-BE49-F238E27FC236}">
+                <a16:creationId xmlns:a16="http://schemas.microsoft.com/office/drawing/2014/main" id="{5684F03B-E180-4DC0-9AAE-E2F817E1EC2C}"/>
+              </a:ext>
+            </a:extLst>
+          </p:cNvPr>
+          <p:cNvSpPr>
+            <a:spLocks noGrp="1"/>
+          </p:cNvSpPr>
+          <p:nvPr>
+            <p:ph type="title"/>
+          </p:nvPr>
+        </p:nvSpPr>
+        <p:spPr/>
+        <p:txBody>
+          <a:bodyPr/>
+          <a:lstStyle/>
+          <a:p>
+            <a:endParaRPr lang="en-GB" dirty="0"/>
+          </a:p>
+        </p:txBody>
+      </p:sp>
+      <p:sp>
+        <p:nvSpPr>
+          <p:cNvPr id="3" name="Content Placeholder 2">
+            <a:extLst>
+              <a:ext uri="{FF2B5EF4-FFF2-40B4-BE49-F238E27FC236}">
+                <a16:creationId xmlns:a16="http://schemas.microsoft.com/office/drawing/2014/main" id="{29EC8FCA-3362-4545-90E0-4D0484D92B7D}"/>
+              </a:ext>
+            </a:extLst>
+          </p:cNvPr>
+          <p:cNvSpPr>
+            <a:spLocks noGrp="1"/>
+          </p:cNvSpPr>
+          <p:nvPr>
+            <p:ph idx="1"/>
+          </p:nvPr>
+        </p:nvSpPr>
+        <p:spPr/>
+        <p:txBody>
+          <a:bodyPr/>
+          <a:lstStyle/>
+          <a:p>
+            <a:endParaRPr lang="en-GB"/>
+          </a:p>
+        </p:txBody>
+      </p:sp>
+      <p:sp>
+        <p:nvSpPr>
+          <p:cNvPr id="4" name="Footer Placeholder 3">
+            <a:extLst>
+              <a:ext uri="{FF2B5EF4-FFF2-40B4-BE49-F238E27FC236}">
+                <a16:creationId xmlns:a16="http://schemas.microsoft.com/office/drawing/2014/main" id="{D456270E-4834-498D-99B0-AD70B08BC7C9}"/>
+              </a:ext>
+            </a:extLst>
+          </p:cNvPr>
+          <p:cNvSpPr>
+            <a:spLocks noGrp="1"/>
+          </p:cNvSpPr>
+          <p:nvPr>
+            <p:ph type="ftr" sz="quarter" idx="11"/>
+          </p:nvPr>
+        </p:nvSpPr>
+        <p:spPr/>
+        <p:txBody>
+          <a:bodyPr/>
+          <a:lstStyle/>
+          <a:p>
+            <a:r>
+              <a:rPr lang="en-GB"/>
+              <a:t>Jake Bretherton 1800231</a:t>
+            </a:r>
+          </a:p>
+        </p:txBody>
+      </p:sp>
+    </p:spTree>
+    <p:extLst>
+      <p:ext uri="{BB962C8B-B14F-4D97-AF65-F5344CB8AC3E}">
+        <p14:creationId xmlns:p14="http://schemas.microsoft.com/office/powerpoint/2010/main" val="654263924"/>
       </p:ext>
     </p:extLst>
   </p:cSld>

--- a/Pres.pptx
+++ b/Pres.pptx
@@ -5,7 +5,7 @@
     <p:sldMasterId id="2147483672" r:id="rId1"/>
   </p:sldMasterIdLst>
   <p:notesMasterIdLst>
-    <p:notesMasterId r:id="rId33"/>
+    <p:notesMasterId r:id="rId41"/>
   </p:notesMasterIdLst>
   <p:sldIdLst>
     <p:sldId id="256" r:id="rId2"/>
@@ -39,6 +39,14 @@
     <p:sldId id="286" r:id="rId30"/>
     <p:sldId id="287" r:id="rId31"/>
     <p:sldId id="288" r:id="rId32"/>
+    <p:sldId id="290" r:id="rId33"/>
+    <p:sldId id="291" r:id="rId34"/>
+    <p:sldId id="297" r:id="rId35"/>
+    <p:sldId id="296" r:id="rId36"/>
+    <p:sldId id="293" r:id="rId37"/>
+    <p:sldId id="294" r:id="rId38"/>
+    <p:sldId id="295" r:id="rId39"/>
+    <p:sldId id="292" r:id="rId40"/>
   </p:sldIdLst>
   <p:sldSz cx="12192000" cy="6858000"/>
   <p:notesSz cx="6858000" cy="9144000"/>
@@ -5634,7 +5642,7 @@
           <a:p>
             <a:fld id="{96E28A0C-612C-4BF1-9970-D38E9C7DCE7D}" type="datetimeFigureOut">
               <a:rPr lang="en-GB" smtClean="0"/>
-              <a:t>25/06/2020</a:t>
+              <a:t>27/06/2020</a:t>
             </a:fld>
             <a:endParaRPr lang="en-GB"/>
           </a:p>
@@ -6296,7 +6304,7 @@
           <a:p>
             <a:fld id="{451E77E2-E929-4410-B81A-086760143B79}" type="datetime1">
               <a:rPr lang="en-GB" smtClean="0"/>
-              <a:t>25/06/2020</a:t>
+              <a:t>27/06/2020</a:t>
             </a:fld>
             <a:endParaRPr lang="en-GB"/>
           </a:p>
@@ -6507,7 +6515,7 @@
           <a:p>
             <a:fld id="{1DB4DB8E-4214-4F23-8BCF-4CF9B85CC008}" type="datetime1">
               <a:rPr lang="en-GB" smtClean="0"/>
-              <a:t>25/06/2020</a:t>
+              <a:t>27/06/2020</a:t>
             </a:fld>
             <a:endParaRPr lang="en-GB"/>
           </a:p>
@@ -6766,7 +6774,7 @@
           <a:p>
             <a:fld id="{4E19B70F-0611-4A02-A822-5B04420D411E}" type="datetime1">
               <a:rPr lang="en-GB" smtClean="0"/>
-              <a:t>25/06/2020</a:t>
+              <a:t>27/06/2020</a:t>
             </a:fld>
             <a:endParaRPr lang="en-GB"/>
           </a:p>
@@ -6939,7 +6947,7 @@
           <a:p>
             <a:fld id="{065854A5-0220-4C4A-B2B0-FFE659D86BF7}" type="datetime1">
               <a:rPr lang="en-GB" smtClean="0"/>
-              <a:t>25/06/2020</a:t>
+              <a:t>27/06/2020</a:t>
             </a:fld>
             <a:endParaRPr lang="en-GB"/>
           </a:p>
@@ -7285,7 +7293,7 @@
           <a:p>
             <a:fld id="{F298690C-C62A-4586-B769-E382E1A028E0}" type="datetime1">
               <a:rPr lang="en-GB" smtClean="0"/>
-              <a:t>25/06/2020</a:t>
+              <a:t>27/06/2020</a:t>
             </a:fld>
             <a:endParaRPr lang="en-GB"/>
           </a:p>
@@ -7563,7 +7571,7 @@
           <a:p>
             <a:fld id="{C3011CDC-8337-4FF5-8629-137FE54A2DE2}" type="datetime1">
               <a:rPr lang="en-GB" smtClean="0"/>
-              <a:t>25/06/2020</a:t>
+              <a:t>27/06/2020</a:t>
             </a:fld>
             <a:endParaRPr lang="en-GB"/>
           </a:p>
@@ -7945,7 +7953,7 @@
           <a:p>
             <a:fld id="{EAB7633E-6304-4357-886E-39EA278BEA38}" type="datetime1">
               <a:rPr lang="en-GB" smtClean="0"/>
-              <a:t>25/06/2020</a:t>
+              <a:t>27/06/2020</a:t>
             </a:fld>
             <a:endParaRPr lang="en-GB"/>
           </a:p>
@@ -8066,7 +8074,7 @@
           <a:p>
             <a:fld id="{1194AB68-79ED-48B9-B241-FFBFFC960F93}" type="datetime1">
               <a:rPr lang="en-GB" smtClean="0"/>
-              <a:t>25/06/2020</a:t>
+              <a:t>27/06/2020</a:t>
             </a:fld>
             <a:endParaRPr lang="en-GB"/>
           </a:p>
@@ -8240,7 +8248,7 @@
           <a:p>
             <a:fld id="{C08AFF17-5826-4EF9-B91A-073CC0662BAF}" type="datetime1">
               <a:rPr lang="en-GB" smtClean="0"/>
-              <a:t>25/06/2020</a:t>
+              <a:t>27/06/2020</a:t>
             </a:fld>
             <a:endParaRPr lang="en-GB"/>
           </a:p>
@@ -8597,7 +8605,7 @@
           <a:p>
             <a:fld id="{FE6B10C7-12EA-4697-8174-8740AC051348}" type="datetime1">
               <a:rPr lang="en-GB" smtClean="0"/>
-              <a:t>25/06/2020</a:t>
+              <a:t>27/06/2020</a:t>
             </a:fld>
             <a:endParaRPr lang="en-GB"/>
           </a:p>
@@ -8977,7 +8985,7 @@
           <a:p>
             <a:fld id="{6CDC73D2-0506-4796-8669-0B7F19D735C6}" type="datetime1">
               <a:rPr lang="en-GB" smtClean="0"/>
-              <a:t>25/06/2020</a:t>
+              <a:t>27/06/2020</a:t>
             </a:fld>
             <a:endParaRPr lang="en-GB"/>
           </a:p>
@@ -9267,7 +9275,7 @@
           <a:p>
             <a:fld id="{093A5280-7747-45B5-8A82-4B8F14A2209D}" type="datetime1">
               <a:rPr lang="en-GB" smtClean="0"/>
-              <a:t>25/06/2020</a:t>
+              <a:t>27/06/2020</a:t>
             </a:fld>
             <a:endParaRPr lang="en-GB"/>
           </a:p>
@@ -15632,32 +15640,10 @@
           <a:bodyPr/>
           <a:lstStyle/>
           <a:p>
-            <a:endParaRPr lang="en-GB" dirty="0"/>
-          </a:p>
-        </p:txBody>
-      </p:sp>
-      <p:sp>
-        <p:nvSpPr>
-          <p:cNvPr id="3" name="Content Placeholder 2">
-            <a:extLst>
-              <a:ext uri="{FF2B5EF4-FFF2-40B4-BE49-F238E27FC236}">
-                <a16:creationId xmlns:a16="http://schemas.microsoft.com/office/drawing/2014/main" id="{29EC8FCA-3362-4545-90E0-4D0484D92B7D}"/>
-              </a:ext>
-            </a:extLst>
-          </p:cNvPr>
-          <p:cNvSpPr>
-            <a:spLocks noGrp="1"/>
-          </p:cNvSpPr>
-          <p:nvPr>
-            <p:ph idx="1"/>
-          </p:nvPr>
-        </p:nvSpPr>
-        <p:spPr/>
-        <p:txBody>
-          <a:bodyPr/>
-          <a:lstStyle/>
-          <a:p>
-            <a:endParaRPr lang="en-GB"/>
+            <a:r>
+              <a:rPr lang="en-GB" dirty="0"/>
+              <a:t>Control</a:t>
+            </a:r>
           </a:p>
         </p:txBody>
       </p:sp>
@@ -15689,10 +15675,3217 @@
           </a:p>
         </p:txBody>
       </p:sp>
+      <p:graphicFrame>
+        <p:nvGraphicFramePr>
+          <p:cNvPr id="8" name="Table 8">
+            <a:extLst>
+              <a:ext uri="{FF2B5EF4-FFF2-40B4-BE49-F238E27FC236}">
+                <a16:creationId xmlns:a16="http://schemas.microsoft.com/office/drawing/2014/main" id="{B04EA190-7889-4AAF-8DB8-1C943E0880EC}"/>
+              </a:ext>
+            </a:extLst>
+          </p:cNvPr>
+          <p:cNvGraphicFramePr>
+            <a:graphicFrameLocks noGrp="1"/>
+          </p:cNvGraphicFramePr>
+          <p:nvPr>
+            <p:extLst>
+              <p:ext uri="{D42A27DB-BD31-4B8C-83A1-F6EECF244321}">
+                <p14:modId xmlns:p14="http://schemas.microsoft.com/office/powerpoint/2010/main" val="33845742"/>
+              </p:ext>
+            </p:extLst>
+          </p:nvPr>
+        </p:nvGraphicFramePr>
+        <p:xfrm>
+          <a:off x="1221296" y="2082458"/>
+          <a:ext cx="10058400" cy="3567401"/>
+        </p:xfrm>
+        <a:graphic>
+          <a:graphicData uri="http://schemas.openxmlformats.org/drawingml/2006/table">
+            <a:tbl>
+              <a:tblPr firstRow="1" bandRow="1">
+                <a:tableStyleId>{5C22544A-7EE6-4342-B048-85BDC9FD1C3A}</a:tableStyleId>
+              </a:tblPr>
+              <a:tblGrid>
+                <a:gridCol w="2514600">
+                  <a:extLst>
+                    <a:ext uri="{9D8B030D-6E8A-4147-A177-3AD203B41FA5}">
+                      <a16:colId xmlns:a16="http://schemas.microsoft.com/office/drawing/2014/main" val="906040833"/>
+                    </a:ext>
+                  </a:extLst>
+                </a:gridCol>
+                <a:gridCol w="2514600">
+                  <a:extLst>
+                    <a:ext uri="{9D8B030D-6E8A-4147-A177-3AD203B41FA5}">
+                      <a16:colId xmlns:a16="http://schemas.microsoft.com/office/drawing/2014/main" val="3573831436"/>
+                    </a:ext>
+                  </a:extLst>
+                </a:gridCol>
+                <a:gridCol w="2514600">
+                  <a:extLst>
+                    <a:ext uri="{9D8B030D-6E8A-4147-A177-3AD203B41FA5}">
+                      <a16:colId xmlns:a16="http://schemas.microsoft.com/office/drawing/2014/main" val="932939153"/>
+                    </a:ext>
+                  </a:extLst>
+                </a:gridCol>
+                <a:gridCol w="2514600">
+                  <a:extLst>
+                    <a:ext uri="{9D8B030D-6E8A-4147-A177-3AD203B41FA5}">
+                      <a16:colId xmlns:a16="http://schemas.microsoft.com/office/drawing/2014/main" val="1987505491"/>
+                    </a:ext>
+                  </a:extLst>
+                </a:gridCol>
+              </a:tblGrid>
+              <a:tr h="777423">
+                <a:tc>
+                  <a:txBody>
+                    <a:bodyPr/>
+                    <a:lstStyle/>
+                    <a:p>
+                      <a:r>
+                        <a:rPr lang="en-GB" dirty="0"/>
+                        <a:t>Task</a:t>
+                      </a:r>
+                    </a:p>
+                  </a:txBody>
+                  <a:tcPr/>
+                </a:tc>
+                <a:tc>
+                  <a:txBody>
+                    <a:bodyPr/>
+                    <a:lstStyle/>
+                    <a:p>
+                      <a:r>
+                        <a:rPr lang="en-GB" dirty="0"/>
+                        <a:t>Time per guess per thread (Ns)</a:t>
+                      </a:r>
+                    </a:p>
+                  </a:txBody>
+                  <a:tcPr/>
+                </a:tc>
+                <a:tc>
+                  <a:txBody>
+                    <a:bodyPr/>
+                    <a:lstStyle/>
+                    <a:p>
+                      <a:r>
+                        <a:rPr lang="en-GB" dirty="0"/>
+                        <a:t>Threads</a:t>
+                      </a:r>
+                    </a:p>
+                  </a:txBody>
+                  <a:tcPr/>
+                </a:tc>
+                <a:tc>
+                  <a:txBody>
+                    <a:bodyPr/>
+                    <a:lstStyle/>
+                    <a:p>
+                      <a:pPr marL="0" marR="0" lvl="0" indent="0" algn="l" defTabSz="914400" rtl="0" eaLnBrk="1" fontAlgn="auto" latinLnBrk="0" hangingPunct="1">
+                        <a:lnSpc>
+                          <a:spcPct val="100000"/>
+                        </a:lnSpc>
+                        <a:spcBef>
+                          <a:spcPts val="0"/>
+                        </a:spcBef>
+                        <a:spcAft>
+                          <a:spcPts val="0"/>
+                        </a:spcAft>
+                        <a:buClrTx/>
+                        <a:buSzTx/>
+                        <a:buFontTx/>
+                        <a:buNone/>
+                        <a:tabLst/>
+                        <a:defRPr/>
+                      </a:pPr>
+                      <a:r>
+                        <a:rPr lang="en-GB" dirty="0"/>
+                        <a:t>Time per guess all threads (Ns)</a:t>
+                      </a:r>
+                    </a:p>
+                  </a:txBody>
+                  <a:tcPr/>
+                </a:tc>
+                <a:extLst>
+                  <a:ext uri="{0D108BD9-81ED-4DB2-BD59-A6C34878D82A}">
+                    <a16:rowId xmlns:a16="http://schemas.microsoft.com/office/drawing/2014/main" val="3583179533"/>
+                  </a:ext>
+                </a:extLst>
+              </a:tr>
+              <a:tr h="777423">
+                <a:tc>
+                  <a:txBody>
+                    <a:bodyPr/>
+                    <a:lstStyle/>
+                    <a:p>
+                      <a:r>
+                        <a:rPr lang="en-GB" dirty="0"/>
+                        <a:t>Password root increment</a:t>
+                      </a:r>
+                    </a:p>
+                  </a:txBody>
+                  <a:tcPr/>
+                </a:tc>
+                <a:tc>
+                  <a:txBody>
+                    <a:bodyPr/>
+                    <a:lstStyle/>
+                    <a:p>
+                      <a:r>
+                        <a:rPr lang="en-GB" dirty="0"/>
+                        <a:t>0.8558</a:t>
+                      </a:r>
+                    </a:p>
+                  </a:txBody>
+                  <a:tcPr/>
+                </a:tc>
+                <a:tc>
+                  <a:txBody>
+                    <a:bodyPr/>
+                    <a:lstStyle/>
+                    <a:p>
+                      <a:r>
+                        <a:rPr lang="en-GB" dirty="0"/>
+                        <a:t>1</a:t>
+                      </a:r>
+                    </a:p>
+                  </a:txBody>
+                  <a:tcPr/>
+                </a:tc>
+                <a:tc>
+                  <a:txBody>
+                    <a:bodyPr/>
+                    <a:lstStyle/>
+                    <a:p>
+                      <a:r>
+                        <a:rPr lang="en-GB" dirty="0"/>
+                        <a:t>0.8558</a:t>
+                      </a:r>
+                    </a:p>
+                  </a:txBody>
+                  <a:tcPr/>
+                </a:tc>
+                <a:extLst>
+                  <a:ext uri="{0D108BD9-81ED-4DB2-BD59-A6C34878D82A}">
+                    <a16:rowId xmlns:a16="http://schemas.microsoft.com/office/drawing/2014/main" val="2788964318"/>
+                  </a:ext>
+                </a:extLst>
+              </a:tr>
+              <a:tr h="661319">
+                <a:tc>
+                  <a:txBody>
+                    <a:bodyPr/>
+                    <a:lstStyle/>
+                    <a:p>
+                      <a:r>
+                        <a:rPr lang="en-GB" dirty="0"/>
+                        <a:t>Password last character increment</a:t>
+                      </a:r>
+                    </a:p>
+                  </a:txBody>
+                  <a:tcPr/>
+                </a:tc>
+                <a:tc>
+                  <a:txBody>
+                    <a:bodyPr/>
+                    <a:lstStyle/>
+                    <a:p>
+                      <a:r>
+                        <a:rPr lang="en-GB" dirty="0"/>
+                        <a:t>220.056</a:t>
+                      </a:r>
+                    </a:p>
+                  </a:txBody>
+                  <a:tcPr/>
+                </a:tc>
+                <a:tc>
+                  <a:txBody>
+                    <a:bodyPr/>
+                    <a:lstStyle/>
+                    <a:p>
+                      <a:r>
+                        <a:rPr lang="en-GB" dirty="0"/>
+                        <a:t>1</a:t>
+                      </a:r>
+                    </a:p>
+                  </a:txBody>
+                  <a:tcPr/>
+                </a:tc>
+                <a:tc>
+                  <a:txBody>
+                    <a:bodyPr/>
+                    <a:lstStyle/>
+                    <a:p>
+                      <a:r>
+                        <a:rPr lang="en-GB" dirty="0"/>
+                        <a:t>220.056</a:t>
+                      </a:r>
+                    </a:p>
+                  </a:txBody>
+                  <a:tcPr/>
+                </a:tc>
+                <a:extLst>
+                  <a:ext uri="{0D108BD9-81ED-4DB2-BD59-A6C34878D82A}">
+                    <a16:rowId xmlns:a16="http://schemas.microsoft.com/office/drawing/2014/main" val="13712951"/>
+                  </a:ext>
+                </a:extLst>
+              </a:tr>
+              <a:tr h="450412">
+                <a:tc>
+                  <a:txBody>
+                    <a:bodyPr/>
+                    <a:lstStyle/>
+                    <a:p>
+                      <a:r>
+                        <a:rPr lang="en-GB" dirty="0"/>
+                        <a:t>Hashing</a:t>
+                      </a:r>
+                    </a:p>
+                  </a:txBody>
+                  <a:tcPr/>
+                </a:tc>
+                <a:tc>
+                  <a:txBody>
+                    <a:bodyPr/>
+                    <a:lstStyle/>
+                    <a:p>
+                      <a:r>
+                        <a:rPr lang="en-GB" dirty="0"/>
+                        <a:t>395</a:t>
+                      </a:r>
+                    </a:p>
+                  </a:txBody>
+                  <a:tcPr/>
+                </a:tc>
+                <a:tc>
+                  <a:txBody>
+                    <a:bodyPr/>
+                    <a:lstStyle/>
+                    <a:p>
+                      <a:r>
+                        <a:rPr lang="en-GB" dirty="0"/>
+                        <a:t>1</a:t>
+                      </a:r>
+                    </a:p>
+                  </a:txBody>
+                  <a:tcPr/>
+                </a:tc>
+                <a:tc>
+                  <a:txBody>
+                    <a:bodyPr/>
+                    <a:lstStyle/>
+                    <a:p>
+                      <a:r>
+                        <a:rPr lang="en-GB" dirty="0"/>
+                        <a:t>395</a:t>
+                      </a:r>
+                    </a:p>
+                  </a:txBody>
+                  <a:tcPr/>
+                </a:tc>
+                <a:extLst>
+                  <a:ext uri="{0D108BD9-81ED-4DB2-BD59-A6C34878D82A}">
+                    <a16:rowId xmlns:a16="http://schemas.microsoft.com/office/drawing/2014/main" val="3422398695"/>
+                  </a:ext>
+                </a:extLst>
+              </a:tr>
+              <a:tr h="450412">
+                <a:tc>
+                  <a:txBody>
+                    <a:bodyPr/>
+                    <a:lstStyle/>
+                    <a:p>
+                      <a:r>
+                        <a:rPr lang="en-GB" dirty="0"/>
+                        <a:t>Comparison</a:t>
+                      </a:r>
+                    </a:p>
+                  </a:txBody>
+                  <a:tcPr/>
+                </a:tc>
+                <a:tc>
+                  <a:txBody>
+                    <a:bodyPr/>
+                    <a:lstStyle/>
+                    <a:p>
+                      <a:r>
+                        <a:rPr lang="en-GB" dirty="0"/>
+                        <a:t>184</a:t>
+                      </a:r>
+                    </a:p>
+                  </a:txBody>
+                  <a:tcPr/>
+                </a:tc>
+                <a:tc>
+                  <a:txBody>
+                    <a:bodyPr/>
+                    <a:lstStyle/>
+                    <a:p>
+                      <a:r>
+                        <a:rPr lang="en-GB" dirty="0"/>
+                        <a:t>1</a:t>
+                      </a:r>
+                    </a:p>
+                  </a:txBody>
+                  <a:tcPr/>
+                </a:tc>
+                <a:tc>
+                  <a:txBody>
+                    <a:bodyPr/>
+                    <a:lstStyle/>
+                    <a:p>
+                      <a:r>
+                        <a:rPr lang="en-GB" dirty="0"/>
+                        <a:t>184</a:t>
+                      </a:r>
+                    </a:p>
+                  </a:txBody>
+                  <a:tcPr/>
+                </a:tc>
+                <a:extLst>
+                  <a:ext uri="{0D108BD9-81ED-4DB2-BD59-A6C34878D82A}">
+                    <a16:rowId xmlns:a16="http://schemas.microsoft.com/office/drawing/2014/main" val="3851459375"/>
+                  </a:ext>
+                </a:extLst>
+              </a:tr>
+              <a:tr h="450412">
+                <a:tc>
+                  <a:txBody>
+                    <a:bodyPr/>
+                    <a:lstStyle/>
+                    <a:p>
+                      <a:r>
+                        <a:rPr lang="en-GB" dirty="0"/>
+                        <a:t>Total (Theoretical)</a:t>
+                      </a:r>
+                    </a:p>
+                  </a:txBody>
+                  <a:tcPr/>
+                </a:tc>
+                <a:tc>
+                  <a:txBody>
+                    <a:bodyPr/>
+                    <a:lstStyle/>
+                    <a:p>
+                      <a:r>
+                        <a:rPr lang="en-GB" dirty="0"/>
+                        <a:t>799.912</a:t>
+                      </a:r>
+                    </a:p>
+                  </a:txBody>
+                  <a:tcPr/>
+                </a:tc>
+                <a:tc>
+                  <a:txBody>
+                    <a:bodyPr/>
+                    <a:lstStyle/>
+                    <a:p>
+                      <a:r>
+                        <a:rPr lang="en-GB" dirty="0"/>
+                        <a:t>4</a:t>
+                      </a:r>
+                    </a:p>
+                  </a:txBody>
+                  <a:tcPr/>
+                </a:tc>
+                <a:tc>
+                  <a:txBody>
+                    <a:bodyPr/>
+                    <a:lstStyle/>
+                    <a:p>
+                      <a:r>
+                        <a:rPr lang="en-GB" dirty="0"/>
+                        <a:t>799.912</a:t>
+                      </a:r>
+                    </a:p>
+                  </a:txBody>
+                  <a:tcPr/>
+                </a:tc>
+                <a:extLst>
+                  <a:ext uri="{0D108BD9-81ED-4DB2-BD59-A6C34878D82A}">
+                    <a16:rowId xmlns:a16="http://schemas.microsoft.com/office/drawing/2014/main" val="3449757767"/>
+                  </a:ext>
+                </a:extLst>
+              </a:tr>
+            </a:tbl>
+          </a:graphicData>
+        </a:graphic>
+      </p:graphicFrame>
     </p:spTree>
     <p:extLst>
       <p:ext uri="{BB962C8B-B14F-4D97-AF65-F5344CB8AC3E}">
         <p14:creationId xmlns:p14="http://schemas.microsoft.com/office/powerpoint/2010/main" val="654263924"/>
+      </p:ext>
+    </p:extLst>
+  </p:cSld>
+  <p:clrMapOvr>
+    <a:masterClrMapping/>
+  </p:clrMapOvr>
+</p:sld>
+</file>
+
+<file path=ppt/slides/slide32.xml><?xml version="1.0" encoding="utf-8"?>
+<p:sld xmlns:a="http://schemas.openxmlformats.org/drawingml/2006/main" xmlns:r="http://schemas.openxmlformats.org/officeDocument/2006/relationships" xmlns:p="http://schemas.openxmlformats.org/presentationml/2006/main">
+  <p:cSld>
+    <p:spTree>
+      <p:nvGrpSpPr>
+        <p:cNvPr id="1" name=""/>
+        <p:cNvGrpSpPr/>
+        <p:nvPr/>
+      </p:nvGrpSpPr>
+      <p:grpSpPr>
+        <a:xfrm>
+          <a:off x="0" y="0"/>
+          <a:ext cx="0" cy="0"/>
+          <a:chOff x="0" y="0"/>
+          <a:chExt cx="0" cy="0"/>
+        </a:xfrm>
+      </p:grpSpPr>
+      <p:sp>
+        <p:nvSpPr>
+          <p:cNvPr id="2" name="Title 1">
+            <a:extLst>
+              <a:ext uri="{FF2B5EF4-FFF2-40B4-BE49-F238E27FC236}">
+                <a16:creationId xmlns:a16="http://schemas.microsoft.com/office/drawing/2014/main" id="{5684F03B-E180-4DC0-9AAE-E2F817E1EC2C}"/>
+              </a:ext>
+            </a:extLst>
+          </p:cNvPr>
+          <p:cNvSpPr>
+            <a:spLocks noGrp="1"/>
+          </p:cNvSpPr>
+          <p:nvPr>
+            <p:ph type="title"/>
+          </p:nvPr>
+        </p:nvSpPr>
+        <p:spPr/>
+        <p:txBody>
+          <a:bodyPr/>
+          <a:lstStyle/>
+          <a:p>
+            <a:r>
+              <a:rPr lang="en-GB" dirty="0"/>
+              <a:t>Optimisation</a:t>
+            </a:r>
+          </a:p>
+        </p:txBody>
+      </p:sp>
+      <p:sp>
+        <p:nvSpPr>
+          <p:cNvPr id="4" name="Footer Placeholder 3">
+            <a:extLst>
+              <a:ext uri="{FF2B5EF4-FFF2-40B4-BE49-F238E27FC236}">
+                <a16:creationId xmlns:a16="http://schemas.microsoft.com/office/drawing/2014/main" id="{D456270E-4834-498D-99B0-AD70B08BC7C9}"/>
+              </a:ext>
+            </a:extLst>
+          </p:cNvPr>
+          <p:cNvSpPr>
+            <a:spLocks noGrp="1"/>
+          </p:cNvSpPr>
+          <p:nvPr>
+            <p:ph type="ftr" sz="quarter" idx="11"/>
+          </p:nvPr>
+        </p:nvSpPr>
+        <p:spPr/>
+        <p:txBody>
+          <a:bodyPr/>
+          <a:lstStyle/>
+          <a:p>
+            <a:r>
+              <a:rPr lang="en-GB"/>
+              <a:t>Jake Bretherton 1800231</a:t>
+            </a:r>
+          </a:p>
+        </p:txBody>
+      </p:sp>
+      <p:graphicFrame>
+        <p:nvGraphicFramePr>
+          <p:cNvPr id="8" name="Table 8">
+            <a:extLst>
+              <a:ext uri="{FF2B5EF4-FFF2-40B4-BE49-F238E27FC236}">
+                <a16:creationId xmlns:a16="http://schemas.microsoft.com/office/drawing/2014/main" id="{B04EA190-7889-4AAF-8DB8-1C943E0880EC}"/>
+              </a:ext>
+            </a:extLst>
+          </p:cNvPr>
+          <p:cNvGraphicFramePr>
+            <a:graphicFrameLocks noGrp="1"/>
+          </p:cNvGraphicFramePr>
+          <p:nvPr>
+            <p:extLst>
+              <p:ext uri="{D42A27DB-BD31-4B8C-83A1-F6EECF244321}">
+                <p14:modId xmlns:p14="http://schemas.microsoft.com/office/powerpoint/2010/main" val="3308195156"/>
+              </p:ext>
+            </p:extLst>
+          </p:nvPr>
+        </p:nvGraphicFramePr>
+        <p:xfrm>
+          <a:off x="1221295" y="1959909"/>
+          <a:ext cx="10058400" cy="3674439"/>
+        </p:xfrm>
+        <a:graphic>
+          <a:graphicData uri="http://schemas.openxmlformats.org/drawingml/2006/table">
+            <a:tbl>
+              <a:tblPr firstRow="1" bandRow="1">
+                <a:tableStyleId>{5C22544A-7EE6-4342-B048-85BDC9FD1C3A}</a:tableStyleId>
+              </a:tblPr>
+              <a:tblGrid>
+                <a:gridCol w="2514600">
+                  <a:extLst>
+                    <a:ext uri="{9D8B030D-6E8A-4147-A177-3AD203B41FA5}">
+                      <a16:colId xmlns:a16="http://schemas.microsoft.com/office/drawing/2014/main" val="906040833"/>
+                    </a:ext>
+                  </a:extLst>
+                </a:gridCol>
+                <a:gridCol w="2514600">
+                  <a:extLst>
+                    <a:ext uri="{9D8B030D-6E8A-4147-A177-3AD203B41FA5}">
+                      <a16:colId xmlns:a16="http://schemas.microsoft.com/office/drawing/2014/main" val="3573831436"/>
+                    </a:ext>
+                  </a:extLst>
+                </a:gridCol>
+                <a:gridCol w="2514600">
+                  <a:extLst>
+                    <a:ext uri="{9D8B030D-6E8A-4147-A177-3AD203B41FA5}">
+                      <a16:colId xmlns:a16="http://schemas.microsoft.com/office/drawing/2014/main" val="932939153"/>
+                    </a:ext>
+                  </a:extLst>
+                </a:gridCol>
+                <a:gridCol w="2514600">
+                  <a:extLst>
+                    <a:ext uri="{9D8B030D-6E8A-4147-A177-3AD203B41FA5}">
+                      <a16:colId xmlns:a16="http://schemas.microsoft.com/office/drawing/2014/main" val="1987505491"/>
+                    </a:ext>
+                  </a:extLst>
+                </a:gridCol>
+              </a:tblGrid>
+              <a:tr h="790195">
+                <a:tc>
+                  <a:txBody>
+                    <a:bodyPr/>
+                    <a:lstStyle/>
+                    <a:p>
+                      <a:r>
+                        <a:rPr lang="en-GB" dirty="0"/>
+                        <a:t>Task</a:t>
+                      </a:r>
+                    </a:p>
+                  </a:txBody>
+                  <a:tcPr/>
+                </a:tc>
+                <a:tc>
+                  <a:txBody>
+                    <a:bodyPr/>
+                    <a:lstStyle/>
+                    <a:p>
+                      <a:r>
+                        <a:rPr lang="en-GB" dirty="0"/>
+                        <a:t>Time per guess per thread (Ns)</a:t>
+                      </a:r>
+                    </a:p>
+                  </a:txBody>
+                  <a:tcPr/>
+                </a:tc>
+                <a:tc>
+                  <a:txBody>
+                    <a:bodyPr/>
+                    <a:lstStyle/>
+                    <a:p>
+                      <a:r>
+                        <a:rPr lang="en-GB" dirty="0"/>
+                        <a:t>Threads</a:t>
+                      </a:r>
+                    </a:p>
+                  </a:txBody>
+                  <a:tcPr/>
+                </a:tc>
+                <a:tc>
+                  <a:txBody>
+                    <a:bodyPr/>
+                    <a:lstStyle/>
+                    <a:p>
+                      <a:pPr marL="0" marR="0" lvl="0" indent="0" algn="l" defTabSz="914400" rtl="0" eaLnBrk="1" fontAlgn="auto" latinLnBrk="0" hangingPunct="1">
+                        <a:lnSpc>
+                          <a:spcPct val="100000"/>
+                        </a:lnSpc>
+                        <a:spcBef>
+                          <a:spcPts val="0"/>
+                        </a:spcBef>
+                        <a:spcAft>
+                          <a:spcPts val="0"/>
+                        </a:spcAft>
+                        <a:buClrTx/>
+                        <a:buSzTx/>
+                        <a:buFontTx/>
+                        <a:buNone/>
+                        <a:tabLst/>
+                        <a:defRPr/>
+                      </a:pPr>
+                      <a:r>
+                        <a:rPr lang="en-GB" dirty="0"/>
+                        <a:t>Time per guess all threads (Ns)</a:t>
+                      </a:r>
+                    </a:p>
+                  </a:txBody>
+                  <a:tcPr/>
+                </a:tc>
+                <a:extLst>
+                  <a:ext uri="{0D108BD9-81ED-4DB2-BD59-A6C34878D82A}">
+                    <a16:rowId xmlns:a16="http://schemas.microsoft.com/office/drawing/2014/main" val="3583179533"/>
+                  </a:ext>
+                </a:extLst>
+              </a:tr>
+              <a:tr h="790195">
+                <a:tc>
+                  <a:txBody>
+                    <a:bodyPr/>
+                    <a:lstStyle/>
+                    <a:p>
+                      <a:r>
+                        <a:rPr lang="en-GB" dirty="0"/>
+                        <a:t>Password root increment</a:t>
+                      </a:r>
+                    </a:p>
+                  </a:txBody>
+                  <a:tcPr/>
+                </a:tc>
+                <a:tc>
+                  <a:txBody>
+                    <a:bodyPr/>
+                    <a:lstStyle/>
+                    <a:p>
+                      <a:r>
+                        <a:rPr lang="en-GB" dirty="0"/>
+                        <a:t>0.8558</a:t>
+                      </a:r>
+                    </a:p>
+                    <a:p>
+                      <a:endParaRPr lang="en-GB" dirty="0"/>
+                    </a:p>
+                  </a:txBody>
+                  <a:tcPr/>
+                </a:tc>
+                <a:tc>
+                  <a:txBody>
+                    <a:bodyPr/>
+                    <a:lstStyle/>
+                    <a:p>
+                      <a:r>
+                        <a:rPr lang="en-GB" dirty="0"/>
+                        <a:t>1</a:t>
+                      </a:r>
+                    </a:p>
+                  </a:txBody>
+                  <a:tcPr/>
+                </a:tc>
+                <a:tc>
+                  <a:txBody>
+                    <a:bodyPr/>
+                    <a:lstStyle/>
+                    <a:p>
+                      <a:r>
+                        <a:rPr lang="en-GB" dirty="0"/>
+                        <a:t>0.8558</a:t>
+                      </a:r>
+                    </a:p>
+                    <a:p>
+                      <a:endParaRPr lang="en-GB" dirty="0"/>
+                    </a:p>
+                  </a:txBody>
+                  <a:tcPr/>
+                </a:tc>
+                <a:extLst>
+                  <a:ext uri="{0D108BD9-81ED-4DB2-BD59-A6C34878D82A}">
+                    <a16:rowId xmlns:a16="http://schemas.microsoft.com/office/drawing/2014/main" val="2788964318"/>
+                  </a:ext>
+                </a:extLst>
+              </a:tr>
+              <a:tr h="720616">
+                <a:tc>
+                  <a:txBody>
+                    <a:bodyPr/>
+                    <a:lstStyle/>
+                    <a:p>
+                      <a:r>
+                        <a:rPr lang="en-GB" dirty="0"/>
+                        <a:t>Password last character increment</a:t>
+                      </a:r>
+                    </a:p>
+                  </a:txBody>
+                  <a:tcPr/>
+                </a:tc>
+                <a:tc>
+                  <a:txBody>
+                    <a:bodyPr/>
+                    <a:lstStyle/>
+                    <a:p>
+                      <a:r>
+                        <a:rPr lang="en-GB" dirty="0"/>
+                        <a:t>220.056</a:t>
+                      </a:r>
+                    </a:p>
+                  </a:txBody>
+                  <a:tcPr/>
+                </a:tc>
+                <a:tc>
+                  <a:txBody>
+                    <a:bodyPr/>
+                    <a:lstStyle/>
+                    <a:p>
+                      <a:r>
+                        <a:rPr lang="en-GB" dirty="0"/>
+                        <a:t>1</a:t>
+                      </a:r>
+                    </a:p>
+                  </a:txBody>
+                  <a:tcPr/>
+                </a:tc>
+                <a:tc>
+                  <a:txBody>
+                    <a:bodyPr/>
+                    <a:lstStyle/>
+                    <a:p>
+                      <a:r>
+                        <a:rPr lang="en-GB" dirty="0"/>
+                        <a:t>220.056</a:t>
+                      </a:r>
+                    </a:p>
+                  </a:txBody>
+                  <a:tcPr/>
+                </a:tc>
+                <a:extLst>
+                  <a:ext uri="{0D108BD9-81ED-4DB2-BD59-A6C34878D82A}">
+                    <a16:rowId xmlns:a16="http://schemas.microsoft.com/office/drawing/2014/main" val="13712951"/>
+                  </a:ext>
+                </a:extLst>
+              </a:tr>
+              <a:tr h="457811">
+                <a:tc>
+                  <a:txBody>
+                    <a:bodyPr/>
+                    <a:lstStyle/>
+                    <a:p>
+                      <a:r>
+                        <a:rPr lang="en-GB" dirty="0"/>
+                        <a:t>Hashing</a:t>
+                      </a:r>
+                    </a:p>
+                  </a:txBody>
+                  <a:tcPr/>
+                </a:tc>
+                <a:tc>
+                  <a:txBody>
+                    <a:bodyPr/>
+                    <a:lstStyle/>
+                    <a:p>
+                      <a:r>
+                        <a:rPr lang="en-GB" dirty="0"/>
+                        <a:t>395</a:t>
+                      </a:r>
+                    </a:p>
+                  </a:txBody>
+                  <a:tcPr/>
+                </a:tc>
+                <a:tc>
+                  <a:txBody>
+                    <a:bodyPr/>
+                    <a:lstStyle/>
+                    <a:p>
+                      <a:r>
+                        <a:rPr lang="en-GB" dirty="0"/>
+                        <a:t>2</a:t>
+                      </a:r>
+                    </a:p>
+                  </a:txBody>
+                  <a:tcPr/>
+                </a:tc>
+                <a:tc>
+                  <a:txBody>
+                    <a:bodyPr/>
+                    <a:lstStyle/>
+                    <a:p>
+                      <a:r>
+                        <a:rPr lang="en-GB" dirty="0"/>
+                        <a:t>395</a:t>
+                      </a:r>
+                    </a:p>
+                  </a:txBody>
+                  <a:tcPr/>
+                </a:tc>
+                <a:extLst>
+                  <a:ext uri="{0D108BD9-81ED-4DB2-BD59-A6C34878D82A}">
+                    <a16:rowId xmlns:a16="http://schemas.microsoft.com/office/drawing/2014/main" val="3422398695"/>
+                  </a:ext>
+                </a:extLst>
+              </a:tr>
+              <a:tr h="457811">
+                <a:tc>
+                  <a:txBody>
+                    <a:bodyPr/>
+                    <a:lstStyle/>
+                    <a:p>
+                      <a:r>
+                        <a:rPr lang="en-GB" dirty="0"/>
+                        <a:t>Comparison</a:t>
+                      </a:r>
+                    </a:p>
+                  </a:txBody>
+                  <a:tcPr/>
+                </a:tc>
+                <a:tc>
+                  <a:txBody>
+                    <a:bodyPr/>
+                    <a:lstStyle/>
+                    <a:p>
+                      <a:r>
+                        <a:rPr lang="en-GB" dirty="0"/>
+                        <a:t>184</a:t>
+                      </a:r>
+                    </a:p>
+                  </a:txBody>
+                  <a:tcPr/>
+                </a:tc>
+                <a:tc>
+                  <a:txBody>
+                    <a:bodyPr/>
+                    <a:lstStyle/>
+                    <a:p>
+                      <a:r>
+                        <a:rPr lang="en-GB" dirty="0"/>
+                        <a:t>1</a:t>
+                      </a:r>
+                    </a:p>
+                  </a:txBody>
+                  <a:tcPr/>
+                </a:tc>
+                <a:tc>
+                  <a:txBody>
+                    <a:bodyPr/>
+                    <a:lstStyle/>
+                    <a:p>
+                      <a:r>
+                        <a:rPr lang="en-GB" dirty="0"/>
+                        <a:t>197.5</a:t>
+                      </a:r>
+                    </a:p>
+                  </a:txBody>
+                  <a:tcPr/>
+                </a:tc>
+                <a:extLst>
+                  <a:ext uri="{0D108BD9-81ED-4DB2-BD59-A6C34878D82A}">
+                    <a16:rowId xmlns:a16="http://schemas.microsoft.com/office/drawing/2014/main" val="3851459375"/>
+                  </a:ext>
+                </a:extLst>
+              </a:tr>
+              <a:tr h="457811">
+                <a:tc>
+                  <a:txBody>
+                    <a:bodyPr/>
+                    <a:lstStyle/>
+                    <a:p>
+                      <a:r>
+                        <a:rPr lang="en-GB" dirty="0"/>
+                        <a:t>Total (Theoretical)</a:t>
+                      </a:r>
+                    </a:p>
+                  </a:txBody>
+                  <a:tcPr/>
+                </a:tc>
+                <a:tc>
+                  <a:txBody>
+                    <a:bodyPr/>
+                    <a:lstStyle/>
+                    <a:p>
+                      <a:r>
+                        <a:rPr lang="en-GB" dirty="0"/>
+                        <a:t>799.912</a:t>
+                      </a:r>
+                    </a:p>
+                  </a:txBody>
+                  <a:tcPr/>
+                </a:tc>
+                <a:tc>
+                  <a:txBody>
+                    <a:bodyPr/>
+                    <a:lstStyle/>
+                    <a:p>
+                      <a:r>
+                        <a:rPr lang="en-GB" dirty="0"/>
+                        <a:t>5</a:t>
+                      </a:r>
+                    </a:p>
+                  </a:txBody>
+                  <a:tcPr/>
+                </a:tc>
+                <a:tc>
+                  <a:txBody>
+                    <a:bodyPr/>
+                    <a:lstStyle/>
+                    <a:p>
+                      <a:r>
+                        <a:rPr lang="en-GB" dirty="0"/>
+                        <a:t>602.412</a:t>
+                      </a:r>
+                    </a:p>
+                  </a:txBody>
+                  <a:tcPr/>
+                </a:tc>
+                <a:extLst>
+                  <a:ext uri="{0D108BD9-81ED-4DB2-BD59-A6C34878D82A}">
+                    <a16:rowId xmlns:a16="http://schemas.microsoft.com/office/drawing/2014/main" val="3449757767"/>
+                  </a:ext>
+                </a:extLst>
+              </a:tr>
+            </a:tbl>
+          </a:graphicData>
+        </a:graphic>
+      </p:graphicFrame>
+    </p:spTree>
+    <p:extLst>
+      <p:ext uri="{BB962C8B-B14F-4D97-AF65-F5344CB8AC3E}">
+        <p14:creationId xmlns:p14="http://schemas.microsoft.com/office/powerpoint/2010/main" val="3555327452"/>
+      </p:ext>
+    </p:extLst>
+  </p:cSld>
+  <p:clrMapOvr>
+    <a:masterClrMapping/>
+  </p:clrMapOvr>
+</p:sld>
+</file>
+
+<file path=ppt/slides/slide33.xml><?xml version="1.0" encoding="utf-8"?>
+<p:sld xmlns:a="http://schemas.openxmlformats.org/drawingml/2006/main" xmlns:r="http://schemas.openxmlformats.org/officeDocument/2006/relationships" xmlns:p="http://schemas.openxmlformats.org/presentationml/2006/main">
+  <p:cSld>
+    <p:spTree>
+      <p:nvGrpSpPr>
+        <p:cNvPr id="1" name=""/>
+        <p:cNvGrpSpPr/>
+        <p:nvPr/>
+      </p:nvGrpSpPr>
+      <p:grpSpPr>
+        <a:xfrm>
+          <a:off x="0" y="0"/>
+          <a:ext cx="0" cy="0"/>
+          <a:chOff x="0" y="0"/>
+          <a:chExt cx="0" cy="0"/>
+        </a:xfrm>
+      </p:grpSpPr>
+      <p:sp>
+        <p:nvSpPr>
+          <p:cNvPr id="2" name="Title 1">
+            <a:extLst>
+              <a:ext uri="{FF2B5EF4-FFF2-40B4-BE49-F238E27FC236}">
+                <a16:creationId xmlns:a16="http://schemas.microsoft.com/office/drawing/2014/main" id="{38C8A842-99E7-4CDD-812C-8A5600616CB7}"/>
+              </a:ext>
+            </a:extLst>
+          </p:cNvPr>
+          <p:cNvSpPr>
+            <a:spLocks noGrp="1"/>
+          </p:cNvSpPr>
+          <p:nvPr>
+            <p:ph type="title"/>
+          </p:nvPr>
+        </p:nvSpPr>
+        <p:spPr/>
+        <p:txBody>
+          <a:bodyPr/>
+          <a:lstStyle/>
+          <a:p>
+            <a:r>
+              <a:rPr lang="en-GB" dirty="0"/>
+              <a:t>Prediction</a:t>
+            </a:r>
+          </a:p>
+        </p:txBody>
+      </p:sp>
+      <p:graphicFrame>
+        <p:nvGraphicFramePr>
+          <p:cNvPr id="5" name="Table 5">
+            <a:extLst>
+              <a:ext uri="{FF2B5EF4-FFF2-40B4-BE49-F238E27FC236}">
+                <a16:creationId xmlns:a16="http://schemas.microsoft.com/office/drawing/2014/main" id="{08AF816B-8AD8-4AF2-BF1D-4DAED81A7784}"/>
+              </a:ext>
+            </a:extLst>
+          </p:cNvPr>
+          <p:cNvGraphicFramePr>
+            <a:graphicFrameLocks noGrp="1"/>
+          </p:cNvGraphicFramePr>
+          <p:nvPr>
+            <p:ph idx="1"/>
+            <p:extLst>
+              <p:ext uri="{D42A27DB-BD31-4B8C-83A1-F6EECF244321}">
+                <p14:modId xmlns:p14="http://schemas.microsoft.com/office/powerpoint/2010/main" val="748052120"/>
+              </p:ext>
+            </p:extLst>
+          </p:nvPr>
+        </p:nvGraphicFramePr>
+        <p:xfrm>
+          <a:off x="1097280" y="2100787"/>
+          <a:ext cx="10058398" cy="733090"/>
+        </p:xfrm>
+        <a:graphic>
+          <a:graphicData uri="http://schemas.openxmlformats.org/drawingml/2006/table">
+            <a:tbl>
+              <a:tblPr firstRow="1" bandRow="1">
+                <a:tableStyleId>{5C22544A-7EE6-4342-B048-85BDC9FD1C3A}</a:tableStyleId>
+              </a:tblPr>
+              <a:tblGrid>
+                <a:gridCol w="5029199">
+                  <a:extLst>
+                    <a:ext uri="{9D8B030D-6E8A-4147-A177-3AD203B41FA5}">
+                      <a16:colId xmlns:a16="http://schemas.microsoft.com/office/drawing/2014/main" val="1527769836"/>
+                    </a:ext>
+                  </a:extLst>
+                </a:gridCol>
+                <a:gridCol w="5029199">
+                  <a:extLst>
+                    <a:ext uri="{9D8B030D-6E8A-4147-A177-3AD203B41FA5}">
+                      <a16:colId xmlns:a16="http://schemas.microsoft.com/office/drawing/2014/main" val="2992993125"/>
+                    </a:ext>
+                  </a:extLst>
+                </a:gridCol>
+              </a:tblGrid>
+              <a:tr h="366545">
+                <a:tc>
+                  <a:txBody>
+                    <a:bodyPr/>
+                    <a:lstStyle/>
+                    <a:p>
+                      <a:r>
+                        <a:rPr lang="en-GB" dirty="0"/>
+                        <a:t>Control theoretical time per guess</a:t>
+                      </a:r>
+                    </a:p>
+                  </a:txBody>
+                  <a:tcPr/>
+                </a:tc>
+                <a:tc>
+                  <a:txBody>
+                    <a:bodyPr/>
+                    <a:lstStyle/>
+                    <a:p>
+                      <a:r>
+                        <a:rPr lang="en-GB" dirty="0"/>
+                        <a:t>Optimised theoretical time per guess</a:t>
+                      </a:r>
+                    </a:p>
+                  </a:txBody>
+                  <a:tcPr/>
+                </a:tc>
+                <a:extLst>
+                  <a:ext uri="{0D108BD9-81ED-4DB2-BD59-A6C34878D82A}">
+                    <a16:rowId xmlns:a16="http://schemas.microsoft.com/office/drawing/2014/main" val="1055575379"/>
+                  </a:ext>
+                </a:extLst>
+              </a:tr>
+              <a:tr h="366545">
+                <a:tc>
+                  <a:txBody>
+                    <a:bodyPr/>
+                    <a:lstStyle/>
+                    <a:p>
+                      <a:pPr marL="0" marR="0" lvl="0" indent="0" algn="l" defTabSz="914400" rtl="0" eaLnBrk="1" fontAlgn="auto" latinLnBrk="0" hangingPunct="1">
+                        <a:lnSpc>
+                          <a:spcPct val="100000"/>
+                        </a:lnSpc>
+                        <a:spcBef>
+                          <a:spcPts val="0"/>
+                        </a:spcBef>
+                        <a:spcAft>
+                          <a:spcPts val="0"/>
+                        </a:spcAft>
+                        <a:buClrTx/>
+                        <a:buSzTx/>
+                        <a:buFontTx/>
+                        <a:buNone/>
+                        <a:tabLst/>
+                        <a:defRPr/>
+                      </a:pPr>
+                      <a:r>
+                        <a:rPr lang="en-GB" dirty="0"/>
+                        <a:t>799.912</a:t>
+                      </a:r>
+                    </a:p>
+                  </a:txBody>
+                  <a:tcPr/>
+                </a:tc>
+                <a:tc>
+                  <a:txBody>
+                    <a:bodyPr/>
+                    <a:lstStyle/>
+                    <a:p>
+                      <a:pPr marL="0" marR="0" lvl="0" indent="0" algn="l" defTabSz="914400" rtl="0" eaLnBrk="1" fontAlgn="auto" latinLnBrk="0" hangingPunct="1">
+                        <a:lnSpc>
+                          <a:spcPct val="100000"/>
+                        </a:lnSpc>
+                        <a:spcBef>
+                          <a:spcPts val="0"/>
+                        </a:spcBef>
+                        <a:spcAft>
+                          <a:spcPts val="0"/>
+                        </a:spcAft>
+                        <a:buClrTx/>
+                        <a:buSzTx/>
+                        <a:buFontTx/>
+                        <a:buNone/>
+                        <a:tabLst/>
+                        <a:defRPr/>
+                      </a:pPr>
+                      <a:r>
+                        <a:rPr lang="en-GB" dirty="0"/>
+                        <a:t>602.412</a:t>
+                      </a:r>
+                    </a:p>
+                  </a:txBody>
+                  <a:tcPr/>
+                </a:tc>
+                <a:extLst>
+                  <a:ext uri="{0D108BD9-81ED-4DB2-BD59-A6C34878D82A}">
+                    <a16:rowId xmlns:a16="http://schemas.microsoft.com/office/drawing/2014/main" val="3724406229"/>
+                  </a:ext>
+                </a:extLst>
+              </a:tr>
+            </a:tbl>
+          </a:graphicData>
+        </a:graphic>
+      </p:graphicFrame>
+      <p:sp>
+        <p:nvSpPr>
+          <p:cNvPr id="4" name="Footer Placeholder 3">
+            <a:extLst>
+              <a:ext uri="{FF2B5EF4-FFF2-40B4-BE49-F238E27FC236}">
+                <a16:creationId xmlns:a16="http://schemas.microsoft.com/office/drawing/2014/main" id="{DBDFE53F-78E2-499A-AD1E-C66A3C88E236}"/>
+              </a:ext>
+            </a:extLst>
+          </p:cNvPr>
+          <p:cNvSpPr>
+            <a:spLocks noGrp="1"/>
+          </p:cNvSpPr>
+          <p:nvPr>
+            <p:ph type="ftr" sz="quarter" idx="11"/>
+          </p:nvPr>
+        </p:nvSpPr>
+        <p:spPr/>
+        <p:txBody>
+          <a:bodyPr/>
+          <a:lstStyle/>
+          <a:p>
+            <a:r>
+              <a:rPr lang="en-GB"/>
+              <a:t>Jake Bretherton 1800231</a:t>
+            </a:r>
+          </a:p>
+        </p:txBody>
+      </p:sp>
+      <mc:AlternateContent xmlns:mc="http://schemas.openxmlformats.org/markup-compatibility/2006">
+        <mc:Choice xmlns:a14="http://schemas.microsoft.com/office/drawing/2010/main" Requires="a14">
+          <p:sp>
+            <p:nvSpPr>
+              <p:cNvPr id="7" name="TextBox 6">
+                <a:extLst>
+                  <a:ext uri="{FF2B5EF4-FFF2-40B4-BE49-F238E27FC236}">
+                    <a16:creationId xmlns:a16="http://schemas.microsoft.com/office/drawing/2014/main" id="{C455EFDF-BDEE-4EB1-97B7-E55028AAA6B3}"/>
+                  </a:ext>
+                </a:extLst>
+              </p:cNvPr>
+              <p:cNvSpPr txBox="1"/>
+              <p:nvPr/>
+            </p:nvSpPr>
+            <p:spPr>
+              <a:xfrm>
+                <a:off x="1066800" y="2943482"/>
+                <a:ext cx="5995143" cy="485518"/>
+              </a:xfrm>
+              <a:prstGeom prst="rect">
+                <a:avLst/>
+              </a:prstGeom>
+              <a:noFill/>
+            </p:spPr>
+            <p:txBody>
+              <a:bodyPr wrap="square" rtlCol="0">
+                <a:spAutoFit/>
+              </a:bodyPr>
+              <a:lstStyle/>
+              <a:p>
+                <a14:m>
+                  <m:oMath xmlns:m="http://schemas.openxmlformats.org/officeDocument/2006/math">
+                    <m:r>
+                      <a:rPr lang="en-GB" b="0" i="1" dirty="0" smtClean="0">
+                        <a:latin typeface="Cambria Math" panose="02040503050406030204" pitchFamily="18" charset="0"/>
+                      </a:rPr>
+                      <m:t>(</m:t>
+                    </m:r>
+                    <m:r>
+                      <a:rPr lang="en-GB" i="1" dirty="0" smtClean="0">
+                        <a:latin typeface="Cambria Math" panose="02040503050406030204" pitchFamily="18" charset="0"/>
+                      </a:rPr>
+                      <m:t>1 – </m:t>
+                    </m:r>
+                    <m:f>
+                      <m:fPr>
+                        <m:ctrlPr>
+                          <a:rPr lang="en-GB" i="1" dirty="0" smtClean="0">
+                            <a:latin typeface="Cambria Math" panose="02040503050406030204" pitchFamily="18" charset="0"/>
+                          </a:rPr>
+                        </m:ctrlPr>
+                      </m:fPr>
+                      <m:num>
+                        <m:r>
+                          <a:rPr lang="en-GB" i="1" dirty="0">
+                            <a:latin typeface="Cambria Math" panose="02040503050406030204" pitchFamily="18" charset="0"/>
+                          </a:rPr>
+                          <m:t>602.412</m:t>
+                        </m:r>
+                      </m:num>
+                      <m:den>
+                        <m:r>
+                          <a:rPr lang="en-GB" i="1" dirty="0">
+                            <a:latin typeface="Cambria Math" panose="02040503050406030204" pitchFamily="18" charset="0"/>
+                          </a:rPr>
+                          <m:t>799.912</m:t>
+                        </m:r>
+                      </m:den>
+                    </m:f>
+                    <m:r>
+                      <a:rPr lang="en-GB" b="0" i="1" dirty="0" smtClean="0">
+                        <a:latin typeface="Cambria Math" panose="02040503050406030204" pitchFamily="18" charset="0"/>
+                      </a:rPr>
+                      <m:t> )=</m:t>
+                    </m:r>
+                    <m:r>
+                      <m:rPr>
+                        <m:nor/>
+                      </m:rPr>
+                      <a:rPr lang="en-GB"/>
+                      <m:t>24</m:t>
+                    </m:r>
+                    <m:r>
+                      <m:rPr>
+                        <m:nor/>
+                      </m:rPr>
+                      <a:rPr lang="en-GB" b="0" i="0" smtClean="0"/>
+                      <m:t>.</m:t>
+                    </m:r>
+                    <m:r>
+                      <m:rPr>
+                        <m:nor/>
+                      </m:rPr>
+                      <a:rPr lang="en-GB"/>
+                      <m:t>69</m:t>
+                    </m:r>
+                    <m:r>
+                      <m:rPr>
+                        <m:nor/>
+                      </m:rPr>
+                      <a:rPr lang="en-GB" b="0" i="0" smtClean="0"/>
+                      <m:t>%</m:t>
+                    </m:r>
+                  </m:oMath>
+                </a14:m>
+                <a:r>
+                  <a:rPr lang="en-GB" dirty="0"/>
+                  <a:t> Theoretical time improvement</a:t>
+                </a:r>
+              </a:p>
+            </p:txBody>
+          </p:sp>
+        </mc:Choice>
+        <mc:Fallback>
+          <p:sp>
+            <p:nvSpPr>
+              <p:cNvPr id="7" name="TextBox 6">
+                <a:extLst>
+                  <a:ext uri="{FF2B5EF4-FFF2-40B4-BE49-F238E27FC236}">
+                    <a16:creationId xmlns:a16="http://schemas.microsoft.com/office/drawing/2014/main" id="{C455EFDF-BDEE-4EB1-97B7-E55028AAA6B3}"/>
+                  </a:ext>
+                </a:extLst>
+              </p:cNvPr>
+              <p:cNvSpPr txBox="1">
+                <a:spLocks noRot="1" noChangeAspect="1" noMove="1" noResize="1" noEditPoints="1" noAdjustHandles="1" noChangeArrowheads="1" noChangeShapeType="1" noTextEdit="1"/>
+              </p:cNvSpPr>
+              <p:nvPr/>
+            </p:nvSpPr>
+            <p:spPr>
+              <a:xfrm>
+                <a:off x="1066800" y="2943482"/>
+                <a:ext cx="5995143" cy="485518"/>
+              </a:xfrm>
+              <a:prstGeom prst="rect">
+                <a:avLst/>
+              </a:prstGeom>
+              <a:blipFill>
+                <a:blip r:embed="rId2"/>
+                <a:stretch>
+                  <a:fillRect l="-305" b="-7500"/>
+                </a:stretch>
+              </a:blipFill>
+            </p:spPr>
+            <p:txBody>
+              <a:bodyPr/>
+              <a:lstStyle/>
+              <a:p>
+                <a:r>
+                  <a:rPr lang="en-GB">
+                    <a:noFill/>
+                  </a:rPr>
+                  <a:t> </a:t>
+                </a:r>
+              </a:p>
+            </p:txBody>
+          </p:sp>
+        </mc:Fallback>
+      </mc:AlternateContent>
+      <p:graphicFrame>
+        <p:nvGraphicFramePr>
+          <p:cNvPr id="8" name="Table 8">
+            <a:extLst>
+              <a:ext uri="{FF2B5EF4-FFF2-40B4-BE49-F238E27FC236}">
+                <a16:creationId xmlns:a16="http://schemas.microsoft.com/office/drawing/2014/main" id="{DE3BA474-AAD7-491C-A0F7-74201AB92F69}"/>
+              </a:ext>
+            </a:extLst>
+          </p:cNvPr>
+          <p:cNvGraphicFramePr>
+            <a:graphicFrameLocks noGrp="1"/>
+          </p:cNvGraphicFramePr>
+          <p:nvPr>
+            <p:extLst>
+              <p:ext uri="{D42A27DB-BD31-4B8C-83A1-F6EECF244321}">
+                <p14:modId xmlns:p14="http://schemas.microsoft.com/office/powerpoint/2010/main" val="3084902752"/>
+              </p:ext>
+            </p:extLst>
+          </p:nvPr>
+        </p:nvGraphicFramePr>
+        <p:xfrm>
+          <a:off x="1066799" y="3999849"/>
+          <a:ext cx="10058398" cy="2199718"/>
+        </p:xfrm>
+        <a:graphic>
+          <a:graphicData uri="http://schemas.openxmlformats.org/drawingml/2006/table">
+            <a:tbl>
+              <a:tblPr firstRow="1" bandRow="1">
+                <a:tableStyleId>{5C22544A-7EE6-4342-B048-85BDC9FD1C3A}</a:tableStyleId>
+              </a:tblPr>
+              <a:tblGrid>
+                <a:gridCol w="1561079">
+                  <a:extLst>
+                    <a:ext uri="{9D8B030D-6E8A-4147-A177-3AD203B41FA5}">
+                      <a16:colId xmlns:a16="http://schemas.microsoft.com/office/drawing/2014/main" val="3679875126"/>
+                    </a:ext>
+                  </a:extLst>
+                </a:gridCol>
+                <a:gridCol w="4147793">
+                  <a:extLst>
+                    <a:ext uri="{9D8B030D-6E8A-4147-A177-3AD203B41FA5}">
+                      <a16:colId xmlns:a16="http://schemas.microsoft.com/office/drawing/2014/main" val="2949133963"/>
+                    </a:ext>
+                  </a:extLst>
+                </a:gridCol>
+                <a:gridCol w="4349526">
+                  <a:extLst>
+                    <a:ext uri="{9D8B030D-6E8A-4147-A177-3AD203B41FA5}">
+                      <a16:colId xmlns:a16="http://schemas.microsoft.com/office/drawing/2014/main" val="562494483"/>
+                    </a:ext>
+                  </a:extLst>
+                </a:gridCol>
+              </a:tblGrid>
+              <a:tr h="481188">
+                <a:tc>
+                  <a:txBody>
+                    <a:bodyPr/>
+                    <a:lstStyle/>
+                    <a:p>
+                      <a:r>
+                        <a:rPr lang="en-GB" sz="1200" dirty="0"/>
+                        <a:t>Number of letters in password</a:t>
+                      </a:r>
+                    </a:p>
+                  </a:txBody>
+                  <a:tcPr/>
+                </a:tc>
+                <a:tc>
+                  <a:txBody>
+                    <a:bodyPr/>
+                    <a:lstStyle/>
+                    <a:p>
+                      <a:r>
+                        <a:rPr lang="en-GB" sz="1600" dirty="0"/>
+                        <a:t>Control time predictions </a:t>
+                      </a:r>
+                    </a:p>
+                  </a:txBody>
+                  <a:tcPr/>
+                </a:tc>
+                <a:tc>
+                  <a:txBody>
+                    <a:bodyPr/>
+                    <a:lstStyle/>
+                    <a:p>
+                      <a:r>
+                        <a:rPr lang="en-GB" sz="1600" dirty="0"/>
+                        <a:t>Optimised time predictions</a:t>
+                      </a:r>
+                    </a:p>
+                  </a:txBody>
+                  <a:tcPr/>
+                </a:tc>
+                <a:extLst>
+                  <a:ext uri="{0D108BD9-81ED-4DB2-BD59-A6C34878D82A}">
+                    <a16:rowId xmlns:a16="http://schemas.microsoft.com/office/drawing/2014/main" val="3111068946"/>
+                  </a:ext>
+                </a:extLst>
+              </a:tr>
+              <a:tr h="343706">
+                <a:tc>
+                  <a:txBody>
+                    <a:bodyPr/>
+                    <a:lstStyle/>
+                    <a:p>
+                      <a:r>
+                        <a:rPr lang="en-GB" sz="1600" dirty="0"/>
+                        <a:t>1</a:t>
+                      </a:r>
+                    </a:p>
+                  </a:txBody>
+                  <a:tcPr/>
+                </a:tc>
+                <a:tc>
+                  <a:txBody>
+                    <a:bodyPr/>
+                    <a:lstStyle/>
+                    <a:p>
+                      <a:r>
+                        <a:rPr lang="en-GB" sz="1600" dirty="0"/>
+                        <a:t>38.0</a:t>
+                      </a:r>
+                      <a:r>
+                        <a:rPr lang="en-GB" sz="1600" dirty="0">
+                          <a:sym typeface="Symbol" panose="05050102010706020507" pitchFamily="18" charset="2"/>
+                        </a:rPr>
+                        <a:t>s</a:t>
+                      </a:r>
+                      <a:endParaRPr lang="en-GB" sz="1600" dirty="0"/>
+                    </a:p>
+                  </a:txBody>
+                  <a:tcPr/>
+                </a:tc>
+                <a:tc>
+                  <a:txBody>
+                    <a:bodyPr/>
+                    <a:lstStyle/>
+                    <a:p>
+                      <a:r>
+                        <a:rPr lang="en-GB" sz="1600" dirty="0"/>
+                        <a:t>28.6</a:t>
+                      </a:r>
+                      <a:r>
+                        <a:rPr lang="en-GB" sz="1600" dirty="0">
+                          <a:sym typeface="Symbol" panose="05050102010706020507" pitchFamily="18" charset="2"/>
+                        </a:rPr>
+                        <a:t>s</a:t>
+                      </a:r>
+                      <a:endParaRPr lang="en-GB" sz="1600" dirty="0"/>
+                    </a:p>
+                  </a:txBody>
+                  <a:tcPr/>
+                </a:tc>
+                <a:extLst>
+                  <a:ext uri="{0D108BD9-81ED-4DB2-BD59-A6C34878D82A}">
+                    <a16:rowId xmlns:a16="http://schemas.microsoft.com/office/drawing/2014/main" val="2286399952"/>
+                  </a:ext>
+                </a:extLst>
+              </a:tr>
+              <a:tr h="343706">
+                <a:tc>
+                  <a:txBody>
+                    <a:bodyPr/>
+                    <a:lstStyle/>
+                    <a:p>
+                      <a:r>
+                        <a:rPr lang="en-GB" sz="1600" dirty="0"/>
+                        <a:t>2</a:t>
+                      </a:r>
+                    </a:p>
+                  </a:txBody>
+                  <a:tcPr/>
+                </a:tc>
+                <a:tc>
+                  <a:txBody>
+                    <a:bodyPr/>
+                    <a:lstStyle/>
+                    <a:p>
+                      <a:r>
+                        <a:rPr lang="en-GB" sz="1600" dirty="0"/>
+                        <a:t>3.61ms</a:t>
+                      </a:r>
+                    </a:p>
+                  </a:txBody>
+                  <a:tcPr/>
+                </a:tc>
+                <a:tc>
+                  <a:txBody>
+                    <a:bodyPr/>
+                    <a:lstStyle/>
+                    <a:p>
+                      <a:r>
+                        <a:rPr lang="en-GB" sz="1600" dirty="0"/>
+                        <a:t>2.72ms</a:t>
+                      </a:r>
+                    </a:p>
+                  </a:txBody>
+                  <a:tcPr/>
+                </a:tc>
+                <a:extLst>
+                  <a:ext uri="{0D108BD9-81ED-4DB2-BD59-A6C34878D82A}">
+                    <a16:rowId xmlns:a16="http://schemas.microsoft.com/office/drawing/2014/main" val="2903927039"/>
+                  </a:ext>
+                </a:extLst>
+              </a:tr>
+              <a:tr h="343706">
+                <a:tc>
+                  <a:txBody>
+                    <a:bodyPr/>
+                    <a:lstStyle/>
+                    <a:p>
+                      <a:r>
+                        <a:rPr lang="en-GB" sz="1600" dirty="0"/>
+                        <a:t>3</a:t>
+                      </a:r>
+                    </a:p>
+                  </a:txBody>
+                  <a:tcPr/>
+                </a:tc>
+                <a:tc>
+                  <a:txBody>
+                    <a:bodyPr/>
+                    <a:lstStyle/>
+                    <a:p>
+                      <a:r>
+                        <a:rPr lang="en-GB" sz="1600" dirty="0"/>
+                        <a:t>0.343s</a:t>
+                      </a:r>
+                    </a:p>
+                  </a:txBody>
+                  <a:tcPr/>
+                </a:tc>
+                <a:tc>
+                  <a:txBody>
+                    <a:bodyPr/>
+                    <a:lstStyle/>
+                    <a:p>
+                      <a:r>
+                        <a:rPr lang="en-GB" sz="1600" dirty="0"/>
+                        <a:t>0.258s</a:t>
+                      </a:r>
+                    </a:p>
+                  </a:txBody>
+                  <a:tcPr/>
+                </a:tc>
+                <a:extLst>
+                  <a:ext uri="{0D108BD9-81ED-4DB2-BD59-A6C34878D82A}">
+                    <a16:rowId xmlns:a16="http://schemas.microsoft.com/office/drawing/2014/main" val="3056844506"/>
+                  </a:ext>
+                </a:extLst>
+              </a:tr>
+              <a:tr h="343706">
+                <a:tc>
+                  <a:txBody>
+                    <a:bodyPr/>
+                    <a:lstStyle/>
+                    <a:p>
+                      <a:r>
+                        <a:rPr lang="en-GB" sz="1600" dirty="0"/>
+                        <a:t>4</a:t>
+                      </a:r>
+                    </a:p>
+                  </a:txBody>
+                  <a:tcPr/>
+                </a:tc>
+                <a:tc>
+                  <a:txBody>
+                    <a:bodyPr/>
+                    <a:lstStyle/>
+                    <a:p>
+                      <a:r>
+                        <a:rPr lang="en-GB" sz="1600" dirty="0"/>
+                        <a:t>32.6s</a:t>
+                      </a:r>
+                    </a:p>
+                  </a:txBody>
+                  <a:tcPr/>
+                </a:tc>
+                <a:tc>
+                  <a:txBody>
+                    <a:bodyPr/>
+                    <a:lstStyle/>
+                    <a:p>
+                      <a:r>
+                        <a:rPr lang="en-GB" sz="1600" dirty="0"/>
+                        <a:t>24.5s</a:t>
+                      </a:r>
+                    </a:p>
+                  </a:txBody>
+                  <a:tcPr/>
+                </a:tc>
+                <a:extLst>
+                  <a:ext uri="{0D108BD9-81ED-4DB2-BD59-A6C34878D82A}">
+                    <a16:rowId xmlns:a16="http://schemas.microsoft.com/office/drawing/2014/main" val="2266472250"/>
+                  </a:ext>
+                </a:extLst>
+              </a:tr>
+              <a:tr h="343706">
+                <a:tc>
+                  <a:txBody>
+                    <a:bodyPr/>
+                    <a:lstStyle/>
+                    <a:p>
+                      <a:r>
+                        <a:rPr lang="en-GB" sz="1600" dirty="0"/>
+                        <a:t>5</a:t>
+                      </a:r>
+                    </a:p>
+                  </a:txBody>
+                  <a:tcPr/>
+                </a:tc>
+                <a:tc>
+                  <a:txBody>
+                    <a:bodyPr/>
+                    <a:lstStyle/>
+                    <a:p>
+                      <a:r>
+                        <a:rPr lang="en-GB" sz="1600" dirty="0"/>
+                        <a:t>51.6min</a:t>
+                      </a:r>
+                    </a:p>
+                  </a:txBody>
+                  <a:tcPr/>
+                </a:tc>
+                <a:tc>
+                  <a:txBody>
+                    <a:bodyPr/>
+                    <a:lstStyle/>
+                    <a:p>
+                      <a:r>
+                        <a:rPr lang="en-GB" sz="1600" dirty="0"/>
+                        <a:t>38.8min</a:t>
+                      </a:r>
+                    </a:p>
+                  </a:txBody>
+                  <a:tcPr/>
+                </a:tc>
+                <a:extLst>
+                  <a:ext uri="{0D108BD9-81ED-4DB2-BD59-A6C34878D82A}">
+                    <a16:rowId xmlns:a16="http://schemas.microsoft.com/office/drawing/2014/main" val="407450493"/>
+                  </a:ext>
+                </a:extLst>
+              </a:tr>
+            </a:tbl>
+          </a:graphicData>
+        </a:graphic>
+      </p:graphicFrame>
+      <mc:AlternateContent xmlns:mc="http://schemas.openxmlformats.org/markup-compatibility/2006">
+        <mc:Choice xmlns:a14="http://schemas.microsoft.com/office/drawing/2010/main" Requires="a14">
+          <p:sp>
+            <p:nvSpPr>
+              <p:cNvPr id="10" name="TextBox 9">
+                <a:extLst>
+                  <a:ext uri="{FF2B5EF4-FFF2-40B4-BE49-F238E27FC236}">
+                    <a16:creationId xmlns:a16="http://schemas.microsoft.com/office/drawing/2014/main" id="{87ACFAB0-3B01-4906-9738-FDB8CED4CCAF}"/>
+                  </a:ext>
+                </a:extLst>
+              </p:cNvPr>
+              <p:cNvSpPr txBox="1"/>
+              <p:nvPr/>
+            </p:nvSpPr>
+            <p:spPr>
+              <a:xfrm>
+                <a:off x="1066799" y="3538605"/>
+                <a:ext cx="10088879" cy="317203"/>
+              </a:xfrm>
+              <a:prstGeom prst="rect">
+                <a:avLst/>
+              </a:prstGeom>
+              <a:noFill/>
+            </p:spPr>
+            <p:txBody>
+              <a:bodyPr wrap="square" rtlCol="0">
+                <a:spAutoFit/>
+              </a:bodyPr>
+              <a:lstStyle/>
+              <a:p>
+                <a14:m>
+                  <m:oMathPara xmlns:m="http://schemas.openxmlformats.org/officeDocument/2006/math">
+                    <m:oMathParaPr>
+                      <m:jc m:val="centerGroup"/>
+                    </m:oMathParaPr>
+                    <m:oMath xmlns:m="http://schemas.openxmlformats.org/officeDocument/2006/math">
+                      <m:r>
+                        <a:rPr lang="en-GB" sz="1400" i="1" dirty="0" smtClean="0">
+                          <a:latin typeface="Cambria Math" panose="02040503050406030204" pitchFamily="18" charset="0"/>
+                        </a:rPr>
+                        <m:t>𝑇𝑖𝑚𝑒</m:t>
+                      </m:r>
+                      <m:r>
+                        <a:rPr lang="en-GB" sz="1400" i="1" dirty="0">
+                          <a:latin typeface="Cambria Math" panose="02040503050406030204" pitchFamily="18" charset="0"/>
+                        </a:rPr>
+                        <m:t> </m:t>
+                      </m:r>
+                      <m:r>
+                        <a:rPr lang="en-GB" sz="1400" i="1" dirty="0" smtClean="0">
+                          <a:latin typeface="Cambria Math" panose="02040503050406030204" pitchFamily="18" charset="0"/>
+                        </a:rPr>
+                        <m:t>𝑡𝑜</m:t>
+                      </m:r>
+                      <m:r>
+                        <a:rPr lang="en-GB" sz="1400" i="1" dirty="0">
+                          <a:latin typeface="Cambria Math" panose="02040503050406030204" pitchFamily="18" charset="0"/>
+                        </a:rPr>
+                        <m:t> </m:t>
+                      </m:r>
+                      <m:r>
+                        <a:rPr lang="en-GB" sz="1400" i="1" dirty="0" smtClean="0">
+                          <a:latin typeface="Cambria Math" panose="02040503050406030204" pitchFamily="18" charset="0"/>
+                        </a:rPr>
+                        <m:t>𝑐𝑟𝑎𝑐𝑘</m:t>
+                      </m:r>
+                      <m:r>
+                        <a:rPr lang="en-GB" sz="1400" i="1" dirty="0">
+                          <a:latin typeface="Cambria Math" panose="02040503050406030204" pitchFamily="18" charset="0"/>
+                        </a:rPr>
+                        <m:t> </m:t>
+                      </m:r>
+                      <m:r>
+                        <a:rPr lang="en-GB" sz="1400" i="1" dirty="0" smtClean="0">
+                          <a:latin typeface="Cambria Math" panose="02040503050406030204" pitchFamily="18" charset="0"/>
+                        </a:rPr>
+                        <m:t>=</m:t>
+                      </m:r>
+                      <m:r>
+                        <a:rPr lang="en-GB" sz="1400" i="1" dirty="0">
+                          <a:latin typeface="Cambria Math" panose="02040503050406030204" pitchFamily="18" charset="0"/>
+                        </a:rPr>
+                        <m:t> </m:t>
+                      </m:r>
+                      <m:r>
+                        <a:rPr lang="en-GB" sz="1400" i="1" dirty="0" smtClean="0">
+                          <a:latin typeface="Cambria Math" panose="02040503050406030204" pitchFamily="18" charset="0"/>
+                        </a:rPr>
+                        <m:t>([</m:t>
+                      </m:r>
+                      <m:r>
+                        <a:rPr lang="en-GB" sz="1400" i="1" dirty="0" smtClean="0">
+                          <a:latin typeface="Cambria Math" panose="02040503050406030204" pitchFamily="18" charset="0"/>
+                        </a:rPr>
+                        <m:t>𝑇h𝑒𝑜𝑟𝑒𝑡𝑖𝑐𝑎𝑙</m:t>
+                      </m:r>
+                      <m:r>
+                        <a:rPr lang="en-GB" sz="1400" i="1" dirty="0" smtClean="0">
+                          <a:latin typeface="Cambria Math" panose="02040503050406030204" pitchFamily="18" charset="0"/>
+                        </a:rPr>
+                        <m:t> </m:t>
+                      </m:r>
+                      <m:r>
+                        <a:rPr lang="en-GB" sz="1400" i="1" dirty="0" smtClean="0">
+                          <a:latin typeface="Cambria Math" panose="02040503050406030204" pitchFamily="18" charset="0"/>
+                        </a:rPr>
+                        <m:t>𝑡𝑖𝑚𝑒</m:t>
+                      </m:r>
+                      <m:r>
+                        <a:rPr lang="en-GB" sz="1400" i="1" dirty="0" smtClean="0">
+                          <a:latin typeface="Cambria Math" panose="02040503050406030204" pitchFamily="18" charset="0"/>
+                        </a:rPr>
+                        <m:t> </m:t>
+                      </m:r>
+                      <m:r>
+                        <a:rPr lang="en-GB" sz="1400" i="1" dirty="0" smtClean="0">
+                          <a:latin typeface="Cambria Math" panose="02040503050406030204" pitchFamily="18" charset="0"/>
+                        </a:rPr>
+                        <m:t>𝑝𝑒𝑟</m:t>
+                      </m:r>
+                      <m:r>
+                        <a:rPr lang="en-GB" sz="1400" i="1" dirty="0" smtClean="0">
+                          <a:latin typeface="Cambria Math" panose="02040503050406030204" pitchFamily="18" charset="0"/>
+                        </a:rPr>
+                        <m:t> </m:t>
+                      </m:r>
+                      <m:r>
+                        <a:rPr lang="en-GB" sz="1400" i="1" dirty="0" smtClean="0">
+                          <a:latin typeface="Cambria Math" panose="02040503050406030204" pitchFamily="18" charset="0"/>
+                        </a:rPr>
+                        <m:t>𝑔𝑢𝑒𝑠𝑠</m:t>
+                      </m:r>
+                      <m:r>
+                        <a:rPr lang="en-GB" sz="1400" i="1" dirty="0" smtClean="0">
+                          <a:latin typeface="Cambria Math" panose="02040503050406030204" pitchFamily="18" charset="0"/>
+                        </a:rPr>
+                        <m:t>]∗(</m:t>
+                      </m:r>
+                      <m:sSup>
+                        <m:sSupPr>
+                          <m:ctrlPr>
+                            <a:rPr lang="en-GB" sz="1400" i="1" dirty="0" smtClean="0">
+                              <a:latin typeface="Cambria Math" panose="02040503050406030204" pitchFamily="18" charset="0"/>
+                            </a:rPr>
+                          </m:ctrlPr>
+                        </m:sSupPr>
+                        <m:e>
+                          <m:r>
+                            <a:rPr lang="en-GB" sz="1400" i="1" dirty="0">
+                              <a:latin typeface="Cambria Math" panose="02040503050406030204" pitchFamily="18" charset="0"/>
+                            </a:rPr>
+                            <m:t>[</m:t>
+                          </m:r>
+                          <m:r>
+                            <a:rPr lang="en-GB" sz="1400" i="1" dirty="0">
+                              <a:latin typeface="Cambria Math" panose="02040503050406030204" pitchFamily="18" charset="0"/>
+                            </a:rPr>
+                            <m:t>𝑛𝑢𝑚𝑏𝑒𝑟</m:t>
+                          </m:r>
+                          <m:r>
+                            <a:rPr lang="en-GB" sz="1400" i="1" dirty="0">
+                              <a:latin typeface="Cambria Math" panose="02040503050406030204" pitchFamily="18" charset="0"/>
+                            </a:rPr>
+                            <m:t> </m:t>
+                          </m:r>
+                          <m:r>
+                            <a:rPr lang="en-GB" sz="1400" i="1" dirty="0">
+                              <a:latin typeface="Cambria Math" panose="02040503050406030204" pitchFamily="18" charset="0"/>
+                            </a:rPr>
+                            <m:t>𝑜𝑓</m:t>
+                          </m:r>
+                          <m:r>
+                            <a:rPr lang="en-GB" sz="1400" i="1" dirty="0">
+                              <a:latin typeface="Cambria Math" panose="02040503050406030204" pitchFamily="18" charset="0"/>
+                            </a:rPr>
+                            <m:t> </m:t>
+                          </m:r>
+                          <m:r>
+                            <a:rPr lang="en-GB" sz="1400" i="1" dirty="0">
+                              <a:latin typeface="Cambria Math" panose="02040503050406030204" pitchFamily="18" charset="0"/>
+                            </a:rPr>
+                            <m:t>𝑐h𝑎𝑟𝑎𝑐𝑡𝑒𝑟𝑠</m:t>
+                          </m:r>
+                          <m:r>
+                            <a:rPr lang="en-GB" sz="1400" i="1" dirty="0">
+                              <a:latin typeface="Cambria Math" panose="02040503050406030204" pitchFamily="18" charset="0"/>
+                            </a:rPr>
+                            <m:t> </m:t>
+                          </m:r>
+                          <m:r>
+                            <a:rPr lang="en-GB" sz="1400" i="1" dirty="0">
+                              <a:latin typeface="Cambria Math" panose="02040503050406030204" pitchFamily="18" charset="0"/>
+                            </a:rPr>
+                            <m:t>𝑖𝑛</m:t>
+                          </m:r>
+                          <m:r>
+                            <a:rPr lang="en-GB" sz="1400" i="1" dirty="0">
+                              <a:latin typeface="Cambria Math" panose="02040503050406030204" pitchFamily="18" charset="0"/>
+                            </a:rPr>
+                            <m:t> </m:t>
+                          </m:r>
+                          <m:r>
+                            <a:rPr lang="en-GB" sz="1400" i="1" dirty="0" err="1">
+                              <a:latin typeface="Cambria Math" panose="02040503050406030204" pitchFamily="18" charset="0"/>
+                            </a:rPr>
+                            <m:t>𝑐h𝑎𝑟𝑎𝑐𝑡𝑒𝑟𝑠𝑒𝑡</m:t>
+                          </m:r>
+                          <m:r>
+                            <a:rPr lang="en-GB" sz="1400" i="1" dirty="0">
+                              <a:latin typeface="Cambria Math" panose="02040503050406030204" pitchFamily="18" charset="0"/>
+                            </a:rPr>
+                            <m:t>]</m:t>
+                          </m:r>
+                        </m:e>
+                        <m:sup>
+                          <m:r>
+                            <a:rPr lang="en-GB" sz="1400" i="1" dirty="0">
+                              <a:latin typeface="Cambria Math" panose="02040503050406030204" pitchFamily="18" charset="0"/>
+                            </a:rPr>
+                            <m:t>[</m:t>
+                          </m:r>
+                          <m:r>
+                            <a:rPr lang="en-GB" sz="1400" i="1" dirty="0">
+                              <a:latin typeface="Cambria Math" panose="02040503050406030204" pitchFamily="18" charset="0"/>
+                            </a:rPr>
+                            <m:t>𝑛𝑢𝑚𝑏𝑒𝑟</m:t>
+                          </m:r>
+                          <m:r>
+                            <a:rPr lang="en-GB" sz="1400" i="1" dirty="0">
+                              <a:latin typeface="Cambria Math" panose="02040503050406030204" pitchFamily="18" charset="0"/>
+                            </a:rPr>
+                            <m:t> </m:t>
+                          </m:r>
+                          <m:r>
+                            <a:rPr lang="en-GB" sz="1400" i="1" dirty="0">
+                              <a:latin typeface="Cambria Math" panose="02040503050406030204" pitchFamily="18" charset="0"/>
+                            </a:rPr>
+                            <m:t>𝑜𝑓</m:t>
+                          </m:r>
+                          <m:r>
+                            <a:rPr lang="en-GB" sz="1400" i="1" dirty="0">
+                              <a:latin typeface="Cambria Math" panose="02040503050406030204" pitchFamily="18" charset="0"/>
+                            </a:rPr>
+                            <m:t> </m:t>
+                          </m:r>
+                          <m:r>
+                            <a:rPr lang="en-GB" sz="1400" i="1" dirty="0">
+                              <a:latin typeface="Cambria Math" panose="02040503050406030204" pitchFamily="18" charset="0"/>
+                            </a:rPr>
+                            <m:t>𝑐h𝑎𝑟𝑎𝑐𝑡𝑒𝑟𝑠</m:t>
+                          </m:r>
+                          <m:r>
+                            <a:rPr lang="en-GB" sz="1400" i="1" dirty="0">
+                              <a:latin typeface="Cambria Math" panose="02040503050406030204" pitchFamily="18" charset="0"/>
+                            </a:rPr>
+                            <m:t> </m:t>
+                          </m:r>
+                          <m:r>
+                            <a:rPr lang="en-GB" sz="1400" i="1" dirty="0">
+                              <a:latin typeface="Cambria Math" panose="02040503050406030204" pitchFamily="18" charset="0"/>
+                            </a:rPr>
+                            <m:t>𝑖𝑛</m:t>
+                          </m:r>
+                          <m:r>
+                            <a:rPr lang="en-GB" sz="1400" i="1" dirty="0">
+                              <a:latin typeface="Cambria Math" panose="02040503050406030204" pitchFamily="18" charset="0"/>
+                            </a:rPr>
+                            <m:t> </m:t>
+                          </m:r>
+                          <m:r>
+                            <a:rPr lang="en-GB" sz="1400" i="1" dirty="0">
+                              <a:latin typeface="Cambria Math" panose="02040503050406030204" pitchFamily="18" charset="0"/>
+                            </a:rPr>
+                            <m:t>𝑝𝑎𝑠𝑠𝑤𝑜𝑟𝑑</m:t>
+                          </m:r>
+                          <m:r>
+                            <a:rPr lang="en-GB" sz="1400" i="1" dirty="0">
+                              <a:latin typeface="Cambria Math" panose="02040503050406030204" pitchFamily="18" charset="0"/>
+                            </a:rPr>
+                            <m:t>]</m:t>
+                          </m:r>
+                        </m:sup>
+                      </m:sSup>
+                      <m:r>
+                        <a:rPr lang="en-GB" sz="1400" i="1" dirty="0" smtClean="0">
+                          <a:latin typeface="Cambria Math" panose="02040503050406030204" pitchFamily="18" charset="0"/>
+                        </a:rPr>
+                        <m:t>))/2</m:t>
+                      </m:r>
+                    </m:oMath>
+                  </m:oMathPara>
+                </a14:m>
+                <a:endParaRPr lang="en-GB" sz="1400" dirty="0"/>
+              </a:p>
+            </p:txBody>
+          </p:sp>
+        </mc:Choice>
+        <mc:Fallback>
+          <p:sp>
+            <p:nvSpPr>
+              <p:cNvPr id="10" name="TextBox 9">
+                <a:extLst>
+                  <a:ext uri="{FF2B5EF4-FFF2-40B4-BE49-F238E27FC236}">
+                    <a16:creationId xmlns:a16="http://schemas.microsoft.com/office/drawing/2014/main" id="{87ACFAB0-3B01-4906-9738-FDB8CED4CCAF}"/>
+                  </a:ext>
+                </a:extLst>
+              </p:cNvPr>
+              <p:cNvSpPr txBox="1">
+                <a:spLocks noRot="1" noChangeAspect="1" noMove="1" noResize="1" noEditPoints="1" noAdjustHandles="1" noChangeArrowheads="1" noChangeShapeType="1" noTextEdit="1"/>
+              </p:cNvSpPr>
+              <p:nvPr/>
+            </p:nvSpPr>
+            <p:spPr>
+              <a:xfrm>
+                <a:off x="1066799" y="3538605"/>
+                <a:ext cx="10088879" cy="317203"/>
+              </a:xfrm>
+              <a:prstGeom prst="rect">
+                <a:avLst/>
+              </a:prstGeom>
+              <a:blipFill>
+                <a:blip r:embed="rId3"/>
+                <a:stretch>
+                  <a:fillRect b="-7547"/>
+                </a:stretch>
+              </a:blipFill>
+            </p:spPr>
+            <p:txBody>
+              <a:bodyPr/>
+              <a:lstStyle/>
+              <a:p>
+                <a:r>
+                  <a:rPr lang="en-GB">
+                    <a:noFill/>
+                  </a:rPr>
+                  <a:t> </a:t>
+                </a:r>
+              </a:p>
+            </p:txBody>
+          </p:sp>
+        </mc:Fallback>
+      </mc:AlternateContent>
+    </p:spTree>
+    <p:extLst>
+      <p:ext uri="{BB962C8B-B14F-4D97-AF65-F5344CB8AC3E}">
+        <p14:creationId xmlns:p14="http://schemas.microsoft.com/office/powerpoint/2010/main" val="3336485434"/>
+      </p:ext>
+    </p:extLst>
+  </p:cSld>
+  <p:clrMapOvr>
+    <a:masterClrMapping/>
+  </p:clrMapOvr>
+</p:sld>
+</file>
+
+<file path=ppt/slides/slide34.xml><?xml version="1.0" encoding="utf-8"?>
+<p:sld xmlns:a="http://schemas.openxmlformats.org/drawingml/2006/main" xmlns:r="http://schemas.openxmlformats.org/officeDocument/2006/relationships" xmlns:p="http://schemas.openxmlformats.org/presentationml/2006/main">
+  <p:cSld>
+    <p:spTree>
+      <p:nvGrpSpPr>
+        <p:cNvPr id="1" name=""/>
+        <p:cNvGrpSpPr/>
+        <p:nvPr/>
+      </p:nvGrpSpPr>
+      <p:grpSpPr>
+        <a:xfrm>
+          <a:off x="0" y="0"/>
+          <a:ext cx="0" cy="0"/>
+          <a:chOff x="0" y="0"/>
+          <a:chExt cx="0" cy="0"/>
+        </a:xfrm>
+      </p:grpSpPr>
+      <p:sp>
+        <p:nvSpPr>
+          <p:cNvPr id="2" name="Title 1">
+            <a:extLst>
+              <a:ext uri="{FF2B5EF4-FFF2-40B4-BE49-F238E27FC236}">
+                <a16:creationId xmlns:a16="http://schemas.microsoft.com/office/drawing/2014/main" id="{38C8A842-99E7-4CDD-812C-8A5600616CB7}"/>
+              </a:ext>
+            </a:extLst>
+          </p:cNvPr>
+          <p:cNvSpPr>
+            <a:spLocks noGrp="1"/>
+          </p:cNvSpPr>
+          <p:nvPr>
+            <p:ph type="title"/>
+          </p:nvPr>
+        </p:nvSpPr>
+        <p:spPr/>
+        <p:txBody>
+          <a:bodyPr/>
+          <a:lstStyle/>
+          <a:p>
+            <a:r>
+              <a:rPr lang="en-GB" dirty="0"/>
+              <a:t>Results</a:t>
+            </a:r>
+          </a:p>
+        </p:txBody>
+      </p:sp>
+      <p:sp>
+        <p:nvSpPr>
+          <p:cNvPr id="4" name="Footer Placeholder 3">
+            <a:extLst>
+              <a:ext uri="{FF2B5EF4-FFF2-40B4-BE49-F238E27FC236}">
+                <a16:creationId xmlns:a16="http://schemas.microsoft.com/office/drawing/2014/main" id="{DBDFE53F-78E2-499A-AD1E-C66A3C88E236}"/>
+              </a:ext>
+            </a:extLst>
+          </p:cNvPr>
+          <p:cNvSpPr>
+            <a:spLocks noGrp="1"/>
+          </p:cNvSpPr>
+          <p:nvPr>
+            <p:ph type="ftr" sz="quarter" idx="11"/>
+          </p:nvPr>
+        </p:nvSpPr>
+        <p:spPr/>
+        <p:txBody>
+          <a:bodyPr/>
+          <a:lstStyle/>
+          <a:p>
+            <a:r>
+              <a:rPr lang="en-GB"/>
+              <a:t>Jake Bretherton 1800231</a:t>
+            </a:r>
+          </a:p>
+        </p:txBody>
+      </p:sp>
+      <p:graphicFrame>
+        <p:nvGraphicFramePr>
+          <p:cNvPr id="8" name="Table 8">
+            <a:extLst>
+              <a:ext uri="{FF2B5EF4-FFF2-40B4-BE49-F238E27FC236}">
+                <a16:creationId xmlns:a16="http://schemas.microsoft.com/office/drawing/2014/main" id="{DE3BA474-AAD7-491C-A0F7-74201AB92F69}"/>
+              </a:ext>
+            </a:extLst>
+          </p:cNvPr>
+          <p:cNvGraphicFramePr>
+            <a:graphicFrameLocks noGrp="1"/>
+          </p:cNvGraphicFramePr>
+          <p:nvPr>
+            <p:extLst>
+              <p:ext uri="{D42A27DB-BD31-4B8C-83A1-F6EECF244321}">
+                <p14:modId xmlns:p14="http://schemas.microsoft.com/office/powerpoint/2010/main" val="453964548"/>
+              </p:ext>
+            </p:extLst>
+          </p:nvPr>
+        </p:nvGraphicFramePr>
+        <p:xfrm>
+          <a:off x="1066801" y="2133342"/>
+          <a:ext cx="10058398" cy="2199718"/>
+        </p:xfrm>
+        <a:graphic>
+          <a:graphicData uri="http://schemas.openxmlformats.org/drawingml/2006/table">
+            <a:tbl>
+              <a:tblPr firstRow="1" bandRow="1">
+                <a:tableStyleId>{5C22544A-7EE6-4342-B048-85BDC9FD1C3A}</a:tableStyleId>
+              </a:tblPr>
+              <a:tblGrid>
+                <a:gridCol w="1561079">
+                  <a:extLst>
+                    <a:ext uri="{9D8B030D-6E8A-4147-A177-3AD203B41FA5}">
+                      <a16:colId xmlns:a16="http://schemas.microsoft.com/office/drawing/2014/main" val="3679875126"/>
+                    </a:ext>
+                  </a:extLst>
+                </a:gridCol>
+                <a:gridCol w="4147793">
+                  <a:extLst>
+                    <a:ext uri="{9D8B030D-6E8A-4147-A177-3AD203B41FA5}">
+                      <a16:colId xmlns:a16="http://schemas.microsoft.com/office/drawing/2014/main" val="2949133963"/>
+                    </a:ext>
+                  </a:extLst>
+                </a:gridCol>
+                <a:gridCol w="4349526">
+                  <a:extLst>
+                    <a:ext uri="{9D8B030D-6E8A-4147-A177-3AD203B41FA5}">
+                      <a16:colId xmlns:a16="http://schemas.microsoft.com/office/drawing/2014/main" val="562494483"/>
+                    </a:ext>
+                  </a:extLst>
+                </a:gridCol>
+              </a:tblGrid>
+              <a:tr h="481188">
+                <a:tc>
+                  <a:txBody>
+                    <a:bodyPr/>
+                    <a:lstStyle/>
+                    <a:p>
+                      <a:r>
+                        <a:rPr lang="en-GB" sz="1200" dirty="0"/>
+                        <a:t>Number of letters in password</a:t>
+                      </a:r>
+                    </a:p>
+                  </a:txBody>
+                  <a:tcPr/>
+                </a:tc>
+                <a:tc>
+                  <a:txBody>
+                    <a:bodyPr/>
+                    <a:lstStyle/>
+                    <a:p>
+                      <a:r>
+                        <a:rPr lang="en-GB" sz="1600" dirty="0"/>
+                        <a:t>Control time actual </a:t>
+                      </a:r>
+                    </a:p>
+                  </a:txBody>
+                  <a:tcPr/>
+                </a:tc>
+                <a:tc>
+                  <a:txBody>
+                    <a:bodyPr/>
+                    <a:lstStyle/>
+                    <a:p>
+                      <a:r>
+                        <a:rPr lang="en-GB" sz="1600" dirty="0"/>
+                        <a:t>Optimised time actual</a:t>
+                      </a:r>
+                    </a:p>
+                  </a:txBody>
+                  <a:tcPr/>
+                </a:tc>
+                <a:extLst>
+                  <a:ext uri="{0D108BD9-81ED-4DB2-BD59-A6C34878D82A}">
+                    <a16:rowId xmlns:a16="http://schemas.microsoft.com/office/drawing/2014/main" val="3111068946"/>
+                  </a:ext>
+                </a:extLst>
+              </a:tr>
+              <a:tr h="343706">
+                <a:tc>
+                  <a:txBody>
+                    <a:bodyPr/>
+                    <a:lstStyle/>
+                    <a:p>
+                      <a:r>
+                        <a:rPr lang="en-GB" sz="1600" dirty="0"/>
+                        <a:t>1</a:t>
+                      </a:r>
+                    </a:p>
+                  </a:txBody>
+                  <a:tcPr/>
+                </a:tc>
+                <a:tc>
+                  <a:txBody>
+                    <a:bodyPr/>
+                    <a:lstStyle/>
+                    <a:p>
+                      <a:pPr algn="l" fontAlgn="b"/>
+                      <a:r>
+                        <a:rPr lang="en-GB" sz="1600" b="0" i="0" u="none" strike="noStrike" dirty="0">
+                          <a:solidFill>
+                            <a:srgbClr val="000000"/>
+                          </a:solidFill>
+                          <a:effectLst/>
+                          <a:latin typeface="Calibri" panose="020F0502020204030204" pitchFamily="34" charset="0"/>
+                        </a:rPr>
+                        <a:t>0.006827s</a:t>
+                      </a:r>
+                    </a:p>
+                  </a:txBody>
+                  <a:tcPr marL="7620" marR="7620" marT="7620" marB="0" anchor="b"/>
+                </a:tc>
+                <a:tc>
+                  <a:txBody>
+                    <a:bodyPr/>
+                    <a:lstStyle/>
+                    <a:p>
+                      <a:pPr algn="l" fontAlgn="b"/>
+                      <a:r>
+                        <a:rPr lang="en-GB" sz="1600" b="0" i="0" u="none" strike="noStrike">
+                          <a:solidFill>
+                            <a:srgbClr val="000000"/>
+                          </a:solidFill>
+                          <a:effectLst/>
+                          <a:latin typeface="Calibri" panose="020F0502020204030204" pitchFamily="34" charset="0"/>
+                        </a:rPr>
+                        <a:t>0.006827</a:t>
+                      </a:r>
+                    </a:p>
+                  </a:txBody>
+                  <a:tcPr marL="7620" marR="7620" marT="7620" marB="0" anchor="b"/>
+                </a:tc>
+                <a:extLst>
+                  <a:ext uri="{0D108BD9-81ED-4DB2-BD59-A6C34878D82A}">
+                    <a16:rowId xmlns:a16="http://schemas.microsoft.com/office/drawing/2014/main" val="2286399952"/>
+                  </a:ext>
+                </a:extLst>
+              </a:tr>
+              <a:tr h="343706">
+                <a:tc>
+                  <a:txBody>
+                    <a:bodyPr/>
+                    <a:lstStyle/>
+                    <a:p>
+                      <a:r>
+                        <a:rPr lang="en-GB" sz="1600" dirty="0"/>
+                        <a:t>2</a:t>
+                      </a:r>
+                    </a:p>
+                  </a:txBody>
+                  <a:tcPr/>
+                </a:tc>
+                <a:tc>
+                  <a:txBody>
+                    <a:bodyPr/>
+                    <a:lstStyle/>
+                    <a:p>
+                      <a:pPr algn="l" fontAlgn="b"/>
+                      <a:r>
+                        <a:rPr lang="en-GB" sz="1600" b="0" i="0" u="none" strike="noStrike" dirty="0">
+                          <a:solidFill>
+                            <a:srgbClr val="000000"/>
+                          </a:solidFill>
+                          <a:effectLst/>
+                          <a:latin typeface="Calibri" panose="020F0502020204030204" pitchFamily="34" charset="0"/>
+                        </a:rPr>
+                        <a:t>0.009858s</a:t>
+                      </a:r>
+                    </a:p>
+                  </a:txBody>
+                  <a:tcPr marL="7620" marR="7620" marT="7620" marB="0" anchor="b"/>
+                </a:tc>
+                <a:tc>
+                  <a:txBody>
+                    <a:bodyPr/>
+                    <a:lstStyle/>
+                    <a:p>
+                      <a:pPr algn="l" fontAlgn="b"/>
+                      <a:r>
+                        <a:rPr lang="en-GB" sz="1600" b="0" i="0" u="none" strike="noStrike">
+                          <a:solidFill>
+                            <a:srgbClr val="000000"/>
+                          </a:solidFill>
+                          <a:effectLst/>
+                          <a:latin typeface="Calibri" panose="020F0502020204030204" pitchFamily="34" charset="0"/>
+                        </a:rPr>
+                        <a:t>0.009858</a:t>
+                      </a:r>
+                    </a:p>
+                  </a:txBody>
+                  <a:tcPr marL="7620" marR="7620" marT="7620" marB="0" anchor="b"/>
+                </a:tc>
+                <a:extLst>
+                  <a:ext uri="{0D108BD9-81ED-4DB2-BD59-A6C34878D82A}">
+                    <a16:rowId xmlns:a16="http://schemas.microsoft.com/office/drawing/2014/main" val="2903927039"/>
+                  </a:ext>
+                </a:extLst>
+              </a:tr>
+              <a:tr h="343706">
+                <a:tc>
+                  <a:txBody>
+                    <a:bodyPr/>
+                    <a:lstStyle/>
+                    <a:p>
+                      <a:r>
+                        <a:rPr lang="en-GB" sz="1600" dirty="0"/>
+                        <a:t>3</a:t>
+                      </a:r>
+                    </a:p>
+                  </a:txBody>
+                  <a:tcPr/>
+                </a:tc>
+                <a:tc>
+                  <a:txBody>
+                    <a:bodyPr/>
+                    <a:lstStyle/>
+                    <a:p>
+                      <a:pPr algn="l" fontAlgn="b"/>
+                      <a:r>
+                        <a:rPr lang="en-GB" sz="1600" b="0" i="0" u="none" strike="noStrike" dirty="0">
+                          <a:solidFill>
+                            <a:srgbClr val="000000"/>
+                          </a:solidFill>
+                          <a:effectLst/>
+                          <a:latin typeface="Calibri" panose="020F0502020204030204" pitchFamily="34" charset="0"/>
+                        </a:rPr>
+                        <a:t>0.011002s</a:t>
+                      </a:r>
+                    </a:p>
+                  </a:txBody>
+                  <a:tcPr marL="7620" marR="7620" marT="7620" marB="0" anchor="b"/>
+                </a:tc>
+                <a:tc>
+                  <a:txBody>
+                    <a:bodyPr/>
+                    <a:lstStyle/>
+                    <a:p>
+                      <a:pPr algn="l" fontAlgn="b"/>
+                      <a:r>
+                        <a:rPr lang="en-GB" sz="1600" b="0" i="0" u="none" strike="noStrike">
+                          <a:solidFill>
+                            <a:srgbClr val="000000"/>
+                          </a:solidFill>
+                          <a:effectLst/>
+                          <a:latin typeface="Calibri" panose="020F0502020204030204" pitchFamily="34" charset="0"/>
+                        </a:rPr>
+                        <a:t>0.011002</a:t>
+                      </a:r>
+                    </a:p>
+                  </a:txBody>
+                  <a:tcPr marL="7620" marR="7620" marT="7620" marB="0" anchor="b"/>
+                </a:tc>
+                <a:extLst>
+                  <a:ext uri="{0D108BD9-81ED-4DB2-BD59-A6C34878D82A}">
+                    <a16:rowId xmlns:a16="http://schemas.microsoft.com/office/drawing/2014/main" val="3056844506"/>
+                  </a:ext>
+                </a:extLst>
+              </a:tr>
+              <a:tr h="343706">
+                <a:tc>
+                  <a:txBody>
+                    <a:bodyPr/>
+                    <a:lstStyle/>
+                    <a:p>
+                      <a:r>
+                        <a:rPr lang="en-GB" sz="1600" dirty="0"/>
+                        <a:t>4</a:t>
+                      </a:r>
+                    </a:p>
+                  </a:txBody>
+                  <a:tcPr/>
+                </a:tc>
+                <a:tc>
+                  <a:txBody>
+                    <a:bodyPr/>
+                    <a:lstStyle/>
+                    <a:p>
+                      <a:pPr algn="l" fontAlgn="b"/>
+                      <a:r>
+                        <a:rPr lang="en-GB" sz="1600" b="0" i="0" u="none" strike="noStrike" dirty="0">
+                          <a:solidFill>
+                            <a:srgbClr val="000000"/>
+                          </a:solidFill>
+                          <a:effectLst/>
+                          <a:latin typeface="Calibri" panose="020F0502020204030204" pitchFamily="34" charset="0"/>
+                        </a:rPr>
+                        <a:t>0.011778s</a:t>
+                      </a:r>
+                    </a:p>
+                  </a:txBody>
+                  <a:tcPr marL="7620" marR="7620" marT="7620" marB="0" anchor="b"/>
+                </a:tc>
+                <a:tc>
+                  <a:txBody>
+                    <a:bodyPr/>
+                    <a:lstStyle/>
+                    <a:p>
+                      <a:pPr algn="l" fontAlgn="b"/>
+                      <a:r>
+                        <a:rPr lang="en-GB" sz="1600" b="0" i="0" u="none" strike="noStrike" dirty="0">
+                          <a:solidFill>
+                            <a:srgbClr val="000000"/>
+                          </a:solidFill>
+                          <a:effectLst/>
+                          <a:latin typeface="Calibri" panose="020F0502020204030204" pitchFamily="34" charset="0"/>
+                        </a:rPr>
+                        <a:t>0.011778</a:t>
+                      </a:r>
+                    </a:p>
+                  </a:txBody>
+                  <a:tcPr marL="7620" marR="7620" marT="7620" marB="0" anchor="b"/>
+                </a:tc>
+                <a:extLst>
+                  <a:ext uri="{0D108BD9-81ED-4DB2-BD59-A6C34878D82A}">
+                    <a16:rowId xmlns:a16="http://schemas.microsoft.com/office/drawing/2014/main" val="2266472250"/>
+                  </a:ext>
+                </a:extLst>
+              </a:tr>
+              <a:tr h="343706">
+                <a:tc>
+                  <a:txBody>
+                    <a:bodyPr/>
+                    <a:lstStyle/>
+                    <a:p>
+                      <a:r>
+                        <a:rPr lang="en-GB" sz="1600" dirty="0"/>
+                        <a:t>5</a:t>
+                      </a:r>
+                    </a:p>
+                  </a:txBody>
+                  <a:tcPr/>
+                </a:tc>
+                <a:tc>
+                  <a:txBody>
+                    <a:bodyPr/>
+                    <a:lstStyle/>
+                    <a:p>
+                      <a:endParaRPr lang="en-GB" sz="1600" dirty="0"/>
+                    </a:p>
+                  </a:txBody>
+                  <a:tcPr/>
+                </a:tc>
+                <a:tc>
+                  <a:txBody>
+                    <a:bodyPr/>
+                    <a:lstStyle/>
+                    <a:p>
+                      <a:endParaRPr lang="en-GB" sz="1600" dirty="0"/>
+                    </a:p>
+                  </a:txBody>
+                  <a:tcPr/>
+                </a:tc>
+                <a:extLst>
+                  <a:ext uri="{0D108BD9-81ED-4DB2-BD59-A6C34878D82A}">
+                    <a16:rowId xmlns:a16="http://schemas.microsoft.com/office/drawing/2014/main" val="407450493"/>
+                  </a:ext>
+                </a:extLst>
+              </a:tr>
+            </a:tbl>
+          </a:graphicData>
+        </a:graphic>
+      </p:graphicFrame>
+    </p:spTree>
+    <p:extLst>
+      <p:ext uri="{BB962C8B-B14F-4D97-AF65-F5344CB8AC3E}">
+        <p14:creationId xmlns:p14="http://schemas.microsoft.com/office/powerpoint/2010/main" val="2429277215"/>
+      </p:ext>
+    </p:extLst>
+  </p:cSld>
+  <p:clrMapOvr>
+    <a:masterClrMapping/>
+  </p:clrMapOvr>
+</p:sld>
+</file>
+
+<file path=ppt/slides/slide35.xml><?xml version="1.0" encoding="utf-8"?>
+<p:sld xmlns:a="http://schemas.openxmlformats.org/drawingml/2006/main" xmlns:r="http://schemas.openxmlformats.org/officeDocument/2006/relationships" xmlns:p="http://schemas.openxmlformats.org/presentationml/2006/main">
+  <p:cSld>
+    <p:spTree>
+      <p:nvGrpSpPr>
+        <p:cNvPr id="1" name=""/>
+        <p:cNvGrpSpPr/>
+        <p:nvPr/>
+      </p:nvGrpSpPr>
+      <p:grpSpPr>
+        <a:xfrm>
+          <a:off x="0" y="0"/>
+          <a:ext cx="0" cy="0"/>
+          <a:chOff x="0" y="0"/>
+          <a:chExt cx="0" cy="0"/>
+        </a:xfrm>
+      </p:grpSpPr>
+      <p:sp>
+        <p:nvSpPr>
+          <p:cNvPr id="2" name="Title 1">
+            <a:extLst>
+              <a:ext uri="{FF2B5EF4-FFF2-40B4-BE49-F238E27FC236}">
+                <a16:creationId xmlns:a16="http://schemas.microsoft.com/office/drawing/2014/main" id="{DF540E81-404E-4475-AEC1-BB5538DC3759}"/>
+              </a:ext>
+            </a:extLst>
+          </p:cNvPr>
+          <p:cNvSpPr>
+            <a:spLocks noGrp="1"/>
+          </p:cNvSpPr>
+          <p:nvPr>
+            <p:ph type="title"/>
+          </p:nvPr>
+        </p:nvSpPr>
+        <p:spPr/>
+        <p:txBody>
+          <a:bodyPr/>
+          <a:lstStyle/>
+          <a:p>
+            <a:endParaRPr lang="en-GB"/>
+          </a:p>
+        </p:txBody>
+      </p:sp>
+      <p:sp>
+        <p:nvSpPr>
+          <p:cNvPr id="3" name="Content Placeholder 2">
+            <a:extLst>
+              <a:ext uri="{FF2B5EF4-FFF2-40B4-BE49-F238E27FC236}">
+                <a16:creationId xmlns:a16="http://schemas.microsoft.com/office/drawing/2014/main" id="{01A44C1F-3D00-45FD-8616-5EBDFA015B44}"/>
+              </a:ext>
+            </a:extLst>
+          </p:cNvPr>
+          <p:cNvSpPr>
+            <a:spLocks noGrp="1"/>
+          </p:cNvSpPr>
+          <p:nvPr>
+            <p:ph idx="1"/>
+          </p:nvPr>
+        </p:nvSpPr>
+        <p:spPr/>
+        <p:txBody>
+          <a:bodyPr/>
+          <a:lstStyle/>
+          <a:p>
+            <a:endParaRPr lang="en-GB"/>
+          </a:p>
+        </p:txBody>
+      </p:sp>
+      <p:sp>
+        <p:nvSpPr>
+          <p:cNvPr id="4" name="Footer Placeholder 3">
+            <a:extLst>
+              <a:ext uri="{FF2B5EF4-FFF2-40B4-BE49-F238E27FC236}">
+                <a16:creationId xmlns:a16="http://schemas.microsoft.com/office/drawing/2014/main" id="{4BDDC811-526F-4FF5-9BDB-5B829C642551}"/>
+              </a:ext>
+            </a:extLst>
+          </p:cNvPr>
+          <p:cNvSpPr>
+            <a:spLocks noGrp="1"/>
+          </p:cNvSpPr>
+          <p:nvPr>
+            <p:ph type="ftr" sz="quarter" idx="11"/>
+          </p:nvPr>
+        </p:nvSpPr>
+        <p:spPr/>
+        <p:txBody>
+          <a:bodyPr/>
+          <a:lstStyle/>
+          <a:p>
+            <a:r>
+              <a:rPr lang="en-GB"/>
+              <a:t>Jake Bretherton 1800231</a:t>
+            </a:r>
+          </a:p>
+        </p:txBody>
+      </p:sp>
+    </p:spTree>
+    <p:extLst>
+      <p:ext uri="{BB962C8B-B14F-4D97-AF65-F5344CB8AC3E}">
+        <p14:creationId xmlns:p14="http://schemas.microsoft.com/office/powerpoint/2010/main" val="781794404"/>
+      </p:ext>
+    </p:extLst>
+  </p:cSld>
+  <p:clrMapOvr>
+    <a:masterClrMapping/>
+  </p:clrMapOvr>
+</p:sld>
+</file>
+
+<file path=ppt/slides/slide36.xml><?xml version="1.0" encoding="utf-8"?>
+<p:sld xmlns:a="http://schemas.openxmlformats.org/drawingml/2006/main" xmlns:r="http://schemas.openxmlformats.org/officeDocument/2006/relationships" xmlns:p="http://schemas.openxmlformats.org/presentationml/2006/main">
+  <p:cSld>
+    <p:spTree>
+      <p:nvGrpSpPr>
+        <p:cNvPr id="1" name=""/>
+        <p:cNvGrpSpPr/>
+        <p:nvPr/>
+      </p:nvGrpSpPr>
+      <p:grpSpPr>
+        <a:xfrm>
+          <a:off x="0" y="0"/>
+          <a:ext cx="0" cy="0"/>
+          <a:chOff x="0" y="0"/>
+          <a:chExt cx="0" cy="0"/>
+        </a:xfrm>
+      </p:grpSpPr>
+      <p:sp>
+        <p:nvSpPr>
+          <p:cNvPr id="2" name="Title 1">
+            <a:extLst>
+              <a:ext uri="{FF2B5EF4-FFF2-40B4-BE49-F238E27FC236}">
+                <a16:creationId xmlns:a16="http://schemas.microsoft.com/office/drawing/2014/main" id="{6121456E-124D-420F-BA4F-7CA5CC4E5E97}"/>
+              </a:ext>
+            </a:extLst>
+          </p:cNvPr>
+          <p:cNvSpPr>
+            <a:spLocks noGrp="1"/>
+          </p:cNvSpPr>
+          <p:nvPr>
+            <p:ph type="title"/>
+          </p:nvPr>
+        </p:nvSpPr>
+        <p:spPr/>
+        <p:txBody>
+          <a:bodyPr/>
+          <a:lstStyle/>
+          <a:p>
+            <a:r>
+              <a:rPr lang="en-GB" dirty="0"/>
+              <a:t>Results, number of letters = 1</a:t>
+            </a:r>
+          </a:p>
+        </p:txBody>
+      </p:sp>
+      <p:sp>
+        <p:nvSpPr>
+          <p:cNvPr id="3" name="Content Placeholder 2">
+            <a:extLst>
+              <a:ext uri="{FF2B5EF4-FFF2-40B4-BE49-F238E27FC236}">
+                <a16:creationId xmlns:a16="http://schemas.microsoft.com/office/drawing/2014/main" id="{3411B063-F83A-4517-849E-4C5695DF1853}"/>
+              </a:ext>
+            </a:extLst>
+          </p:cNvPr>
+          <p:cNvSpPr>
+            <a:spLocks noGrp="1"/>
+          </p:cNvSpPr>
+          <p:nvPr>
+            <p:ph idx="1"/>
+          </p:nvPr>
+        </p:nvSpPr>
+        <p:spPr>
+          <a:xfrm>
+            <a:off x="6570482" y="1845734"/>
+            <a:ext cx="4585198" cy="4023360"/>
+          </a:xfrm>
+        </p:spPr>
+        <p:txBody>
+          <a:bodyPr/>
+          <a:lstStyle/>
+          <a:p>
+            <a:endParaRPr lang="en-GB" dirty="0"/>
+          </a:p>
+        </p:txBody>
+      </p:sp>
+      <p:sp>
+        <p:nvSpPr>
+          <p:cNvPr id="4" name="Footer Placeholder 3">
+            <a:extLst>
+              <a:ext uri="{FF2B5EF4-FFF2-40B4-BE49-F238E27FC236}">
+                <a16:creationId xmlns:a16="http://schemas.microsoft.com/office/drawing/2014/main" id="{90E8307C-4D86-45AB-B56D-D401E579B980}"/>
+              </a:ext>
+            </a:extLst>
+          </p:cNvPr>
+          <p:cNvSpPr>
+            <a:spLocks noGrp="1"/>
+          </p:cNvSpPr>
+          <p:nvPr>
+            <p:ph type="ftr" sz="quarter" idx="11"/>
+          </p:nvPr>
+        </p:nvSpPr>
+        <p:spPr/>
+        <p:txBody>
+          <a:bodyPr/>
+          <a:lstStyle/>
+          <a:p>
+            <a:r>
+              <a:rPr lang="en-GB"/>
+              <a:t>Jake Bretherton 1800231</a:t>
+            </a:r>
+          </a:p>
+        </p:txBody>
+      </p:sp>
+      <p:pic>
+        <p:nvPicPr>
+          <p:cNvPr id="5" name="Picture 4">
+            <a:extLst>
+              <a:ext uri="{FF2B5EF4-FFF2-40B4-BE49-F238E27FC236}">
+                <a16:creationId xmlns:a16="http://schemas.microsoft.com/office/drawing/2014/main" id="{C9B994C2-6C61-4D6C-8E47-05BF4E957DA5}"/>
+              </a:ext>
+            </a:extLst>
+          </p:cNvPr>
+          <p:cNvPicPr>
+            <a:picLocks noChangeAspect="1"/>
+          </p:cNvPicPr>
+          <p:nvPr/>
+        </p:nvPicPr>
+        <p:blipFill>
+          <a:blip r:embed="rId2"/>
+          <a:stretch>
+            <a:fillRect/>
+          </a:stretch>
+        </p:blipFill>
+        <p:spPr>
+          <a:xfrm>
+            <a:off x="383550" y="2089421"/>
+            <a:ext cx="5742930" cy="3535986"/>
+          </a:xfrm>
+          <a:prstGeom prst="rect">
+            <a:avLst/>
+          </a:prstGeom>
+        </p:spPr>
+      </p:pic>
+    </p:spTree>
+    <p:extLst>
+      <p:ext uri="{BB962C8B-B14F-4D97-AF65-F5344CB8AC3E}">
+        <p14:creationId xmlns:p14="http://schemas.microsoft.com/office/powerpoint/2010/main" val="788891990"/>
+      </p:ext>
+    </p:extLst>
+  </p:cSld>
+  <p:clrMapOvr>
+    <a:masterClrMapping/>
+  </p:clrMapOvr>
+</p:sld>
+</file>
+
+<file path=ppt/slides/slide37.xml><?xml version="1.0" encoding="utf-8"?>
+<p:sld xmlns:a="http://schemas.openxmlformats.org/drawingml/2006/main" xmlns:r="http://schemas.openxmlformats.org/officeDocument/2006/relationships" xmlns:p="http://schemas.openxmlformats.org/presentationml/2006/main">
+  <p:cSld>
+    <p:spTree>
+      <p:nvGrpSpPr>
+        <p:cNvPr id="1" name=""/>
+        <p:cNvGrpSpPr/>
+        <p:nvPr/>
+      </p:nvGrpSpPr>
+      <p:grpSpPr>
+        <a:xfrm>
+          <a:off x="0" y="0"/>
+          <a:ext cx="0" cy="0"/>
+          <a:chOff x="0" y="0"/>
+          <a:chExt cx="0" cy="0"/>
+        </a:xfrm>
+      </p:grpSpPr>
+      <p:sp>
+        <p:nvSpPr>
+          <p:cNvPr id="2" name="Title 1">
+            <a:extLst>
+              <a:ext uri="{FF2B5EF4-FFF2-40B4-BE49-F238E27FC236}">
+                <a16:creationId xmlns:a16="http://schemas.microsoft.com/office/drawing/2014/main" id="{6121456E-124D-420F-BA4F-7CA5CC4E5E97}"/>
+              </a:ext>
+            </a:extLst>
+          </p:cNvPr>
+          <p:cNvSpPr>
+            <a:spLocks noGrp="1"/>
+          </p:cNvSpPr>
+          <p:nvPr>
+            <p:ph type="title"/>
+          </p:nvPr>
+        </p:nvSpPr>
+        <p:spPr/>
+        <p:txBody>
+          <a:bodyPr/>
+          <a:lstStyle/>
+          <a:p>
+            <a:r>
+              <a:rPr lang="en-GB" dirty="0"/>
+              <a:t>Results, number of letters = 2</a:t>
+            </a:r>
+          </a:p>
+        </p:txBody>
+      </p:sp>
+      <p:sp>
+        <p:nvSpPr>
+          <p:cNvPr id="3" name="Content Placeholder 2">
+            <a:extLst>
+              <a:ext uri="{FF2B5EF4-FFF2-40B4-BE49-F238E27FC236}">
+                <a16:creationId xmlns:a16="http://schemas.microsoft.com/office/drawing/2014/main" id="{3411B063-F83A-4517-849E-4C5695DF1853}"/>
+              </a:ext>
+            </a:extLst>
+          </p:cNvPr>
+          <p:cNvSpPr>
+            <a:spLocks noGrp="1"/>
+          </p:cNvSpPr>
+          <p:nvPr>
+            <p:ph idx="1"/>
+          </p:nvPr>
+        </p:nvSpPr>
+        <p:spPr>
+          <a:xfrm>
+            <a:off x="6570482" y="1845734"/>
+            <a:ext cx="4585198" cy="4023360"/>
+          </a:xfrm>
+        </p:spPr>
+        <p:txBody>
+          <a:bodyPr/>
+          <a:lstStyle/>
+          <a:p>
+            <a:endParaRPr lang="en-GB" dirty="0"/>
+          </a:p>
+        </p:txBody>
+      </p:sp>
+      <p:sp>
+        <p:nvSpPr>
+          <p:cNvPr id="4" name="Footer Placeholder 3">
+            <a:extLst>
+              <a:ext uri="{FF2B5EF4-FFF2-40B4-BE49-F238E27FC236}">
+                <a16:creationId xmlns:a16="http://schemas.microsoft.com/office/drawing/2014/main" id="{90E8307C-4D86-45AB-B56D-D401E579B980}"/>
+              </a:ext>
+            </a:extLst>
+          </p:cNvPr>
+          <p:cNvSpPr>
+            <a:spLocks noGrp="1"/>
+          </p:cNvSpPr>
+          <p:nvPr>
+            <p:ph type="ftr" sz="quarter" idx="11"/>
+          </p:nvPr>
+        </p:nvSpPr>
+        <p:spPr/>
+        <p:txBody>
+          <a:bodyPr/>
+          <a:lstStyle/>
+          <a:p>
+            <a:r>
+              <a:rPr lang="en-GB"/>
+              <a:t>Jake Bretherton 1800231</a:t>
+            </a:r>
+          </a:p>
+        </p:txBody>
+      </p:sp>
+      <p:pic>
+        <p:nvPicPr>
+          <p:cNvPr id="6" name="Picture 5">
+            <a:extLst>
+              <a:ext uri="{FF2B5EF4-FFF2-40B4-BE49-F238E27FC236}">
+                <a16:creationId xmlns:a16="http://schemas.microsoft.com/office/drawing/2014/main" id="{65547373-0855-4F58-9E85-77404363EDCA}"/>
+              </a:ext>
+            </a:extLst>
+          </p:cNvPr>
+          <p:cNvPicPr>
+            <a:picLocks noChangeAspect="1"/>
+          </p:cNvPicPr>
+          <p:nvPr/>
+        </p:nvPicPr>
+        <p:blipFill>
+          <a:blip r:embed="rId2"/>
+          <a:stretch>
+            <a:fillRect/>
+          </a:stretch>
+        </p:blipFill>
+        <p:spPr>
+          <a:xfrm>
+            <a:off x="521299" y="2122951"/>
+            <a:ext cx="5889246" cy="3468925"/>
+          </a:xfrm>
+          <a:prstGeom prst="rect">
+            <a:avLst/>
+          </a:prstGeom>
+        </p:spPr>
+      </p:pic>
+    </p:spTree>
+    <p:extLst>
+      <p:ext uri="{BB962C8B-B14F-4D97-AF65-F5344CB8AC3E}">
+        <p14:creationId xmlns:p14="http://schemas.microsoft.com/office/powerpoint/2010/main" val="2716728236"/>
+      </p:ext>
+    </p:extLst>
+  </p:cSld>
+  <p:clrMapOvr>
+    <a:masterClrMapping/>
+  </p:clrMapOvr>
+</p:sld>
+</file>
+
+<file path=ppt/slides/slide38.xml><?xml version="1.0" encoding="utf-8"?>
+<p:sld xmlns:a="http://schemas.openxmlformats.org/drawingml/2006/main" xmlns:r="http://schemas.openxmlformats.org/officeDocument/2006/relationships" xmlns:p="http://schemas.openxmlformats.org/presentationml/2006/main">
+  <p:cSld>
+    <p:spTree>
+      <p:nvGrpSpPr>
+        <p:cNvPr id="1" name=""/>
+        <p:cNvGrpSpPr/>
+        <p:nvPr/>
+      </p:nvGrpSpPr>
+      <p:grpSpPr>
+        <a:xfrm>
+          <a:off x="0" y="0"/>
+          <a:ext cx="0" cy="0"/>
+          <a:chOff x="0" y="0"/>
+          <a:chExt cx="0" cy="0"/>
+        </a:xfrm>
+      </p:grpSpPr>
+      <p:sp>
+        <p:nvSpPr>
+          <p:cNvPr id="2" name="Title 1">
+            <a:extLst>
+              <a:ext uri="{FF2B5EF4-FFF2-40B4-BE49-F238E27FC236}">
+                <a16:creationId xmlns:a16="http://schemas.microsoft.com/office/drawing/2014/main" id="{6121456E-124D-420F-BA4F-7CA5CC4E5E97}"/>
+              </a:ext>
+            </a:extLst>
+          </p:cNvPr>
+          <p:cNvSpPr>
+            <a:spLocks noGrp="1"/>
+          </p:cNvSpPr>
+          <p:nvPr>
+            <p:ph type="title"/>
+          </p:nvPr>
+        </p:nvSpPr>
+        <p:spPr/>
+        <p:txBody>
+          <a:bodyPr/>
+          <a:lstStyle/>
+          <a:p>
+            <a:r>
+              <a:rPr lang="en-GB" dirty="0"/>
+              <a:t>Results, number of letters = 3</a:t>
+            </a:r>
+          </a:p>
+        </p:txBody>
+      </p:sp>
+      <p:sp>
+        <p:nvSpPr>
+          <p:cNvPr id="3" name="Content Placeholder 2">
+            <a:extLst>
+              <a:ext uri="{FF2B5EF4-FFF2-40B4-BE49-F238E27FC236}">
+                <a16:creationId xmlns:a16="http://schemas.microsoft.com/office/drawing/2014/main" id="{3411B063-F83A-4517-849E-4C5695DF1853}"/>
+              </a:ext>
+            </a:extLst>
+          </p:cNvPr>
+          <p:cNvSpPr>
+            <a:spLocks noGrp="1"/>
+          </p:cNvSpPr>
+          <p:nvPr>
+            <p:ph idx="1"/>
+          </p:nvPr>
+        </p:nvSpPr>
+        <p:spPr>
+          <a:xfrm>
+            <a:off x="6570482" y="1845734"/>
+            <a:ext cx="4585198" cy="4023360"/>
+          </a:xfrm>
+        </p:spPr>
+        <p:txBody>
+          <a:bodyPr/>
+          <a:lstStyle/>
+          <a:p>
+            <a:endParaRPr lang="en-GB" dirty="0"/>
+          </a:p>
+        </p:txBody>
+      </p:sp>
+      <p:sp>
+        <p:nvSpPr>
+          <p:cNvPr id="4" name="Footer Placeholder 3">
+            <a:extLst>
+              <a:ext uri="{FF2B5EF4-FFF2-40B4-BE49-F238E27FC236}">
+                <a16:creationId xmlns:a16="http://schemas.microsoft.com/office/drawing/2014/main" id="{90E8307C-4D86-45AB-B56D-D401E579B980}"/>
+              </a:ext>
+            </a:extLst>
+          </p:cNvPr>
+          <p:cNvSpPr>
+            <a:spLocks noGrp="1"/>
+          </p:cNvSpPr>
+          <p:nvPr>
+            <p:ph type="ftr" sz="quarter" idx="11"/>
+          </p:nvPr>
+        </p:nvSpPr>
+        <p:spPr/>
+        <p:txBody>
+          <a:bodyPr/>
+          <a:lstStyle/>
+          <a:p>
+            <a:r>
+              <a:rPr lang="en-GB"/>
+              <a:t>Jake Bretherton 1800231</a:t>
+            </a:r>
+          </a:p>
+        </p:txBody>
+      </p:sp>
+      <p:pic>
+        <p:nvPicPr>
+          <p:cNvPr id="5" name="Picture 4">
+            <a:extLst>
+              <a:ext uri="{FF2B5EF4-FFF2-40B4-BE49-F238E27FC236}">
+                <a16:creationId xmlns:a16="http://schemas.microsoft.com/office/drawing/2014/main" id="{61111791-6157-45E7-8D8E-9BDF8C31F808}"/>
+              </a:ext>
+            </a:extLst>
+          </p:cNvPr>
+          <p:cNvPicPr>
+            <a:picLocks noChangeAspect="1"/>
+          </p:cNvPicPr>
+          <p:nvPr/>
+        </p:nvPicPr>
+        <p:blipFill>
+          <a:blip r:embed="rId2"/>
+          <a:stretch>
+            <a:fillRect/>
+          </a:stretch>
+        </p:blipFill>
+        <p:spPr>
+          <a:xfrm>
+            <a:off x="215464" y="2086892"/>
+            <a:ext cx="6204947" cy="3541043"/>
+          </a:xfrm>
+          <a:prstGeom prst="rect">
+            <a:avLst/>
+          </a:prstGeom>
+        </p:spPr>
+      </p:pic>
+    </p:spTree>
+    <p:extLst>
+      <p:ext uri="{BB962C8B-B14F-4D97-AF65-F5344CB8AC3E}">
+        <p14:creationId xmlns:p14="http://schemas.microsoft.com/office/powerpoint/2010/main" val="575606371"/>
+      </p:ext>
+    </p:extLst>
+  </p:cSld>
+  <p:clrMapOvr>
+    <a:masterClrMapping/>
+  </p:clrMapOvr>
+</p:sld>
+</file>
+
+<file path=ppt/slides/slide39.xml><?xml version="1.0" encoding="utf-8"?>
+<p:sld xmlns:a="http://schemas.openxmlformats.org/drawingml/2006/main" xmlns:r="http://schemas.openxmlformats.org/officeDocument/2006/relationships" xmlns:p="http://schemas.openxmlformats.org/presentationml/2006/main">
+  <p:cSld>
+    <p:spTree>
+      <p:nvGrpSpPr>
+        <p:cNvPr id="1" name=""/>
+        <p:cNvGrpSpPr/>
+        <p:nvPr/>
+      </p:nvGrpSpPr>
+      <p:grpSpPr>
+        <a:xfrm>
+          <a:off x="0" y="0"/>
+          <a:ext cx="0" cy="0"/>
+          <a:chOff x="0" y="0"/>
+          <a:chExt cx="0" cy="0"/>
+        </a:xfrm>
+      </p:grpSpPr>
+      <p:sp>
+        <p:nvSpPr>
+          <p:cNvPr id="2" name="Title 1">
+            <a:extLst>
+              <a:ext uri="{FF2B5EF4-FFF2-40B4-BE49-F238E27FC236}">
+                <a16:creationId xmlns:a16="http://schemas.microsoft.com/office/drawing/2014/main" id="{6121456E-124D-420F-BA4F-7CA5CC4E5E97}"/>
+              </a:ext>
+            </a:extLst>
+          </p:cNvPr>
+          <p:cNvSpPr>
+            <a:spLocks noGrp="1"/>
+          </p:cNvSpPr>
+          <p:nvPr>
+            <p:ph type="title"/>
+          </p:nvPr>
+        </p:nvSpPr>
+        <p:spPr/>
+        <p:txBody>
+          <a:bodyPr/>
+          <a:lstStyle/>
+          <a:p>
+            <a:r>
+              <a:rPr lang="en-GB" dirty="0"/>
+              <a:t>Results, number of letters = 4</a:t>
+            </a:r>
+          </a:p>
+        </p:txBody>
+      </p:sp>
+      <p:sp>
+        <p:nvSpPr>
+          <p:cNvPr id="3" name="Content Placeholder 2">
+            <a:extLst>
+              <a:ext uri="{FF2B5EF4-FFF2-40B4-BE49-F238E27FC236}">
+                <a16:creationId xmlns:a16="http://schemas.microsoft.com/office/drawing/2014/main" id="{3411B063-F83A-4517-849E-4C5695DF1853}"/>
+              </a:ext>
+            </a:extLst>
+          </p:cNvPr>
+          <p:cNvSpPr>
+            <a:spLocks noGrp="1"/>
+          </p:cNvSpPr>
+          <p:nvPr>
+            <p:ph idx="1"/>
+          </p:nvPr>
+        </p:nvSpPr>
+        <p:spPr>
+          <a:xfrm>
+            <a:off x="6570482" y="1845734"/>
+            <a:ext cx="4585198" cy="4023360"/>
+          </a:xfrm>
+        </p:spPr>
+        <p:txBody>
+          <a:bodyPr/>
+          <a:lstStyle/>
+          <a:p>
+            <a:endParaRPr lang="en-GB" dirty="0"/>
+          </a:p>
+        </p:txBody>
+      </p:sp>
+      <p:sp>
+        <p:nvSpPr>
+          <p:cNvPr id="4" name="Footer Placeholder 3">
+            <a:extLst>
+              <a:ext uri="{FF2B5EF4-FFF2-40B4-BE49-F238E27FC236}">
+                <a16:creationId xmlns:a16="http://schemas.microsoft.com/office/drawing/2014/main" id="{90E8307C-4D86-45AB-B56D-D401E579B980}"/>
+              </a:ext>
+            </a:extLst>
+          </p:cNvPr>
+          <p:cNvSpPr>
+            <a:spLocks noGrp="1"/>
+          </p:cNvSpPr>
+          <p:nvPr>
+            <p:ph type="ftr" sz="quarter" idx="11"/>
+          </p:nvPr>
+        </p:nvSpPr>
+        <p:spPr/>
+        <p:txBody>
+          <a:bodyPr/>
+          <a:lstStyle/>
+          <a:p>
+            <a:r>
+              <a:rPr lang="en-GB"/>
+              <a:t>Jake Bretherton 1800231</a:t>
+            </a:r>
+          </a:p>
+        </p:txBody>
+      </p:sp>
+      <p:pic>
+        <p:nvPicPr>
+          <p:cNvPr id="8" name="Picture 7">
+            <a:extLst>
+              <a:ext uri="{FF2B5EF4-FFF2-40B4-BE49-F238E27FC236}">
+                <a16:creationId xmlns:a16="http://schemas.microsoft.com/office/drawing/2014/main" id="{F6A644AD-6E88-4855-A23A-4D291998129F}"/>
+              </a:ext>
+            </a:extLst>
+          </p:cNvPr>
+          <p:cNvPicPr>
+            <a:picLocks noChangeAspect="1"/>
+          </p:cNvPicPr>
+          <p:nvPr/>
+        </p:nvPicPr>
+        <p:blipFill>
+          <a:blip r:embed="rId2"/>
+          <a:stretch>
+            <a:fillRect/>
+          </a:stretch>
+        </p:blipFill>
+        <p:spPr>
+          <a:xfrm>
+            <a:off x="595026" y="2171724"/>
+            <a:ext cx="5742930" cy="3371380"/>
+          </a:xfrm>
+          <a:prstGeom prst="rect">
+            <a:avLst/>
+          </a:prstGeom>
+        </p:spPr>
+      </p:pic>
+    </p:spTree>
+    <p:extLst>
+      <p:ext uri="{BB962C8B-B14F-4D97-AF65-F5344CB8AC3E}">
+        <p14:creationId xmlns:p14="http://schemas.microsoft.com/office/powerpoint/2010/main" val="2945271373"/>
       </p:ext>
     </p:extLst>
   </p:cSld>

--- a/Pres.pptx
+++ b/Pres.pptx
@@ -5,7 +5,7 @@
     <p:sldMasterId id="2147483672" r:id="rId1"/>
   </p:sldMasterIdLst>
   <p:notesMasterIdLst>
-    <p:notesMasterId r:id="rId41"/>
+    <p:notesMasterId r:id="rId43"/>
   </p:notesMasterIdLst>
   <p:sldIdLst>
     <p:sldId id="256" r:id="rId2"/>
@@ -47,6 +47,8 @@
     <p:sldId id="294" r:id="rId38"/>
     <p:sldId id="295" r:id="rId39"/>
     <p:sldId id="292" r:id="rId40"/>
+    <p:sldId id="298" r:id="rId41"/>
+    <p:sldId id="299" r:id="rId42"/>
   </p:sldIdLst>
   <p:sldSz cx="12192000" cy="6858000"/>
   <p:notesSz cx="6858000" cy="9144000"/>
@@ -5642,7 +5644,7 @@
           <a:p>
             <a:fld id="{96E28A0C-612C-4BF1-9970-D38E9C7DCE7D}" type="datetimeFigureOut">
               <a:rPr lang="en-GB" smtClean="0"/>
-              <a:t>27/06/2020</a:t>
+              <a:t>28/06/2020</a:t>
             </a:fld>
             <a:endParaRPr lang="en-GB"/>
           </a:p>
@@ -6304,7 +6306,7 @@
           <a:p>
             <a:fld id="{451E77E2-E929-4410-B81A-086760143B79}" type="datetime1">
               <a:rPr lang="en-GB" smtClean="0"/>
-              <a:t>27/06/2020</a:t>
+              <a:t>28/06/2020</a:t>
             </a:fld>
             <a:endParaRPr lang="en-GB"/>
           </a:p>
@@ -6515,7 +6517,7 @@
           <a:p>
             <a:fld id="{1DB4DB8E-4214-4F23-8BCF-4CF9B85CC008}" type="datetime1">
               <a:rPr lang="en-GB" smtClean="0"/>
-              <a:t>27/06/2020</a:t>
+              <a:t>28/06/2020</a:t>
             </a:fld>
             <a:endParaRPr lang="en-GB"/>
           </a:p>
@@ -6774,7 +6776,7 @@
           <a:p>
             <a:fld id="{4E19B70F-0611-4A02-A822-5B04420D411E}" type="datetime1">
               <a:rPr lang="en-GB" smtClean="0"/>
-              <a:t>27/06/2020</a:t>
+              <a:t>28/06/2020</a:t>
             </a:fld>
             <a:endParaRPr lang="en-GB"/>
           </a:p>
@@ -6947,7 +6949,7 @@
           <a:p>
             <a:fld id="{065854A5-0220-4C4A-B2B0-FFE659D86BF7}" type="datetime1">
               <a:rPr lang="en-GB" smtClean="0"/>
-              <a:t>27/06/2020</a:t>
+              <a:t>28/06/2020</a:t>
             </a:fld>
             <a:endParaRPr lang="en-GB"/>
           </a:p>
@@ -7293,7 +7295,7 @@
           <a:p>
             <a:fld id="{F298690C-C62A-4586-B769-E382E1A028E0}" type="datetime1">
               <a:rPr lang="en-GB" smtClean="0"/>
-              <a:t>27/06/2020</a:t>
+              <a:t>28/06/2020</a:t>
             </a:fld>
             <a:endParaRPr lang="en-GB"/>
           </a:p>
@@ -7571,7 +7573,7 @@
           <a:p>
             <a:fld id="{C3011CDC-8337-4FF5-8629-137FE54A2DE2}" type="datetime1">
               <a:rPr lang="en-GB" smtClean="0"/>
-              <a:t>27/06/2020</a:t>
+              <a:t>28/06/2020</a:t>
             </a:fld>
             <a:endParaRPr lang="en-GB"/>
           </a:p>
@@ -7953,7 +7955,7 @@
           <a:p>
             <a:fld id="{EAB7633E-6304-4357-886E-39EA278BEA38}" type="datetime1">
               <a:rPr lang="en-GB" smtClean="0"/>
-              <a:t>27/06/2020</a:t>
+              <a:t>28/06/2020</a:t>
             </a:fld>
             <a:endParaRPr lang="en-GB"/>
           </a:p>
@@ -8074,7 +8076,7 @@
           <a:p>
             <a:fld id="{1194AB68-79ED-48B9-B241-FFBFFC960F93}" type="datetime1">
               <a:rPr lang="en-GB" smtClean="0"/>
-              <a:t>27/06/2020</a:t>
+              <a:t>28/06/2020</a:t>
             </a:fld>
             <a:endParaRPr lang="en-GB"/>
           </a:p>
@@ -8248,7 +8250,7 @@
           <a:p>
             <a:fld id="{C08AFF17-5826-4EF9-B91A-073CC0662BAF}" type="datetime1">
               <a:rPr lang="en-GB" smtClean="0"/>
-              <a:t>27/06/2020</a:t>
+              <a:t>28/06/2020</a:t>
             </a:fld>
             <a:endParaRPr lang="en-GB"/>
           </a:p>
@@ -8605,7 +8607,7 @@
           <a:p>
             <a:fld id="{FE6B10C7-12EA-4697-8174-8740AC051348}" type="datetime1">
               <a:rPr lang="en-GB" smtClean="0"/>
-              <a:t>27/06/2020</a:t>
+              <a:t>28/06/2020</a:t>
             </a:fld>
             <a:endParaRPr lang="en-GB"/>
           </a:p>
@@ -8985,7 +8987,7 @@
           <a:p>
             <a:fld id="{6CDC73D2-0506-4796-8669-0B7F19D735C6}" type="datetime1">
               <a:rPr lang="en-GB" smtClean="0"/>
-              <a:t>27/06/2020</a:t>
+              <a:t>28/06/2020</a:t>
             </a:fld>
             <a:endParaRPr lang="en-GB"/>
           </a:p>
@@ -9275,7 +9277,7 @@
           <a:p>
             <a:fld id="{093A5280-7747-45B5-8A82-4B8F14A2209D}" type="datetime1">
               <a:rPr lang="en-GB" smtClean="0"/>
-              <a:t>27/06/2020</a:t>
+              <a:t>28/06/2020</a:t>
             </a:fld>
             <a:endParaRPr lang="en-GB"/>
           </a:p>
@@ -16874,8 +16876,8 @@
           </a:p>
         </p:txBody>
       </p:sp>
-      <mc:AlternateContent xmlns:mc="http://schemas.openxmlformats.org/markup-compatibility/2006">
-        <mc:Choice xmlns:a14="http://schemas.microsoft.com/office/drawing/2010/main" Requires="a14">
+      <mc:AlternateContent xmlns:mc="http://schemas.openxmlformats.org/markup-compatibility/2006" xmlns:a14="http://schemas.microsoft.com/office/drawing/2010/main">
+        <mc:Choice Requires="a14">
           <p:sp>
             <p:nvSpPr>
               <p:cNvPr id="7" name="TextBox 6">
@@ -16987,7 +16989,7 @@
             </p:txBody>
           </p:sp>
         </mc:Choice>
-        <mc:Fallback>
+        <mc:Fallback xmlns="">
           <p:sp>
             <p:nvSpPr>
               <p:cNvPr id="7" name="TextBox 6">
@@ -17379,8 +17381,8 @@
           </a:graphicData>
         </a:graphic>
       </p:graphicFrame>
-      <mc:AlternateContent xmlns:mc="http://schemas.openxmlformats.org/markup-compatibility/2006">
-        <mc:Choice xmlns:a14="http://schemas.microsoft.com/office/drawing/2010/main" Requires="a14">
+      <mc:AlternateContent xmlns:mc="http://schemas.openxmlformats.org/markup-compatibility/2006" xmlns:a14="http://schemas.microsoft.com/office/drawing/2010/main">
+        <mc:Choice Requires="a14">
           <p:sp>
             <p:nvSpPr>
               <p:cNvPr id="10" name="TextBox 9">
@@ -17409,6 +17411,7 @@
               </a:bodyPr>
               <a:lstStyle/>
               <a:p>
+                <a:pPr/>
                 <a14:m>
                   <m:oMathPara xmlns:m="http://schemas.openxmlformats.org/officeDocument/2006/math">
                     <m:oMathParaPr>
@@ -17676,7 +17679,7 @@
             </p:txBody>
           </p:sp>
         </mc:Choice>
-        <mc:Fallback>
+        <mc:Fallback xmlns="">
           <p:sp>
             <p:nvSpPr>
               <p:cNvPr id="10" name="TextBox 9">
@@ -19028,6 +19031,1117 @@
     <p:extLst>
       <p:ext uri="{BB962C8B-B14F-4D97-AF65-F5344CB8AC3E}">
         <p14:creationId xmlns:p14="http://schemas.microsoft.com/office/powerpoint/2010/main" val="3206708036"/>
+      </p:ext>
+    </p:extLst>
+  </p:cSld>
+  <p:clrMapOvr>
+    <a:masterClrMapping/>
+  </p:clrMapOvr>
+</p:sld>
+</file>
+
+<file path=ppt/slides/slide40.xml><?xml version="1.0" encoding="utf-8"?>
+<p:sld xmlns:a="http://schemas.openxmlformats.org/drawingml/2006/main" xmlns:r="http://schemas.openxmlformats.org/officeDocument/2006/relationships" xmlns:p="http://schemas.openxmlformats.org/presentationml/2006/main">
+  <p:cSld>
+    <p:spTree>
+      <p:nvGrpSpPr>
+        <p:cNvPr id="1" name=""/>
+        <p:cNvGrpSpPr/>
+        <p:nvPr/>
+      </p:nvGrpSpPr>
+      <p:grpSpPr>
+        <a:xfrm>
+          <a:off x="0" y="0"/>
+          <a:ext cx="0" cy="0"/>
+          <a:chOff x="0" y="0"/>
+          <a:chExt cx="0" cy="0"/>
+        </a:xfrm>
+      </p:grpSpPr>
+      <p:sp>
+        <p:nvSpPr>
+          <p:cNvPr id="2" name="Title 1">
+            <a:extLst>
+              <a:ext uri="{FF2B5EF4-FFF2-40B4-BE49-F238E27FC236}">
+                <a16:creationId xmlns:a16="http://schemas.microsoft.com/office/drawing/2014/main" id="{F16FEA4F-6407-4F63-B884-006F22937B4D}"/>
+              </a:ext>
+            </a:extLst>
+          </p:cNvPr>
+          <p:cNvSpPr>
+            <a:spLocks noGrp="1"/>
+          </p:cNvSpPr>
+          <p:nvPr>
+            <p:ph type="title"/>
+          </p:nvPr>
+        </p:nvSpPr>
+        <p:spPr/>
+        <p:txBody>
+          <a:bodyPr/>
+          <a:lstStyle/>
+          <a:p>
+            <a:r>
+              <a:rPr lang="en-GB" dirty="0"/>
+              <a:t>Difference from prediction</a:t>
+            </a:r>
+          </a:p>
+        </p:txBody>
+      </p:sp>
+      <p:sp>
+        <p:nvSpPr>
+          <p:cNvPr id="4" name="Footer Placeholder 3">
+            <a:extLst>
+              <a:ext uri="{FF2B5EF4-FFF2-40B4-BE49-F238E27FC236}">
+                <a16:creationId xmlns:a16="http://schemas.microsoft.com/office/drawing/2014/main" id="{4440E71E-5410-42C7-BDF1-CA41D159984B}"/>
+              </a:ext>
+            </a:extLst>
+          </p:cNvPr>
+          <p:cNvSpPr>
+            <a:spLocks noGrp="1"/>
+          </p:cNvSpPr>
+          <p:nvPr>
+            <p:ph type="ftr" sz="quarter" idx="11"/>
+          </p:nvPr>
+        </p:nvSpPr>
+        <p:spPr/>
+        <p:txBody>
+          <a:bodyPr/>
+          <a:lstStyle/>
+          <a:p>
+            <a:r>
+              <a:rPr lang="en-GB"/>
+              <a:t>Jake Bretherton 1800231</a:t>
+            </a:r>
+          </a:p>
+        </p:txBody>
+      </p:sp>
+      <p:graphicFrame>
+        <p:nvGraphicFramePr>
+          <p:cNvPr id="5" name="Table 5">
+            <a:extLst>
+              <a:ext uri="{FF2B5EF4-FFF2-40B4-BE49-F238E27FC236}">
+                <a16:creationId xmlns:a16="http://schemas.microsoft.com/office/drawing/2014/main" id="{717EB21A-6AFB-4D95-AA9B-E27B1C5B925A}"/>
+              </a:ext>
+            </a:extLst>
+          </p:cNvPr>
+          <p:cNvGraphicFramePr>
+            <a:graphicFrameLocks noGrp="1"/>
+          </p:cNvGraphicFramePr>
+          <p:nvPr>
+            <p:extLst>
+              <p:ext uri="{D42A27DB-BD31-4B8C-83A1-F6EECF244321}">
+                <p14:modId xmlns:p14="http://schemas.microsoft.com/office/powerpoint/2010/main" val="14141823"/>
+              </p:ext>
+            </p:extLst>
+          </p:nvPr>
+        </p:nvGraphicFramePr>
+        <p:xfrm>
+          <a:off x="1541804" y="1926296"/>
+          <a:ext cx="8460032" cy="4217176"/>
+        </p:xfrm>
+        <a:graphic>
+          <a:graphicData uri="http://schemas.openxmlformats.org/drawingml/2006/table">
+            <a:tbl>
+              <a:tblPr firstRow="1" bandRow="1">
+                <a:tableStyleId>{5C22544A-7EE6-4342-B048-85BDC9FD1C3A}</a:tableStyleId>
+              </a:tblPr>
+              <a:tblGrid>
+                <a:gridCol w="2115008">
+                  <a:extLst>
+                    <a:ext uri="{9D8B030D-6E8A-4147-A177-3AD203B41FA5}">
+                      <a16:colId xmlns:a16="http://schemas.microsoft.com/office/drawing/2014/main" val="1563350639"/>
+                    </a:ext>
+                  </a:extLst>
+                </a:gridCol>
+                <a:gridCol w="2115008">
+                  <a:extLst>
+                    <a:ext uri="{9D8B030D-6E8A-4147-A177-3AD203B41FA5}">
+                      <a16:colId xmlns:a16="http://schemas.microsoft.com/office/drawing/2014/main" val="3821142338"/>
+                    </a:ext>
+                  </a:extLst>
+                </a:gridCol>
+                <a:gridCol w="2115008">
+                  <a:extLst>
+                    <a:ext uri="{9D8B030D-6E8A-4147-A177-3AD203B41FA5}">
+                      <a16:colId xmlns:a16="http://schemas.microsoft.com/office/drawing/2014/main" val="1861637568"/>
+                    </a:ext>
+                  </a:extLst>
+                </a:gridCol>
+                <a:gridCol w="2115008">
+                  <a:extLst>
+                    <a:ext uri="{9D8B030D-6E8A-4147-A177-3AD203B41FA5}">
+                      <a16:colId xmlns:a16="http://schemas.microsoft.com/office/drawing/2014/main" val="1992017541"/>
+                    </a:ext>
+                  </a:extLst>
+                </a:gridCol>
+              </a:tblGrid>
+              <a:tr h="476196">
+                <a:tc>
+                  <a:txBody>
+                    <a:bodyPr/>
+                    <a:lstStyle/>
+                    <a:p>
+                      <a:r>
+                        <a:rPr lang="en-GB" dirty="0"/>
+                        <a:t>Time pre crack</a:t>
+                      </a:r>
+                    </a:p>
+                  </a:txBody>
+                  <a:tcPr/>
+                </a:tc>
+                <a:tc>
+                  <a:txBody>
+                    <a:bodyPr/>
+                    <a:lstStyle/>
+                    <a:p>
+                      <a:r>
+                        <a:rPr lang="en-GB" dirty="0"/>
+                        <a:t>Predicted (seconds)</a:t>
+                      </a:r>
+                    </a:p>
+                  </a:txBody>
+                  <a:tcPr/>
+                </a:tc>
+                <a:tc>
+                  <a:txBody>
+                    <a:bodyPr/>
+                    <a:lstStyle/>
+                    <a:p>
+                      <a:r>
+                        <a:rPr lang="en-GB" dirty="0"/>
+                        <a:t>Actual (seconds)</a:t>
+                      </a:r>
+                    </a:p>
+                  </a:txBody>
+                  <a:tcPr/>
+                </a:tc>
+                <a:tc>
+                  <a:txBody>
+                    <a:bodyPr/>
+                    <a:lstStyle/>
+                    <a:p>
+                      <a:r>
+                        <a:rPr lang="en-GB" dirty="0"/>
+                        <a:t>Percentage error</a:t>
+                      </a:r>
+                    </a:p>
+                  </a:txBody>
+                  <a:tcPr/>
+                </a:tc>
+                <a:extLst>
+                  <a:ext uri="{0D108BD9-81ED-4DB2-BD59-A6C34878D82A}">
+                    <a16:rowId xmlns:a16="http://schemas.microsoft.com/office/drawing/2014/main" val="2045886486"/>
+                  </a:ext>
+                </a:extLst>
+              </a:tr>
+              <a:tr h="374098">
+                <a:tc>
+                  <a:txBody>
+                    <a:bodyPr/>
+                    <a:lstStyle/>
+                    <a:p>
+                      <a:r>
+                        <a:rPr lang="en-GB" sz="1600" b="1" dirty="0"/>
+                        <a:t>Control</a:t>
+                      </a:r>
+                      <a:r>
+                        <a:rPr lang="en-GB" sz="1600" dirty="0"/>
+                        <a:t>: L =1</a:t>
+                      </a:r>
+                    </a:p>
+                  </a:txBody>
+                  <a:tcPr/>
+                </a:tc>
+                <a:tc>
+                  <a:txBody>
+                    <a:bodyPr/>
+                    <a:lstStyle/>
+                    <a:p>
+                      <a:pPr algn="l" fontAlgn="b"/>
+                      <a:r>
+                        <a:rPr lang="en-GB" sz="1600" b="0" i="0" u="none" strike="noStrike">
+                          <a:solidFill>
+                            <a:srgbClr val="000000"/>
+                          </a:solidFill>
+                          <a:effectLst/>
+                          <a:latin typeface="Calibri" panose="020F0502020204030204" pitchFamily="34" charset="0"/>
+                        </a:rPr>
+                        <a:t>3.79958E-05</a:t>
+                      </a:r>
+                    </a:p>
+                  </a:txBody>
+                  <a:tcPr marL="7620" marR="7620" marT="7620" marB="0" anchor="b"/>
+                </a:tc>
+                <a:tc>
+                  <a:txBody>
+                    <a:bodyPr/>
+                    <a:lstStyle/>
+                    <a:p>
+                      <a:pPr algn="l" fontAlgn="b"/>
+                      <a:r>
+                        <a:rPr lang="en-GB" sz="1600" b="0" i="0" u="none" strike="noStrike">
+                          <a:solidFill>
+                            <a:srgbClr val="000000"/>
+                          </a:solidFill>
+                          <a:effectLst/>
+                          <a:latin typeface="Calibri" panose="020F0502020204030204" pitchFamily="34" charset="0"/>
+                        </a:rPr>
+                        <a:t>0.006827</a:t>
+                      </a:r>
+                    </a:p>
+                  </a:txBody>
+                  <a:tcPr marL="7620" marR="7620" marT="7620" marB="0" anchor="b"/>
+                </a:tc>
+                <a:tc>
+                  <a:txBody>
+                    <a:bodyPr/>
+                    <a:lstStyle/>
+                    <a:p>
+                      <a:pPr algn="l" fontAlgn="b"/>
+                      <a:r>
+                        <a:rPr lang="en-GB" sz="1600" b="0" i="0" u="none" strike="noStrike" dirty="0">
+                          <a:solidFill>
+                            <a:srgbClr val="000000"/>
+                          </a:solidFill>
+                          <a:effectLst/>
+                          <a:latin typeface="Calibri" panose="020F0502020204030204" pitchFamily="34" charset="0"/>
+                        </a:rPr>
+                        <a:t>17867.78%</a:t>
+                      </a:r>
+                    </a:p>
+                  </a:txBody>
+                  <a:tcPr marL="7620" marR="7620" marT="7620" marB="0" anchor="b"/>
+                </a:tc>
+                <a:extLst>
+                  <a:ext uri="{0D108BD9-81ED-4DB2-BD59-A6C34878D82A}">
+                    <a16:rowId xmlns:a16="http://schemas.microsoft.com/office/drawing/2014/main" val="3679642413"/>
+                  </a:ext>
+                </a:extLst>
+              </a:tr>
+              <a:tr h="374098">
+                <a:tc>
+                  <a:txBody>
+                    <a:bodyPr/>
+                    <a:lstStyle/>
+                    <a:p>
+                      <a:r>
+                        <a:rPr lang="en-GB" sz="1600" dirty="0"/>
+                        <a:t>L = 2</a:t>
+                      </a:r>
+                    </a:p>
+                  </a:txBody>
+                  <a:tcPr/>
+                </a:tc>
+                <a:tc>
+                  <a:txBody>
+                    <a:bodyPr/>
+                    <a:lstStyle/>
+                    <a:p>
+                      <a:pPr algn="l" fontAlgn="b"/>
+                      <a:r>
+                        <a:rPr lang="en-GB" sz="1600" b="0" i="0" u="none" strike="noStrike">
+                          <a:solidFill>
+                            <a:srgbClr val="000000"/>
+                          </a:solidFill>
+                          <a:effectLst/>
+                          <a:latin typeface="Calibri" panose="020F0502020204030204" pitchFamily="34" charset="0"/>
+                        </a:rPr>
+                        <a:t>0.003609601</a:t>
+                      </a:r>
+                    </a:p>
+                  </a:txBody>
+                  <a:tcPr marL="7620" marR="7620" marT="7620" marB="0" anchor="b"/>
+                </a:tc>
+                <a:tc>
+                  <a:txBody>
+                    <a:bodyPr/>
+                    <a:lstStyle/>
+                    <a:p>
+                      <a:pPr algn="l" fontAlgn="b"/>
+                      <a:r>
+                        <a:rPr lang="en-GB" sz="1600" b="0" i="0" u="none" strike="noStrike">
+                          <a:solidFill>
+                            <a:srgbClr val="000000"/>
+                          </a:solidFill>
+                          <a:effectLst/>
+                          <a:latin typeface="Calibri" panose="020F0502020204030204" pitchFamily="34" charset="0"/>
+                        </a:rPr>
+                        <a:t>0.011002</a:t>
+                      </a:r>
+                    </a:p>
+                  </a:txBody>
+                  <a:tcPr marL="7620" marR="7620" marT="7620" marB="0" anchor="b"/>
+                </a:tc>
+                <a:tc>
+                  <a:txBody>
+                    <a:bodyPr/>
+                    <a:lstStyle/>
+                    <a:p>
+                      <a:pPr algn="l" fontAlgn="b"/>
+                      <a:r>
+                        <a:rPr lang="en-GB" sz="1600" b="0" i="0" u="none" strike="noStrike">
+                          <a:solidFill>
+                            <a:srgbClr val="000000"/>
+                          </a:solidFill>
+                          <a:effectLst/>
+                          <a:latin typeface="Calibri" panose="020F0502020204030204" pitchFamily="34" charset="0"/>
+                        </a:rPr>
+                        <a:t>204.80%</a:t>
+                      </a:r>
+                    </a:p>
+                  </a:txBody>
+                  <a:tcPr marL="7620" marR="7620" marT="7620" marB="0" anchor="b"/>
+                </a:tc>
+                <a:extLst>
+                  <a:ext uri="{0D108BD9-81ED-4DB2-BD59-A6C34878D82A}">
+                    <a16:rowId xmlns:a16="http://schemas.microsoft.com/office/drawing/2014/main" val="3897365734"/>
+                  </a:ext>
+                </a:extLst>
+              </a:tr>
+              <a:tr h="374098">
+                <a:tc>
+                  <a:txBody>
+                    <a:bodyPr/>
+                    <a:lstStyle/>
+                    <a:p>
+                      <a:r>
+                        <a:rPr lang="en-GB" sz="1600" dirty="0"/>
+                        <a:t>L = 3</a:t>
+                      </a:r>
+                    </a:p>
+                  </a:txBody>
+                  <a:tcPr/>
+                </a:tc>
+                <a:tc>
+                  <a:txBody>
+                    <a:bodyPr/>
+                    <a:lstStyle/>
+                    <a:p>
+                      <a:pPr algn="l" fontAlgn="b"/>
+                      <a:r>
+                        <a:rPr lang="en-GB" sz="1600" b="0" i="0" u="none" strike="noStrike">
+                          <a:solidFill>
+                            <a:srgbClr val="000000"/>
+                          </a:solidFill>
+                          <a:effectLst/>
+                          <a:latin typeface="Calibri" panose="020F0502020204030204" pitchFamily="34" charset="0"/>
+                        </a:rPr>
+                        <a:t>0.342912095</a:t>
+                      </a:r>
+                    </a:p>
+                  </a:txBody>
+                  <a:tcPr marL="7620" marR="7620" marT="7620" marB="0" anchor="b"/>
+                </a:tc>
+                <a:tc>
+                  <a:txBody>
+                    <a:bodyPr/>
+                    <a:lstStyle/>
+                    <a:p>
+                      <a:pPr algn="l" fontAlgn="b"/>
+                      <a:r>
+                        <a:rPr lang="en-GB" sz="1600" b="0" i="0" u="none" strike="noStrike">
+                          <a:solidFill>
+                            <a:srgbClr val="000000"/>
+                          </a:solidFill>
+                          <a:effectLst/>
+                          <a:latin typeface="Calibri" panose="020F0502020204030204" pitchFamily="34" charset="0"/>
+                        </a:rPr>
+                        <a:t>0.373407</a:t>
+                      </a:r>
+                    </a:p>
+                  </a:txBody>
+                  <a:tcPr marL="7620" marR="7620" marT="7620" marB="0" anchor="b"/>
+                </a:tc>
+                <a:tc>
+                  <a:txBody>
+                    <a:bodyPr/>
+                    <a:lstStyle/>
+                    <a:p>
+                      <a:pPr algn="l" fontAlgn="b"/>
+                      <a:r>
+                        <a:rPr lang="en-GB" sz="1600" b="0" i="0" u="none" strike="noStrike" dirty="0">
+                          <a:solidFill>
+                            <a:srgbClr val="000000"/>
+                          </a:solidFill>
+                          <a:effectLst/>
+                          <a:latin typeface="Calibri" panose="020F0502020204030204" pitchFamily="34" charset="0"/>
+                        </a:rPr>
+                        <a:t>8.89%</a:t>
+                      </a:r>
+                    </a:p>
+                  </a:txBody>
+                  <a:tcPr marL="7620" marR="7620" marT="7620" marB="0" anchor="b"/>
+                </a:tc>
+                <a:extLst>
+                  <a:ext uri="{0D108BD9-81ED-4DB2-BD59-A6C34878D82A}">
+                    <a16:rowId xmlns:a16="http://schemas.microsoft.com/office/drawing/2014/main" val="2780004076"/>
+                  </a:ext>
+                </a:extLst>
+              </a:tr>
+              <a:tr h="374098">
+                <a:tc>
+                  <a:txBody>
+                    <a:bodyPr/>
+                    <a:lstStyle/>
+                    <a:p>
+                      <a:r>
+                        <a:rPr lang="en-GB" sz="1600" dirty="0"/>
+                        <a:t>L = 4</a:t>
+                      </a:r>
+                    </a:p>
+                  </a:txBody>
+                  <a:tcPr/>
+                </a:tc>
+                <a:tc>
+                  <a:txBody>
+                    <a:bodyPr/>
+                    <a:lstStyle/>
+                    <a:p>
+                      <a:pPr algn="l" fontAlgn="b"/>
+                      <a:r>
+                        <a:rPr lang="en-GB" sz="1600" b="0" i="0" u="none" strike="noStrike">
+                          <a:solidFill>
+                            <a:srgbClr val="000000"/>
+                          </a:solidFill>
+                          <a:effectLst/>
+                          <a:latin typeface="Calibri" panose="020F0502020204030204" pitchFamily="34" charset="0"/>
+                        </a:rPr>
+                        <a:t>32.57664903</a:t>
+                      </a:r>
+                    </a:p>
+                  </a:txBody>
+                  <a:tcPr marL="7620" marR="7620" marT="7620" marB="0" anchor="b"/>
+                </a:tc>
+                <a:tc>
+                  <a:txBody>
+                    <a:bodyPr/>
+                    <a:lstStyle/>
+                    <a:p>
+                      <a:pPr algn="l" fontAlgn="b"/>
+                      <a:r>
+                        <a:rPr lang="en-GB" sz="1600" b="0" i="0" u="none" strike="noStrike">
+                          <a:solidFill>
+                            <a:srgbClr val="000000"/>
+                          </a:solidFill>
+                          <a:effectLst/>
+                          <a:latin typeface="Calibri" panose="020F0502020204030204" pitchFamily="34" charset="0"/>
+                        </a:rPr>
+                        <a:t>27.983454</a:t>
+                      </a:r>
+                    </a:p>
+                  </a:txBody>
+                  <a:tcPr marL="7620" marR="7620" marT="7620" marB="0" anchor="b"/>
+                </a:tc>
+                <a:tc>
+                  <a:txBody>
+                    <a:bodyPr/>
+                    <a:lstStyle/>
+                    <a:p>
+                      <a:pPr algn="l" fontAlgn="b"/>
+                      <a:r>
+                        <a:rPr lang="en-GB" sz="1600" b="0" i="0" u="none" strike="noStrike" dirty="0">
+                          <a:solidFill>
+                            <a:srgbClr val="000000"/>
+                          </a:solidFill>
+                          <a:effectLst/>
+                          <a:latin typeface="Calibri" panose="020F0502020204030204" pitchFamily="34" charset="0"/>
+                        </a:rPr>
+                        <a:t>-14.10%</a:t>
+                      </a:r>
+                    </a:p>
+                  </a:txBody>
+                  <a:tcPr marL="7620" marR="7620" marT="7620" marB="0" anchor="b"/>
+                </a:tc>
+                <a:extLst>
+                  <a:ext uri="{0D108BD9-81ED-4DB2-BD59-A6C34878D82A}">
+                    <a16:rowId xmlns:a16="http://schemas.microsoft.com/office/drawing/2014/main" val="1942985232"/>
+                  </a:ext>
+                </a:extLst>
+              </a:tr>
+              <a:tr h="374098">
+                <a:tc>
+                  <a:txBody>
+                    <a:bodyPr/>
+                    <a:lstStyle/>
+                    <a:p>
+                      <a:r>
+                        <a:rPr lang="en-GB" sz="1600" dirty="0"/>
+                        <a:t>L = 5</a:t>
+                      </a:r>
+                    </a:p>
+                  </a:txBody>
+                  <a:tcPr/>
+                </a:tc>
+                <a:tc>
+                  <a:txBody>
+                    <a:bodyPr/>
+                    <a:lstStyle/>
+                    <a:p>
+                      <a:pPr algn="l" fontAlgn="b"/>
+                      <a:r>
+                        <a:rPr lang="en-GB" sz="1600" b="0" i="0" u="none" strike="noStrike">
+                          <a:solidFill>
+                            <a:srgbClr val="000000"/>
+                          </a:solidFill>
+                          <a:effectLst/>
+                          <a:latin typeface="Calibri" panose="020F0502020204030204" pitchFamily="34" charset="0"/>
+                        </a:rPr>
+                        <a:t>3094.781657</a:t>
+                      </a:r>
+                    </a:p>
+                  </a:txBody>
+                  <a:tcPr marL="7620" marR="7620" marT="7620" marB="0" anchor="b"/>
+                </a:tc>
+                <a:tc>
+                  <a:txBody>
+                    <a:bodyPr/>
+                    <a:lstStyle/>
+                    <a:p>
+                      <a:pPr algn="l" fontAlgn="b"/>
+                      <a:r>
+                        <a:rPr lang="en-GB" sz="1600" b="0" i="0" u="none" strike="noStrike" dirty="0">
+                          <a:solidFill>
+                            <a:srgbClr val="000000"/>
+                          </a:solidFill>
+                          <a:effectLst/>
+                          <a:latin typeface="Calibri" panose="020F0502020204030204" pitchFamily="34" charset="0"/>
+                        </a:rPr>
+                        <a:t>3226.771973</a:t>
+                      </a:r>
+                    </a:p>
+                  </a:txBody>
+                  <a:tcPr marL="7620" marR="7620" marT="7620" marB="0" anchor="b"/>
+                </a:tc>
+                <a:tc>
+                  <a:txBody>
+                    <a:bodyPr/>
+                    <a:lstStyle/>
+                    <a:p>
+                      <a:r>
+                        <a:rPr lang="en-GB" sz="1600" dirty="0"/>
+                        <a:t>4.26%</a:t>
+                      </a:r>
+                    </a:p>
+                  </a:txBody>
+                  <a:tcPr/>
+                </a:tc>
+                <a:extLst>
+                  <a:ext uri="{0D108BD9-81ED-4DB2-BD59-A6C34878D82A}">
+                    <a16:rowId xmlns:a16="http://schemas.microsoft.com/office/drawing/2014/main" val="320583163"/>
+                  </a:ext>
+                </a:extLst>
+              </a:tr>
+              <a:tr h="374098">
+                <a:tc>
+                  <a:txBody>
+                    <a:bodyPr/>
+                    <a:lstStyle/>
+                    <a:p>
+                      <a:pPr marL="0" marR="0" lvl="0" indent="0" algn="l" defTabSz="914400" rtl="0" eaLnBrk="1" fontAlgn="auto" latinLnBrk="0" hangingPunct="1">
+                        <a:lnSpc>
+                          <a:spcPct val="100000"/>
+                        </a:lnSpc>
+                        <a:spcBef>
+                          <a:spcPts val="0"/>
+                        </a:spcBef>
+                        <a:spcAft>
+                          <a:spcPts val="0"/>
+                        </a:spcAft>
+                        <a:buClrTx/>
+                        <a:buSzTx/>
+                        <a:buFontTx/>
+                        <a:buNone/>
+                        <a:tabLst/>
+                        <a:defRPr/>
+                      </a:pPr>
+                      <a:r>
+                        <a:rPr lang="en-GB" sz="1600" b="1" dirty="0"/>
+                        <a:t>Optimised</a:t>
+                      </a:r>
+                      <a:r>
+                        <a:rPr lang="en-GB" sz="1600" dirty="0"/>
+                        <a:t>: L = 1</a:t>
+                      </a:r>
+                    </a:p>
+                  </a:txBody>
+                  <a:tcPr/>
+                </a:tc>
+                <a:tc>
+                  <a:txBody>
+                    <a:bodyPr/>
+                    <a:lstStyle/>
+                    <a:p>
+                      <a:pPr algn="l" fontAlgn="b"/>
+                      <a:r>
+                        <a:rPr lang="en-GB" sz="1600" b="0" i="0" u="none" strike="noStrike">
+                          <a:solidFill>
+                            <a:srgbClr val="000000"/>
+                          </a:solidFill>
+                          <a:effectLst/>
+                          <a:latin typeface="Calibri" panose="020F0502020204030204" pitchFamily="34" charset="0"/>
+                        </a:rPr>
+                        <a:t>2.86146E-05</a:t>
+                      </a:r>
+                    </a:p>
+                  </a:txBody>
+                  <a:tcPr marL="7620" marR="7620" marT="7620" marB="0" anchor="b"/>
+                </a:tc>
+                <a:tc>
+                  <a:txBody>
+                    <a:bodyPr/>
+                    <a:lstStyle/>
+                    <a:p>
+                      <a:pPr algn="l" fontAlgn="b"/>
+                      <a:r>
+                        <a:rPr lang="en-GB" sz="1600" b="0" i="0" u="none" strike="noStrike">
+                          <a:solidFill>
+                            <a:srgbClr val="000000"/>
+                          </a:solidFill>
+                          <a:effectLst/>
+                          <a:latin typeface="Calibri" panose="020F0502020204030204" pitchFamily="34" charset="0"/>
+                        </a:rPr>
+                        <a:t>0.009286</a:t>
+                      </a:r>
+                    </a:p>
+                  </a:txBody>
+                  <a:tcPr marL="7620" marR="7620" marT="7620" marB="0" anchor="b"/>
+                </a:tc>
+                <a:tc>
+                  <a:txBody>
+                    <a:bodyPr/>
+                    <a:lstStyle/>
+                    <a:p>
+                      <a:pPr algn="l" fontAlgn="b"/>
+                      <a:r>
+                        <a:rPr lang="en-GB" sz="1600" b="0" i="0" u="none" strike="noStrike" dirty="0">
+                          <a:solidFill>
+                            <a:srgbClr val="000000"/>
+                          </a:solidFill>
+                          <a:effectLst/>
+                          <a:latin typeface="Calibri" panose="020F0502020204030204" pitchFamily="34" charset="0"/>
+                        </a:rPr>
+                        <a:t>32352.02%</a:t>
+                      </a:r>
+                    </a:p>
+                  </a:txBody>
+                  <a:tcPr marL="7620" marR="7620" marT="7620" marB="0" anchor="b"/>
+                </a:tc>
+                <a:extLst>
+                  <a:ext uri="{0D108BD9-81ED-4DB2-BD59-A6C34878D82A}">
+                    <a16:rowId xmlns:a16="http://schemas.microsoft.com/office/drawing/2014/main" val="4239524971"/>
+                  </a:ext>
+                </a:extLst>
+              </a:tr>
+              <a:tr h="374098">
+                <a:tc>
+                  <a:txBody>
+                    <a:bodyPr/>
+                    <a:lstStyle/>
+                    <a:p>
+                      <a:r>
+                        <a:rPr lang="en-GB" sz="1600" dirty="0"/>
+                        <a:t>L = 2</a:t>
+                      </a:r>
+                    </a:p>
+                  </a:txBody>
+                  <a:tcPr/>
+                </a:tc>
+                <a:tc>
+                  <a:txBody>
+                    <a:bodyPr/>
+                    <a:lstStyle/>
+                    <a:p>
+                      <a:pPr algn="l" fontAlgn="b"/>
+                      <a:r>
+                        <a:rPr lang="en-GB" sz="1600" b="0" i="0" u="none" strike="noStrike">
+                          <a:solidFill>
+                            <a:srgbClr val="000000"/>
+                          </a:solidFill>
+                          <a:effectLst/>
+                          <a:latin typeface="Calibri" panose="020F0502020204030204" pitchFamily="34" charset="0"/>
+                        </a:rPr>
+                        <a:t>0.002718382</a:t>
+                      </a:r>
+                    </a:p>
+                  </a:txBody>
+                  <a:tcPr marL="7620" marR="7620" marT="7620" marB="0" anchor="b"/>
+                </a:tc>
+                <a:tc>
+                  <a:txBody>
+                    <a:bodyPr/>
+                    <a:lstStyle/>
+                    <a:p>
+                      <a:pPr algn="l" fontAlgn="b"/>
+                      <a:r>
+                        <a:rPr lang="en-GB" sz="1600" b="0" i="0" u="none" strike="noStrike">
+                          <a:solidFill>
+                            <a:srgbClr val="000000"/>
+                          </a:solidFill>
+                          <a:effectLst/>
+                          <a:latin typeface="Calibri" panose="020F0502020204030204" pitchFamily="34" charset="0"/>
+                        </a:rPr>
+                        <a:t>0.012724</a:t>
+                      </a:r>
+                    </a:p>
+                  </a:txBody>
+                  <a:tcPr marL="7620" marR="7620" marT="7620" marB="0" anchor="b"/>
+                </a:tc>
+                <a:tc>
+                  <a:txBody>
+                    <a:bodyPr/>
+                    <a:lstStyle/>
+                    <a:p>
+                      <a:pPr algn="l" fontAlgn="b"/>
+                      <a:r>
+                        <a:rPr lang="en-GB" sz="1600" b="0" i="0" u="none" strike="noStrike">
+                          <a:solidFill>
+                            <a:srgbClr val="000000"/>
+                          </a:solidFill>
+                          <a:effectLst/>
+                          <a:latin typeface="Calibri" panose="020F0502020204030204" pitchFamily="34" charset="0"/>
+                        </a:rPr>
+                        <a:t>368.07%</a:t>
+                      </a:r>
+                    </a:p>
+                  </a:txBody>
+                  <a:tcPr marL="7620" marR="7620" marT="7620" marB="0" anchor="b"/>
+                </a:tc>
+                <a:extLst>
+                  <a:ext uri="{0D108BD9-81ED-4DB2-BD59-A6C34878D82A}">
+                    <a16:rowId xmlns:a16="http://schemas.microsoft.com/office/drawing/2014/main" val="2970283702"/>
+                  </a:ext>
+                </a:extLst>
+              </a:tr>
+              <a:tr h="374098">
+                <a:tc>
+                  <a:txBody>
+                    <a:bodyPr/>
+                    <a:lstStyle/>
+                    <a:p>
+                      <a:r>
+                        <a:rPr lang="en-GB" sz="1600" dirty="0"/>
+                        <a:t>L = 3</a:t>
+                      </a:r>
+                    </a:p>
+                  </a:txBody>
+                  <a:tcPr/>
+                </a:tc>
+                <a:tc>
+                  <a:txBody>
+                    <a:bodyPr/>
+                    <a:lstStyle/>
+                    <a:p>
+                      <a:pPr algn="l" fontAlgn="b"/>
+                      <a:r>
+                        <a:rPr lang="en-GB" sz="1600" b="0" i="0" u="none" strike="noStrike">
+                          <a:solidFill>
+                            <a:srgbClr val="000000"/>
+                          </a:solidFill>
+                          <a:effectLst/>
+                          <a:latin typeface="Calibri" panose="020F0502020204030204" pitchFamily="34" charset="0"/>
+                        </a:rPr>
+                        <a:t>0.258246314</a:t>
+                      </a:r>
+                    </a:p>
+                  </a:txBody>
+                  <a:tcPr marL="7620" marR="7620" marT="7620" marB="0" anchor="b"/>
+                </a:tc>
+                <a:tc>
+                  <a:txBody>
+                    <a:bodyPr/>
+                    <a:lstStyle/>
+                    <a:p>
+                      <a:pPr algn="l" fontAlgn="b"/>
+                      <a:r>
+                        <a:rPr lang="en-GB" sz="1600" b="0" i="0" u="none" strike="noStrike">
+                          <a:solidFill>
+                            <a:srgbClr val="000000"/>
+                          </a:solidFill>
+                          <a:effectLst/>
+                          <a:latin typeface="Calibri" panose="020F0502020204030204" pitchFamily="34" charset="0"/>
+                        </a:rPr>
+                        <a:t>0.284701</a:t>
+                      </a:r>
+                    </a:p>
+                  </a:txBody>
+                  <a:tcPr marL="7620" marR="7620" marT="7620" marB="0" anchor="b"/>
+                </a:tc>
+                <a:tc>
+                  <a:txBody>
+                    <a:bodyPr/>
+                    <a:lstStyle/>
+                    <a:p>
+                      <a:pPr algn="l" fontAlgn="b"/>
+                      <a:r>
+                        <a:rPr lang="en-GB" sz="1600" b="0" i="0" u="none" strike="noStrike">
+                          <a:solidFill>
+                            <a:srgbClr val="000000"/>
+                          </a:solidFill>
+                          <a:effectLst/>
+                          <a:latin typeface="Calibri" panose="020F0502020204030204" pitchFamily="34" charset="0"/>
+                        </a:rPr>
+                        <a:t>10.24%</a:t>
+                      </a:r>
+                    </a:p>
+                  </a:txBody>
+                  <a:tcPr marL="7620" marR="7620" marT="7620" marB="0" anchor="b"/>
+                </a:tc>
+                <a:extLst>
+                  <a:ext uri="{0D108BD9-81ED-4DB2-BD59-A6C34878D82A}">
+                    <a16:rowId xmlns:a16="http://schemas.microsoft.com/office/drawing/2014/main" val="1606738307"/>
+                  </a:ext>
+                </a:extLst>
+              </a:tr>
+              <a:tr h="374098">
+                <a:tc>
+                  <a:txBody>
+                    <a:bodyPr/>
+                    <a:lstStyle/>
+                    <a:p>
+                      <a:r>
+                        <a:rPr lang="en-GB" sz="1600" dirty="0"/>
+                        <a:t>L = 4</a:t>
+                      </a:r>
+                    </a:p>
+                  </a:txBody>
+                  <a:tcPr/>
+                </a:tc>
+                <a:tc>
+                  <a:txBody>
+                    <a:bodyPr/>
+                    <a:lstStyle/>
+                    <a:p>
+                      <a:pPr algn="l" fontAlgn="b"/>
+                      <a:r>
+                        <a:rPr lang="en-GB" sz="1600" b="0" i="0" u="none" strike="noStrike">
+                          <a:solidFill>
+                            <a:srgbClr val="000000"/>
+                          </a:solidFill>
+                          <a:effectLst/>
+                          <a:latin typeface="Calibri" panose="020F0502020204030204" pitchFamily="34" charset="0"/>
+                        </a:rPr>
+                        <a:t>24.53339981</a:t>
+                      </a:r>
+                    </a:p>
+                  </a:txBody>
+                  <a:tcPr marL="7620" marR="7620" marT="7620" marB="0" anchor="b"/>
+                </a:tc>
+                <a:tc>
+                  <a:txBody>
+                    <a:bodyPr/>
+                    <a:lstStyle/>
+                    <a:p>
+                      <a:pPr algn="l" fontAlgn="b"/>
+                      <a:r>
+                        <a:rPr lang="en-GB" sz="1600" b="0" i="0" u="none" strike="noStrike" dirty="0">
+                          <a:solidFill>
+                            <a:srgbClr val="000000"/>
+                          </a:solidFill>
+                          <a:effectLst/>
+                          <a:latin typeface="Calibri" panose="020F0502020204030204" pitchFamily="34" charset="0"/>
+                        </a:rPr>
+                        <a:t>25.69767</a:t>
+                      </a:r>
+                    </a:p>
+                  </a:txBody>
+                  <a:tcPr marL="7620" marR="7620" marT="7620" marB="0" anchor="b"/>
+                </a:tc>
+                <a:tc>
+                  <a:txBody>
+                    <a:bodyPr/>
+                    <a:lstStyle/>
+                    <a:p>
+                      <a:pPr algn="l" fontAlgn="b"/>
+                      <a:r>
+                        <a:rPr lang="en-GB" sz="1600" b="0" i="0" u="none" strike="noStrike" dirty="0">
+                          <a:solidFill>
+                            <a:srgbClr val="000000"/>
+                          </a:solidFill>
+                          <a:effectLst/>
+                          <a:latin typeface="Calibri" panose="020F0502020204030204" pitchFamily="34" charset="0"/>
+                        </a:rPr>
+                        <a:t>4.75%</a:t>
+                      </a:r>
+                    </a:p>
+                  </a:txBody>
+                  <a:tcPr marL="7620" marR="7620" marT="7620" marB="0" anchor="b"/>
+                </a:tc>
+                <a:extLst>
+                  <a:ext uri="{0D108BD9-81ED-4DB2-BD59-A6C34878D82A}">
+                    <a16:rowId xmlns:a16="http://schemas.microsoft.com/office/drawing/2014/main" val="2065557841"/>
+                  </a:ext>
+                </a:extLst>
+              </a:tr>
+              <a:tr h="374098">
+                <a:tc>
+                  <a:txBody>
+                    <a:bodyPr/>
+                    <a:lstStyle/>
+                    <a:p>
+                      <a:r>
+                        <a:rPr lang="en-GB" sz="1600" dirty="0"/>
+                        <a:t>L = 5</a:t>
+                      </a:r>
+                    </a:p>
+                  </a:txBody>
+                  <a:tcPr/>
+                </a:tc>
+                <a:tc>
+                  <a:txBody>
+                    <a:bodyPr/>
+                    <a:lstStyle/>
+                    <a:p>
+                      <a:endParaRPr lang="en-GB" sz="1600"/>
+                    </a:p>
+                  </a:txBody>
+                  <a:tcPr/>
+                </a:tc>
+                <a:tc>
+                  <a:txBody>
+                    <a:bodyPr/>
+                    <a:lstStyle/>
+                    <a:p>
+                      <a:endParaRPr lang="en-GB" sz="1600" dirty="0"/>
+                    </a:p>
+                  </a:txBody>
+                  <a:tcPr/>
+                </a:tc>
+                <a:tc>
+                  <a:txBody>
+                    <a:bodyPr/>
+                    <a:lstStyle/>
+                    <a:p>
+                      <a:endParaRPr lang="en-GB" sz="1600" dirty="0"/>
+                    </a:p>
+                  </a:txBody>
+                  <a:tcPr/>
+                </a:tc>
+                <a:extLst>
+                  <a:ext uri="{0D108BD9-81ED-4DB2-BD59-A6C34878D82A}">
+                    <a16:rowId xmlns:a16="http://schemas.microsoft.com/office/drawing/2014/main" val="3382351027"/>
+                  </a:ext>
+                </a:extLst>
+              </a:tr>
+            </a:tbl>
+          </a:graphicData>
+        </a:graphic>
+      </p:graphicFrame>
+    </p:spTree>
+    <p:extLst>
+      <p:ext uri="{BB962C8B-B14F-4D97-AF65-F5344CB8AC3E}">
+        <p14:creationId xmlns:p14="http://schemas.microsoft.com/office/powerpoint/2010/main" val="3851307676"/>
+      </p:ext>
+    </p:extLst>
+  </p:cSld>
+  <p:clrMapOvr>
+    <a:masterClrMapping/>
+  </p:clrMapOvr>
+</p:sld>
+</file>
+
+<file path=ppt/slides/slide41.xml><?xml version="1.0" encoding="utf-8"?>
+<p:sld xmlns:a="http://schemas.openxmlformats.org/drawingml/2006/main" xmlns:r="http://schemas.openxmlformats.org/officeDocument/2006/relationships" xmlns:p="http://schemas.openxmlformats.org/presentationml/2006/main">
+  <p:cSld>
+    <p:spTree>
+      <p:nvGrpSpPr>
+        <p:cNvPr id="1" name=""/>
+        <p:cNvGrpSpPr/>
+        <p:nvPr/>
+      </p:nvGrpSpPr>
+      <p:grpSpPr>
+        <a:xfrm>
+          <a:off x="0" y="0"/>
+          <a:ext cx="0" cy="0"/>
+          <a:chOff x="0" y="0"/>
+          <a:chExt cx="0" cy="0"/>
+        </a:xfrm>
+      </p:grpSpPr>
+      <p:sp>
+        <p:nvSpPr>
+          <p:cNvPr id="2" name="Title 1">
+            <a:extLst>
+              <a:ext uri="{FF2B5EF4-FFF2-40B4-BE49-F238E27FC236}">
+                <a16:creationId xmlns:a16="http://schemas.microsoft.com/office/drawing/2014/main" id="{D41F5435-C22C-474B-9723-293E6E3651AE}"/>
+              </a:ext>
+            </a:extLst>
+          </p:cNvPr>
+          <p:cNvSpPr>
+            <a:spLocks noGrp="1"/>
+          </p:cNvSpPr>
+          <p:nvPr>
+            <p:ph type="title"/>
+          </p:nvPr>
+        </p:nvSpPr>
+        <p:spPr/>
+        <p:txBody>
+          <a:bodyPr/>
+          <a:lstStyle/>
+          <a:p>
+            <a:r>
+              <a:rPr lang="en-GB" dirty="0"/>
+              <a:t>Results</a:t>
+            </a:r>
+          </a:p>
+        </p:txBody>
+      </p:sp>
+      <p:sp>
+        <p:nvSpPr>
+          <p:cNvPr id="3" name="Content Placeholder 2">
+            <a:extLst>
+              <a:ext uri="{FF2B5EF4-FFF2-40B4-BE49-F238E27FC236}">
+                <a16:creationId xmlns:a16="http://schemas.microsoft.com/office/drawing/2014/main" id="{A888622D-3420-4FAA-9EF8-9C225BD7412D}"/>
+              </a:ext>
+            </a:extLst>
+          </p:cNvPr>
+          <p:cNvSpPr>
+            <a:spLocks noGrp="1"/>
+          </p:cNvSpPr>
+          <p:nvPr>
+            <p:ph idx="1"/>
+          </p:nvPr>
+        </p:nvSpPr>
+        <p:spPr/>
+        <p:txBody>
+          <a:bodyPr/>
+          <a:lstStyle/>
+          <a:p>
+            <a:r>
+              <a:rPr lang="en-GB" dirty="0"/>
+              <a:t>For low numbers of characters </a:t>
+            </a:r>
+          </a:p>
+        </p:txBody>
+      </p:sp>
+      <p:sp>
+        <p:nvSpPr>
+          <p:cNvPr id="4" name="Footer Placeholder 3">
+            <a:extLst>
+              <a:ext uri="{FF2B5EF4-FFF2-40B4-BE49-F238E27FC236}">
+                <a16:creationId xmlns:a16="http://schemas.microsoft.com/office/drawing/2014/main" id="{7C36EED0-30CF-4BBE-A708-9653C6AB2432}"/>
+              </a:ext>
+            </a:extLst>
+          </p:cNvPr>
+          <p:cNvSpPr>
+            <a:spLocks noGrp="1"/>
+          </p:cNvSpPr>
+          <p:nvPr>
+            <p:ph type="ftr" sz="quarter" idx="11"/>
+          </p:nvPr>
+        </p:nvSpPr>
+        <p:spPr/>
+        <p:txBody>
+          <a:bodyPr/>
+          <a:lstStyle/>
+          <a:p>
+            <a:r>
+              <a:rPr lang="en-GB"/>
+              <a:t>Jake Bretherton 1800231</a:t>
+            </a:r>
+          </a:p>
+        </p:txBody>
+      </p:sp>
+    </p:spTree>
+    <p:extLst>
+      <p:ext uri="{BB962C8B-B14F-4D97-AF65-F5344CB8AC3E}">
+        <p14:creationId xmlns:p14="http://schemas.microsoft.com/office/powerpoint/2010/main" val="1901195832"/>
       </p:ext>
     </p:extLst>
   </p:cSld>
